--- a/Project-Presentation.pptx
+++ b/Project-Presentation.pptx
@@ -5,16 +5,16 @@
     <p:sldMasterId id="2147483696" r:id="rId1"/>
   </p:sldMasterIdLst>
   <p:notesMasterIdLst>
-    <p:notesMasterId r:id="rId20"/>
+    <p:notesMasterId r:id="rId22"/>
   </p:notesMasterIdLst>
   <p:sldIdLst>
     <p:sldId id="256" r:id="rId2"/>
-    <p:sldId id="257" r:id="rId3"/>
-    <p:sldId id="258" r:id="rId4"/>
-    <p:sldId id="259" r:id="rId5"/>
-    <p:sldId id="265" r:id="rId6"/>
-    <p:sldId id="260" r:id="rId7"/>
-    <p:sldId id="272" r:id="rId8"/>
+    <p:sldId id="276" r:id="rId3"/>
+    <p:sldId id="277" r:id="rId4"/>
+    <p:sldId id="258" r:id="rId5"/>
+    <p:sldId id="259" r:id="rId6"/>
+    <p:sldId id="265" r:id="rId7"/>
+    <p:sldId id="260" r:id="rId8"/>
     <p:sldId id="266" r:id="rId9"/>
     <p:sldId id="268" r:id="rId10"/>
     <p:sldId id="262" r:id="rId11"/>
@@ -23,9 +23,11 @@
     <p:sldId id="270" r:id="rId14"/>
     <p:sldId id="263" r:id="rId15"/>
     <p:sldId id="267" r:id="rId16"/>
-    <p:sldId id="271" r:id="rId17"/>
-    <p:sldId id="275" r:id="rId18"/>
-    <p:sldId id="273" r:id="rId19"/>
+    <p:sldId id="272" r:id="rId17"/>
+    <p:sldId id="271" r:id="rId18"/>
+    <p:sldId id="278" r:id="rId19"/>
+    <p:sldId id="275" r:id="rId20"/>
+    <p:sldId id="273" r:id="rId21"/>
   </p:sldIdLst>
   <p:sldSz cx="12192000" cy="6858000"/>
   <p:notesSz cx="6858000" cy="9144000"/>
@@ -214,7 +216,7 @@
           <a:p>
             <a:fld id="{980E8904-9E27-436F-BF01-34A83EC5D171}" type="datetimeFigureOut">
               <a:rPr lang="en-US" smtClean="0"/>
-              <a:t>8/11/2019</a:t>
+              <a:t>12/27/2019</a:t>
             </a:fld>
             <a:endParaRPr lang="en-US"/>
           </a:p>
@@ -612,7 +614,7 @@
           <a:p>
             <a:fld id="{D972CD85-889C-49F7-9AD5-1BD9175772A0}" type="datetime1">
               <a:rPr lang="en-US" smtClean="0"/>
-              <a:t>8/11/2019</a:t>
+              <a:t>12/27/2019</a:t>
             </a:fld>
             <a:endParaRPr lang="en-US"/>
           </a:p>
@@ -782,7 +784,7 @@
           <a:p>
             <a:fld id="{B632DC19-86BF-4BDE-A5B9-1D010BEDC75E}" type="datetime1">
               <a:rPr lang="en-US" smtClean="0"/>
-              <a:t>8/11/2019</a:t>
+              <a:t>12/27/2019</a:t>
             </a:fld>
             <a:endParaRPr lang="en-US"/>
           </a:p>
@@ -962,7 +964,7 @@
           <a:p>
             <a:fld id="{FF36010A-7909-4542-9D2F-034FF255844D}" type="datetime1">
               <a:rPr lang="en-US" smtClean="0"/>
-              <a:t>8/11/2019</a:t>
+              <a:t>12/27/2019</a:t>
             </a:fld>
             <a:endParaRPr lang="en-US"/>
           </a:p>
@@ -1132,7 +1134,7 @@
           <a:p>
             <a:fld id="{59589BC3-404E-4B43-9670-5BE5AEDB2135}" type="datetime1">
               <a:rPr lang="en-US" smtClean="0"/>
-              <a:t>8/11/2019</a:t>
+              <a:t>12/27/2019</a:t>
             </a:fld>
             <a:endParaRPr lang="en-US"/>
           </a:p>
@@ -1378,7 +1380,7 @@
           <a:p>
             <a:fld id="{51C07C62-82D4-4A68-AE24-54A9ACBD48C1}" type="datetime1">
               <a:rPr lang="en-US" smtClean="0"/>
-              <a:t>8/11/2019</a:t>
+              <a:t>12/27/2019</a:t>
             </a:fld>
             <a:endParaRPr lang="en-US"/>
           </a:p>
@@ -1610,7 +1612,7 @@
           <a:p>
             <a:fld id="{2615CE08-0CE4-4042-853F-9EDD0B1255EA}" type="datetime1">
               <a:rPr lang="en-US" smtClean="0"/>
-              <a:t>8/11/2019</a:t>
+              <a:t>12/27/2019</a:t>
             </a:fld>
             <a:endParaRPr lang="en-US"/>
           </a:p>
@@ -1977,7 +1979,7 @@
           <a:p>
             <a:fld id="{18F3D5E5-E70F-4B16-9CF3-BA217D2B559D}" type="datetime1">
               <a:rPr lang="en-US" smtClean="0"/>
-              <a:t>8/11/2019</a:t>
+              <a:t>12/27/2019</a:t>
             </a:fld>
             <a:endParaRPr lang="en-US"/>
           </a:p>
@@ -2095,7 +2097,7 @@
           <a:p>
             <a:fld id="{A72542DB-7808-4958-8982-83CB018FA116}" type="datetime1">
               <a:rPr lang="en-US" smtClean="0"/>
-              <a:t>8/11/2019</a:t>
+              <a:t>12/27/2019</a:t>
             </a:fld>
             <a:endParaRPr lang="en-US"/>
           </a:p>
@@ -2190,7 +2192,7 @@
           <a:p>
             <a:fld id="{F66B215F-0E7A-476F-8365-2FFF51868906}" type="datetime1">
               <a:rPr lang="en-US" smtClean="0"/>
-              <a:t>8/11/2019</a:t>
+              <a:t>12/27/2019</a:t>
             </a:fld>
             <a:endParaRPr lang="en-US"/>
           </a:p>
@@ -2467,7 +2469,7 @@
           <a:p>
             <a:fld id="{61C3A318-5E3C-48AA-A360-CEC422C469F9}" type="datetime1">
               <a:rPr lang="en-US" smtClean="0"/>
-              <a:t>8/11/2019</a:t>
+              <a:t>12/27/2019</a:t>
             </a:fld>
             <a:endParaRPr lang="en-US"/>
           </a:p>
@@ -2724,7 +2726,7 @@
           <a:p>
             <a:fld id="{34E29616-BEB3-487B-8B3E-C7DD8E980FCA}" type="datetime1">
               <a:rPr lang="en-US" smtClean="0"/>
-              <a:t>8/11/2019</a:t>
+              <a:t>12/27/2019</a:t>
             </a:fld>
             <a:endParaRPr lang="en-US"/>
           </a:p>
@@ -2789,9 +2791,12 @@
 <p:sldMaster xmlns:a="http://schemas.openxmlformats.org/drawingml/2006/main" xmlns:r="http://schemas.openxmlformats.org/officeDocument/2006/relationships" xmlns:p="http://schemas.openxmlformats.org/presentationml/2006/main">
   <p:cSld>
     <p:bg>
-      <p:bgRef idx="1001">
-        <a:schemeClr val="bg1"/>
-      </p:bgRef>
+      <p:bgPr>
+        <a:solidFill>
+          <a:srgbClr val="55ACEF"/>
+        </a:solidFill>
+        <a:effectLst/>
+      </p:bgPr>
     </p:bg>
     <p:spTree>
       <p:nvGrpSpPr>
@@ -2937,7 +2942,7 @@
           <a:p>
             <a:fld id="{866A565F-DE94-469F-92EB-46D031073C3A}" type="datetime1">
               <a:rPr lang="en-US" smtClean="0"/>
-              <a:t>8/11/2019</a:t>
+              <a:t>12/27/2019</a:t>
             </a:fld>
             <a:endParaRPr lang="en-US"/>
           </a:p>
@@ -3329,14 +3334,6 @@
 <file path=ppt/slides/slide1.xml><?xml version="1.0" encoding="utf-8"?>
 <p:sld xmlns:a="http://schemas.openxmlformats.org/drawingml/2006/main" xmlns:r="http://schemas.openxmlformats.org/officeDocument/2006/relationships" xmlns:p="http://schemas.openxmlformats.org/presentationml/2006/main">
   <p:cSld>
-    <p:bg>
-      <p:bgPr>
-        <a:solidFill>
-          <a:srgbClr val="38A1F2"/>
-        </a:solidFill>
-        <a:effectLst/>
-      </p:bgPr>
-    </p:bg>
     <p:spTree>
       <p:nvGrpSpPr>
         <p:cNvPr id="1" name=""/>
@@ -3353,200 +3350,42 @@
       </p:grpSpPr>
       <p:sp>
         <p:nvSpPr>
-          <p:cNvPr id="2" name="Title 1">
+          <p:cNvPr id="4" name="TextBox 3">
             <a:extLst>
               <a:ext uri="{FF2B5EF4-FFF2-40B4-BE49-F238E27FC236}">
-                <a16:creationId xmlns:a16="http://schemas.microsoft.com/office/drawing/2014/main" id="{0F835206-31DD-4F60-9900-DFACBEA84FDD}"/>
+                <a16:creationId xmlns:a16="http://schemas.microsoft.com/office/drawing/2014/main" id="{176F5F7F-B699-432A-94EB-AADD50CDCCAF}"/>
               </a:ext>
             </a:extLst>
           </p:cNvPr>
-          <p:cNvSpPr>
-            <a:spLocks noGrp="1"/>
-          </p:cNvSpPr>
-          <p:nvPr>
-            <p:ph type="ctrTitle"/>
-          </p:nvPr>
-        </p:nvSpPr>
-        <p:spPr>
-          <a:xfrm>
-            <a:off x="3043403" y="945087"/>
-            <a:ext cx="6105194" cy="2483913"/>
-          </a:xfrm>
-        </p:spPr>
-        <p:txBody>
-          <a:bodyPr>
-            <a:normAutofit/>
+          <p:cNvSpPr txBox="1"/>
+          <p:nvPr/>
+        </p:nvSpPr>
+        <p:spPr>
+          <a:xfrm>
+            <a:off x="5181326" y="2844225"/>
+            <a:ext cx="1829347" cy="584775"/>
+          </a:xfrm>
+          <a:prstGeom prst="rect">
+            <a:avLst/>
+          </a:prstGeom>
+          <a:solidFill>
+            <a:schemeClr val="tx1"/>
+          </a:solidFill>
+        </p:spPr>
+        <p:txBody>
+          <a:bodyPr wrap="none" rtlCol="0">
+            <a:spAutoFit/>
           </a:bodyPr>
           <a:lstStyle/>
           <a:p>
             <a:r>
-              <a:rPr lang="en-US" sz="4700" dirty="0">
+              <a:rPr lang="en-US" sz="3200" b="1" dirty="0">
                 <a:solidFill>
-                  <a:srgbClr val="FFFFFF"/>
+                  <a:srgbClr val="55ACEF"/>
                 </a:solidFill>
               </a:rPr>
               <a:t>Namaste!</a:t>
             </a:r>
-            <a:br>
-              <a:rPr lang="en-US" sz="4700" dirty="0">
-                <a:solidFill>
-                  <a:srgbClr val="FFFFFF"/>
-                </a:solidFill>
-              </a:rPr>
-            </a:br>
-            <a:br>
-              <a:rPr lang="en-US" sz="4700" dirty="0">
-                <a:solidFill>
-                  <a:srgbClr val="FFFFFF"/>
-                </a:solidFill>
-              </a:rPr>
-            </a:br>
-            <a:r>
-              <a:rPr lang="en-US" sz="2800" dirty="0">
-                <a:solidFill>
-                  <a:srgbClr val="FFFFFF"/>
-                </a:solidFill>
-              </a:rPr>
-              <a:t>We are</a:t>
-            </a:r>
-          </a:p>
-        </p:txBody>
-      </p:sp>
-      <p:sp>
-        <p:nvSpPr>
-          <p:cNvPr id="3" name="Subtitle 2">
-            <a:extLst>
-              <a:ext uri="{FF2B5EF4-FFF2-40B4-BE49-F238E27FC236}">
-                <a16:creationId xmlns:a16="http://schemas.microsoft.com/office/drawing/2014/main" id="{605BF044-9398-4BF3-8814-23ECF7E18CAE}"/>
-              </a:ext>
-            </a:extLst>
-          </p:cNvPr>
-          <p:cNvSpPr>
-            <a:spLocks noGrp="1"/>
-          </p:cNvSpPr>
-          <p:nvPr>
-            <p:ph type="subTitle" idx="1"/>
-          </p:nvPr>
-        </p:nvSpPr>
-        <p:spPr>
-          <a:xfrm>
-            <a:off x="3043403" y="3573677"/>
-            <a:ext cx="6105194" cy="1399156"/>
-          </a:xfrm>
-        </p:spPr>
-        <p:txBody>
-          <a:bodyPr>
-            <a:normAutofit fontScale="77500" lnSpcReduction="20000"/>
-          </a:bodyPr>
-          <a:lstStyle/>
-          <a:p>
-            <a:endParaRPr lang="en-US" sz="600">
-              <a:solidFill>
-                <a:srgbClr val="FFFFFF"/>
-              </a:solidFill>
-            </a:endParaRPr>
-          </a:p>
-          <a:p>
-            <a:r>
-              <a:rPr lang="en-US" sz="3400">
-                <a:solidFill>
-                  <a:srgbClr val="FFFFFF"/>
-                </a:solidFill>
-              </a:rPr>
-              <a:t>Kanchan Singh(161716)</a:t>
-            </a:r>
-          </a:p>
-          <a:p>
-            <a:r>
-              <a:rPr lang="en-US" sz="3400">
-                <a:solidFill>
-                  <a:srgbClr val="FFFFFF"/>
-                </a:solidFill>
-              </a:rPr>
-              <a:t>Poshan Pandey(161724)</a:t>
-            </a:r>
-          </a:p>
-          <a:p>
-            <a:r>
-              <a:rPr lang="en-US" sz="3400">
-                <a:solidFill>
-                  <a:srgbClr val="FFFFFF"/>
-                </a:solidFill>
-              </a:rPr>
-              <a:t>Priska Budhathoki(161726)</a:t>
-            </a:r>
-          </a:p>
-          <a:p>
-            <a:endParaRPr lang="en-US" sz="600" dirty="0">
-              <a:solidFill>
-                <a:srgbClr val="FFFFFF"/>
-              </a:solidFill>
-            </a:endParaRPr>
-          </a:p>
-        </p:txBody>
-      </p:sp>
-      <p:sp>
-        <p:nvSpPr>
-          <p:cNvPr id="17" name="TextBox 16">
-            <a:extLst>
-              <a:ext uri="{FF2B5EF4-FFF2-40B4-BE49-F238E27FC236}">
-                <a16:creationId xmlns:a16="http://schemas.microsoft.com/office/drawing/2014/main" id="{253E5201-DF93-4A6A-8240-113AEA765637}"/>
-              </a:ext>
-            </a:extLst>
-          </p:cNvPr>
-          <p:cNvSpPr txBox="1"/>
-          <p:nvPr/>
-        </p:nvSpPr>
-        <p:spPr>
-          <a:xfrm>
-            <a:off x="8952422" y="6296025"/>
-            <a:ext cx="2654573" cy="369332"/>
-          </a:xfrm>
-          <a:prstGeom prst="rect">
-            <a:avLst/>
-          </a:prstGeom>
-          <a:noFill/>
-        </p:spPr>
-        <p:txBody>
-          <a:bodyPr wrap="none" rtlCol="0">
-            <a:spAutoFit/>
-          </a:bodyPr>
-          <a:lstStyle/>
-          <a:p>
-            <a:r>
-              <a:rPr lang="en-US" b="1" dirty="0"/>
-              <a:t>We have come up with…..</a:t>
-            </a:r>
-            <a:endParaRPr lang="en-US" dirty="0"/>
-          </a:p>
-        </p:txBody>
-      </p:sp>
-      <p:sp>
-        <p:nvSpPr>
-          <p:cNvPr id="21" name="Slide Number Placeholder 20">
-            <a:extLst>
-              <a:ext uri="{FF2B5EF4-FFF2-40B4-BE49-F238E27FC236}">
-                <a16:creationId xmlns:a16="http://schemas.microsoft.com/office/drawing/2014/main" id="{CBCD63A7-EFCC-4975-B029-347BA9FF7A7B}"/>
-              </a:ext>
-            </a:extLst>
-          </p:cNvPr>
-          <p:cNvSpPr>
-            <a:spLocks noGrp="1"/>
-          </p:cNvSpPr>
-          <p:nvPr>
-            <p:ph type="sldNum" sz="quarter" idx="12"/>
-          </p:nvPr>
-        </p:nvSpPr>
-        <p:spPr/>
-        <p:txBody>
-          <a:bodyPr/>
-          <a:lstStyle/>
-          <a:p>
-            <a:fld id="{6C45EC47-6188-4C03-8813-AF382A0C43BB}" type="slidenum">
-              <a:rPr lang="en-US" smtClean="0"/>
-              <a:t>1</a:t>
-            </a:fld>
-            <a:endParaRPr lang="en-US" dirty="0"/>
           </a:p>
         </p:txBody>
       </p:sp>
@@ -3566,14 +3405,6 @@
 <file path=ppt/slides/slide10.xml><?xml version="1.0" encoding="utf-8"?>
 <p:sld xmlns:a="http://schemas.openxmlformats.org/drawingml/2006/main" xmlns:r="http://schemas.openxmlformats.org/officeDocument/2006/relationships" xmlns:p="http://schemas.openxmlformats.org/presentationml/2006/main">
   <p:cSld>
-    <p:bg>
-      <p:bgPr>
-        <a:solidFill>
-          <a:srgbClr val="38A1F3"/>
-        </a:solidFill>
-        <a:effectLst/>
-      </p:bgPr>
-    </p:bg>
     <p:spTree>
       <p:nvGrpSpPr>
         <p:cNvPr id="1" name=""/>
@@ -3590,41 +3421,6 @@
       </p:grpSpPr>
       <p:sp>
         <p:nvSpPr>
-          <p:cNvPr id="2" name="Title 1">
-            <a:extLst>
-              <a:ext uri="{FF2B5EF4-FFF2-40B4-BE49-F238E27FC236}">
-                <a16:creationId xmlns:a16="http://schemas.microsoft.com/office/drawing/2014/main" id="{499A7E7B-B40E-428D-A590-B5908B264F1D}"/>
-              </a:ext>
-            </a:extLst>
-          </p:cNvPr>
-          <p:cNvSpPr>
-            <a:spLocks noGrp="1"/>
-          </p:cNvSpPr>
-          <p:nvPr>
-            <p:ph type="ctrTitle"/>
-          </p:nvPr>
-        </p:nvSpPr>
-        <p:spPr>
-          <a:xfrm>
-            <a:off x="1524000" y="136525"/>
-            <a:ext cx="9144000" cy="1006475"/>
-          </a:xfrm>
-        </p:spPr>
-        <p:txBody>
-          <a:bodyPr>
-            <a:normAutofit/>
-          </a:bodyPr>
-          <a:lstStyle/>
-          <a:p>
-            <a:r>
-              <a:rPr lang="en-US" sz="4800" dirty="0"/>
-              <a:t>Calculation Process</a:t>
-            </a:r>
-          </a:p>
-        </p:txBody>
-      </p:sp>
-      <p:sp>
-        <p:nvSpPr>
           <p:cNvPr id="3" name="Subtitle 2">
             <a:extLst>
               <a:ext uri="{FF2B5EF4-FFF2-40B4-BE49-F238E27FC236}">
@@ -3641,15 +3437,27 @@
         </p:nvSpPr>
         <p:spPr>
           <a:xfrm>
-            <a:off x="961292" y="1685314"/>
+            <a:off x="1304925" y="136525"/>
             <a:ext cx="9144000" cy="1655762"/>
           </a:xfrm>
+          <a:ln>
+            <a:noFill/>
+          </a:ln>
         </p:spPr>
         <p:txBody>
           <a:bodyPr>
             <a:normAutofit fontScale="25000" lnSpcReduction="20000"/>
           </a:bodyPr>
           <a:lstStyle/>
+          <a:p>
+            <a:r>
+              <a:rPr lang="en-US" sz="11200" b="1" dirty="0"/>
+              <a:t>Calculation Process</a:t>
+            </a:r>
+          </a:p>
+          <a:p>
+            <a:endParaRPr lang="en-US" sz="11200" b="1" dirty="0"/>
+          </a:p>
           <a:p>
             <a:pPr marL="1143000" indent="-1143000" algn="l">
               <a:buFont typeface="Arial" panose="020B0604020202020204" pitchFamily="34" charset="0"/>
@@ -3657,7 +3465,7 @@
             </a:pPr>
             <a:r>
               <a:rPr lang="en-US" sz="9600" dirty="0"/>
-              <a:t>Tokenization of the sentiment texts</a:t>
+              <a:t>All tweets were converted to lower case </a:t>
             </a:r>
           </a:p>
           <a:p>
@@ -3667,7 +3475,15 @@
             </a:pPr>
             <a:r>
               <a:rPr lang="en-US" sz="9600" dirty="0"/>
-              <a:t>Removal of Texts that are not responsible for sentiment determination but used largely such as pronouns, prepositions, etc. </a:t>
+              <a:t>All links and </a:t>
+            </a:r>
+            <a:r>
+              <a:rPr lang="en-US" sz="9600" dirty="0" err="1"/>
+              <a:t>urls</a:t>
+            </a:r>
+            <a:r>
+              <a:rPr lang="en-US" sz="9600" dirty="0"/>
+              <a:t> were replaced by generic word URL  All usernames were replaced by generic word USER  Words with hashtags were replaced with the same words without the hashtag </a:t>
             </a:r>
           </a:p>
           <a:p>
@@ -3677,7 +3493,7 @@
             </a:pPr>
             <a:r>
               <a:rPr lang="en-US" sz="9600" dirty="0"/>
-              <a:t>Construction of Histograms for every element</a:t>
+              <a:t> Punctuations and additional white spaces were removed from the tweets.</a:t>
             </a:r>
           </a:p>
           <a:p>
@@ -3687,7 +3503,7 @@
             </a:pPr>
             <a:r>
               <a:rPr lang="en-US" sz="9600" dirty="0"/>
-              <a:t>Construction of averaged histogram for both positive and negative class</a:t>
+              <a:t>Tokenization of the sentiment texts</a:t>
             </a:r>
           </a:p>
           <a:p>
@@ -3697,15 +3513,37 @@
             </a:pPr>
             <a:r>
               <a:rPr lang="en-US" sz="9600" dirty="0"/>
-              <a:t>Testing with KNN and </a:t>
-            </a:r>
-            <a:r>
-              <a:rPr lang="en-US" sz="9600" dirty="0" err="1"/>
-              <a:t>nBayes</a:t>
-            </a:r>
+              <a:t>Removal of Texts that are not responsible for sentiment determination but used largely such as pronouns, prepositions, etc. </a:t>
+            </a:r>
+          </a:p>
+          <a:p>
+            <a:pPr marL="1143000" indent="-1143000" algn="l">
+              <a:buFont typeface="Arial" panose="020B0604020202020204" pitchFamily="34" charset="0"/>
+              <a:buChar char="•"/>
+            </a:pPr>
             <a:r>
               <a:rPr lang="en-US" sz="9600" dirty="0"/>
-              <a:t> classifiers</a:t>
+              <a:t>Construction of Histograms for every element</a:t>
+            </a:r>
+          </a:p>
+          <a:p>
+            <a:pPr marL="1143000" indent="-1143000" algn="l">
+              <a:buFont typeface="Arial" panose="020B0604020202020204" pitchFamily="34" charset="0"/>
+              <a:buChar char="•"/>
+            </a:pPr>
+            <a:r>
+              <a:rPr lang="en-US" sz="9600" dirty="0"/>
+              <a:t>Construction of averaged histogram for both positive and negative class</a:t>
+            </a:r>
+          </a:p>
+          <a:p>
+            <a:pPr marL="1143000" indent="-1143000" algn="l">
+              <a:buFont typeface="Arial" panose="020B0604020202020204" pitchFamily="34" charset="0"/>
+              <a:buChar char="•"/>
+            </a:pPr>
+            <a:r>
+              <a:rPr lang="en-US" sz="9600" dirty="0"/>
+              <a:t>Testing with KNN and nBayes classifiers</a:t>
             </a:r>
           </a:p>
           <a:p>
@@ -3742,6 +3580,42 @@
           </a:p>
         </p:txBody>
       </p:sp>
+      <p:pic>
+        <p:nvPicPr>
+          <p:cNvPr id="5" name="Picture 4">
+            <a:extLst>
+              <a:ext uri="{FF2B5EF4-FFF2-40B4-BE49-F238E27FC236}">
+                <a16:creationId xmlns:a16="http://schemas.microsoft.com/office/drawing/2014/main" id="{4C2F99AC-9B5A-4EAB-A1E9-4D8AABF3D58B}"/>
+              </a:ext>
+            </a:extLst>
+          </p:cNvPr>
+          <p:cNvPicPr>
+            <a:picLocks noChangeAspect="1"/>
+          </p:cNvPicPr>
+          <p:nvPr/>
+        </p:nvPicPr>
+        <p:blipFill>
+          <a:blip r:embed="rId2">
+            <a:extLst>
+              <a:ext uri="{28A0092B-C50C-407E-A947-70E740481C1C}">
+                <a14:useLocalDpi xmlns:a14="http://schemas.microsoft.com/office/drawing/2010/main" val="0"/>
+              </a:ext>
+            </a:extLst>
+          </a:blip>
+          <a:stretch>
+            <a:fillRect/>
+          </a:stretch>
+        </p:blipFill>
+        <p:spPr>
+          <a:xfrm>
+            <a:off x="0" y="0"/>
+            <a:ext cx="1533525" cy="1533525"/>
+          </a:xfrm>
+          <a:prstGeom prst="rect">
+            <a:avLst/>
+          </a:prstGeom>
+        </p:spPr>
+      </p:pic>
     </p:spTree>
     <p:extLst>
       <p:ext uri="{BB962C8B-B14F-4D97-AF65-F5344CB8AC3E}">
@@ -3758,14 +3632,6 @@
 <file path=ppt/slides/slide11.xml><?xml version="1.0" encoding="utf-8"?>
 <p:sld xmlns:a="http://schemas.openxmlformats.org/drawingml/2006/main" xmlns:r="http://schemas.openxmlformats.org/officeDocument/2006/relationships" xmlns:p="http://schemas.openxmlformats.org/presentationml/2006/main">
   <p:cSld>
-    <p:bg>
-      <p:bgPr>
-        <a:solidFill>
-          <a:srgbClr val="38A1F2"/>
-        </a:solidFill>
-        <a:effectLst/>
-      </p:bgPr>
-    </p:bg>
     <p:spTree>
       <p:nvGrpSpPr>
         <p:cNvPr id="1" name=""/>
@@ -3837,7 +3703,7 @@
         </p:blipFill>
         <p:spPr>
           <a:xfrm>
-            <a:off x="256680" y="353390"/>
+            <a:off x="256680" y="326732"/>
             <a:ext cx="5067793" cy="2322169"/>
           </a:xfrm>
           <a:prstGeom prst="rect">
@@ -4317,10 +4183,9 @@
           <a:p>
             <a:pPr algn="ctr"/>
             <a:r>
-              <a:rPr lang="en-US" dirty="0" err="1"/>
+              <a:rPr lang="en-US" dirty="0"/>
               <a:t>NBayes</a:t>
             </a:r>
-            <a:endParaRPr lang="en-US" dirty="0"/>
           </a:p>
         </p:txBody>
       </p:sp>
@@ -4814,7 +4679,7 @@
         </p:nvCxnSpPr>
         <p:spPr>
           <a:xfrm flipH="1">
-            <a:off x="3324223" y="2000476"/>
+            <a:off x="3409949" y="2070834"/>
             <a:ext cx="914402" cy="1209449"/>
           </a:xfrm>
           <a:prstGeom prst="straightConnector1">
@@ -5026,6 +4891,42 @@
           </a:p>
         </p:txBody>
       </p:sp>
+      <p:pic>
+        <p:nvPicPr>
+          <p:cNvPr id="25" name="Picture 24">
+            <a:extLst>
+              <a:ext uri="{FF2B5EF4-FFF2-40B4-BE49-F238E27FC236}">
+                <a16:creationId xmlns:a16="http://schemas.microsoft.com/office/drawing/2014/main" id="{62E92EB5-0707-4330-AB29-5E5F93F541DE}"/>
+              </a:ext>
+            </a:extLst>
+          </p:cNvPr>
+          <p:cNvPicPr>
+            <a:picLocks noChangeAspect="1"/>
+          </p:cNvPicPr>
+          <p:nvPr/>
+        </p:nvPicPr>
+        <p:blipFill>
+          <a:blip r:embed="rId3">
+            <a:extLst>
+              <a:ext uri="{28A0092B-C50C-407E-A947-70E740481C1C}">
+                <a14:useLocalDpi xmlns:a14="http://schemas.microsoft.com/office/drawing/2010/main" val="0"/>
+              </a:ext>
+            </a:extLst>
+          </a:blip>
+          <a:stretch>
+            <a:fillRect/>
+          </a:stretch>
+        </p:blipFill>
+        <p:spPr>
+          <a:xfrm>
+            <a:off x="0" y="0"/>
+            <a:ext cx="1533525" cy="1533525"/>
+          </a:xfrm>
+          <a:prstGeom prst="rect">
+            <a:avLst/>
+          </a:prstGeom>
+        </p:spPr>
+      </p:pic>
     </p:spTree>
     <p:extLst>
       <p:ext uri="{BB962C8B-B14F-4D97-AF65-F5344CB8AC3E}">
@@ -5042,14 +4943,6 @@
 <file path=ppt/slides/slide12.xml><?xml version="1.0" encoding="utf-8"?>
 <p:sld xmlns:a="http://schemas.openxmlformats.org/drawingml/2006/main" xmlns:r="http://schemas.openxmlformats.org/officeDocument/2006/relationships" xmlns:p="http://schemas.openxmlformats.org/presentationml/2006/main">
   <p:cSld>
-    <p:bg>
-      <p:bgPr>
-        <a:solidFill>
-          <a:srgbClr val="38A1F2"/>
-        </a:solidFill>
-        <a:effectLst/>
-      </p:bgPr>
-    </p:bg>
     <p:spTree>
       <p:nvGrpSpPr>
         <p:cNvPr id="1" name=""/>
@@ -5066,42 +4959,6 @@
       </p:grpSpPr>
       <p:sp>
         <p:nvSpPr>
-          <p:cNvPr id="2" name="Title 1">
-            <a:extLst>
-              <a:ext uri="{FF2B5EF4-FFF2-40B4-BE49-F238E27FC236}">
-                <a16:creationId xmlns:a16="http://schemas.microsoft.com/office/drawing/2014/main" id="{142C6FA9-D097-4362-BAB8-BF947BEEC773}"/>
-              </a:ext>
-            </a:extLst>
-          </p:cNvPr>
-          <p:cNvSpPr>
-            <a:spLocks noGrp="1"/>
-          </p:cNvSpPr>
-          <p:nvPr>
-            <p:ph type="title"/>
-          </p:nvPr>
-        </p:nvSpPr>
-        <p:spPr>
-          <a:xfrm>
-            <a:off x="838200" y="127733"/>
-            <a:ext cx="10515600" cy="1325563"/>
-          </a:xfrm>
-        </p:spPr>
-        <p:txBody>
-          <a:bodyPr>
-            <a:normAutofit/>
-          </a:bodyPr>
-          <a:lstStyle/>
-          <a:p>
-            <a:pPr algn="ctr"/>
-            <a:r>
-              <a:rPr lang="en-US" sz="4800" dirty="0"/>
-              <a:t>Technologies to be used</a:t>
-            </a:r>
-          </a:p>
-        </p:txBody>
-      </p:sp>
-      <p:sp>
-        <p:nvSpPr>
           <p:cNvPr id="3" name="Content Placeholder 2">
             <a:extLst>
               <a:ext uri="{FF2B5EF4-FFF2-40B4-BE49-F238E27FC236}">
@@ -5118,13 +4975,26 @@
         </p:nvSpPr>
         <p:spPr>
           <a:xfrm>
-            <a:off x="741484" y="1499516"/>
-            <a:ext cx="10515600" cy="4351338"/>
+            <a:off x="1524000" y="1533525"/>
+            <a:ext cx="9144000" cy="4351338"/>
           </a:xfrm>
         </p:spPr>
         <p:txBody>
           <a:bodyPr/>
           <a:lstStyle/>
+          <a:p>
+            <a:pPr marL="0" lvl="0" indent="0" algn="ctr">
+              <a:buNone/>
+            </a:pPr>
+            <a:r>
+              <a:rPr lang="en-US" b="1" dirty="0"/>
+              <a:t>Technologies to be used</a:t>
+            </a:r>
+          </a:p>
+          <a:p>
+            <a:pPr lvl="0"/>
+            <a:endParaRPr lang="en-US" sz="2400" dirty="0"/>
+          </a:p>
           <a:p>
             <a:pPr lvl="0"/>
             <a:r>
@@ -5204,6 +5074,42 @@
           </a:p>
         </p:txBody>
       </p:sp>
+      <p:pic>
+        <p:nvPicPr>
+          <p:cNvPr id="5" name="Picture 4">
+            <a:extLst>
+              <a:ext uri="{FF2B5EF4-FFF2-40B4-BE49-F238E27FC236}">
+                <a16:creationId xmlns:a16="http://schemas.microsoft.com/office/drawing/2014/main" id="{40453854-9EA3-4F48-B29C-2FFB92753E67}"/>
+              </a:ext>
+            </a:extLst>
+          </p:cNvPr>
+          <p:cNvPicPr>
+            <a:picLocks noChangeAspect="1"/>
+          </p:cNvPicPr>
+          <p:nvPr/>
+        </p:nvPicPr>
+        <p:blipFill>
+          <a:blip r:embed="rId2">
+            <a:extLst>
+              <a:ext uri="{28A0092B-C50C-407E-A947-70E740481C1C}">
+                <a14:useLocalDpi xmlns:a14="http://schemas.microsoft.com/office/drawing/2010/main" val="0"/>
+              </a:ext>
+            </a:extLst>
+          </a:blip>
+          <a:stretch>
+            <a:fillRect/>
+          </a:stretch>
+        </p:blipFill>
+        <p:spPr>
+          <a:xfrm>
+            <a:off x="0" y="0"/>
+            <a:ext cx="1533525" cy="1533525"/>
+          </a:xfrm>
+          <a:prstGeom prst="rect">
+            <a:avLst/>
+          </a:prstGeom>
+        </p:spPr>
+      </p:pic>
     </p:spTree>
     <p:extLst>
       <p:ext uri="{BB962C8B-B14F-4D97-AF65-F5344CB8AC3E}">
@@ -5220,14 +5126,6 @@
 <file path=ppt/slides/slide13.xml><?xml version="1.0" encoding="utf-8"?>
 <p:sld xmlns:a="http://schemas.openxmlformats.org/drawingml/2006/main" xmlns:r="http://schemas.openxmlformats.org/officeDocument/2006/relationships" xmlns:p="http://schemas.openxmlformats.org/presentationml/2006/main">
   <p:cSld>
-    <p:bg>
-      <p:bgPr>
-        <a:solidFill>
-          <a:srgbClr val="38A1F3"/>
-        </a:solidFill>
-        <a:effectLst/>
-      </p:bgPr>
-    </p:bg>
     <p:spTree>
       <p:nvGrpSpPr>
         <p:cNvPr id="1" name=""/>
@@ -5244,10 +5142,10 @@
       </p:grpSpPr>
       <p:sp>
         <p:nvSpPr>
-          <p:cNvPr id="2" name="Title 1">
+          <p:cNvPr id="3" name="Subtitle 2">
             <a:extLst>
               <a:ext uri="{FF2B5EF4-FFF2-40B4-BE49-F238E27FC236}">
-                <a16:creationId xmlns:a16="http://schemas.microsoft.com/office/drawing/2014/main" id="{1D3F3180-0A75-4CBC-BC0A-789EB2245ABC}"/>
+                <a16:creationId xmlns:a16="http://schemas.microsoft.com/office/drawing/2014/main" id="{623ED6C3-BE80-4039-86AB-17AE16A980CF}"/>
               </a:ext>
             </a:extLst>
           </p:cNvPr>
@@ -5255,13 +5153,13 @@
             <a:spLocks noGrp="1"/>
           </p:cNvSpPr>
           <p:nvPr>
-            <p:ph type="ctrTitle"/>
-          </p:nvPr>
-        </p:nvSpPr>
-        <p:spPr>
-          <a:xfrm>
-            <a:off x="1524000" y="0"/>
-            <a:ext cx="9144000" cy="1006475"/>
+            <p:ph type="subTitle" idx="1"/>
+          </p:nvPr>
+        </p:nvSpPr>
+        <p:spPr>
+          <a:xfrm>
+            <a:off x="1524000" y="1533525"/>
+            <a:ext cx="9144000" cy="4176346"/>
           </a:xfrm>
         </p:spPr>
         <p:txBody>
@@ -5271,49 +5169,19 @@
           <a:lstStyle/>
           <a:p>
             <a:r>
-              <a:rPr lang="en-US" sz="4800" dirty="0"/>
-              <a:t>Tools to be Used</a:t>
-            </a:r>
-          </a:p>
-        </p:txBody>
-      </p:sp>
-      <p:sp>
-        <p:nvSpPr>
-          <p:cNvPr id="3" name="Subtitle 2">
-            <a:extLst>
-              <a:ext uri="{FF2B5EF4-FFF2-40B4-BE49-F238E27FC236}">
-                <a16:creationId xmlns:a16="http://schemas.microsoft.com/office/drawing/2014/main" id="{623ED6C3-BE80-4039-86AB-17AE16A980CF}"/>
-              </a:ext>
-            </a:extLst>
-          </p:cNvPr>
-          <p:cNvSpPr>
-            <a:spLocks noGrp="1"/>
-          </p:cNvSpPr>
-          <p:nvPr>
-            <p:ph type="subTitle" idx="1"/>
-          </p:nvPr>
-        </p:nvSpPr>
-        <p:spPr>
-          <a:xfrm>
-            <a:off x="1524000" y="1340827"/>
-            <a:ext cx="9144000" cy="4176346"/>
-          </a:xfrm>
-        </p:spPr>
-        <p:txBody>
-          <a:bodyPr>
-            <a:normAutofit/>
-          </a:bodyPr>
-          <a:lstStyle/>
+              <a:rPr lang="en-US" sz="2800" b="1" dirty="0"/>
+              <a:t>Tools  Used</a:t>
+            </a:r>
+          </a:p>
           <a:p>
             <a:pPr marL="342900" indent="-342900" algn="l">
               <a:buFont typeface="Arial" panose="020B0604020202020204" pitchFamily="34" charset="0"/>
               <a:buChar char="•"/>
             </a:pPr>
             <a:r>
-              <a:rPr lang="en-US" dirty="0" err="1"/>
+              <a:rPr lang="en-US" dirty="0"/>
               <a:t>Figma</a:t>
             </a:r>
-            <a:endParaRPr lang="en-US" dirty="0"/>
           </a:p>
           <a:p>
             <a:pPr marL="342900" indent="-342900" algn="l">
@@ -5321,10 +5189,9 @@
               <a:buChar char="•"/>
             </a:pPr>
             <a:r>
-              <a:rPr lang="en-US" dirty="0" err="1"/>
+              <a:rPr lang="en-US" dirty="0"/>
               <a:t>Edraw</a:t>
             </a:r>
-            <a:endParaRPr lang="en-US" dirty="0"/>
           </a:p>
           <a:p>
             <a:pPr marL="342900" indent="-342900" algn="l">
@@ -5332,10 +5199,9 @@
               <a:buChar char="•"/>
             </a:pPr>
             <a:r>
-              <a:rPr lang="en-US" dirty="0" err="1"/>
+              <a:rPr lang="en-US" dirty="0"/>
               <a:t>Github</a:t>
             </a:r>
-            <a:endParaRPr lang="en-US" dirty="0"/>
           </a:p>
           <a:p>
             <a:pPr marL="342900" indent="-342900" algn="l">
@@ -5353,10 +5219,9 @@
               <a:buChar char="•"/>
             </a:pPr>
             <a:r>
-              <a:rPr lang="en-US" dirty="0" err="1"/>
-              <a:t>Intelij</a:t>
-            </a:r>
-            <a:endParaRPr lang="en-US" dirty="0"/>
+              <a:rPr lang="en-US" dirty="0"/>
+              <a:t>Android Studio</a:t>
+            </a:r>
           </a:p>
           <a:p>
             <a:pPr marL="342900" indent="-342900" algn="l">
@@ -5375,13 +5240,8 @@
             </a:pPr>
             <a:r>
               <a:rPr lang="en-US" dirty="0"/>
-              <a:t>MS </a:t>
-            </a:r>
-            <a:r>
-              <a:rPr lang="en-US" dirty="0" err="1"/>
-              <a:t>Powerpoint</a:t>
-            </a:r>
-            <a:endParaRPr lang="en-US" dirty="0"/>
+              <a:t>MS Powerpoint</a:t>
+            </a:r>
           </a:p>
           <a:p>
             <a:pPr marL="342900" indent="-342900" algn="l">
@@ -5424,6 +5284,42 @@
           </a:p>
         </p:txBody>
       </p:sp>
+      <p:pic>
+        <p:nvPicPr>
+          <p:cNvPr id="5" name="Picture 4">
+            <a:extLst>
+              <a:ext uri="{FF2B5EF4-FFF2-40B4-BE49-F238E27FC236}">
+                <a16:creationId xmlns:a16="http://schemas.microsoft.com/office/drawing/2014/main" id="{306AF796-9389-4D40-9F6D-FFFD1FD5B929}"/>
+              </a:ext>
+            </a:extLst>
+          </p:cNvPr>
+          <p:cNvPicPr>
+            <a:picLocks noChangeAspect="1"/>
+          </p:cNvPicPr>
+          <p:nvPr/>
+        </p:nvPicPr>
+        <p:blipFill>
+          <a:blip r:embed="rId2">
+            <a:extLst>
+              <a:ext uri="{28A0092B-C50C-407E-A947-70E740481C1C}">
+                <a14:useLocalDpi xmlns:a14="http://schemas.microsoft.com/office/drawing/2010/main" val="0"/>
+              </a:ext>
+            </a:extLst>
+          </a:blip>
+          <a:stretch>
+            <a:fillRect/>
+          </a:stretch>
+        </p:blipFill>
+        <p:spPr>
+          <a:xfrm>
+            <a:off x="0" y="0"/>
+            <a:ext cx="1533525" cy="1533525"/>
+          </a:xfrm>
+          <a:prstGeom prst="rect">
+            <a:avLst/>
+          </a:prstGeom>
+        </p:spPr>
+      </p:pic>
     </p:spTree>
     <p:extLst>
       <p:ext uri="{BB962C8B-B14F-4D97-AF65-F5344CB8AC3E}">
@@ -5440,14 +5336,6 @@
 <file path=ppt/slides/slide14.xml><?xml version="1.0" encoding="utf-8"?>
 <p:sld xmlns:a="http://schemas.openxmlformats.org/drawingml/2006/main" xmlns:r="http://schemas.openxmlformats.org/officeDocument/2006/relationships" xmlns:p="http://schemas.openxmlformats.org/presentationml/2006/main">
   <p:cSld>
-    <p:bg>
-      <p:bgPr>
-        <a:solidFill>
-          <a:srgbClr val="38A1F3"/>
-        </a:solidFill>
-        <a:effectLst/>
-      </p:bgPr>
-    </p:bg>
     <p:spTree>
       <p:nvGrpSpPr>
         <p:cNvPr id="1" name=""/>
@@ -5556,6 +5444,42 @@
           <a:xfrm>
             <a:off x="3050262" y="1296666"/>
             <a:ext cx="6931938" cy="5424809"/>
+          </a:xfrm>
+          <a:prstGeom prst="rect">
+            <a:avLst/>
+          </a:prstGeom>
+        </p:spPr>
+      </p:pic>
+      <p:pic>
+        <p:nvPicPr>
+          <p:cNvPr id="5" name="Picture 4">
+            <a:extLst>
+              <a:ext uri="{FF2B5EF4-FFF2-40B4-BE49-F238E27FC236}">
+                <a16:creationId xmlns:a16="http://schemas.microsoft.com/office/drawing/2014/main" id="{707DB5AA-5E1C-4568-ABB7-AE51312090D0}"/>
+              </a:ext>
+            </a:extLst>
+          </p:cNvPr>
+          <p:cNvPicPr>
+            <a:picLocks noChangeAspect="1"/>
+          </p:cNvPicPr>
+          <p:nvPr/>
+        </p:nvPicPr>
+        <p:blipFill>
+          <a:blip r:embed="rId3">
+            <a:extLst>
+              <a:ext uri="{28A0092B-C50C-407E-A947-70E740481C1C}">
+                <a14:useLocalDpi xmlns:a14="http://schemas.microsoft.com/office/drawing/2010/main" val="0"/>
+              </a:ext>
+            </a:extLst>
+          </a:blip>
+          <a:stretch>
+            <a:fillRect/>
+          </a:stretch>
+        </p:blipFill>
+        <p:spPr>
+          <a:xfrm>
+            <a:off x="0" y="0"/>
+            <a:ext cx="1533525" cy="1533525"/>
           </a:xfrm>
           <a:prstGeom prst="rect">
             <a:avLst/>
@@ -5578,14 +5502,6 @@
 <file path=ppt/slides/slide15.xml><?xml version="1.0" encoding="utf-8"?>
 <p:sld xmlns:a="http://schemas.openxmlformats.org/drawingml/2006/main" xmlns:r="http://schemas.openxmlformats.org/officeDocument/2006/relationships" xmlns:p="http://schemas.openxmlformats.org/presentationml/2006/main">
   <p:cSld>
-    <p:bg>
-      <p:bgPr>
-        <a:solidFill>
-          <a:srgbClr val="38A1F2"/>
-        </a:solidFill>
-        <a:effectLst/>
-      </p:bgPr>
-    </p:bg>
     <p:spTree>
       <p:nvGrpSpPr>
         <p:cNvPr id="1" name=""/>
@@ -5694,6 +5610,42 @@
           <a:xfrm>
             <a:off x="2018189" y="1431238"/>
             <a:ext cx="7964011" cy="4925112"/>
+          </a:xfrm>
+          <a:prstGeom prst="rect">
+            <a:avLst/>
+          </a:prstGeom>
+        </p:spPr>
+      </p:pic>
+      <p:pic>
+        <p:nvPicPr>
+          <p:cNvPr id="5" name="Picture 4">
+            <a:extLst>
+              <a:ext uri="{FF2B5EF4-FFF2-40B4-BE49-F238E27FC236}">
+                <a16:creationId xmlns:a16="http://schemas.microsoft.com/office/drawing/2014/main" id="{528020E9-CDFF-458D-82A6-1F7A1E5AF302}"/>
+              </a:ext>
+            </a:extLst>
+          </p:cNvPr>
+          <p:cNvPicPr>
+            <a:picLocks noChangeAspect="1"/>
+          </p:cNvPicPr>
+          <p:nvPr/>
+        </p:nvPicPr>
+        <p:blipFill>
+          <a:blip r:embed="rId3">
+            <a:extLst>
+              <a:ext uri="{28A0092B-C50C-407E-A947-70E740481C1C}">
+                <a14:useLocalDpi xmlns:a14="http://schemas.microsoft.com/office/drawing/2010/main" val="0"/>
+              </a:ext>
+            </a:extLst>
+          </a:blip>
+          <a:stretch>
+            <a:fillRect/>
+          </a:stretch>
+        </p:blipFill>
+        <p:spPr>
+          <a:xfrm>
+            <a:off x="0" y="0"/>
+            <a:ext cx="1533525" cy="1533525"/>
           </a:xfrm>
           <a:prstGeom prst="rect">
             <a:avLst/>
@@ -5716,14 +5668,6 @@
 <file path=ppt/slides/slide16.xml><?xml version="1.0" encoding="utf-8"?>
 <p:sld xmlns:a="http://schemas.openxmlformats.org/drawingml/2006/main" xmlns:r="http://schemas.openxmlformats.org/officeDocument/2006/relationships" xmlns:p="http://schemas.openxmlformats.org/presentationml/2006/main">
   <p:cSld>
-    <p:bg>
-      <p:bgPr>
-        <a:solidFill>
-          <a:srgbClr val="38A1F3"/>
-        </a:solidFill>
-        <a:effectLst/>
-      </p:bgPr>
-    </p:bg>
     <p:spTree>
       <p:nvGrpSpPr>
         <p:cNvPr id="1" name=""/>
@@ -5740,10 +5684,10 @@
       </p:grpSpPr>
       <p:sp>
         <p:nvSpPr>
-          <p:cNvPr id="2" name="Title 1">
+          <p:cNvPr id="3" name="Content Placeholder 2">
             <a:extLst>
               <a:ext uri="{FF2B5EF4-FFF2-40B4-BE49-F238E27FC236}">
-                <a16:creationId xmlns:a16="http://schemas.microsoft.com/office/drawing/2014/main" id="{2BB0417D-8B36-47F6-BA8B-EC72B88DD08E}"/>
+                <a16:creationId xmlns:a16="http://schemas.microsoft.com/office/drawing/2014/main" id="{84E66043-1C81-432C-98A9-E84FB3F6010B}"/>
               </a:ext>
             </a:extLst>
           </p:cNvPr>
@@ -5751,179 +5695,98 @@
             <a:spLocks noGrp="1"/>
           </p:cNvSpPr>
           <p:nvPr>
-            <p:ph type="title"/>
-          </p:nvPr>
-        </p:nvSpPr>
-        <p:spPr>
-          <a:xfrm>
-            <a:off x="839788" y="104775"/>
-            <a:ext cx="10515600" cy="1325563"/>
-          </a:xfrm>
-        </p:spPr>
-        <p:txBody>
-          <a:bodyPr/>
-          <a:lstStyle/>
-          <a:p>
-            <a:pPr algn="ctr"/>
-            <a:r>
-              <a:rPr lang="en-US" dirty="0"/>
-              <a:t>Challenges and Limitation</a:t>
-            </a:r>
-          </a:p>
-        </p:txBody>
-      </p:sp>
-      <p:sp>
-        <p:nvSpPr>
-          <p:cNvPr id="3" name="Text Placeholder 2">
-            <a:extLst>
-              <a:ext uri="{FF2B5EF4-FFF2-40B4-BE49-F238E27FC236}">
-                <a16:creationId xmlns:a16="http://schemas.microsoft.com/office/drawing/2014/main" id="{FC1ED8E5-1B13-4C7A-A6EE-B544B5253398}"/>
-              </a:ext>
-            </a:extLst>
-          </p:cNvPr>
-          <p:cNvSpPr>
-            <a:spLocks noGrp="1"/>
-          </p:cNvSpPr>
-          <p:nvPr>
-            <p:ph type="body" idx="1"/>
-          </p:nvPr>
-        </p:nvSpPr>
-        <p:spPr/>
-        <p:txBody>
-          <a:bodyPr/>
-          <a:lstStyle/>
-          <a:p>
-            <a:r>
-              <a:rPr lang="en-US" dirty="0"/>
-              <a:t>Challenges</a:t>
-            </a:r>
-          </a:p>
-        </p:txBody>
-      </p:sp>
-      <p:sp>
-        <p:nvSpPr>
-          <p:cNvPr id="4" name="Content Placeholder 3">
-            <a:extLst>
-              <a:ext uri="{FF2B5EF4-FFF2-40B4-BE49-F238E27FC236}">
-                <a16:creationId xmlns:a16="http://schemas.microsoft.com/office/drawing/2014/main" id="{1138B057-995E-46DF-AC6D-32C522F78245}"/>
-              </a:ext>
-            </a:extLst>
-          </p:cNvPr>
-          <p:cNvSpPr>
-            <a:spLocks noGrp="1"/>
-          </p:cNvSpPr>
-          <p:nvPr>
-            <p:ph sz="half" idx="2"/>
-          </p:nvPr>
-        </p:nvSpPr>
-        <p:spPr/>
+            <p:ph idx="1"/>
+          </p:nvPr>
+        </p:nvSpPr>
+        <p:spPr>
+          <a:xfrm>
+            <a:off x="1524000" y="1533525"/>
+            <a:ext cx="9144000" cy="4351338"/>
+          </a:xfrm>
+        </p:spPr>
         <p:txBody>
           <a:bodyPr>
-            <a:normAutofit/>
+            <a:normAutofit fontScale="92500" lnSpcReduction="20000"/>
           </a:bodyPr>
           <a:lstStyle/>
           <a:p>
-            <a:r>
-              <a:rPr lang="en-US" sz="2400" dirty="0"/>
-              <a:t>Tokenizations of sentimental words</a:t>
-            </a:r>
-          </a:p>
-          <a:p>
-            <a:r>
-              <a:rPr lang="en-US" sz="2400" dirty="0"/>
-              <a:t>Importing Twitter data</a:t>
-            </a:r>
-          </a:p>
-          <a:p>
             <a:endParaRPr lang="en-US" dirty="0"/>
           </a:p>
-        </p:txBody>
-      </p:sp>
-      <p:sp>
-        <p:nvSpPr>
-          <p:cNvPr id="5" name="Text Placeholder 4">
-            <a:extLst>
-              <a:ext uri="{FF2B5EF4-FFF2-40B4-BE49-F238E27FC236}">
-                <a16:creationId xmlns:a16="http://schemas.microsoft.com/office/drawing/2014/main" id="{4E9BB2C9-D0F0-4D5C-B1C6-2DC7D1C2644A}"/>
-              </a:ext>
-            </a:extLst>
-          </p:cNvPr>
-          <p:cNvSpPr>
-            <a:spLocks noGrp="1"/>
-          </p:cNvSpPr>
-          <p:nvPr>
-            <p:ph type="body" sz="quarter" idx="3"/>
-          </p:nvPr>
-        </p:nvSpPr>
-        <p:spPr/>
-        <p:txBody>
-          <a:bodyPr/>
-          <a:lstStyle/>
-          <a:p>
-            <a:r>
-              <a:rPr lang="en-US" dirty="0"/>
-              <a:t>Limitation</a:t>
-            </a:r>
-          </a:p>
-        </p:txBody>
-      </p:sp>
-      <p:sp>
-        <p:nvSpPr>
-          <p:cNvPr id="6" name="Content Placeholder 5">
-            <a:extLst>
-              <a:ext uri="{FF2B5EF4-FFF2-40B4-BE49-F238E27FC236}">
-                <a16:creationId xmlns:a16="http://schemas.microsoft.com/office/drawing/2014/main" id="{E0164A1D-C58F-43A7-A17B-8AB2CB057961}"/>
-              </a:ext>
-            </a:extLst>
-          </p:cNvPr>
-          <p:cNvSpPr>
-            <a:spLocks noGrp="1"/>
-          </p:cNvSpPr>
-          <p:nvPr>
-            <p:ph sz="quarter" idx="4"/>
-          </p:nvPr>
-        </p:nvSpPr>
-        <p:spPr/>
-        <p:txBody>
-          <a:bodyPr>
-            <a:normAutofit/>
-          </a:bodyPr>
-          <a:lstStyle/>
-          <a:p>
-            <a:pPr lvl="0"/>
-            <a:r>
-              <a:rPr lang="en-US" sz="2400" dirty="0"/>
-              <a:t>Cannot identify humor and sarcasm, So sometime might be wrong.</a:t>
-            </a:r>
-          </a:p>
-          <a:p>
-            <a:pPr lvl="0"/>
-            <a:r>
-              <a:rPr lang="en-US" sz="2400" dirty="0"/>
-              <a:t>We cannot assure 100% accuracy but the result is closest to human thoughts.</a:t>
-            </a:r>
-          </a:p>
-          <a:p>
-            <a:pPr lvl="0"/>
-            <a:r>
-              <a:rPr lang="en-US" sz="2400" dirty="0"/>
-              <a:t>For now, this project is limited to the English language.</a:t>
-            </a:r>
-          </a:p>
-          <a:p>
-            <a:pPr marL="0" indent="0">
+          <a:p>
+            <a:pPr marL="0" indent="0" algn="ctr">
               <a:buNone/>
             </a:pPr>
-            <a:endParaRPr lang="en-US" sz="2400" dirty="0"/>
-          </a:p>
-        </p:txBody>
-      </p:sp>
-      <p:sp>
-        <p:nvSpPr>
-          <p:cNvPr id="7" name="Slide Number Placeholder 6">
+            <a:r>
+              <a:rPr lang="en-US" sz="3000" b="1" dirty="0"/>
+              <a:t>Scope</a:t>
+            </a:r>
+          </a:p>
+          <a:p>
+            <a:pPr marL="0" indent="0" algn="ctr">
+              <a:buNone/>
+            </a:pPr>
+            <a:endParaRPr lang="en-US" sz="3000" b="1" dirty="0"/>
+          </a:p>
+          <a:p>
+            <a:r>
+              <a:rPr lang="en-US" dirty="0"/>
+              <a:t>The information is becoming vast and can be extracted to turn into business objectives, social campaigns, marketing, and other promotional strategies. </a:t>
+            </a:r>
+          </a:p>
+          <a:p>
+            <a:r>
+              <a:rPr lang="en-US" dirty="0"/>
+              <a:t>It can be used during :</a:t>
+            </a:r>
+          </a:p>
+          <a:p>
+            <a:pPr>
+              <a:buFont typeface="Courier New" panose="02070309020205020404" pitchFamily="49" charset="0"/>
+              <a:buChar char="o"/>
+            </a:pPr>
+            <a:r>
+              <a:rPr lang="en-US" dirty="0"/>
+              <a:t>Elections</a:t>
+            </a:r>
+          </a:p>
+          <a:p>
+            <a:pPr>
+              <a:buFont typeface="Courier New" panose="02070309020205020404" pitchFamily="49" charset="0"/>
+              <a:buChar char="o"/>
+            </a:pPr>
+            <a:r>
+              <a:rPr lang="en-US" dirty="0"/>
+              <a:t>Movie Premier</a:t>
+            </a:r>
+          </a:p>
+          <a:p>
+            <a:pPr>
+              <a:buFont typeface="Courier New" panose="02070309020205020404" pitchFamily="49" charset="0"/>
+              <a:buChar char="o"/>
+            </a:pPr>
+            <a:r>
+              <a:rPr lang="en-US" dirty="0"/>
+              <a:t>Promotions</a:t>
+            </a:r>
+          </a:p>
+          <a:p>
+            <a:pPr>
+              <a:buFont typeface="Courier New" panose="02070309020205020404" pitchFamily="49" charset="0"/>
+              <a:buChar char="o"/>
+            </a:pPr>
+            <a:r>
+              <a:rPr lang="en-US" dirty="0"/>
+              <a:t>Product Analysis</a:t>
+            </a:r>
+          </a:p>
+        </p:txBody>
+      </p:sp>
+      <p:sp>
+        <p:nvSpPr>
+          <p:cNvPr id="4" name="Slide Number Placeholder 3">
             <a:extLst>
               <a:ext uri="{FF2B5EF4-FFF2-40B4-BE49-F238E27FC236}">
-                <a16:creationId xmlns:a16="http://schemas.microsoft.com/office/drawing/2014/main" id="{2F9ED730-91DA-437C-908C-CB4BE0A1BC71}"/>
+                <a16:creationId xmlns:a16="http://schemas.microsoft.com/office/drawing/2014/main" id="{972385BD-44E4-4D3C-8482-E21819040EC0}"/>
               </a:ext>
             </a:extLst>
           </p:cNvPr>
@@ -5947,10 +5810,46 @@
           </a:p>
         </p:txBody>
       </p:sp>
+      <p:pic>
+        <p:nvPicPr>
+          <p:cNvPr id="5" name="Picture 4">
+            <a:extLst>
+              <a:ext uri="{FF2B5EF4-FFF2-40B4-BE49-F238E27FC236}">
+                <a16:creationId xmlns:a16="http://schemas.microsoft.com/office/drawing/2014/main" id="{DB834E50-E5F0-48E3-A27D-FBDEA2125D4D}"/>
+              </a:ext>
+            </a:extLst>
+          </p:cNvPr>
+          <p:cNvPicPr>
+            <a:picLocks noChangeAspect="1"/>
+          </p:cNvPicPr>
+          <p:nvPr/>
+        </p:nvPicPr>
+        <p:blipFill>
+          <a:blip r:embed="rId2">
+            <a:extLst>
+              <a:ext uri="{28A0092B-C50C-407E-A947-70E740481C1C}">
+                <a14:useLocalDpi xmlns:a14="http://schemas.microsoft.com/office/drawing/2010/main" val="0"/>
+              </a:ext>
+            </a:extLst>
+          </a:blip>
+          <a:stretch>
+            <a:fillRect/>
+          </a:stretch>
+        </p:blipFill>
+        <p:spPr>
+          <a:xfrm>
+            <a:off x="0" y="0"/>
+            <a:ext cx="1533525" cy="1533525"/>
+          </a:xfrm>
+          <a:prstGeom prst="rect">
+            <a:avLst/>
+          </a:prstGeom>
+        </p:spPr>
+      </p:pic>
     </p:spTree>
     <p:extLst>
       <p:ext uri="{BB962C8B-B14F-4D97-AF65-F5344CB8AC3E}">
-        <p14:creationId xmlns:p14="http://schemas.microsoft.com/office/powerpoint/2010/main" val="1191622333"/>
+        <p14:creationId xmlns:p14="http://schemas.microsoft.com/office/powerpoint/2010/main" val="2087088971"/>
       </p:ext>
     </p:extLst>
   </p:cSld>
@@ -5963,14 +5862,6 @@
 <file path=ppt/slides/slide17.xml><?xml version="1.0" encoding="utf-8"?>
 <p:sld xmlns:a="http://schemas.openxmlformats.org/drawingml/2006/main" xmlns:r="http://schemas.openxmlformats.org/officeDocument/2006/relationships" xmlns:p="http://schemas.openxmlformats.org/presentationml/2006/main">
   <p:cSld>
-    <p:bg>
-      <p:bgPr>
-        <a:solidFill>
-          <a:srgbClr val="38A1F2"/>
-        </a:solidFill>
-        <a:effectLst/>
-      </p:bgPr>
-    </p:bg>
     <p:spTree>
       <p:nvGrpSpPr>
         <p:cNvPr id="1" name=""/>
@@ -5990,7 +5881,7 @@
           <p:cNvPr id="2" name="Title 1">
             <a:extLst>
               <a:ext uri="{FF2B5EF4-FFF2-40B4-BE49-F238E27FC236}">
-                <a16:creationId xmlns:a16="http://schemas.microsoft.com/office/drawing/2014/main" id="{3D60C96C-ADDD-464F-ABA8-1B30ED951E66}"/>
+                <a16:creationId xmlns:a16="http://schemas.microsoft.com/office/drawing/2014/main" id="{2BB0417D-8B36-47F6-BA8B-EC72B88DD08E}"/>
               </a:ext>
             </a:extLst>
           </p:cNvPr>
@@ -6001,6 +5892,40 @@
             <p:ph type="title"/>
           </p:nvPr>
         </p:nvSpPr>
+        <p:spPr>
+          <a:xfrm>
+            <a:off x="839788" y="104775"/>
+            <a:ext cx="10515600" cy="1325563"/>
+          </a:xfrm>
+        </p:spPr>
+        <p:txBody>
+          <a:bodyPr/>
+          <a:lstStyle/>
+          <a:p>
+            <a:pPr algn="ctr"/>
+            <a:r>
+              <a:rPr lang="en-US" dirty="0"/>
+              <a:t>Challenges and Limitation</a:t>
+            </a:r>
+          </a:p>
+        </p:txBody>
+      </p:sp>
+      <p:sp>
+        <p:nvSpPr>
+          <p:cNvPr id="3" name="Text Placeholder 2">
+            <a:extLst>
+              <a:ext uri="{FF2B5EF4-FFF2-40B4-BE49-F238E27FC236}">
+                <a16:creationId xmlns:a16="http://schemas.microsoft.com/office/drawing/2014/main" id="{FC1ED8E5-1B13-4C7A-A6EE-B544B5253398}"/>
+              </a:ext>
+            </a:extLst>
+          </p:cNvPr>
+          <p:cNvSpPr>
+            <a:spLocks noGrp="1"/>
+          </p:cNvSpPr>
+          <p:nvPr>
+            <p:ph type="body" idx="1"/>
+          </p:nvPr>
+        </p:nvSpPr>
         <p:spPr/>
         <p:txBody>
           <a:bodyPr/>
@@ -6008,17 +5933,17 @@
           <a:p>
             <a:r>
               <a:rPr lang="en-US" dirty="0"/>
-              <a:t>References</a:t>
-            </a:r>
-          </a:p>
-        </p:txBody>
-      </p:sp>
-      <p:sp>
-        <p:nvSpPr>
-          <p:cNvPr id="3" name="Content Placeholder 2">
+              <a:t>Challenges</a:t>
+            </a:r>
+          </a:p>
+        </p:txBody>
+      </p:sp>
+      <p:sp>
+        <p:nvSpPr>
+          <p:cNvPr id="4" name="Content Placeholder 3">
             <a:extLst>
               <a:ext uri="{FF2B5EF4-FFF2-40B4-BE49-F238E27FC236}">
-                <a16:creationId xmlns:a16="http://schemas.microsoft.com/office/drawing/2014/main" id="{AC187F29-4A65-4AB1-BEE7-CDBCAF437C4E}"/>
+                <a16:creationId xmlns:a16="http://schemas.microsoft.com/office/drawing/2014/main" id="{1138B057-995E-46DF-AC6D-32C522F78245}"/>
               </a:ext>
             </a:extLst>
           </p:cNvPr>
@@ -6026,64 +5951,117 @@
             <a:spLocks noGrp="1"/>
           </p:cNvSpPr>
           <p:nvPr>
-            <p:ph idx="1"/>
+            <p:ph sz="half" idx="2"/>
           </p:nvPr>
         </p:nvSpPr>
         <p:spPr/>
         <p:txBody>
+          <a:bodyPr>
+            <a:normAutofit/>
+          </a:bodyPr>
+          <a:lstStyle/>
+          <a:p>
+            <a:r>
+              <a:rPr lang="en-US" sz="2400" dirty="0"/>
+              <a:t>Tokenizations of sentimental words</a:t>
+            </a:r>
+          </a:p>
+          <a:p>
+            <a:r>
+              <a:rPr lang="en-US" sz="2400" dirty="0"/>
+              <a:t>Importing Twitter data</a:t>
+            </a:r>
+          </a:p>
+          <a:p>
+            <a:endParaRPr lang="en-US" dirty="0"/>
+          </a:p>
+        </p:txBody>
+      </p:sp>
+      <p:sp>
+        <p:nvSpPr>
+          <p:cNvPr id="5" name="Text Placeholder 4">
+            <a:extLst>
+              <a:ext uri="{FF2B5EF4-FFF2-40B4-BE49-F238E27FC236}">
+                <a16:creationId xmlns:a16="http://schemas.microsoft.com/office/drawing/2014/main" id="{4E9BB2C9-D0F0-4D5C-B1C6-2DC7D1C2644A}"/>
+              </a:ext>
+            </a:extLst>
+          </p:cNvPr>
+          <p:cNvSpPr>
+            <a:spLocks noGrp="1"/>
+          </p:cNvSpPr>
+          <p:nvPr>
+            <p:ph type="body" sz="quarter" idx="3"/>
+          </p:nvPr>
+        </p:nvSpPr>
+        <p:spPr/>
+        <p:txBody>
           <a:bodyPr/>
           <a:lstStyle/>
           <a:p>
             <a:r>
-              <a:rPr lang="en-US" dirty="0">
-                <a:hlinkClick r:id="rId2"/>
-              </a:rPr>
-              <a:t>https://www.kaggle.com/vishaldwivedi/python-nltk-sentiment-analysis (Accessed</a:t>
-            </a:r>
-            <a:r>
               <a:rPr lang="en-US" dirty="0"/>
-              <a:t> on 10th August 10:24 PM )</a:t>
-            </a:r>
-          </a:p>
-          <a:p>
-            <a:r>
-              <a:rPr lang="en-US" dirty="0">
-                <a:hlinkClick r:id="rId3"/>
-              </a:rPr>
-              <a:t>https://www.geeksforgeeks.org/twitter-sentiment-analysis-using-python/</a:t>
-            </a:r>
-            <a:r>
-              <a:rPr lang="en-US" dirty="0"/>
-              <a:t> (Accessed </a:t>
-            </a:r>
-            <a:r>
-              <a:rPr lang="en-US" dirty="0" err="1"/>
-              <a:t>onn</a:t>
-            </a:r>
-            <a:r>
-              <a:rPr lang="en-US" dirty="0"/>
-              <a:t> 10</a:t>
-            </a:r>
-            <a:r>
-              <a:rPr lang="en-US" baseline="30000" dirty="0"/>
-              <a:t>th</a:t>
-            </a:r>
-            <a:r>
-              <a:rPr lang="en-US" dirty="0"/>
-              <a:t> August 10:30 PM)</a:t>
-            </a:r>
-          </a:p>
-          <a:p>
-            <a:endParaRPr lang="en-US" dirty="0"/>
-          </a:p>
-        </p:txBody>
-      </p:sp>
-      <p:sp>
-        <p:nvSpPr>
-          <p:cNvPr id="4" name="Slide Number Placeholder 3">
+              <a:t>Limitation</a:t>
+            </a:r>
+          </a:p>
+        </p:txBody>
+      </p:sp>
+      <p:sp>
+        <p:nvSpPr>
+          <p:cNvPr id="6" name="Content Placeholder 5">
             <a:extLst>
               <a:ext uri="{FF2B5EF4-FFF2-40B4-BE49-F238E27FC236}">
-                <a16:creationId xmlns:a16="http://schemas.microsoft.com/office/drawing/2014/main" id="{CED628A7-3276-4AD6-A941-56286391DDBD}"/>
+                <a16:creationId xmlns:a16="http://schemas.microsoft.com/office/drawing/2014/main" id="{E0164A1D-C58F-43A7-A17B-8AB2CB057961}"/>
+              </a:ext>
+            </a:extLst>
+          </p:cNvPr>
+          <p:cNvSpPr>
+            <a:spLocks noGrp="1"/>
+          </p:cNvSpPr>
+          <p:nvPr>
+            <p:ph sz="quarter" idx="4"/>
+          </p:nvPr>
+        </p:nvSpPr>
+        <p:spPr/>
+        <p:txBody>
+          <a:bodyPr>
+            <a:normAutofit/>
+          </a:bodyPr>
+          <a:lstStyle/>
+          <a:p>
+            <a:pPr lvl="0"/>
+            <a:r>
+              <a:rPr lang="en-US" sz="2400" dirty="0"/>
+              <a:t>Cannot identify humor and sarcasm, So sometime might be wrong.</a:t>
+            </a:r>
+          </a:p>
+          <a:p>
+            <a:pPr lvl="0"/>
+            <a:r>
+              <a:rPr lang="en-US" sz="2400" dirty="0"/>
+              <a:t>We cannot assure 100% accuracy but the result is closest to human thoughts.</a:t>
+            </a:r>
+          </a:p>
+          <a:p>
+            <a:pPr lvl="0"/>
+            <a:r>
+              <a:rPr lang="en-US" sz="2400" dirty="0"/>
+              <a:t>For now, this project is limited to the English language.</a:t>
+            </a:r>
+          </a:p>
+          <a:p>
+            <a:pPr marL="0" indent="0">
+              <a:buNone/>
+            </a:pPr>
+            <a:endParaRPr lang="en-US" sz="2400" dirty="0"/>
+          </a:p>
+        </p:txBody>
+      </p:sp>
+      <p:sp>
+        <p:nvSpPr>
+          <p:cNvPr id="7" name="Slide Number Placeholder 6">
+            <a:extLst>
+              <a:ext uri="{FF2B5EF4-FFF2-40B4-BE49-F238E27FC236}">
+                <a16:creationId xmlns:a16="http://schemas.microsoft.com/office/drawing/2014/main" id="{2F9ED730-91DA-437C-908C-CB4BE0A1BC71}"/>
               </a:ext>
             </a:extLst>
           </p:cNvPr>
@@ -6107,10 +6085,46 @@
           </a:p>
         </p:txBody>
       </p:sp>
+      <p:pic>
+        <p:nvPicPr>
+          <p:cNvPr id="8" name="Picture 7">
+            <a:extLst>
+              <a:ext uri="{FF2B5EF4-FFF2-40B4-BE49-F238E27FC236}">
+                <a16:creationId xmlns:a16="http://schemas.microsoft.com/office/drawing/2014/main" id="{D2639511-51E3-4C9F-8C2B-11C8255F0AAD}"/>
+              </a:ext>
+            </a:extLst>
+          </p:cNvPr>
+          <p:cNvPicPr>
+            <a:picLocks noChangeAspect="1"/>
+          </p:cNvPicPr>
+          <p:nvPr/>
+        </p:nvPicPr>
+        <p:blipFill>
+          <a:blip r:embed="rId2">
+            <a:extLst>
+              <a:ext uri="{28A0092B-C50C-407E-A947-70E740481C1C}">
+                <a14:useLocalDpi xmlns:a14="http://schemas.microsoft.com/office/drawing/2010/main" val="0"/>
+              </a:ext>
+            </a:extLst>
+          </a:blip>
+          <a:stretch>
+            <a:fillRect/>
+          </a:stretch>
+        </p:blipFill>
+        <p:spPr>
+          <a:xfrm>
+            <a:off x="0" y="0"/>
+            <a:ext cx="1533525" cy="1533525"/>
+          </a:xfrm>
+          <a:prstGeom prst="rect">
+            <a:avLst/>
+          </a:prstGeom>
+        </p:spPr>
+      </p:pic>
     </p:spTree>
     <p:extLst>
       <p:ext uri="{BB962C8B-B14F-4D97-AF65-F5344CB8AC3E}">
-        <p14:creationId xmlns:p14="http://schemas.microsoft.com/office/powerpoint/2010/main" val="3149144603"/>
+        <p14:creationId xmlns:p14="http://schemas.microsoft.com/office/powerpoint/2010/main" val="1191622333"/>
       </p:ext>
     </p:extLst>
   </p:cSld>
@@ -6123,14 +6137,6 @@
 <file path=ppt/slides/slide18.xml><?xml version="1.0" encoding="utf-8"?>
 <p:sld xmlns:a="http://schemas.openxmlformats.org/drawingml/2006/main" xmlns:r="http://schemas.openxmlformats.org/officeDocument/2006/relationships" xmlns:p="http://schemas.openxmlformats.org/presentationml/2006/main">
   <p:cSld>
-    <p:bg>
-      <p:bgPr>
-        <a:solidFill>
-          <a:srgbClr val="38A1F3"/>
-        </a:solidFill>
-        <a:effectLst/>
-      </p:bgPr>
-    </p:bg>
     <p:spTree>
       <p:nvGrpSpPr>
         <p:cNvPr id="1" name=""/>
@@ -6150,7 +6156,7 @@
           <p:cNvPr id="2" name="Title 1">
             <a:extLst>
               <a:ext uri="{FF2B5EF4-FFF2-40B4-BE49-F238E27FC236}">
-                <a16:creationId xmlns:a16="http://schemas.microsoft.com/office/drawing/2014/main" id="{3C61385C-7121-42C3-AD6D-F50F4E04539C}"/>
+                <a16:creationId xmlns:a16="http://schemas.microsoft.com/office/drawing/2014/main" id="{4C01A1EE-B000-4990-A603-3447059D48D7}"/>
               </a:ext>
             </a:extLst>
           </p:cNvPr>
@@ -6158,34 +6164,34 @@
             <a:spLocks noGrp="1"/>
           </p:cNvSpPr>
           <p:nvPr>
-            <p:ph type="ctrTitle"/>
-          </p:nvPr>
-        </p:nvSpPr>
-        <p:spPr>
-          <a:xfrm>
-            <a:off x="1104900" y="2864643"/>
-            <a:ext cx="9144000" cy="1128713"/>
+            <p:ph type="title"/>
+          </p:nvPr>
+        </p:nvSpPr>
+        <p:spPr>
+          <a:xfrm>
+            <a:off x="923925" y="2382043"/>
+            <a:ext cx="10515600" cy="1325563"/>
           </a:xfrm>
         </p:spPr>
         <p:txBody>
           <a:bodyPr>
-            <a:normAutofit/>
+            <a:noAutofit/>
           </a:bodyPr>
           <a:lstStyle/>
           <a:p>
             <a:r>
-              <a:rPr lang="en-US" dirty="0"/>
-              <a:t>Thank you</a:t>
-            </a:r>
-          </a:p>
-        </p:txBody>
-      </p:sp>
-      <p:sp>
-        <p:nvSpPr>
-          <p:cNvPr id="4" name="Slide Number Placeholder 3">
+              <a:rPr lang="en-US" sz="2400" dirty="0"/>
+              <a:t>Neutral tweets: The current classifier does not consider neutral sentiments, even though many tweets do not exhibit a clear cut positive or negative emotion, especially the ones stating a fact or news.  Bi-grams in combination with unigrams to handle negations like “not happy”  Semantics may be employed when sentiment of a tweet depends on the perspective of the reader. For example: “India lost to Australia in the semis ” indicates negative sentiment for India, but positive for Australia.</a:t>
+            </a:r>
+          </a:p>
+        </p:txBody>
+      </p:sp>
+      <p:sp>
+        <p:nvSpPr>
+          <p:cNvPr id="7" name="Slide Number Placeholder 6">
             <a:extLst>
               <a:ext uri="{FF2B5EF4-FFF2-40B4-BE49-F238E27FC236}">
-                <a16:creationId xmlns:a16="http://schemas.microsoft.com/office/drawing/2014/main" id="{8514E103-BB08-49C1-AD5E-5A2F4E21CF2B}"/>
+                <a16:creationId xmlns:a16="http://schemas.microsoft.com/office/drawing/2014/main" id="{3004C5FC-FA37-47F4-8E2B-5C2E3A74B79E}"/>
               </a:ext>
             </a:extLst>
           </p:cNvPr>
@@ -6212,7 +6218,7 @@
     </p:spTree>
     <p:extLst>
       <p:ext uri="{BB962C8B-B14F-4D97-AF65-F5344CB8AC3E}">
-        <p14:creationId xmlns:p14="http://schemas.microsoft.com/office/powerpoint/2010/main" val="1336239401"/>
+        <p14:creationId xmlns:p14="http://schemas.microsoft.com/office/powerpoint/2010/main" val="3723006520"/>
       </p:ext>
     </p:extLst>
   </p:cSld>
@@ -6222,17 +6228,9 @@
 </p:sld>
 </file>
 
-<file path=ppt/slides/slide2.xml><?xml version="1.0" encoding="utf-8"?>
+<file path=ppt/slides/slide19.xml><?xml version="1.0" encoding="utf-8"?>
 <p:sld xmlns:a="http://schemas.openxmlformats.org/drawingml/2006/main" xmlns:r="http://schemas.openxmlformats.org/officeDocument/2006/relationships" xmlns:p="http://schemas.openxmlformats.org/presentationml/2006/main">
   <p:cSld>
-    <p:bg>
-      <p:bgPr>
-        <a:solidFill>
-          <a:srgbClr val="38A1F3"/>
-        </a:solidFill>
-        <a:effectLst/>
-      </p:bgPr>
-    </p:bg>
     <p:spTree>
       <p:nvGrpSpPr>
         <p:cNvPr id="1" name=""/>
@@ -6247,333 +6245,160 @@
           <a:chExt cx="0" cy="0"/>
         </a:xfrm>
       </p:grpSpPr>
-      <p:grpSp>
-        <p:nvGrpSpPr>
-          <p:cNvPr id="11" name="Group 10">
+      <p:sp>
+        <p:nvSpPr>
+          <p:cNvPr id="2" name="Title 1">
             <a:extLst>
               <a:ext uri="{FF2B5EF4-FFF2-40B4-BE49-F238E27FC236}">
-                <a16:creationId xmlns:a16="http://schemas.microsoft.com/office/drawing/2014/main" id="{D2C4BFA1-2075-4901-9E24-E41D1FDD51FD}"/>
-              </a:ext>
-              <a:ext uri="{C183D7F6-B498-43B3-948B-1728B52AA6E4}">
-                <adec:decorative xmlns:adec="http://schemas.microsoft.com/office/drawing/2017/decorative" val="1"/>
+                <a16:creationId xmlns:a16="http://schemas.microsoft.com/office/drawing/2014/main" id="{3D60C96C-ADDD-464F-ABA8-1B30ED951E66}"/>
               </a:ext>
             </a:extLst>
           </p:cNvPr>
-          <p:cNvGrpSpPr>
-            <a:grpSpLocks noGrp="1" noUngrp="1" noRot="1" noChangeAspect="1" noMove="1" noResize="1"/>
-          </p:cNvGrpSpPr>
-          <p:nvPr>
-            <p:extLst>
-              <p:ext uri="{386F3935-93C4-4BCD-93E2-E3B085C9AB24}">
-                <p16:designElem xmlns:p16="http://schemas.microsoft.com/office/powerpoint/2015/main" val="1"/>
-              </p:ext>
-            </p:extLst>
-          </p:nvPr>
-        </p:nvGrpSpPr>
-        <p:grpSpPr>
-          <a:xfrm>
-            <a:off x="1155481" y="498348"/>
-            <a:ext cx="9902663" cy="5861304"/>
-            <a:chOff x="1155481" y="498348"/>
-            <a:chExt cx="9902663" cy="5861304"/>
-          </a:xfrm>
-        </p:grpSpPr>
-        <p:sp>
-          <p:nvSpPr>
-            <p:cNvPr id="12" name="Oval 5">
-              <a:extLst>
-                <a:ext uri="{FF2B5EF4-FFF2-40B4-BE49-F238E27FC236}">
-                  <a16:creationId xmlns:a16="http://schemas.microsoft.com/office/drawing/2014/main" id="{985A7375-E3AF-4F5C-85AE-17E8832952CA}"/>
-                </a:ext>
-                <a:ext uri="{C183D7F6-B498-43B3-948B-1728B52AA6E4}">
-                  <adec:decorative xmlns:adec="http://schemas.microsoft.com/office/drawing/2017/decorative" val="1"/>
-                </a:ext>
-              </a:extLst>
-            </p:cNvPr>
-            <p:cNvSpPr>
-              <a:spLocks noChangeArrowheads="1"/>
-            </p:cNvSpPr>
-            <p:nvPr>
-              <p:extLst>
-                <p:ext uri="{386F3935-93C4-4BCD-93E2-E3B085C9AB24}">
-                  <p16:designElem xmlns:p16="http://schemas.microsoft.com/office/powerpoint/2015/main" val="1"/>
-                </p:ext>
-              </p:extLst>
-            </p:nvPr>
-          </p:nvSpPr>
-          <p:spPr bwMode="auto">
-            <a:xfrm>
-              <a:off x="1155481" y="498348"/>
-              <a:ext cx="5861304" cy="5861304"/>
-            </a:xfrm>
-            <a:prstGeom prst="ellipse">
-              <a:avLst/>
-            </a:prstGeom>
-            <a:solidFill>
-              <a:schemeClr val="accent1">
-                <a:alpha val="55000"/>
-              </a:schemeClr>
-            </a:solidFill>
-            <a:ln>
-              <a:noFill/>
-            </a:ln>
-          </p:spPr>
-        </p:sp>
-        <p:sp>
-          <p:nvSpPr>
-            <p:cNvPr id="13" name="Oval 12">
-              <a:extLst>
-                <a:ext uri="{FF2B5EF4-FFF2-40B4-BE49-F238E27FC236}">
-                  <a16:creationId xmlns:a16="http://schemas.microsoft.com/office/drawing/2014/main" id="{F0307F65-8304-4FA8-A841-D4D7625411BE}"/>
-                </a:ext>
-                <a:ext uri="{C183D7F6-B498-43B3-948B-1728B52AA6E4}">
-                  <adec:decorative xmlns:adec="http://schemas.microsoft.com/office/drawing/2017/decorative" val="1"/>
-                </a:ext>
-              </a:extLst>
-            </p:cNvPr>
-            <p:cNvSpPr>
-              <a:spLocks noChangeArrowheads="1"/>
-            </p:cNvSpPr>
-            <p:nvPr>
-              <p:extLst>
-                <p:ext uri="{386F3935-93C4-4BCD-93E2-E3B085C9AB24}">
-                  <p16:designElem xmlns:p16="http://schemas.microsoft.com/office/powerpoint/2015/main" val="1"/>
-                </p:ext>
-              </p:extLst>
-            </p:nvPr>
-          </p:nvSpPr>
-          <p:spPr bwMode="auto">
-            <a:xfrm>
-              <a:off x="5196840" y="498348"/>
-              <a:ext cx="5861304" cy="5861304"/>
-            </a:xfrm>
-            <a:prstGeom prst="ellipse">
-              <a:avLst/>
-            </a:prstGeom>
-            <a:solidFill>
-              <a:schemeClr val="accent1">
-                <a:alpha val="55000"/>
-              </a:schemeClr>
-            </a:solidFill>
-            <a:ln>
-              <a:noFill/>
-            </a:ln>
-          </p:spPr>
-        </p:sp>
-        <p:sp>
-          <p:nvSpPr>
-            <p:cNvPr id="14" name="Oval 5">
-              <a:extLst>
-                <a:ext uri="{FF2B5EF4-FFF2-40B4-BE49-F238E27FC236}">
-                  <a16:creationId xmlns:a16="http://schemas.microsoft.com/office/drawing/2014/main" id="{C8B8394C-136F-4E05-A002-D93A5E79CD50}"/>
-                </a:ext>
-                <a:ext uri="{C183D7F6-B498-43B3-948B-1728B52AA6E4}">
-                  <adec:decorative xmlns:adec="http://schemas.microsoft.com/office/drawing/2017/decorative" val="1"/>
-                </a:ext>
-              </a:extLst>
-            </p:cNvPr>
-            <p:cNvSpPr>
-              <a:spLocks noChangeArrowheads="1"/>
-            </p:cNvSpPr>
-            <p:nvPr>
-              <p:extLst>
-                <p:ext uri="{386F3935-93C4-4BCD-93E2-E3B085C9AB24}">
-                  <p16:designElem xmlns:p16="http://schemas.microsoft.com/office/powerpoint/2015/main" val="1"/>
-                </p:ext>
-              </p:extLst>
-            </p:nvPr>
-          </p:nvSpPr>
-          <p:spPr bwMode="auto">
-            <a:xfrm>
-              <a:off x="3165348" y="498348"/>
-              <a:ext cx="5861304" cy="5861304"/>
-            </a:xfrm>
-            <a:prstGeom prst="ellipse">
-              <a:avLst/>
-            </a:prstGeom>
-            <a:solidFill>
-              <a:schemeClr val="accent1">
-                <a:alpha val="70000"/>
-              </a:schemeClr>
-            </a:solidFill>
-            <a:ln>
-              <a:noFill/>
-            </a:ln>
-          </p:spPr>
-        </p:sp>
-      </p:grpSp>
-      <p:sp>
-        <p:nvSpPr>
-          <p:cNvPr id="16" name="Rectangle 15">
+          <p:cNvSpPr>
+            <a:spLocks noGrp="1"/>
+          </p:cNvSpPr>
+          <p:nvPr>
+            <p:ph type="title"/>
+          </p:nvPr>
+        </p:nvSpPr>
+        <p:spPr/>
+        <p:txBody>
+          <a:bodyPr/>
+          <a:lstStyle/>
+          <a:p>
+            <a:r>
+              <a:rPr lang="en-US" dirty="0"/>
+              <a:t>References</a:t>
+            </a:r>
+          </a:p>
+        </p:txBody>
+      </p:sp>
+      <p:sp>
+        <p:nvSpPr>
+          <p:cNvPr id="3" name="Content Placeholder 2">
             <a:extLst>
               <a:ext uri="{FF2B5EF4-FFF2-40B4-BE49-F238E27FC236}">
-                <a16:creationId xmlns:a16="http://schemas.microsoft.com/office/drawing/2014/main" id="{053FB2EE-284F-4C87-AB3D-BBF87A9FAB97}"/>
-              </a:ext>
-              <a:ext uri="{C183D7F6-B498-43B3-948B-1728B52AA6E4}">
-                <adec:decorative xmlns:adec="http://schemas.microsoft.com/office/drawing/2017/decorative" val="1"/>
+                <a16:creationId xmlns:a16="http://schemas.microsoft.com/office/drawing/2014/main" id="{AC187F29-4A65-4AB1-BEE7-CDBCAF437C4E}"/>
               </a:ext>
             </a:extLst>
           </p:cNvPr>
           <p:cNvSpPr>
-            <a:spLocks noGrp="1" noRot="1" noChangeAspect="1" noMove="1" noResize="1" noEditPoints="1" noAdjustHandles="1" noChangeArrowheads="1" noChangeShapeType="1" noTextEdit="1"/>
-          </p:cNvSpPr>
-          <p:nvPr>
-            <p:extLst>
-              <p:ext uri="{386F3935-93C4-4BCD-93E2-E3B085C9AB24}">
-                <p16:designElem xmlns:p16="http://schemas.microsoft.com/office/powerpoint/2015/main" val="1"/>
-              </p:ext>
-            </p:extLst>
-          </p:nvPr>
-        </p:nvSpPr>
-        <p:spPr>
-          <a:xfrm>
-            <a:off x="0" y="2514600"/>
-            <a:ext cx="12192000" cy="1828800"/>
+            <a:spLocks noGrp="1"/>
+          </p:cNvSpPr>
+          <p:nvPr>
+            <p:ph idx="1"/>
+          </p:nvPr>
+        </p:nvSpPr>
+        <p:spPr/>
+        <p:txBody>
+          <a:bodyPr/>
+          <a:lstStyle/>
+          <a:p>
+            <a:r>
+              <a:rPr lang="en-US" dirty="0">
+                <a:hlinkClick r:id="rId2"/>
+              </a:rPr>
+              <a:t>https://www.kaggle.com/vishaldwivedi/python-nltk-sentiment-analysis  (Accessed</a:t>
+            </a:r>
+            <a:r>
+              <a:rPr lang="en-US" dirty="0"/>
+              <a:t> on 10th August 10:24 PM )</a:t>
+            </a:r>
+          </a:p>
+          <a:p>
+            <a:r>
+              <a:rPr lang="en-US" dirty="0">
+                <a:hlinkClick r:id="rId3"/>
+              </a:rPr>
+              <a:t>https://www.geeksforgeeks.org/twitter-sentiment-analysis-using-python/</a:t>
+            </a:r>
+            <a:r>
+              <a:rPr lang="en-US" dirty="0"/>
+              <a:t> (Accessed on 10</a:t>
+            </a:r>
+            <a:r>
+              <a:rPr lang="en-US" baseline="30000" dirty="0"/>
+              <a:t>th</a:t>
+            </a:r>
+            <a:r>
+              <a:rPr lang="en-US" dirty="0"/>
+              <a:t> August 10:30 PM)</a:t>
+            </a:r>
+          </a:p>
+          <a:p>
+            <a:endParaRPr lang="en-US" dirty="0"/>
+          </a:p>
+        </p:txBody>
+      </p:sp>
+      <p:sp>
+        <p:nvSpPr>
+          <p:cNvPr id="4" name="Slide Number Placeholder 3">
+            <a:extLst>
+              <a:ext uri="{FF2B5EF4-FFF2-40B4-BE49-F238E27FC236}">
+                <a16:creationId xmlns:a16="http://schemas.microsoft.com/office/drawing/2014/main" id="{CED628A7-3276-4AD6-A941-56286391DDBD}"/>
+              </a:ext>
+            </a:extLst>
+          </p:cNvPr>
+          <p:cNvSpPr>
+            <a:spLocks noGrp="1"/>
+          </p:cNvSpPr>
+          <p:nvPr>
+            <p:ph type="sldNum" sz="quarter" idx="12"/>
+          </p:nvPr>
+        </p:nvSpPr>
+        <p:spPr/>
+        <p:txBody>
+          <a:bodyPr/>
+          <a:lstStyle/>
+          <a:p>
+            <a:fld id="{6C45EC47-6188-4C03-8813-AF382A0C43BB}" type="slidenum">
+              <a:rPr lang="en-US" smtClean="0"/>
+              <a:t>19</a:t>
+            </a:fld>
+            <a:endParaRPr lang="en-US"/>
+          </a:p>
+        </p:txBody>
+      </p:sp>
+      <p:pic>
+        <p:nvPicPr>
+          <p:cNvPr id="5" name="Picture 4">
+            <a:extLst>
+              <a:ext uri="{FF2B5EF4-FFF2-40B4-BE49-F238E27FC236}">
+                <a16:creationId xmlns:a16="http://schemas.microsoft.com/office/drawing/2014/main" id="{0BF98D9F-CD3F-4321-A149-241E62183713}"/>
+              </a:ext>
+            </a:extLst>
+          </p:cNvPr>
+          <p:cNvPicPr>
+            <a:picLocks noChangeAspect="1"/>
+          </p:cNvPicPr>
+          <p:nvPr/>
+        </p:nvPicPr>
+        <p:blipFill>
+          <a:blip r:embed="rId4">
+            <a:extLst>
+              <a:ext uri="{28A0092B-C50C-407E-A947-70E740481C1C}">
+                <a14:useLocalDpi xmlns:a14="http://schemas.microsoft.com/office/drawing/2010/main" val="0"/>
+              </a:ext>
+            </a:extLst>
+          </a:blip>
+          <a:stretch>
+            <a:fillRect/>
+          </a:stretch>
+        </p:blipFill>
+        <p:spPr>
+          <a:xfrm>
+            <a:off x="0" y="0"/>
+            <a:ext cx="1533525" cy="1533525"/>
           </a:xfrm>
           <a:prstGeom prst="rect">
             <a:avLst/>
           </a:prstGeom>
-          <a:solidFill>
-            <a:schemeClr val="tx2"/>
-          </a:solidFill>
-          <a:ln>
-            <a:noFill/>
-          </a:ln>
-        </p:spPr>
-        <p:style>
-          <a:lnRef idx="2">
-            <a:schemeClr val="accent1">
-              <a:shade val="50000"/>
-            </a:schemeClr>
-          </a:lnRef>
-          <a:fillRef idx="1">
-            <a:schemeClr val="accent1"/>
-          </a:fillRef>
-          <a:effectRef idx="0">
-            <a:schemeClr val="accent1"/>
-          </a:effectRef>
-          <a:fontRef idx="minor">
-            <a:schemeClr val="lt1"/>
-          </a:fontRef>
-        </p:style>
-      </p:sp>
-      <p:sp>
-        <p:nvSpPr>
-          <p:cNvPr id="6" name="TextBox 5">
-            <a:extLst>
-              <a:ext uri="{FF2B5EF4-FFF2-40B4-BE49-F238E27FC236}">
-                <a16:creationId xmlns:a16="http://schemas.microsoft.com/office/drawing/2014/main" id="{B9C4D4DE-352D-4AF1-A183-74A280211FB2}"/>
-              </a:ext>
-            </a:extLst>
-          </p:cNvPr>
-          <p:cNvSpPr txBox="1"/>
-          <p:nvPr/>
-        </p:nvSpPr>
-        <p:spPr>
-          <a:xfrm>
-            <a:off x="1524000" y="2776538"/>
-            <a:ext cx="9144000" cy="1381188"/>
-          </a:xfrm>
-          <a:prstGeom prst="rect">
-            <a:avLst/>
-          </a:prstGeom>
-        </p:spPr>
-        <p:txBody>
-          <a:bodyPr vert="horz" lIns="91440" tIns="45720" rIns="91440" bIns="45720" rtlCol="0" anchor="ctr">
-            <a:normAutofit lnSpcReduction="10000"/>
-          </a:bodyPr>
-          <a:lstStyle/>
-          <a:p>
-            <a:pPr algn="ctr" defTabSz="914400">
-              <a:lnSpc>
-                <a:spcPct val="90000"/>
-              </a:lnSpc>
-              <a:spcBef>
-                <a:spcPct val="0"/>
-              </a:spcBef>
-              <a:spcAft>
-                <a:spcPts val="600"/>
-              </a:spcAft>
-            </a:pPr>
-            <a:r>
-              <a:rPr lang="en-US" sz="4000" b="1" kern="1200" dirty="0">
-                <a:solidFill>
-                  <a:srgbClr val="38A1F3"/>
-                </a:solidFill>
-                <a:latin typeface="+mj-lt"/>
-                <a:ea typeface="+mj-ea"/>
-                <a:cs typeface="+mj-cs"/>
-              </a:rPr>
-              <a:t>SentiMeter</a:t>
-            </a:r>
-          </a:p>
-          <a:p>
-            <a:pPr algn="ctr" defTabSz="914400">
-              <a:lnSpc>
-                <a:spcPct val="90000"/>
-              </a:lnSpc>
-              <a:spcBef>
-                <a:spcPct val="0"/>
-              </a:spcBef>
-              <a:spcAft>
-                <a:spcPts val="600"/>
-              </a:spcAft>
-            </a:pPr>
-            <a:r>
-              <a:rPr lang="en-US" sz="2800" b="1" kern="1200" dirty="0">
-                <a:solidFill>
-                  <a:schemeClr val="bg2"/>
-                </a:solidFill>
-                <a:latin typeface="+mj-lt"/>
-                <a:ea typeface="+mj-ea"/>
-                <a:cs typeface="+mj-cs"/>
-              </a:rPr>
-              <a:t>An Android Application for Sentiment Analysis of Twitter Data Using KNN and NBayes Classifiers</a:t>
-            </a:r>
-            <a:endParaRPr lang="en-US" sz="2800" kern="1200" dirty="0">
-              <a:solidFill>
-                <a:schemeClr val="bg2"/>
-              </a:solidFill>
-              <a:latin typeface="+mj-lt"/>
-              <a:ea typeface="+mj-ea"/>
-              <a:cs typeface="+mj-cs"/>
-            </a:endParaRPr>
-          </a:p>
-        </p:txBody>
-      </p:sp>
-      <p:sp>
-        <p:nvSpPr>
-          <p:cNvPr id="7" name="Slide Number Placeholder 6">
-            <a:extLst>
-              <a:ext uri="{FF2B5EF4-FFF2-40B4-BE49-F238E27FC236}">
-                <a16:creationId xmlns:a16="http://schemas.microsoft.com/office/drawing/2014/main" id="{C5F34628-4953-45F0-A83C-4382E325A11C}"/>
-              </a:ext>
-            </a:extLst>
-          </p:cNvPr>
-          <p:cNvSpPr>
-            <a:spLocks noGrp="1"/>
-          </p:cNvSpPr>
-          <p:nvPr>
-            <p:ph type="sldNum" sz="quarter" idx="12"/>
-          </p:nvPr>
-        </p:nvSpPr>
-        <p:spPr/>
-        <p:txBody>
-          <a:bodyPr/>
-          <a:lstStyle/>
-          <a:p>
-            <a:fld id="{6C45EC47-6188-4C03-8813-AF382A0C43BB}" type="slidenum">
-              <a:rPr lang="en-US" smtClean="0"/>
-              <a:t>2</a:t>
-            </a:fld>
-            <a:endParaRPr lang="en-US"/>
-          </a:p>
-        </p:txBody>
-      </p:sp>
+        </p:spPr>
+      </p:pic>
     </p:spTree>
     <p:extLst>
       <p:ext uri="{BB962C8B-B14F-4D97-AF65-F5344CB8AC3E}">
-        <p14:creationId xmlns:p14="http://schemas.microsoft.com/office/powerpoint/2010/main" val="1710246409"/>
+        <p14:creationId xmlns:p14="http://schemas.microsoft.com/office/powerpoint/2010/main" val="3149144603"/>
       </p:ext>
     </p:extLst>
   </p:cSld>
@@ -6583,17 +6408,9 @@
 </p:sld>
 </file>
 
-<file path=ppt/slides/slide3.xml><?xml version="1.0" encoding="utf-8"?>
+<file path=ppt/slides/slide2.xml><?xml version="1.0" encoding="utf-8"?>
 <p:sld xmlns:a="http://schemas.openxmlformats.org/drawingml/2006/main" xmlns:r="http://schemas.openxmlformats.org/officeDocument/2006/relationships" xmlns:p="http://schemas.openxmlformats.org/presentationml/2006/main">
   <p:cSld>
-    <p:bg>
-      <p:bgPr>
-        <a:solidFill>
-          <a:srgbClr val="38A1F3"/>
-        </a:solidFill>
-        <a:effectLst/>
-      </p:bgPr>
-    </p:bg>
     <p:spTree>
       <p:nvGrpSpPr>
         <p:cNvPr id="1" name=""/>
@@ -6610,10 +6427,10 @@
       </p:grpSpPr>
       <p:sp>
         <p:nvSpPr>
-          <p:cNvPr id="2" name="Title 1">
+          <p:cNvPr id="4" name="Slide Number Placeholder 3">
             <a:extLst>
               <a:ext uri="{FF2B5EF4-FFF2-40B4-BE49-F238E27FC236}">
-                <a16:creationId xmlns:a16="http://schemas.microsoft.com/office/drawing/2014/main" id="{499A7E7B-B40E-428D-A590-B5908B264F1D}"/>
+                <a16:creationId xmlns:a16="http://schemas.microsoft.com/office/drawing/2014/main" id="{CFE7911C-5091-42C8-BA82-682BAA46878D}"/>
               </a:ext>
             </a:extLst>
           </p:cNvPr>
@@ -6621,117 +6438,192 @@
             <a:spLocks noGrp="1"/>
           </p:cNvSpPr>
           <p:nvPr>
-            <p:ph type="ctrTitle"/>
-          </p:nvPr>
-        </p:nvSpPr>
-        <p:spPr>
-          <a:xfrm>
-            <a:off x="1524000" y="118940"/>
-            <a:ext cx="9144000" cy="1090613"/>
-          </a:xfrm>
-        </p:spPr>
-        <p:txBody>
-          <a:bodyPr>
-            <a:normAutofit/>
+            <p:ph type="sldNum" sz="quarter" idx="12"/>
+          </p:nvPr>
+        </p:nvSpPr>
+        <p:spPr/>
+        <p:txBody>
+          <a:bodyPr/>
+          <a:lstStyle/>
+          <a:p>
+            <a:fld id="{6C45EC47-6188-4C03-8813-AF382A0C43BB}" type="slidenum">
+              <a:rPr lang="en-US" smtClean="0"/>
+              <a:t>2</a:t>
+            </a:fld>
+            <a:endParaRPr lang="en-US" dirty="0"/>
+          </a:p>
+        </p:txBody>
+      </p:sp>
+      <p:sp>
+        <p:nvSpPr>
+          <p:cNvPr id="5" name="TextBox 4">
+            <a:extLst>
+              <a:ext uri="{FF2B5EF4-FFF2-40B4-BE49-F238E27FC236}">
+                <a16:creationId xmlns:a16="http://schemas.microsoft.com/office/drawing/2014/main" id="{EBD086EF-8198-4910-ABA7-F06A3B180FB6}"/>
+              </a:ext>
+            </a:extLst>
+          </p:cNvPr>
+          <p:cNvSpPr txBox="1"/>
+          <p:nvPr/>
+        </p:nvSpPr>
+        <p:spPr>
+          <a:xfrm>
+            <a:off x="1524000" y="1657351"/>
+            <a:ext cx="9144000" cy="4247317"/>
+          </a:xfrm>
+          <a:prstGeom prst="rect">
+            <a:avLst/>
+          </a:prstGeom>
+          <a:noFill/>
+        </p:spPr>
+        <p:txBody>
+          <a:bodyPr wrap="square" rtlCol="0">
+            <a:spAutoFit/>
           </a:bodyPr>
           <a:lstStyle/>
           <a:p>
-            <a:r>
-              <a:rPr lang="en-US" sz="4800" dirty="0"/>
-              <a:t>What is Sentiment Analysis?</a:t>
-            </a:r>
-          </a:p>
-        </p:txBody>
-      </p:sp>
-      <p:sp>
-        <p:nvSpPr>
-          <p:cNvPr id="3" name="Subtitle 2">
-            <a:extLst>
-              <a:ext uri="{FF2B5EF4-FFF2-40B4-BE49-F238E27FC236}">
-                <a16:creationId xmlns:a16="http://schemas.microsoft.com/office/drawing/2014/main" id="{A498CE7F-7120-46AC-B277-58AA124EAED5}"/>
-              </a:ext>
-            </a:extLst>
-          </p:cNvPr>
-          <p:cNvSpPr>
-            <a:spLocks noGrp="1"/>
-          </p:cNvSpPr>
-          <p:nvPr>
-            <p:ph type="subTitle" idx="1"/>
-          </p:nvPr>
-        </p:nvSpPr>
-        <p:spPr>
-          <a:xfrm>
-            <a:off x="1260232" y="1481138"/>
-            <a:ext cx="9144000" cy="3112477"/>
-          </a:xfrm>
-        </p:spPr>
-        <p:txBody>
-          <a:bodyPr>
-            <a:normAutofit/>
-          </a:bodyPr>
-          <a:lstStyle/>
-          <a:p>
-            <a:pPr marL="342900" indent="-342900" algn="l">
-              <a:buFont typeface="Arial" panose="020B0604020202020204" pitchFamily="34" charset="0"/>
-              <a:buChar char="•"/>
-            </a:pPr>
-            <a:r>
-              <a:rPr lang="en-US" dirty="0"/>
-              <a:t>process of computationally identifying and categorizing opinions expressed in a piece of text, especially in order to determine whether the writer's attitude towards a particular topic, product, etc. is positive, negative, or neutral.</a:t>
-            </a:r>
-          </a:p>
-          <a:p>
-            <a:pPr marL="342900" indent="-342900" algn="l">
-              <a:buFont typeface="Arial" panose="020B0604020202020204" pitchFamily="34" charset="0"/>
-              <a:buChar char="•"/>
+            <a:pPr marL="285750" indent="-285750">
+              <a:buFont typeface="Wingdings" panose="05000000000000000000" pitchFamily="2" charset="2"/>
+              <a:buChar char="§"/>
             </a:pPr>
             <a:endParaRPr lang="en-US" dirty="0"/>
           </a:p>
           <a:p>
-            <a:pPr marL="342900" indent="-342900" algn="l">
-              <a:buFont typeface="Arial" panose="020B0604020202020204" pitchFamily="34" charset="0"/>
-              <a:buChar char="•"/>
+            <a:pPr marL="285750" indent="-285750">
+              <a:buFont typeface="Wingdings" panose="05000000000000000000" pitchFamily="2" charset="2"/>
+              <a:buChar char="§"/>
             </a:pPr>
             <a:r>
               <a:rPr lang="en-US" dirty="0"/>
-              <a:t>Also referred to as opinion mining , it helps to determine whether someone’s opinion is positive negative or neutral</a:t>
-            </a:r>
-          </a:p>
-        </p:txBody>
-      </p:sp>
-      <p:sp>
-        <p:nvSpPr>
-          <p:cNvPr id="4" name="Slide Number Placeholder 3">
+              <a:t>Twitter has 330 million monthly active users(as of 2019 Q1). Of these, more than 40 percent that is  about 134 million people use the service on a daily basis (Twitter, 2019). </a:t>
+            </a:r>
+          </a:p>
+          <a:p>
+            <a:pPr marL="285750" indent="-285750">
+              <a:buFont typeface="Wingdings" panose="05000000000000000000" pitchFamily="2" charset="2"/>
+              <a:buChar char="§"/>
+            </a:pPr>
+            <a:endParaRPr lang="en-US" dirty="0"/>
+          </a:p>
+          <a:p>
+            <a:pPr marL="285750" indent="-285750">
+              <a:buFont typeface="Wingdings" panose="05000000000000000000" pitchFamily="2" charset="2"/>
+              <a:buChar char="§"/>
+            </a:pPr>
+            <a:endParaRPr lang="en-US" dirty="0"/>
+          </a:p>
+          <a:p>
+            <a:pPr marL="285750" indent="-285750">
+              <a:buFont typeface="Wingdings" panose="05000000000000000000" pitchFamily="2" charset="2"/>
+              <a:buChar char="§"/>
+            </a:pPr>
+            <a:r>
+              <a:rPr lang="en-US" dirty="0"/>
+              <a:t>The average time spent on Twitter clocks in at  3.39 minutes per session (Statista, 2019)</a:t>
+            </a:r>
+          </a:p>
+          <a:p>
+            <a:pPr marL="285750" indent="-285750">
+              <a:buFont typeface="Wingdings" panose="05000000000000000000" pitchFamily="2" charset="2"/>
+              <a:buChar char="§"/>
+            </a:pPr>
+            <a:endParaRPr lang="en-US" dirty="0"/>
+          </a:p>
+          <a:p>
+            <a:pPr marL="285750" indent="-285750">
+              <a:buFont typeface="Wingdings" panose="05000000000000000000" pitchFamily="2" charset="2"/>
+              <a:buChar char="§"/>
+            </a:pPr>
+            <a:endParaRPr lang="en-US" dirty="0"/>
+          </a:p>
+          <a:p>
+            <a:pPr marL="285750" indent="-285750">
+              <a:buFont typeface="Wingdings" panose="05000000000000000000" pitchFamily="2" charset="2"/>
+              <a:buChar char="§"/>
+            </a:pPr>
+            <a:r>
+              <a:rPr lang="en-US" dirty="0"/>
+              <a:t>Users tweets about various aspects of day to day life.</a:t>
+            </a:r>
+          </a:p>
+          <a:p>
+            <a:pPr marL="285750" indent="-285750">
+              <a:buFont typeface="Wingdings" panose="05000000000000000000" pitchFamily="2" charset="2"/>
+              <a:buChar char="§"/>
+            </a:pPr>
+            <a:endParaRPr lang="en-US" dirty="0"/>
+          </a:p>
+          <a:p>
+            <a:pPr marL="285750" indent="-285750">
+              <a:buFont typeface="Wingdings" panose="05000000000000000000" pitchFamily="2" charset="2"/>
+              <a:buChar char="§"/>
+            </a:pPr>
+            <a:endParaRPr lang="en-US" dirty="0"/>
+          </a:p>
+          <a:p>
+            <a:pPr marL="285750" indent="-285750">
+              <a:buFont typeface="Wingdings" panose="05000000000000000000" pitchFamily="2" charset="2"/>
+              <a:buChar char="§"/>
+            </a:pPr>
+            <a:r>
+              <a:rPr lang="en-US" dirty="0"/>
+              <a:t>That is a whole lots of data.</a:t>
+            </a:r>
+          </a:p>
+          <a:p>
+            <a:endParaRPr lang="en-US" dirty="0"/>
+          </a:p>
+          <a:p>
+            <a:endParaRPr lang="en-US" dirty="0"/>
+          </a:p>
+          <a:p>
+            <a:r>
+              <a:rPr lang="en-US" dirty="0"/>
+              <a:t>What if we say those data can be utilized for better purpose:</a:t>
+            </a:r>
+          </a:p>
+        </p:txBody>
+      </p:sp>
+      <p:pic>
+        <p:nvPicPr>
+          <p:cNvPr id="7" name="Picture 6">
             <a:extLst>
               <a:ext uri="{FF2B5EF4-FFF2-40B4-BE49-F238E27FC236}">
-                <a16:creationId xmlns:a16="http://schemas.microsoft.com/office/drawing/2014/main" id="{F5D4F5F9-C42F-4BFE-B342-92EED49A8B33}"/>
+                <a16:creationId xmlns:a16="http://schemas.microsoft.com/office/drawing/2014/main" id="{1CF36BB4-C2AE-4B9D-84BD-F412E2468A58}"/>
               </a:ext>
             </a:extLst>
           </p:cNvPr>
-          <p:cNvSpPr>
-            <a:spLocks noGrp="1"/>
-          </p:cNvSpPr>
-          <p:nvPr>
-            <p:ph type="sldNum" sz="quarter" idx="12"/>
-          </p:nvPr>
-        </p:nvSpPr>
-        <p:spPr/>
-        <p:txBody>
-          <a:bodyPr/>
-          <a:lstStyle/>
-          <a:p>
-            <a:fld id="{6C45EC47-6188-4C03-8813-AF382A0C43BB}" type="slidenum">
-              <a:rPr lang="en-US" smtClean="0"/>
-              <a:t>3</a:t>
-            </a:fld>
-            <a:endParaRPr lang="en-US"/>
-          </a:p>
-        </p:txBody>
-      </p:sp>
+          <p:cNvPicPr>
+            <a:picLocks noChangeAspect="1"/>
+          </p:cNvPicPr>
+          <p:nvPr/>
+        </p:nvPicPr>
+        <p:blipFill>
+          <a:blip r:embed="rId2">
+            <a:extLst>
+              <a:ext uri="{28A0092B-C50C-407E-A947-70E740481C1C}">
+                <a14:useLocalDpi xmlns:a14="http://schemas.microsoft.com/office/drawing/2010/main" val="0"/>
+              </a:ext>
+            </a:extLst>
+          </a:blip>
+          <a:stretch>
+            <a:fillRect/>
+          </a:stretch>
+        </p:blipFill>
+        <p:spPr>
+          <a:xfrm>
+            <a:off x="1" y="1"/>
+            <a:ext cx="1657350" cy="1657350"/>
+          </a:xfrm>
+          <a:prstGeom prst="rect">
+            <a:avLst/>
+          </a:prstGeom>
+        </p:spPr>
+      </p:pic>
     </p:spTree>
     <p:extLst>
       <p:ext uri="{BB962C8B-B14F-4D97-AF65-F5344CB8AC3E}">
-        <p14:creationId xmlns:p14="http://schemas.microsoft.com/office/powerpoint/2010/main" val="3820736068"/>
+        <p14:creationId xmlns:p14="http://schemas.microsoft.com/office/powerpoint/2010/main" val="701780199"/>
       </p:ext>
     </p:extLst>
   </p:cSld>
@@ -6741,17 +6633,9 @@
 </p:sld>
 </file>
 
-<file path=ppt/slides/slide4.xml><?xml version="1.0" encoding="utf-8"?>
+<file path=ppt/slides/slide20.xml><?xml version="1.0" encoding="utf-8"?>
 <p:sld xmlns:a="http://schemas.openxmlformats.org/drawingml/2006/main" xmlns:r="http://schemas.openxmlformats.org/officeDocument/2006/relationships" xmlns:p="http://schemas.openxmlformats.org/presentationml/2006/main">
   <p:cSld>
-    <p:bg>
-      <p:bgPr>
-        <a:solidFill>
-          <a:srgbClr val="38A1F2"/>
-        </a:solidFill>
-        <a:effectLst/>
-      </p:bgPr>
-    </p:bg>
     <p:spTree>
       <p:nvGrpSpPr>
         <p:cNvPr id="1" name=""/>
@@ -6771,7 +6655,7 @@
           <p:cNvPr id="2" name="Title 1">
             <a:extLst>
               <a:ext uri="{FF2B5EF4-FFF2-40B4-BE49-F238E27FC236}">
-                <a16:creationId xmlns:a16="http://schemas.microsoft.com/office/drawing/2014/main" id="{9D31B41B-8C53-4D0B-BD6D-8B74190396A4}"/>
+                <a16:creationId xmlns:a16="http://schemas.microsoft.com/office/drawing/2014/main" id="{3C61385C-7121-42C3-AD6D-F50F4E04539C}"/>
               </a:ext>
             </a:extLst>
           </p:cNvPr>
@@ -6779,13 +6663,13 @@
             <a:spLocks noGrp="1"/>
           </p:cNvSpPr>
           <p:nvPr>
-            <p:ph type="title"/>
-          </p:nvPr>
-        </p:nvSpPr>
-        <p:spPr>
-          <a:xfrm>
-            <a:off x="838200" y="220478"/>
-            <a:ext cx="10515600" cy="1325563"/>
+            <p:ph type="ctrTitle"/>
+          </p:nvPr>
+        </p:nvSpPr>
+        <p:spPr>
+          <a:xfrm>
+            <a:off x="1524000" y="1899047"/>
+            <a:ext cx="9144000" cy="3059906"/>
           </a:xfrm>
         </p:spPr>
         <p:txBody>
@@ -6794,92 +6678,59 @@
           </a:bodyPr>
           <a:lstStyle/>
           <a:p>
-            <a:pPr algn="ctr"/>
-            <a:r>
-              <a:rPr lang="en-US" sz="4800" dirty="0"/>
-              <a:t>Why Sentiment Analysis is important?</a:t>
-            </a:r>
-          </a:p>
-        </p:txBody>
-      </p:sp>
-      <p:sp>
-        <p:nvSpPr>
-          <p:cNvPr id="3" name="Content Placeholder 2">
+            <a:r>
+              <a:rPr lang="en-US" sz="3600" u="sng" dirty="0">
+                <a:latin typeface="+mn-lt"/>
+              </a:rPr>
+              <a:t>Thank you</a:t>
+            </a:r>
+            <a:br>
+              <a:rPr lang="en-US" sz="3600" u="sng" dirty="0">
+                <a:latin typeface="+mn-lt"/>
+              </a:rPr>
+            </a:br>
+            <a:br>
+              <a:rPr lang="en-US" dirty="0">
+                <a:latin typeface="+mn-lt"/>
+              </a:rPr>
+            </a:br>
+            <a:r>
+              <a:rPr lang="en-US" sz="2800" dirty="0">
+                <a:latin typeface="+mn-lt"/>
+              </a:rPr>
+              <a:t>Kanchan Singh</a:t>
+            </a:r>
+            <a:br>
+              <a:rPr lang="en-US" sz="2800" dirty="0">
+                <a:latin typeface="+mn-lt"/>
+              </a:rPr>
+            </a:br>
+            <a:r>
+              <a:rPr lang="en-US" sz="2800" dirty="0">
+                <a:latin typeface="+mn-lt"/>
+              </a:rPr>
+              <a:t>Poshan Pandey</a:t>
+            </a:r>
+            <a:br>
+              <a:rPr lang="en-US" sz="2800" dirty="0">
+                <a:latin typeface="+mn-lt"/>
+              </a:rPr>
+            </a:br>
+            <a:r>
+              <a:rPr lang="en-US" sz="2800" dirty="0">
+                <a:latin typeface="+mn-lt"/>
+              </a:rPr>
+              <a:t>Priska Budhathoki</a:t>
+            </a:r>
+          </a:p>
+        </p:txBody>
+      </p:sp>
+      <p:sp>
+        <p:nvSpPr>
+          <p:cNvPr id="4" name="Slide Number Placeholder 3">
             <a:extLst>
               <a:ext uri="{FF2B5EF4-FFF2-40B4-BE49-F238E27FC236}">
-                <a16:creationId xmlns:a16="http://schemas.microsoft.com/office/drawing/2014/main" id="{DCCB988C-E109-4843-B5BD-9B1616BDEDC7}"/>
-              </a:ext>
-            </a:extLst>
-          </p:cNvPr>
-          <p:cNvSpPr>
-            <a:spLocks noGrp="1"/>
-          </p:cNvSpPr>
-          <p:nvPr>
-            <p:ph idx="1"/>
-          </p:nvPr>
-        </p:nvSpPr>
-        <p:spPr/>
-        <p:txBody>
-          <a:bodyPr>
-            <a:normAutofit/>
-          </a:bodyPr>
-          <a:lstStyle/>
-          <a:p>
-            <a:pPr fontAlgn="base"/>
-            <a:r>
-              <a:rPr lang="en-US" sz="2400" b="1" dirty="0"/>
-              <a:t>Business: </a:t>
-            </a:r>
-            <a:r>
-              <a:rPr lang="en-US" sz="2400" dirty="0"/>
-              <a:t>In marketing field companies use it to develop their strategies, to understand customers’ feelings towards products or brand, how people respond to their campaigns or product launches and why consumers don’t buy some</a:t>
-            </a:r>
-            <a:br>
-              <a:rPr lang="en-US" sz="2400" dirty="0"/>
-            </a:br>
-            <a:r>
-              <a:rPr lang="en-US" sz="2400" dirty="0"/>
-              <a:t>products.</a:t>
-            </a:r>
-          </a:p>
-          <a:p>
-            <a:pPr fontAlgn="base"/>
-            <a:r>
-              <a:rPr lang="en-US" sz="2400" b="1" dirty="0"/>
-              <a:t>Politics: </a:t>
-            </a:r>
-            <a:r>
-              <a:rPr lang="en-US" sz="2400" dirty="0"/>
-              <a:t>In political field, it is used to keep track of political view, to detect consistency and inconsistency between statements and actions at the government level. It can be used to predict election results as well!</a:t>
-            </a:r>
-          </a:p>
-          <a:p>
-            <a:pPr fontAlgn="base"/>
-            <a:r>
-              <a:rPr lang="en-US" sz="2400" b="1" dirty="0"/>
-              <a:t>Public Actions: </a:t>
-            </a:r>
-            <a:r>
-              <a:rPr lang="en-US" sz="2400" dirty="0"/>
-              <a:t>Sentiment analysis also is used to monitor and </a:t>
-            </a:r>
-            <a:r>
-              <a:rPr lang="en-US" sz="2400" dirty="0" err="1"/>
-              <a:t>analyse</a:t>
-            </a:r>
-            <a:r>
-              <a:rPr lang="en-US" sz="2400" dirty="0"/>
-              <a:t> social phenomena, for the spotting of potentially dangerous situations and determining the general mood of the blogosphere.</a:t>
-            </a:r>
-          </a:p>
-        </p:txBody>
-      </p:sp>
-      <p:sp>
-        <p:nvSpPr>
-          <p:cNvPr id="4" name="Slide Number Placeholder 3">
-            <a:extLst>
-              <a:ext uri="{FF2B5EF4-FFF2-40B4-BE49-F238E27FC236}">
-                <a16:creationId xmlns:a16="http://schemas.microsoft.com/office/drawing/2014/main" id="{F13421F8-EDB8-4ACC-AC5E-BCAF8662D88A}"/>
+                <a16:creationId xmlns:a16="http://schemas.microsoft.com/office/drawing/2014/main" id="{8514E103-BB08-49C1-AD5E-5A2F4E21CF2B}"/>
               </a:ext>
             </a:extLst>
           </p:cNvPr>
@@ -6897,7 +6748,7 @@
           <a:p>
             <a:fld id="{6C45EC47-6188-4C03-8813-AF382A0C43BB}" type="slidenum">
               <a:rPr lang="en-US" smtClean="0"/>
-              <a:t>4</a:t>
+              <a:t>20</a:t>
             </a:fld>
             <a:endParaRPr lang="en-US"/>
           </a:p>
@@ -6906,7 +6757,7 @@
     </p:spTree>
     <p:extLst>
       <p:ext uri="{BB962C8B-B14F-4D97-AF65-F5344CB8AC3E}">
-        <p14:creationId xmlns:p14="http://schemas.microsoft.com/office/powerpoint/2010/main" val="1691414068"/>
+        <p14:creationId xmlns:p14="http://schemas.microsoft.com/office/powerpoint/2010/main" val="1336239401"/>
       </p:ext>
     </p:extLst>
   </p:cSld>
@@ -6916,17 +6767,9 @@
 </p:sld>
 </file>
 
-<file path=ppt/slides/slide5.xml><?xml version="1.0" encoding="utf-8"?>
+<file path=ppt/slides/slide3.xml><?xml version="1.0" encoding="utf-8"?>
 <p:sld xmlns:a="http://schemas.openxmlformats.org/drawingml/2006/main" xmlns:r="http://schemas.openxmlformats.org/officeDocument/2006/relationships" xmlns:p="http://schemas.openxmlformats.org/presentationml/2006/main">
   <p:cSld>
-    <p:bg>
-      <p:bgPr>
-        <a:solidFill>
-          <a:srgbClr val="38A1F2"/>
-        </a:solidFill>
-        <a:effectLst/>
-      </p:bgPr>
-    </p:bg>
     <p:spTree>
       <p:nvGrpSpPr>
         <p:cNvPr id="1" name=""/>
@@ -6943,97 +6786,10 @@
       </p:grpSpPr>
       <p:sp>
         <p:nvSpPr>
-          <p:cNvPr id="2" name="Title 1">
+          <p:cNvPr id="4" name="Slide Number Placeholder 3">
             <a:extLst>
               <a:ext uri="{FF2B5EF4-FFF2-40B4-BE49-F238E27FC236}">
-                <a16:creationId xmlns:a16="http://schemas.microsoft.com/office/drawing/2014/main" id="{5C4FDD15-DF16-4E11-859A-19618F9FBDD9}"/>
-              </a:ext>
-            </a:extLst>
-          </p:cNvPr>
-          <p:cNvSpPr>
-            <a:spLocks noGrp="1"/>
-          </p:cNvSpPr>
-          <p:nvPr>
-            <p:ph type="title"/>
-          </p:nvPr>
-        </p:nvSpPr>
-        <p:spPr/>
-        <p:txBody>
-          <a:bodyPr/>
-          <a:lstStyle/>
-          <a:p>
-            <a:pPr algn="ctr"/>
-            <a:r>
-              <a:rPr lang="en-US" dirty="0"/>
-              <a:t>Why Twitter?</a:t>
-            </a:r>
-          </a:p>
-        </p:txBody>
-      </p:sp>
-      <p:sp>
-        <p:nvSpPr>
-          <p:cNvPr id="3" name="Content Placeholder 2">
-            <a:extLst>
-              <a:ext uri="{FF2B5EF4-FFF2-40B4-BE49-F238E27FC236}">
-                <a16:creationId xmlns:a16="http://schemas.microsoft.com/office/drawing/2014/main" id="{9DB8B34C-1B93-4EA0-835C-7FA5CAA53E57}"/>
-              </a:ext>
-            </a:extLst>
-          </p:cNvPr>
-          <p:cNvSpPr>
-            <a:spLocks noGrp="1"/>
-          </p:cNvSpPr>
-          <p:nvPr>
-            <p:ph idx="1"/>
-          </p:nvPr>
-        </p:nvSpPr>
-        <p:spPr/>
-        <p:txBody>
-          <a:bodyPr/>
-          <a:lstStyle/>
-          <a:p>
-            <a:r>
-              <a:rPr lang="en-US" sz="2400" dirty="0"/>
-              <a:t>Limited tweet size</a:t>
-            </a:r>
-          </a:p>
-          <a:p>
-            <a:endParaRPr lang="en-US" sz="2400" dirty="0"/>
-          </a:p>
-          <a:p>
-            <a:r>
-              <a:rPr lang="en-US" sz="2400" dirty="0"/>
-              <a:t>Use of hashtags, user reference and URLs.</a:t>
-            </a:r>
-          </a:p>
-          <a:p>
-            <a:endParaRPr lang="en-US" sz="2400" dirty="0"/>
-          </a:p>
-          <a:p>
-            <a:r>
-              <a:rPr lang="en-US" sz="2400" dirty="0"/>
-              <a:t>Mass users expressing their opinions.</a:t>
-            </a:r>
-          </a:p>
-          <a:p>
-            <a:endParaRPr lang="en-US" sz="2400" dirty="0"/>
-          </a:p>
-          <a:p>
-            <a:r>
-              <a:rPr lang="en-US" sz="2400" dirty="0"/>
-              <a:t>Use of repeated words or symbols to convey an emotion.</a:t>
-            </a:r>
-          </a:p>
-          <a:p>
-            <a:endParaRPr lang="en-US" dirty="0"/>
-          </a:p>
-        </p:txBody>
-      </p:sp>
-      <p:sp>
-        <p:nvSpPr>
-          <p:cNvPr id="4" name="Slide Number Placeholder 3">
-            <a:extLst>
-              <a:ext uri="{FF2B5EF4-FFF2-40B4-BE49-F238E27FC236}">
-                <a16:creationId xmlns:a16="http://schemas.microsoft.com/office/drawing/2014/main" id="{633604FE-FC15-4635-BB79-C7250DBF32EE}"/>
+                <a16:creationId xmlns:a16="http://schemas.microsoft.com/office/drawing/2014/main" id="{7420119E-013E-433E-ABFD-814DA45B0600}"/>
               </a:ext>
             </a:extLst>
           </p:cNvPr>
@@ -7051,16 +6807,199 @@
           <a:p>
             <a:fld id="{6C45EC47-6188-4C03-8813-AF382A0C43BB}" type="slidenum">
               <a:rPr lang="en-US" smtClean="0"/>
-              <a:t>5</a:t>
+              <a:t>3</a:t>
             </a:fld>
             <a:endParaRPr lang="en-US"/>
           </a:p>
         </p:txBody>
       </p:sp>
+      <p:sp>
+        <p:nvSpPr>
+          <p:cNvPr id="5" name="TextBox 4">
+            <a:extLst>
+              <a:ext uri="{FF2B5EF4-FFF2-40B4-BE49-F238E27FC236}">
+                <a16:creationId xmlns:a16="http://schemas.microsoft.com/office/drawing/2014/main" id="{FC8DDCC7-325C-49B1-9046-6A9F3480EE80}"/>
+              </a:ext>
+            </a:extLst>
+          </p:cNvPr>
+          <p:cNvSpPr txBox="1"/>
+          <p:nvPr/>
+        </p:nvSpPr>
+        <p:spPr>
+          <a:xfrm>
+            <a:off x="1562101" y="1562101"/>
+            <a:ext cx="9144000" cy="4794249"/>
+          </a:xfrm>
+          <a:prstGeom prst="rect">
+            <a:avLst/>
+          </a:prstGeom>
+          <a:noFill/>
+        </p:spPr>
+        <p:txBody>
+          <a:bodyPr vert="horz" lIns="91440" tIns="45720" rIns="91440" bIns="45720" rtlCol="0" anchor="ctr">
+            <a:normAutofit/>
+          </a:bodyPr>
+          <a:lstStyle/>
+          <a:p>
+            <a:pPr algn="ctr" defTabSz="914400">
+              <a:lnSpc>
+                <a:spcPct val="90000"/>
+              </a:lnSpc>
+              <a:spcBef>
+                <a:spcPct val="0"/>
+              </a:spcBef>
+              <a:spcAft>
+                <a:spcPts val="600"/>
+              </a:spcAft>
+            </a:pPr>
+            <a:endParaRPr lang="en-US" sz="4000" b="1" kern="1200" dirty="0">
+              <a:solidFill>
+                <a:srgbClr val="38A1F3"/>
+              </a:solidFill>
+              <a:latin typeface="+mj-lt"/>
+              <a:ea typeface="+mj-ea"/>
+              <a:cs typeface="+mj-cs"/>
+            </a:endParaRPr>
+          </a:p>
+          <a:p>
+            <a:pPr algn="ctr" defTabSz="914400">
+              <a:lnSpc>
+                <a:spcPct val="90000"/>
+              </a:lnSpc>
+              <a:spcBef>
+                <a:spcPct val="0"/>
+              </a:spcBef>
+              <a:spcAft>
+                <a:spcPts val="600"/>
+              </a:spcAft>
+            </a:pPr>
+            <a:endParaRPr lang="en-US" sz="4000" b="1" dirty="0">
+              <a:solidFill>
+                <a:srgbClr val="38A1F3"/>
+              </a:solidFill>
+              <a:latin typeface="+mj-lt"/>
+              <a:ea typeface="+mj-ea"/>
+              <a:cs typeface="+mj-cs"/>
+            </a:endParaRPr>
+          </a:p>
+          <a:p>
+            <a:pPr algn="ctr" defTabSz="914400">
+              <a:lnSpc>
+                <a:spcPct val="90000"/>
+              </a:lnSpc>
+              <a:spcBef>
+                <a:spcPct val="0"/>
+              </a:spcBef>
+              <a:spcAft>
+                <a:spcPts val="600"/>
+              </a:spcAft>
+            </a:pPr>
+            <a:r>
+              <a:rPr lang="en-US" sz="3600" b="1" u="sng" kern="1200" dirty="0">
+                <a:ea typeface="+mj-ea"/>
+                <a:cs typeface="+mj-cs"/>
+              </a:rPr>
+              <a:t>SentiMeter</a:t>
+            </a:r>
+          </a:p>
+          <a:p>
+            <a:pPr algn="ctr" defTabSz="914400">
+              <a:lnSpc>
+                <a:spcPct val="90000"/>
+              </a:lnSpc>
+              <a:spcBef>
+                <a:spcPct val="0"/>
+              </a:spcBef>
+              <a:spcAft>
+                <a:spcPts val="600"/>
+              </a:spcAft>
+            </a:pPr>
+            <a:r>
+              <a:rPr lang="en-US" sz="2800" b="1" kern="1200" dirty="0">
+                <a:ea typeface="+mj-ea"/>
+                <a:cs typeface="+mj-cs"/>
+              </a:rPr>
+              <a:t>An Android Application for Sentiment Analysis of Twitter Data Using KNN and NBayes Classifiers</a:t>
+            </a:r>
+          </a:p>
+        </p:txBody>
+      </p:sp>
+      <p:pic>
+        <p:nvPicPr>
+          <p:cNvPr id="7" name="Picture 6">
+            <a:extLst>
+              <a:ext uri="{FF2B5EF4-FFF2-40B4-BE49-F238E27FC236}">
+                <a16:creationId xmlns:a16="http://schemas.microsoft.com/office/drawing/2014/main" id="{70354E50-515A-4954-B31A-BFDE98669322}"/>
+              </a:ext>
+            </a:extLst>
+          </p:cNvPr>
+          <p:cNvPicPr>
+            <a:picLocks noChangeAspect="1"/>
+          </p:cNvPicPr>
+          <p:nvPr/>
+        </p:nvPicPr>
+        <p:blipFill>
+          <a:blip r:embed="rId2">
+            <a:extLst>
+              <a:ext uri="{28A0092B-C50C-407E-A947-70E740481C1C}">
+                <a14:useLocalDpi xmlns:a14="http://schemas.microsoft.com/office/drawing/2010/main" val="0"/>
+              </a:ext>
+            </a:extLst>
+          </a:blip>
+          <a:stretch>
+            <a:fillRect/>
+          </a:stretch>
+        </p:blipFill>
+        <p:spPr>
+          <a:xfrm>
+            <a:off x="4635180" y="1562101"/>
+            <a:ext cx="2921636" cy="2836951"/>
+          </a:xfrm>
+          <a:prstGeom prst="rect">
+            <a:avLst/>
+          </a:prstGeom>
+        </p:spPr>
+      </p:pic>
+      <p:pic>
+        <p:nvPicPr>
+          <p:cNvPr id="8" name="Picture 7">
+            <a:extLst>
+              <a:ext uri="{FF2B5EF4-FFF2-40B4-BE49-F238E27FC236}">
+                <a16:creationId xmlns:a16="http://schemas.microsoft.com/office/drawing/2014/main" id="{28581AA0-11F0-41FE-9BAE-E842FE8A484D}"/>
+              </a:ext>
+            </a:extLst>
+          </p:cNvPr>
+          <p:cNvPicPr>
+            <a:picLocks noChangeAspect="1"/>
+          </p:cNvPicPr>
+          <p:nvPr/>
+        </p:nvPicPr>
+        <p:blipFill>
+          <a:blip r:embed="rId3">
+            <a:extLst>
+              <a:ext uri="{28A0092B-C50C-407E-A947-70E740481C1C}">
+                <a14:useLocalDpi xmlns:a14="http://schemas.microsoft.com/office/drawing/2010/main" val="0"/>
+              </a:ext>
+            </a:extLst>
+          </a:blip>
+          <a:stretch>
+            <a:fillRect/>
+          </a:stretch>
+        </p:blipFill>
+        <p:spPr>
+          <a:xfrm>
+            <a:off x="1" y="1"/>
+            <a:ext cx="1562100" cy="1562100"/>
+          </a:xfrm>
+          <a:prstGeom prst="rect">
+            <a:avLst/>
+          </a:prstGeom>
+        </p:spPr>
+      </p:pic>
     </p:spTree>
     <p:extLst>
       <p:ext uri="{BB962C8B-B14F-4D97-AF65-F5344CB8AC3E}">
-        <p14:creationId xmlns:p14="http://schemas.microsoft.com/office/powerpoint/2010/main" val="1945451244"/>
+        <p14:creationId xmlns:p14="http://schemas.microsoft.com/office/powerpoint/2010/main" val="2661113723"/>
       </p:ext>
     </p:extLst>
   </p:cSld>
@@ -7070,17 +7009,9 @@
 </p:sld>
 </file>
 
-<file path=ppt/slides/slide6.xml><?xml version="1.0" encoding="utf-8"?>
+<file path=ppt/slides/slide4.xml><?xml version="1.0" encoding="utf-8"?>
 <p:sld xmlns:a="http://schemas.openxmlformats.org/drawingml/2006/main" xmlns:r="http://schemas.openxmlformats.org/officeDocument/2006/relationships" xmlns:p="http://schemas.openxmlformats.org/presentationml/2006/main">
   <p:cSld>
-    <p:bg>
-      <p:bgPr>
-        <a:solidFill>
-          <a:srgbClr val="38A1F3"/>
-        </a:solidFill>
-        <a:effectLst/>
-      </p:bgPr>
-    </p:bg>
     <p:spTree>
       <p:nvGrpSpPr>
         <p:cNvPr id="1" name=""/>
@@ -7097,39 +7028,6 @@
       </p:grpSpPr>
       <p:sp>
         <p:nvSpPr>
-          <p:cNvPr id="2" name="Title 1">
-            <a:extLst>
-              <a:ext uri="{FF2B5EF4-FFF2-40B4-BE49-F238E27FC236}">
-                <a16:creationId xmlns:a16="http://schemas.microsoft.com/office/drawing/2014/main" id="{499A7E7B-B40E-428D-A590-B5908B264F1D}"/>
-              </a:ext>
-            </a:extLst>
-          </p:cNvPr>
-          <p:cNvSpPr>
-            <a:spLocks noGrp="1"/>
-          </p:cNvSpPr>
-          <p:nvPr>
-            <p:ph type="ctrTitle"/>
-          </p:nvPr>
-        </p:nvSpPr>
-        <p:spPr>
-          <a:xfrm>
-            <a:off x="1524000" y="136525"/>
-            <a:ext cx="9144000" cy="1319213"/>
-          </a:xfrm>
-        </p:spPr>
-        <p:txBody>
-          <a:bodyPr/>
-          <a:lstStyle/>
-          <a:p>
-            <a:r>
-              <a:rPr lang="en-US" dirty="0"/>
-              <a:t>Problem Statement</a:t>
-            </a:r>
-          </a:p>
-        </p:txBody>
-      </p:sp>
-      <p:sp>
-        <p:nvSpPr>
           <p:cNvPr id="3" name="Subtitle 2">
             <a:extLst>
               <a:ext uri="{FF2B5EF4-FFF2-40B4-BE49-F238E27FC236}">
@@ -7146,9 +7044,10 @@
         </p:nvSpPr>
         <p:spPr>
           <a:xfrm>
-            <a:off x="1453662" y="2013439"/>
-            <a:ext cx="9144000" cy="3437792"/>
-          </a:xfrm>
+            <a:off x="1524000" y="1533525"/>
+            <a:ext cx="9144000" cy="4389120"/>
+          </a:xfrm>
+          <a:noFill/>
         </p:spPr>
         <p:txBody>
           <a:bodyPr>
@@ -7157,42 +7056,47 @@
           <a:lstStyle/>
           <a:p>
             <a:pPr algn="l"/>
-            <a:r>
-              <a:rPr lang="en-US" dirty="0"/>
-              <a:t>This project aims to extract the features of tweets and analyze the opinion of tweets as positive or negative. </a:t>
-            </a:r>
-          </a:p>
-          <a:p>
-            <a:pPr algn="l"/>
             <a:endParaRPr lang="en-US" dirty="0"/>
           </a:p>
           <a:p>
-            <a:pPr algn="l"/>
-            <a:r>
-              <a:rPr lang="en-US" dirty="0"/>
-              <a:t>It aims to classify the tweets on certain people or objects as positive</a:t>
-            </a:r>
-            <a:br>
-              <a:rPr lang="en-US" dirty="0"/>
-            </a:br>
-            <a:r>
-              <a:rPr lang="en-US" dirty="0"/>
-              <a:t>or negative for a set of latest tweets by people around the globe. </a:t>
-            </a:r>
-            <a:br>
-              <a:rPr lang="en-US" dirty="0"/>
-            </a:br>
+            <a:r>
+              <a:rPr lang="en-US" sz="3000" b="1" dirty="0"/>
+              <a:t>What is Sentiment Analysis?</a:t>
+            </a:r>
+          </a:p>
+          <a:p>
+            <a:pPr marL="342900" indent="-342900" algn="l">
+              <a:buFont typeface="Arial" panose="020B0604020202020204" pitchFamily="34" charset="0"/>
+              <a:buChar char="•"/>
+            </a:pPr>
             <a:endParaRPr lang="en-US" dirty="0"/>
           </a:p>
           <a:p>
-            <a:pPr algn="l"/>
-            <a:r>
-              <a:rPr lang="en-US" dirty="0"/>
-              <a:t>Using such data we are performing sentiment analysis to calculate if the majority of tweets are of positive sentiments or a negative one.</a:t>
-            </a:r>
-          </a:p>
-          <a:p>
-            <a:endParaRPr lang="en-US" dirty="0"/>
+            <a:pPr marL="342900" indent="-342900" algn="l">
+              <a:buFont typeface="Arial" panose="020B0604020202020204" pitchFamily="34" charset="0"/>
+              <a:buChar char="•"/>
+            </a:pPr>
+            <a:r>
+              <a:rPr lang="en-US" sz="2600" dirty="0"/>
+              <a:t>The process of computationally identifying and categorizing opinions expressed in a piece of text, especially in order to determine whether the writer's attitude towards a particular topic, product, etc. is positive, negative, or neutral.</a:t>
+            </a:r>
+          </a:p>
+          <a:p>
+            <a:pPr marL="342900" indent="-342900" algn="l">
+              <a:buFont typeface="Arial" panose="020B0604020202020204" pitchFamily="34" charset="0"/>
+              <a:buChar char="•"/>
+            </a:pPr>
+            <a:endParaRPr lang="en-US" sz="2600" dirty="0"/>
+          </a:p>
+          <a:p>
+            <a:pPr marL="342900" indent="-342900" algn="l">
+              <a:buFont typeface="Arial" panose="020B0604020202020204" pitchFamily="34" charset="0"/>
+              <a:buChar char="•"/>
+            </a:pPr>
+            <a:r>
+              <a:rPr lang="en-US" sz="2600" dirty="0"/>
+              <a:t>Also referred to as opinion mining , it helps to determine whether someone’s opinion is positive negative or neutral.</a:t>
+            </a:r>
           </a:p>
         </p:txBody>
       </p:sp>
@@ -7201,7 +7105,7 @@
           <p:cNvPr id="4" name="Slide Number Placeholder 3">
             <a:extLst>
               <a:ext uri="{FF2B5EF4-FFF2-40B4-BE49-F238E27FC236}">
-                <a16:creationId xmlns:a16="http://schemas.microsoft.com/office/drawing/2014/main" id="{03DF31DC-D8BD-4874-9B04-CB97F6321455}"/>
+                <a16:creationId xmlns:a16="http://schemas.microsoft.com/office/drawing/2014/main" id="{F5D4F5F9-C42F-4BFE-B342-92EED49A8B33}"/>
               </a:ext>
             </a:extLst>
           </p:cNvPr>
@@ -7219,16 +7123,52 @@
           <a:p>
             <a:fld id="{6C45EC47-6188-4C03-8813-AF382A0C43BB}" type="slidenum">
               <a:rPr lang="en-US" smtClean="0"/>
-              <a:t>6</a:t>
+              <a:t>4</a:t>
             </a:fld>
             <a:endParaRPr lang="en-US"/>
           </a:p>
         </p:txBody>
       </p:sp>
+      <p:pic>
+        <p:nvPicPr>
+          <p:cNvPr id="5" name="Picture 4">
+            <a:extLst>
+              <a:ext uri="{FF2B5EF4-FFF2-40B4-BE49-F238E27FC236}">
+                <a16:creationId xmlns:a16="http://schemas.microsoft.com/office/drawing/2014/main" id="{34F3CB9C-8A50-4718-9E2D-FA5C2B9F2485}"/>
+              </a:ext>
+            </a:extLst>
+          </p:cNvPr>
+          <p:cNvPicPr>
+            <a:picLocks noChangeAspect="1"/>
+          </p:cNvPicPr>
+          <p:nvPr/>
+        </p:nvPicPr>
+        <p:blipFill>
+          <a:blip r:embed="rId2">
+            <a:extLst>
+              <a:ext uri="{28A0092B-C50C-407E-A947-70E740481C1C}">
+                <a14:useLocalDpi xmlns:a14="http://schemas.microsoft.com/office/drawing/2010/main" val="0"/>
+              </a:ext>
+            </a:extLst>
+          </a:blip>
+          <a:stretch>
+            <a:fillRect/>
+          </a:stretch>
+        </p:blipFill>
+        <p:spPr>
+          <a:xfrm>
+            <a:off x="0" y="0"/>
+            <a:ext cx="1533525" cy="1533525"/>
+          </a:xfrm>
+          <a:prstGeom prst="rect">
+            <a:avLst/>
+          </a:prstGeom>
+        </p:spPr>
+      </p:pic>
     </p:spTree>
     <p:extLst>
       <p:ext uri="{BB962C8B-B14F-4D97-AF65-F5344CB8AC3E}">
-        <p14:creationId xmlns:p14="http://schemas.microsoft.com/office/powerpoint/2010/main" val="2005259116"/>
+        <p14:creationId xmlns:p14="http://schemas.microsoft.com/office/powerpoint/2010/main" val="3820736068"/>
       </p:ext>
     </p:extLst>
   </p:cSld>
@@ -7238,17 +7178,9 @@
 </p:sld>
 </file>
 
-<file path=ppt/slides/slide7.xml><?xml version="1.0" encoding="utf-8"?>
+<file path=ppt/slides/slide5.xml><?xml version="1.0" encoding="utf-8"?>
 <p:sld xmlns:a="http://schemas.openxmlformats.org/drawingml/2006/main" xmlns:r="http://schemas.openxmlformats.org/officeDocument/2006/relationships" xmlns:p="http://schemas.openxmlformats.org/presentationml/2006/main">
   <p:cSld>
-    <p:bg>
-      <p:bgPr>
-        <a:solidFill>
-          <a:srgbClr val="38A1F2"/>
-        </a:solidFill>
-        <a:effectLst/>
-      </p:bgPr>
-    </p:bg>
     <p:spTree>
       <p:nvGrpSpPr>
         <p:cNvPr id="1" name=""/>
@@ -7265,10 +7197,10 @@
       </p:grpSpPr>
       <p:sp>
         <p:nvSpPr>
-          <p:cNvPr id="2" name="Title 1">
+          <p:cNvPr id="3" name="Content Placeholder 2">
             <a:extLst>
               <a:ext uri="{FF2B5EF4-FFF2-40B4-BE49-F238E27FC236}">
-                <a16:creationId xmlns:a16="http://schemas.microsoft.com/office/drawing/2014/main" id="{DC12215A-1695-4290-BFB7-7F34486C40EB}"/>
+                <a16:creationId xmlns:a16="http://schemas.microsoft.com/office/drawing/2014/main" id="{DCCB988C-E109-4843-B5BD-9B1616BDEDC7}"/>
               </a:ext>
             </a:extLst>
           </p:cNvPr>
@@ -7276,107 +7208,121 @@
             <a:spLocks noGrp="1"/>
           </p:cNvSpPr>
           <p:nvPr>
-            <p:ph type="title"/>
-          </p:nvPr>
-        </p:nvSpPr>
-        <p:spPr/>
-        <p:txBody>
-          <a:bodyPr/>
-          <a:lstStyle/>
-          <a:p>
-            <a:pPr algn="ctr"/>
-            <a:r>
-              <a:rPr lang="en-US" dirty="0"/>
-              <a:t>Scope</a:t>
-            </a:r>
-          </a:p>
-        </p:txBody>
-      </p:sp>
-      <p:sp>
-        <p:nvSpPr>
-          <p:cNvPr id="3" name="Content Placeholder 2">
+            <p:ph idx="1"/>
+          </p:nvPr>
+        </p:nvSpPr>
+        <p:spPr>
+          <a:xfrm>
+            <a:off x="1524000" y="1533525"/>
+            <a:ext cx="9144000" cy="4775200"/>
+          </a:xfrm>
+          <a:noFill/>
+        </p:spPr>
+        <p:txBody>
+          <a:bodyPr>
+            <a:normAutofit/>
+          </a:bodyPr>
+          <a:lstStyle/>
+          <a:p>
+            <a:pPr fontAlgn="base"/>
+            <a:endParaRPr lang="en-US" sz="2400" b="1" dirty="0"/>
+          </a:p>
+          <a:p>
+            <a:pPr marL="0" indent="0" algn="ctr" fontAlgn="base">
+              <a:buNone/>
+            </a:pPr>
+            <a:r>
+              <a:rPr lang="en-US" b="1" dirty="0"/>
+              <a:t>Why Sentiment Analysis is important?</a:t>
+            </a:r>
+          </a:p>
+          <a:p>
+            <a:pPr marL="0" indent="0" fontAlgn="base">
+              <a:buNone/>
+            </a:pPr>
+            <a:endParaRPr lang="en-US" b="1" dirty="0"/>
+          </a:p>
+          <a:p>
+            <a:r>
+              <a:rPr lang="en-US" sz="2400" i="1" dirty="0">
+                <a:cs typeface="ＭＳ Ｐゴシック" pitchFamily="-65" charset="-128"/>
+              </a:rPr>
+              <a:t>Movie</a:t>
+            </a:r>
+            <a:r>
+              <a:rPr lang="en-US" sz="2400" dirty="0">
+                <a:cs typeface="ＭＳ Ｐゴシック" pitchFamily="-65" charset="-128"/>
+              </a:rPr>
+              <a:t>:  is this review positive or negative?</a:t>
+            </a:r>
+          </a:p>
+          <a:p>
+            <a:r>
+              <a:rPr lang="en-US" sz="2400" i="1" dirty="0">
+                <a:cs typeface="ＭＳ Ｐゴシック" pitchFamily="-65" charset="-128"/>
+              </a:rPr>
+              <a:t>Products</a:t>
+            </a:r>
+            <a:r>
+              <a:rPr lang="en-US" sz="2400" dirty="0">
+                <a:cs typeface="ＭＳ Ｐゴシック" pitchFamily="-65" charset="-128"/>
+              </a:rPr>
+              <a:t>: what do people think about the new iPhone?</a:t>
+            </a:r>
+          </a:p>
+          <a:p>
+            <a:r>
+              <a:rPr lang="en-US" sz="2400" i="1" dirty="0">
+                <a:cs typeface="ＭＳ Ｐゴシック" pitchFamily="-65" charset="-128"/>
+              </a:rPr>
+              <a:t>Public sentiment</a:t>
+            </a:r>
+            <a:r>
+              <a:rPr lang="en-US" sz="2400" dirty="0">
+                <a:cs typeface="ＭＳ Ｐゴシック" pitchFamily="-65" charset="-128"/>
+              </a:rPr>
+              <a:t>: how is consumer confidence? Is despair increasing?</a:t>
+            </a:r>
+          </a:p>
+          <a:p>
+            <a:r>
+              <a:rPr lang="en-US" sz="2400" i="1" dirty="0">
+                <a:cs typeface="ＭＳ Ｐゴシック" pitchFamily="-65" charset="-128"/>
+              </a:rPr>
+              <a:t>Politics</a:t>
+            </a:r>
+            <a:r>
+              <a:rPr lang="en-US" sz="2400" dirty="0">
+                <a:cs typeface="ＭＳ Ｐゴシック" pitchFamily="-65" charset="-128"/>
+              </a:rPr>
+              <a:t>: what do people think about this candidate or issue?</a:t>
+            </a:r>
+          </a:p>
+          <a:p>
+            <a:r>
+              <a:rPr lang="en-US" sz="2400" i="1">
+                <a:cs typeface="ＭＳ Ｐゴシック" pitchFamily="-65" charset="-128"/>
+              </a:rPr>
+              <a:t>Prediction</a:t>
+            </a:r>
+            <a:r>
+              <a:rPr lang="en-US" sz="2400">
+                <a:cs typeface="ＭＳ Ｐゴシック" pitchFamily="-65" charset="-128"/>
+              </a:rPr>
+              <a:t>: predict election outcomes or market trends from sentiment</a:t>
+            </a:r>
+            <a:endParaRPr lang="en-US" sz="2400" dirty="0">
+              <a:cs typeface="ＭＳ Ｐゴシック" pitchFamily="-65" charset="-128"/>
+            </a:endParaRPr>
+          </a:p>
+        </p:txBody>
+      </p:sp>
+      <p:sp>
+        <p:nvSpPr>
+          <p:cNvPr id="4" name="Slide Number Placeholder 3">
             <a:extLst>
               <a:ext uri="{FF2B5EF4-FFF2-40B4-BE49-F238E27FC236}">
-                <a16:creationId xmlns:a16="http://schemas.microsoft.com/office/drawing/2014/main" id="{84E66043-1C81-432C-98A9-E84FB3F6010B}"/>
-              </a:ext>
-            </a:extLst>
-          </p:cNvPr>
-          <p:cNvSpPr>
-            <a:spLocks noGrp="1"/>
-          </p:cNvSpPr>
-          <p:nvPr>
-            <p:ph idx="1"/>
-          </p:nvPr>
-        </p:nvSpPr>
-        <p:spPr>
-          <a:xfrm>
-            <a:off x="838200" y="1619250"/>
-            <a:ext cx="10515600" cy="4351338"/>
-          </a:xfrm>
-        </p:spPr>
-        <p:txBody>
-          <a:bodyPr/>
-          <a:lstStyle/>
-          <a:p>
-            <a:r>
-              <a:rPr lang="en-US" dirty="0"/>
-              <a:t>The information is becoming vast and can be extracted to turn into business objectives, social campaigns, marketing, and other promotional strategies. </a:t>
-            </a:r>
-          </a:p>
-          <a:p>
-            <a:r>
-              <a:rPr lang="en-US" dirty="0"/>
-              <a:t>It can be used during :</a:t>
-            </a:r>
-          </a:p>
-          <a:p>
-            <a:pPr>
-              <a:buFont typeface="Wingdings" panose="05000000000000000000" pitchFamily="2" charset="2"/>
-              <a:buChar char="Ø"/>
-            </a:pPr>
-            <a:r>
-              <a:rPr lang="en-US" dirty="0"/>
-              <a:t>Elections</a:t>
-            </a:r>
-          </a:p>
-          <a:p>
-            <a:pPr>
-              <a:buFont typeface="Wingdings" panose="05000000000000000000" pitchFamily="2" charset="2"/>
-              <a:buChar char="Ø"/>
-            </a:pPr>
-            <a:r>
-              <a:rPr lang="en-US" dirty="0"/>
-              <a:t>Movie Premier</a:t>
-            </a:r>
-          </a:p>
-          <a:p>
-            <a:pPr>
-              <a:buFont typeface="Wingdings" panose="05000000000000000000" pitchFamily="2" charset="2"/>
-              <a:buChar char="Ø"/>
-            </a:pPr>
-            <a:r>
-              <a:rPr lang="en-US" dirty="0"/>
-              <a:t>Promotions</a:t>
-            </a:r>
-          </a:p>
-          <a:p>
-            <a:pPr>
-              <a:buFont typeface="Wingdings" panose="05000000000000000000" pitchFamily="2" charset="2"/>
-              <a:buChar char="Ø"/>
-            </a:pPr>
-            <a:r>
-              <a:rPr lang="en-US" dirty="0"/>
-              <a:t>Product Analysis</a:t>
-            </a:r>
-          </a:p>
-        </p:txBody>
-      </p:sp>
-      <p:sp>
-        <p:nvSpPr>
-          <p:cNvPr id="4" name="Slide Number Placeholder 3">
-            <a:extLst>
-              <a:ext uri="{FF2B5EF4-FFF2-40B4-BE49-F238E27FC236}">
-                <a16:creationId xmlns:a16="http://schemas.microsoft.com/office/drawing/2014/main" id="{972385BD-44E4-4D3C-8482-E21819040EC0}"/>
+                <a16:creationId xmlns:a16="http://schemas.microsoft.com/office/drawing/2014/main" id="{F13421F8-EDB8-4ACC-AC5E-BCAF8662D88A}"/>
               </a:ext>
             </a:extLst>
           </p:cNvPr>
@@ -7394,16 +7340,52 @@
           <a:p>
             <a:fld id="{6C45EC47-6188-4C03-8813-AF382A0C43BB}" type="slidenum">
               <a:rPr lang="en-US" smtClean="0"/>
-              <a:t>7</a:t>
+              <a:t>5</a:t>
             </a:fld>
             <a:endParaRPr lang="en-US"/>
           </a:p>
         </p:txBody>
       </p:sp>
+      <p:pic>
+        <p:nvPicPr>
+          <p:cNvPr id="5" name="Picture 4">
+            <a:extLst>
+              <a:ext uri="{FF2B5EF4-FFF2-40B4-BE49-F238E27FC236}">
+                <a16:creationId xmlns:a16="http://schemas.microsoft.com/office/drawing/2014/main" id="{DDDAB811-FCB3-4E6B-8315-7095B75E644C}"/>
+              </a:ext>
+            </a:extLst>
+          </p:cNvPr>
+          <p:cNvPicPr>
+            <a:picLocks noChangeAspect="1"/>
+          </p:cNvPicPr>
+          <p:nvPr/>
+        </p:nvPicPr>
+        <p:blipFill>
+          <a:blip r:embed="rId2">
+            <a:extLst>
+              <a:ext uri="{28A0092B-C50C-407E-A947-70E740481C1C}">
+                <a14:useLocalDpi xmlns:a14="http://schemas.microsoft.com/office/drawing/2010/main" val="0"/>
+              </a:ext>
+            </a:extLst>
+          </a:blip>
+          <a:stretch>
+            <a:fillRect/>
+          </a:stretch>
+        </p:blipFill>
+        <p:spPr>
+          <a:xfrm>
+            <a:off x="0" y="0"/>
+            <a:ext cx="1533525" cy="1533525"/>
+          </a:xfrm>
+          <a:prstGeom prst="rect">
+            <a:avLst/>
+          </a:prstGeom>
+        </p:spPr>
+      </p:pic>
     </p:spTree>
     <p:extLst>
       <p:ext uri="{BB962C8B-B14F-4D97-AF65-F5344CB8AC3E}">
-        <p14:creationId xmlns:p14="http://schemas.microsoft.com/office/powerpoint/2010/main" val="716845435"/>
+        <p14:creationId xmlns:p14="http://schemas.microsoft.com/office/powerpoint/2010/main" val="1691414068"/>
       </p:ext>
     </p:extLst>
   </p:cSld>
@@ -7413,17 +7395,9 @@
 </p:sld>
 </file>
 
-<file path=ppt/slides/slide8.xml><?xml version="1.0" encoding="utf-8"?>
+<file path=ppt/slides/slide6.xml><?xml version="1.0" encoding="utf-8"?>
 <p:sld xmlns:a="http://schemas.openxmlformats.org/drawingml/2006/main" xmlns:r="http://schemas.openxmlformats.org/officeDocument/2006/relationships" xmlns:p="http://schemas.openxmlformats.org/presentationml/2006/main">
   <p:cSld>
-    <p:bg>
-      <p:bgPr>
-        <a:solidFill>
-          <a:srgbClr val="38A1F3"/>
-        </a:solidFill>
-        <a:effectLst/>
-      </p:bgPr>
-    </p:bg>
     <p:spTree>
       <p:nvGrpSpPr>
         <p:cNvPr id="1" name=""/>
@@ -7440,10 +7414,10 @@
       </p:grpSpPr>
       <p:sp>
         <p:nvSpPr>
-          <p:cNvPr id="2" name="Title 1">
+          <p:cNvPr id="3" name="Content Placeholder 2">
             <a:extLst>
               <a:ext uri="{FF2B5EF4-FFF2-40B4-BE49-F238E27FC236}">
-                <a16:creationId xmlns:a16="http://schemas.microsoft.com/office/drawing/2014/main" id="{1505D1DD-D4E1-46AB-B0EE-EAF60AA18639}"/>
+                <a16:creationId xmlns:a16="http://schemas.microsoft.com/office/drawing/2014/main" id="{9DB8B34C-1B93-4EA0-835C-7FA5CAA53E57}"/>
               </a:ext>
             </a:extLst>
           </p:cNvPr>
@@ -7451,59 +7425,83 @@
             <a:spLocks noGrp="1"/>
           </p:cNvSpPr>
           <p:nvPr>
-            <p:ph type="ctrTitle"/>
-          </p:nvPr>
-        </p:nvSpPr>
-        <p:spPr>
-          <a:xfrm>
-            <a:off x="1524000" y="-23211"/>
-            <a:ext cx="9144000" cy="1006475"/>
-          </a:xfrm>
+            <p:ph idx="1"/>
+          </p:nvPr>
+        </p:nvSpPr>
+        <p:spPr>
+          <a:xfrm>
+            <a:off x="1524000" y="1524000"/>
+            <a:ext cx="9144000" cy="4530725"/>
+          </a:xfrm>
+          <a:noFill/>
         </p:spPr>
         <p:txBody>
           <a:bodyPr>
-            <a:normAutofit/>
+            <a:normAutofit lnSpcReduction="10000"/>
           </a:bodyPr>
           <a:lstStyle/>
           <a:p>
-            <a:r>
-              <a:rPr lang="en-US" sz="4800" dirty="0"/>
-              <a:t>Flow of UI process</a:t>
-            </a:r>
-          </a:p>
-        </p:txBody>
-      </p:sp>
-      <p:sp>
-        <p:nvSpPr>
-          <p:cNvPr id="3" name="Subtitle 2">
+            <a:pPr marL="0" indent="0" algn="ctr">
+              <a:buNone/>
+            </a:pPr>
+            <a:endParaRPr lang="en-US" b="1" dirty="0"/>
+          </a:p>
+          <a:p>
+            <a:pPr marL="0" indent="0" algn="ctr">
+              <a:buNone/>
+            </a:pPr>
+            <a:r>
+              <a:rPr lang="en-US" b="1" dirty="0"/>
+              <a:t>Why Twitter?</a:t>
+            </a:r>
+          </a:p>
+          <a:p>
+            <a:endParaRPr lang="en-US" sz="2400" dirty="0"/>
+          </a:p>
+          <a:p>
+            <a:r>
+              <a:rPr lang="en-US" sz="2400" dirty="0"/>
+              <a:t>Limited tweet size</a:t>
+            </a:r>
+          </a:p>
+          <a:p>
+            <a:endParaRPr lang="en-US" sz="2400" dirty="0"/>
+          </a:p>
+          <a:p>
+            <a:r>
+              <a:rPr lang="en-US" sz="2400" dirty="0"/>
+              <a:t>Use of hashtags, user reference and URLs.</a:t>
+            </a:r>
+          </a:p>
+          <a:p>
+            <a:endParaRPr lang="en-US" sz="2400" dirty="0"/>
+          </a:p>
+          <a:p>
+            <a:r>
+              <a:rPr lang="en-US" sz="2400" dirty="0"/>
+              <a:t>Mass users expressing their opinions.</a:t>
+            </a:r>
+          </a:p>
+          <a:p>
+            <a:endParaRPr lang="en-US" sz="2400" dirty="0"/>
+          </a:p>
+          <a:p>
+            <a:r>
+              <a:rPr lang="en-US" sz="2400" dirty="0"/>
+              <a:t>Use of repeated words or symbols to convey an emotion.</a:t>
+            </a:r>
+          </a:p>
+          <a:p>
+            <a:endParaRPr lang="en-US" dirty="0"/>
+          </a:p>
+        </p:txBody>
+      </p:sp>
+      <p:sp>
+        <p:nvSpPr>
+          <p:cNvPr id="4" name="Slide Number Placeholder 3">
             <a:extLst>
               <a:ext uri="{FF2B5EF4-FFF2-40B4-BE49-F238E27FC236}">
-                <a16:creationId xmlns:a16="http://schemas.microsoft.com/office/drawing/2014/main" id="{DB84E6C2-D201-453A-9A5B-D7D9EC779C4C}"/>
-              </a:ext>
-            </a:extLst>
-          </p:cNvPr>
-          <p:cNvSpPr>
-            <a:spLocks noGrp="1"/>
-          </p:cNvSpPr>
-          <p:nvPr>
-            <p:ph type="subTitle" idx="1"/>
-          </p:nvPr>
-        </p:nvSpPr>
-        <p:spPr/>
-        <p:txBody>
-          <a:bodyPr/>
-          <a:lstStyle/>
-          <a:p>
-            <a:endParaRPr lang="en-US"/>
-          </a:p>
-        </p:txBody>
-      </p:sp>
-      <p:sp>
-        <p:nvSpPr>
-          <p:cNvPr id="4" name="Slide Number Placeholder 3">
-            <a:extLst>
-              <a:ext uri="{FF2B5EF4-FFF2-40B4-BE49-F238E27FC236}">
-                <a16:creationId xmlns:a16="http://schemas.microsoft.com/office/drawing/2014/main" id="{31809645-467D-46BA-B5DF-420FBC86638A}"/>
+                <a16:creationId xmlns:a16="http://schemas.microsoft.com/office/drawing/2014/main" id="{633604FE-FC15-4635-BB79-C7250DBF32EE}"/>
               </a:ext>
             </a:extLst>
           </p:cNvPr>
@@ -7521,7 +7519,7 @@
           <a:p>
             <a:fld id="{6C45EC47-6188-4C03-8813-AF382A0C43BB}" type="slidenum">
               <a:rPr lang="en-US" smtClean="0"/>
-              <a:t>8</a:t>
+              <a:t>6</a:t>
             </a:fld>
             <a:endParaRPr lang="en-US"/>
           </a:p>
@@ -7529,10 +7527,10 @@
       </p:sp>
       <p:pic>
         <p:nvPicPr>
-          <p:cNvPr id="8" name="Picture 7">
+          <p:cNvPr id="5" name="Picture 4">
             <a:extLst>
               <a:ext uri="{FF2B5EF4-FFF2-40B4-BE49-F238E27FC236}">
-                <a16:creationId xmlns:a16="http://schemas.microsoft.com/office/drawing/2014/main" id="{06121EE0-6404-489A-A26B-FB2A403E7DA3}"/>
+                <a16:creationId xmlns:a16="http://schemas.microsoft.com/office/drawing/2014/main" id="{87A379AB-3150-4887-AF86-37C6339C09C7}"/>
               </a:ext>
             </a:extLst>
           </p:cNvPr>
@@ -7555,8 +7553,315 @@
         </p:blipFill>
         <p:spPr>
           <a:xfrm>
-            <a:off x="1181100" y="1056909"/>
-            <a:ext cx="9829800" cy="5889014"/>
+            <a:off x="0" y="0"/>
+            <a:ext cx="1533525" cy="1533525"/>
+          </a:xfrm>
+          <a:prstGeom prst="rect">
+            <a:avLst/>
+          </a:prstGeom>
+        </p:spPr>
+      </p:pic>
+    </p:spTree>
+    <p:extLst>
+      <p:ext uri="{BB962C8B-B14F-4D97-AF65-F5344CB8AC3E}">
+        <p14:creationId xmlns:p14="http://schemas.microsoft.com/office/powerpoint/2010/main" val="1945451244"/>
+      </p:ext>
+    </p:extLst>
+  </p:cSld>
+  <p:clrMapOvr>
+    <a:masterClrMapping/>
+  </p:clrMapOvr>
+</p:sld>
+</file>
+
+<file path=ppt/slides/slide7.xml><?xml version="1.0" encoding="utf-8"?>
+<p:sld xmlns:a="http://schemas.openxmlformats.org/drawingml/2006/main" xmlns:r="http://schemas.openxmlformats.org/officeDocument/2006/relationships" xmlns:p="http://schemas.openxmlformats.org/presentationml/2006/main">
+  <p:cSld>
+    <p:spTree>
+      <p:nvGrpSpPr>
+        <p:cNvPr id="1" name=""/>
+        <p:cNvGrpSpPr/>
+        <p:nvPr/>
+      </p:nvGrpSpPr>
+      <p:grpSpPr>
+        <a:xfrm>
+          <a:off x="0" y="0"/>
+          <a:ext cx="0" cy="0"/>
+          <a:chOff x="0" y="0"/>
+          <a:chExt cx="0" cy="0"/>
+        </a:xfrm>
+      </p:grpSpPr>
+      <p:sp>
+        <p:nvSpPr>
+          <p:cNvPr id="3" name="Subtitle 2">
+            <a:extLst>
+              <a:ext uri="{FF2B5EF4-FFF2-40B4-BE49-F238E27FC236}">
+                <a16:creationId xmlns:a16="http://schemas.microsoft.com/office/drawing/2014/main" id="{A498CE7F-7120-46AC-B277-58AA124EAED5}"/>
+              </a:ext>
+            </a:extLst>
+          </p:cNvPr>
+          <p:cNvSpPr>
+            <a:spLocks noGrp="1"/>
+          </p:cNvSpPr>
+          <p:nvPr>
+            <p:ph type="subTitle" idx="1"/>
+          </p:nvPr>
+        </p:nvSpPr>
+        <p:spPr>
+          <a:xfrm>
+            <a:off x="1524000" y="1533525"/>
+            <a:ext cx="9144000" cy="3752850"/>
+          </a:xfrm>
+          <a:noFill/>
+        </p:spPr>
+        <p:txBody>
+          <a:bodyPr>
+            <a:normAutofit fontScale="92500" lnSpcReduction="20000"/>
+          </a:bodyPr>
+          <a:lstStyle/>
+          <a:p>
+            <a:endParaRPr lang="en-US" sz="2800" b="1" dirty="0"/>
+          </a:p>
+          <a:p>
+            <a:r>
+              <a:rPr lang="en-US" sz="3000" b="1" dirty="0"/>
+              <a:t>Problem Statement</a:t>
+            </a:r>
+          </a:p>
+          <a:p>
+            <a:pPr algn="l"/>
+            <a:endParaRPr lang="en-US" dirty="0"/>
+          </a:p>
+          <a:p>
+            <a:pPr algn="l"/>
+            <a:r>
+              <a:rPr lang="en-US" sz="2600" dirty="0"/>
+              <a:t>This project aims to extract the features of tweets and analyze the opinion of tweets as positive or negative. </a:t>
+            </a:r>
+          </a:p>
+          <a:p>
+            <a:pPr algn="l"/>
+            <a:endParaRPr lang="en-US" sz="2600" dirty="0"/>
+          </a:p>
+          <a:p>
+            <a:pPr algn="l"/>
+            <a:r>
+              <a:rPr lang="en-US" sz="2600" dirty="0"/>
+              <a:t>It aims to classify the tweets on certain people or objects as positive</a:t>
+            </a:r>
+            <a:br>
+              <a:rPr lang="en-US" sz="2600" dirty="0"/>
+            </a:br>
+            <a:r>
+              <a:rPr lang="en-US" sz="2600" dirty="0"/>
+              <a:t>or negative for a set of latest tweets by people around the globe. </a:t>
+            </a:r>
+            <a:br>
+              <a:rPr lang="en-US" sz="2600" dirty="0"/>
+            </a:br>
+            <a:endParaRPr lang="en-US" sz="2600" dirty="0"/>
+          </a:p>
+          <a:p>
+            <a:pPr algn="l"/>
+            <a:r>
+              <a:rPr lang="en-US" sz="2600" dirty="0"/>
+              <a:t>Using such data we are performing sentiment analysis to calculate if the majority of tweets are of positive sentiments or a negative one.</a:t>
+            </a:r>
+          </a:p>
+          <a:p>
+            <a:endParaRPr lang="en-US" dirty="0"/>
+          </a:p>
+        </p:txBody>
+      </p:sp>
+      <p:sp>
+        <p:nvSpPr>
+          <p:cNvPr id="4" name="Slide Number Placeholder 3">
+            <a:extLst>
+              <a:ext uri="{FF2B5EF4-FFF2-40B4-BE49-F238E27FC236}">
+                <a16:creationId xmlns:a16="http://schemas.microsoft.com/office/drawing/2014/main" id="{03DF31DC-D8BD-4874-9B04-CB97F6321455}"/>
+              </a:ext>
+            </a:extLst>
+          </p:cNvPr>
+          <p:cNvSpPr>
+            <a:spLocks noGrp="1"/>
+          </p:cNvSpPr>
+          <p:nvPr>
+            <p:ph type="sldNum" sz="quarter" idx="12"/>
+          </p:nvPr>
+        </p:nvSpPr>
+        <p:spPr/>
+        <p:txBody>
+          <a:bodyPr/>
+          <a:lstStyle/>
+          <a:p>
+            <a:fld id="{6C45EC47-6188-4C03-8813-AF382A0C43BB}" type="slidenum">
+              <a:rPr lang="en-US" smtClean="0"/>
+              <a:t>7</a:t>
+            </a:fld>
+            <a:endParaRPr lang="en-US"/>
+          </a:p>
+        </p:txBody>
+      </p:sp>
+      <p:pic>
+        <p:nvPicPr>
+          <p:cNvPr id="5" name="Picture 4">
+            <a:extLst>
+              <a:ext uri="{FF2B5EF4-FFF2-40B4-BE49-F238E27FC236}">
+                <a16:creationId xmlns:a16="http://schemas.microsoft.com/office/drawing/2014/main" id="{0C4DFE92-297F-4570-9CC7-0436A4E45DB3}"/>
+              </a:ext>
+            </a:extLst>
+          </p:cNvPr>
+          <p:cNvPicPr>
+            <a:picLocks noChangeAspect="1"/>
+          </p:cNvPicPr>
+          <p:nvPr/>
+        </p:nvPicPr>
+        <p:blipFill>
+          <a:blip r:embed="rId2">
+            <a:extLst>
+              <a:ext uri="{28A0092B-C50C-407E-A947-70E740481C1C}">
+                <a14:useLocalDpi xmlns:a14="http://schemas.microsoft.com/office/drawing/2010/main" val="0"/>
+              </a:ext>
+            </a:extLst>
+          </a:blip>
+          <a:stretch>
+            <a:fillRect/>
+          </a:stretch>
+        </p:blipFill>
+        <p:spPr>
+          <a:xfrm>
+            <a:off x="0" y="0"/>
+            <a:ext cx="1533525" cy="1533525"/>
+          </a:xfrm>
+          <a:prstGeom prst="rect">
+            <a:avLst/>
+          </a:prstGeom>
+        </p:spPr>
+      </p:pic>
+    </p:spTree>
+    <p:extLst>
+      <p:ext uri="{BB962C8B-B14F-4D97-AF65-F5344CB8AC3E}">
+        <p14:creationId xmlns:p14="http://schemas.microsoft.com/office/powerpoint/2010/main" val="2005259116"/>
+      </p:ext>
+    </p:extLst>
+  </p:cSld>
+  <p:clrMapOvr>
+    <a:masterClrMapping/>
+  </p:clrMapOvr>
+</p:sld>
+</file>
+
+<file path=ppt/slides/slide8.xml><?xml version="1.0" encoding="utf-8"?>
+<p:sld xmlns:a="http://schemas.openxmlformats.org/drawingml/2006/main" xmlns:r="http://schemas.openxmlformats.org/officeDocument/2006/relationships" xmlns:p="http://schemas.openxmlformats.org/presentationml/2006/main">
+  <p:cSld>
+    <p:spTree>
+      <p:nvGrpSpPr>
+        <p:cNvPr id="1" name=""/>
+        <p:cNvGrpSpPr/>
+        <p:nvPr/>
+      </p:nvGrpSpPr>
+      <p:grpSpPr>
+        <a:xfrm>
+          <a:off x="0" y="0"/>
+          <a:ext cx="0" cy="0"/>
+          <a:chOff x="0" y="0"/>
+          <a:chExt cx="0" cy="0"/>
+        </a:xfrm>
+      </p:grpSpPr>
+      <p:sp>
+        <p:nvSpPr>
+          <p:cNvPr id="2" name="Title 1">
+            <a:extLst>
+              <a:ext uri="{FF2B5EF4-FFF2-40B4-BE49-F238E27FC236}">
+                <a16:creationId xmlns:a16="http://schemas.microsoft.com/office/drawing/2014/main" id="{1505D1DD-D4E1-46AB-B0EE-EAF60AA18639}"/>
+              </a:ext>
+            </a:extLst>
+          </p:cNvPr>
+          <p:cNvSpPr>
+            <a:spLocks noGrp="1"/>
+          </p:cNvSpPr>
+          <p:nvPr>
+            <p:ph type="ctrTitle"/>
+          </p:nvPr>
+        </p:nvSpPr>
+        <p:spPr>
+          <a:xfrm>
+            <a:off x="1524000" y="-23211"/>
+            <a:ext cx="9144000" cy="1006475"/>
+          </a:xfrm>
+        </p:spPr>
+        <p:txBody>
+          <a:bodyPr>
+            <a:normAutofit/>
+          </a:bodyPr>
+          <a:lstStyle/>
+          <a:p>
+            <a:r>
+              <a:rPr lang="en-US" sz="4800" dirty="0"/>
+              <a:t>Flow of UI process</a:t>
+            </a:r>
+          </a:p>
+        </p:txBody>
+      </p:sp>
+      <p:sp>
+        <p:nvSpPr>
+          <p:cNvPr id="4" name="Slide Number Placeholder 3">
+            <a:extLst>
+              <a:ext uri="{FF2B5EF4-FFF2-40B4-BE49-F238E27FC236}">
+                <a16:creationId xmlns:a16="http://schemas.microsoft.com/office/drawing/2014/main" id="{31809645-467D-46BA-B5DF-420FBC86638A}"/>
+              </a:ext>
+            </a:extLst>
+          </p:cNvPr>
+          <p:cNvSpPr>
+            <a:spLocks noGrp="1"/>
+          </p:cNvSpPr>
+          <p:nvPr>
+            <p:ph type="sldNum" sz="quarter" idx="12"/>
+          </p:nvPr>
+        </p:nvSpPr>
+        <p:spPr/>
+        <p:txBody>
+          <a:bodyPr/>
+          <a:lstStyle/>
+          <a:p>
+            <a:fld id="{6C45EC47-6188-4C03-8813-AF382A0C43BB}" type="slidenum">
+              <a:rPr lang="en-US" smtClean="0"/>
+              <a:t>8</a:t>
+            </a:fld>
+            <a:endParaRPr lang="en-US"/>
+          </a:p>
+        </p:txBody>
+      </p:sp>
+      <p:pic>
+        <p:nvPicPr>
+          <p:cNvPr id="8" name="Picture 7">
+            <a:extLst>
+              <a:ext uri="{FF2B5EF4-FFF2-40B4-BE49-F238E27FC236}">
+                <a16:creationId xmlns:a16="http://schemas.microsoft.com/office/drawing/2014/main" id="{06121EE0-6404-489A-A26B-FB2A403E7DA3}"/>
+              </a:ext>
+            </a:extLst>
+          </p:cNvPr>
+          <p:cNvPicPr>
+            <a:picLocks noChangeAspect="1"/>
+          </p:cNvPicPr>
+          <p:nvPr/>
+        </p:nvPicPr>
+        <p:blipFill>
+          <a:blip r:embed="rId2">
+            <a:extLst>
+              <a:ext uri="{28A0092B-C50C-407E-A947-70E740481C1C}">
+                <a14:useLocalDpi xmlns:a14="http://schemas.microsoft.com/office/drawing/2010/main" val="0"/>
+              </a:ext>
+            </a:extLst>
+          </a:blip>
+          <a:stretch>
+            <a:fillRect/>
+          </a:stretch>
+        </p:blipFill>
+        <p:spPr>
+          <a:xfrm>
+            <a:off x="1181100" y="1056910"/>
+            <a:ext cx="9144000" cy="5478153"/>
           </a:xfrm>
           <a:prstGeom prst="rect">
             <a:avLst/>
@@ -7644,6 +7949,42 @@
           </a:p>
         </p:txBody>
       </p:sp>
+      <p:pic>
+        <p:nvPicPr>
+          <p:cNvPr id="11" name="Picture 10">
+            <a:extLst>
+              <a:ext uri="{FF2B5EF4-FFF2-40B4-BE49-F238E27FC236}">
+                <a16:creationId xmlns:a16="http://schemas.microsoft.com/office/drawing/2014/main" id="{A374458B-4CE9-4170-87E7-1E16E70B504E}"/>
+              </a:ext>
+            </a:extLst>
+          </p:cNvPr>
+          <p:cNvPicPr>
+            <a:picLocks noChangeAspect="1"/>
+          </p:cNvPicPr>
+          <p:nvPr/>
+        </p:nvPicPr>
+        <p:blipFill>
+          <a:blip r:embed="rId3">
+            <a:extLst>
+              <a:ext uri="{28A0092B-C50C-407E-A947-70E740481C1C}">
+                <a14:useLocalDpi xmlns:a14="http://schemas.microsoft.com/office/drawing/2010/main" val="0"/>
+              </a:ext>
+            </a:extLst>
+          </a:blip>
+          <a:stretch>
+            <a:fillRect/>
+          </a:stretch>
+        </p:blipFill>
+        <p:spPr>
+          <a:xfrm>
+            <a:off x="0" y="0"/>
+            <a:ext cx="1533525" cy="1533525"/>
+          </a:xfrm>
+          <a:prstGeom prst="rect">
+            <a:avLst/>
+          </a:prstGeom>
+        </p:spPr>
+      </p:pic>
     </p:spTree>
     <p:extLst>
       <p:ext uri="{BB962C8B-B14F-4D97-AF65-F5344CB8AC3E}">
@@ -7660,14 +8001,6 @@
 <file path=ppt/slides/slide9.xml><?xml version="1.0" encoding="utf-8"?>
 <p:sld xmlns:a="http://schemas.openxmlformats.org/drawingml/2006/main" xmlns:r="http://schemas.openxmlformats.org/officeDocument/2006/relationships" xmlns:p="http://schemas.openxmlformats.org/presentationml/2006/main">
   <p:cSld>
-    <p:bg>
-      <p:bgPr>
-        <a:solidFill>
-          <a:srgbClr val="38A1F3"/>
-        </a:solidFill>
-        <a:effectLst/>
-      </p:bgPr>
-    </p:bg>
     <p:spTree>
       <p:nvGrpSpPr>
         <p:cNvPr id="1" name=""/>
@@ -7780,6 +8113,42 @@
           </a:p>
         </p:txBody>
       </p:sp>
+      <p:pic>
+        <p:nvPicPr>
+          <p:cNvPr id="5" name="Picture 4">
+            <a:extLst>
+              <a:ext uri="{FF2B5EF4-FFF2-40B4-BE49-F238E27FC236}">
+                <a16:creationId xmlns:a16="http://schemas.microsoft.com/office/drawing/2014/main" id="{331CD2EF-9E16-42E7-8AE1-85EB3E7FC1F3}"/>
+              </a:ext>
+            </a:extLst>
+          </p:cNvPr>
+          <p:cNvPicPr>
+            <a:picLocks noChangeAspect="1"/>
+          </p:cNvPicPr>
+          <p:nvPr/>
+        </p:nvPicPr>
+        <p:blipFill>
+          <a:blip r:embed="rId3">
+            <a:extLst>
+              <a:ext uri="{28A0092B-C50C-407E-A947-70E740481C1C}">
+                <a14:useLocalDpi xmlns:a14="http://schemas.microsoft.com/office/drawing/2010/main" val="0"/>
+              </a:ext>
+            </a:extLst>
+          </a:blip>
+          <a:stretch>
+            <a:fillRect/>
+          </a:stretch>
+        </p:blipFill>
+        <p:spPr>
+          <a:xfrm>
+            <a:off x="0" y="0"/>
+            <a:ext cx="1533525" cy="1533525"/>
+          </a:xfrm>
+          <a:prstGeom prst="rect">
+            <a:avLst/>
+          </a:prstGeom>
+        </p:spPr>
+      </p:pic>
     </p:spTree>
     <p:extLst>
       <p:ext uri="{BB962C8B-B14F-4D97-AF65-F5344CB8AC3E}">

--- a/Project-Presentation.pptx
+++ b/Project-Presentation.pptx
@@ -8,26 +8,26 @@
     <p:notesMasterId r:id="rId22"/>
   </p:notesMasterIdLst>
   <p:sldIdLst>
-    <p:sldId id="256" r:id="rId2"/>
-    <p:sldId id="276" r:id="rId3"/>
-    <p:sldId id="277" r:id="rId4"/>
-    <p:sldId id="258" r:id="rId5"/>
-    <p:sldId id="259" r:id="rId6"/>
-    <p:sldId id="265" r:id="rId7"/>
-    <p:sldId id="260" r:id="rId8"/>
-    <p:sldId id="266" r:id="rId9"/>
-    <p:sldId id="268" r:id="rId10"/>
-    <p:sldId id="262" r:id="rId11"/>
-    <p:sldId id="274" r:id="rId12"/>
-    <p:sldId id="269" r:id="rId13"/>
-    <p:sldId id="270" r:id="rId14"/>
-    <p:sldId id="263" r:id="rId15"/>
-    <p:sldId id="267" r:id="rId16"/>
-    <p:sldId id="272" r:id="rId17"/>
-    <p:sldId id="271" r:id="rId18"/>
-    <p:sldId id="278" r:id="rId19"/>
-    <p:sldId id="275" r:id="rId20"/>
-    <p:sldId id="273" r:id="rId21"/>
+    <p:sldId id="279" r:id="rId2"/>
+    <p:sldId id="280" r:id="rId3"/>
+    <p:sldId id="281" r:id="rId4"/>
+    <p:sldId id="282" r:id="rId5"/>
+    <p:sldId id="296" r:id="rId6"/>
+    <p:sldId id="299" r:id="rId7"/>
+    <p:sldId id="283" r:id="rId8"/>
+    <p:sldId id="294" r:id="rId9"/>
+    <p:sldId id="285" r:id="rId10"/>
+    <p:sldId id="290" r:id="rId11"/>
+    <p:sldId id="293" r:id="rId12"/>
+    <p:sldId id="292" r:id="rId13"/>
+    <p:sldId id="291" r:id="rId14"/>
+    <p:sldId id="286" r:id="rId15"/>
+    <p:sldId id="297" r:id="rId16"/>
+    <p:sldId id="287" r:id="rId17"/>
+    <p:sldId id="288" r:id="rId18"/>
+    <p:sldId id="300" r:id="rId19"/>
+    <p:sldId id="298" r:id="rId20"/>
+    <p:sldId id="295" r:id="rId21"/>
   </p:sldIdLst>
   <p:sldSz cx="12192000" cy="6858000"/>
   <p:notesSz cx="6858000" cy="9144000"/>
@@ -216,7 +216,7 @@
           <a:p>
             <a:fld id="{980E8904-9E27-436F-BF01-34A83EC5D171}" type="datetimeFigureOut">
               <a:rPr lang="en-US" smtClean="0"/>
-              <a:t>12/27/2019</a:t>
+              <a:t>1/10/2020</a:t>
             </a:fld>
             <a:endParaRPr lang="en-US"/>
           </a:p>
@@ -614,7 +614,7 @@
           <a:p>
             <a:fld id="{D972CD85-889C-49F7-9AD5-1BD9175772A0}" type="datetime1">
               <a:rPr lang="en-US" smtClean="0"/>
-              <a:t>12/27/2019</a:t>
+              <a:t>1/10/2020</a:t>
             </a:fld>
             <a:endParaRPr lang="en-US"/>
           </a:p>
@@ -784,7 +784,7 @@
           <a:p>
             <a:fld id="{B632DC19-86BF-4BDE-A5B9-1D010BEDC75E}" type="datetime1">
               <a:rPr lang="en-US" smtClean="0"/>
-              <a:t>12/27/2019</a:t>
+              <a:t>1/10/2020</a:t>
             </a:fld>
             <a:endParaRPr lang="en-US"/>
           </a:p>
@@ -964,7 +964,7 @@
           <a:p>
             <a:fld id="{FF36010A-7909-4542-9D2F-034FF255844D}" type="datetime1">
               <a:rPr lang="en-US" smtClean="0"/>
-              <a:t>12/27/2019</a:t>
+              <a:t>1/10/2020</a:t>
             </a:fld>
             <a:endParaRPr lang="en-US"/>
           </a:p>
@@ -1134,7 +1134,7 @@
           <a:p>
             <a:fld id="{59589BC3-404E-4B43-9670-5BE5AEDB2135}" type="datetime1">
               <a:rPr lang="en-US" smtClean="0"/>
-              <a:t>12/27/2019</a:t>
+              <a:t>1/10/2020</a:t>
             </a:fld>
             <a:endParaRPr lang="en-US"/>
           </a:p>
@@ -1380,7 +1380,7 @@
           <a:p>
             <a:fld id="{51C07C62-82D4-4A68-AE24-54A9ACBD48C1}" type="datetime1">
               <a:rPr lang="en-US" smtClean="0"/>
-              <a:t>12/27/2019</a:t>
+              <a:t>1/10/2020</a:t>
             </a:fld>
             <a:endParaRPr lang="en-US"/>
           </a:p>
@@ -1612,7 +1612,7 @@
           <a:p>
             <a:fld id="{2615CE08-0CE4-4042-853F-9EDD0B1255EA}" type="datetime1">
               <a:rPr lang="en-US" smtClean="0"/>
-              <a:t>12/27/2019</a:t>
+              <a:t>1/10/2020</a:t>
             </a:fld>
             <a:endParaRPr lang="en-US"/>
           </a:p>
@@ -1979,7 +1979,7 @@
           <a:p>
             <a:fld id="{18F3D5E5-E70F-4B16-9CF3-BA217D2B559D}" type="datetime1">
               <a:rPr lang="en-US" smtClean="0"/>
-              <a:t>12/27/2019</a:t>
+              <a:t>1/10/2020</a:t>
             </a:fld>
             <a:endParaRPr lang="en-US"/>
           </a:p>
@@ -2097,7 +2097,7 @@
           <a:p>
             <a:fld id="{A72542DB-7808-4958-8982-83CB018FA116}" type="datetime1">
               <a:rPr lang="en-US" smtClean="0"/>
-              <a:t>12/27/2019</a:t>
+              <a:t>1/10/2020</a:t>
             </a:fld>
             <a:endParaRPr lang="en-US"/>
           </a:p>
@@ -2192,7 +2192,7 @@
           <a:p>
             <a:fld id="{F66B215F-0E7A-476F-8365-2FFF51868906}" type="datetime1">
               <a:rPr lang="en-US" smtClean="0"/>
-              <a:t>12/27/2019</a:t>
+              <a:t>1/10/2020</a:t>
             </a:fld>
             <a:endParaRPr lang="en-US"/>
           </a:p>
@@ -2469,7 +2469,7 @@
           <a:p>
             <a:fld id="{61C3A318-5E3C-48AA-A360-CEC422C469F9}" type="datetime1">
               <a:rPr lang="en-US" smtClean="0"/>
-              <a:t>12/27/2019</a:t>
+              <a:t>1/10/2020</a:t>
             </a:fld>
             <a:endParaRPr lang="en-US"/>
           </a:p>
@@ -2726,7 +2726,7 @@
           <a:p>
             <a:fld id="{34E29616-BEB3-487B-8B3E-C7DD8E980FCA}" type="datetime1">
               <a:rPr lang="en-US" smtClean="0"/>
-              <a:t>12/27/2019</a:t>
+              <a:t>1/10/2020</a:t>
             </a:fld>
             <a:endParaRPr lang="en-US"/>
           </a:p>
@@ -2942,7 +2942,7 @@
           <a:p>
             <a:fld id="{866A565F-DE94-469F-92EB-46D031073C3A}" type="datetime1">
               <a:rPr lang="en-US" smtClean="0"/>
-              <a:t>12/27/2019</a:t>
+              <a:t>1/10/2020</a:t>
             </a:fld>
             <a:endParaRPr lang="en-US"/>
           </a:p>
@@ -3350,49 +3350,217 @@
       </p:grpSpPr>
       <p:sp>
         <p:nvSpPr>
-          <p:cNvPr id="4" name="TextBox 3">
+          <p:cNvPr id="2" name="Title 1">
             <a:extLst>
               <a:ext uri="{FF2B5EF4-FFF2-40B4-BE49-F238E27FC236}">
-                <a16:creationId xmlns:a16="http://schemas.microsoft.com/office/drawing/2014/main" id="{176F5F7F-B699-432A-94EB-AADD50CDCCAF}"/>
+                <a16:creationId xmlns:a16="http://schemas.microsoft.com/office/drawing/2014/main" id="{5C0D1D1C-C084-4A7B-A6EB-A1D247EDDCF8}"/>
               </a:ext>
             </a:extLst>
           </p:cNvPr>
-          <p:cNvSpPr txBox="1"/>
-          <p:nvPr/>
+          <p:cNvSpPr>
+            <a:spLocks noGrp="1"/>
+          </p:cNvSpPr>
+          <p:nvPr>
+            <p:ph type="title"/>
+          </p:nvPr>
         </p:nvSpPr>
         <p:spPr>
           <a:xfrm>
-            <a:off x="5181326" y="2844225"/>
-            <a:ext cx="1829347" cy="584775"/>
+            <a:off x="598503" y="2000881"/>
+            <a:ext cx="10515600" cy="1325563"/>
+          </a:xfrm>
+        </p:spPr>
+        <p:txBody>
+          <a:bodyPr>
+            <a:normAutofit fontScale="90000"/>
+          </a:bodyPr>
+          <a:lstStyle/>
+          <a:p>
+            <a:pPr algn="ctr"/>
+            <a:r>
+              <a:rPr lang="en-US" sz="2700" b="1" dirty="0">
+                <a:latin typeface="+mn-lt"/>
+              </a:rPr>
+              <a:t>SentiMeter</a:t>
+            </a:r>
+            <a:br>
+              <a:rPr lang="en-US" sz="2400" b="1" dirty="0"/>
+            </a:br>
+            <a:r>
+              <a:rPr lang="en-US" sz="2400" b="1" dirty="0"/>
+              <a:t> An Android Application for Sentiment Analysis of Twitter Data Using KNN and NBayes Classifiers</a:t>
+            </a:r>
+            <a:br>
+              <a:rPr lang="en-US" sz="2400" dirty="0"/>
+            </a:br>
+            <a:endParaRPr lang="en-US" sz="2400" dirty="0"/>
+          </a:p>
+        </p:txBody>
+      </p:sp>
+      <p:sp>
+        <p:nvSpPr>
+          <p:cNvPr id="3" name="Content Placeholder 2">
+            <a:extLst>
+              <a:ext uri="{FF2B5EF4-FFF2-40B4-BE49-F238E27FC236}">
+                <a16:creationId xmlns:a16="http://schemas.microsoft.com/office/drawing/2014/main" id="{71AC810E-78F2-43BE-BA1B-78E8459014F9}"/>
+              </a:ext>
+            </a:extLst>
+          </p:cNvPr>
+          <p:cNvSpPr>
+            <a:spLocks noGrp="1"/>
+          </p:cNvSpPr>
+          <p:nvPr>
+            <p:ph idx="1"/>
+          </p:nvPr>
+        </p:nvSpPr>
+        <p:spPr>
+          <a:xfrm>
+            <a:off x="598503" y="3405202"/>
+            <a:ext cx="10515600" cy="3237515"/>
+          </a:xfrm>
+        </p:spPr>
+        <p:txBody>
+          <a:bodyPr/>
+          <a:lstStyle/>
+          <a:p>
+            <a:pPr marL="0" indent="0" algn="ctr">
+              <a:buNone/>
+            </a:pPr>
+            <a:r>
+              <a:rPr lang="en-US" sz="2000" dirty="0"/>
+              <a:t>Under the supervision of</a:t>
+            </a:r>
+          </a:p>
+          <a:p>
+            <a:pPr marL="0" indent="0" algn="ctr">
+              <a:buNone/>
+            </a:pPr>
+            <a:r>
+              <a:rPr lang="en-US" sz="2000" dirty="0"/>
+              <a:t>Asst . Prof. </a:t>
+            </a:r>
+            <a:r>
+              <a:rPr lang="en-US" sz="2000" b="1" dirty="0"/>
+              <a:t>Himal Acharya</a:t>
+            </a:r>
+          </a:p>
+          <a:p>
+            <a:pPr algn="ctr"/>
+            <a:endParaRPr lang="en-US" sz="2000" dirty="0"/>
+          </a:p>
+          <a:p>
+            <a:pPr marL="0" indent="0" algn="ctr">
+              <a:buNone/>
+            </a:pPr>
+            <a:r>
+              <a:rPr lang="en-US" sz="2000" dirty="0"/>
+              <a:t>Submitted by:</a:t>
+            </a:r>
+          </a:p>
+          <a:p>
+            <a:pPr marL="0" indent="0" algn="ctr">
+              <a:buNone/>
+            </a:pPr>
+            <a:r>
+              <a:rPr lang="en-US" sz="2000" b="1" dirty="0"/>
+              <a:t>Kanchan Singh, 161716</a:t>
+            </a:r>
+            <a:endParaRPr lang="en-US" sz="2000" dirty="0"/>
+          </a:p>
+          <a:p>
+            <a:pPr marL="0" indent="0" algn="ctr">
+              <a:buNone/>
+            </a:pPr>
+            <a:r>
+              <a:rPr lang="en-US" sz="2000" b="1" dirty="0"/>
+              <a:t>Poshan Pandey, 161724</a:t>
+            </a:r>
+            <a:endParaRPr lang="en-US" sz="2000" dirty="0"/>
+          </a:p>
+          <a:p>
+            <a:pPr marL="0" indent="0" algn="ctr">
+              <a:buNone/>
+            </a:pPr>
+            <a:r>
+              <a:rPr lang="en-US" sz="2000" b="1" dirty="0"/>
+              <a:t>Priska Budhathoki, 161726</a:t>
+            </a:r>
+            <a:endParaRPr lang="en-US" sz="2000" dirty="0"/>
+          </a:p>
+          <a:p>
+            <a:endParaRPr lang="en-US" dirty="0"/>
+          </a:p>
+        </p:txBody>
+      </p:sp>
+      <p:sp>
+        <p:nvSpPr>
+          <p:cNvPr id="4" name="Slide Number Placeholder 3">
+            <a:extLst>
+              <a:ext uri="{FF2B5EF4-FFF2-40B4-BE49-F238E27FC236}">
+                <a16:creationId xmlns:a16="http://schemas.microsoft.com/office/drawing/2014/main" id="{8DAF8883-C3BB-4890-85C2-7E253BA5AD72}"/>
+              </a:ext>
+            </a:extLst>
+          </p:cNvPr>
+          <p:cNvSpPr>
+            <a:spLocks noGrp="1"/>
+          </p:cNvSpPr>
+          <p:nvPr>
+            <p:ph type="sldNum" sz="quarter" idx="12"/>
+          </p:nvPr>
+        </p:nvSpPr>
+        <p:spPr/>
+        <p:txBody>
+          <a:bodyPr/>
+          <a:lstStyle/>
+          <a:p>
+            <a:fld id="{6C45EC47-6188-4C03-8813-AF382A0C43BB}" type="slidenum">
+              <a:rPr lang="en-US" smtClean="0"/>
+              <a:t>1</a:t>
+            </a:fld>
+            <a:endParaRPr lang="en-US"/>
+          </a:p>
+        </p:txBody>
+      </p:sp>
+      <p:pic>
+        <p:nvPicPr>
+          <p:cNvPr id="6" name="Picture 5">
+            <a:extLst>
+              <a:ext uri="{FF2B5EF4-FFF2-40B4-BE49-F238E27FC236}">
+                <a16:creationId xmlns:a16="http://schemas.microsoft.com/office/drawing/2014/main" id="{A61021F5-6031-4451-9B9B-407BF98A21A0}"/>
+              </a:ext>
+            </a:extLst>
+          </p:cNvPr>
+          <p:cNvPicPr>
+            <a:picLocks noChangeAspect="1"/>
+          </p:cNvPicPr>
+          <p:nvPr/>
+        </p:nvPicPr>
+        <p:blipFill>
+          <a:blip r:embed="rId2">
+            <a:extLst>
+              <a:ext uri="{28A0092B-C50C-407E-A947-70E740481C1C}">
+                <a14:useLocalDpi xmlns:a14="http://schemas.microsoft.com/office/drawing/2010/main" val="0"/>
+              </a:ext>
+            </a:extLst>
+          </a:blip>
+          <a:stretch>
+            <a:fillRect/>
+          </a:stretch>
+        </p:blipFill>
+        <p:spPr>
+          <a:xfrm>
+            <a:off x="5091135" y="699229"/>
+            <a:ext cx="1530335" cy="1485977"/>
           </a:xfrm>
           <a:prstGeom prst="rect">
             <a:avLst/>
           </a:prstGeom>
-          <a:solidFill>
-            <a:schemeClr val="tx1"/>
-          </a:solidFill>
         </p:spPr>
-        <p:txBody>
-          <a:bodyPr wrap="none" rtlCol="0">
-            <a:spAutoFit/>
-          </a:bodyPr>
-          <a:lstStyle/>
-          <a:p>
-            <a:r>
-              <a:rPr lang="en-US" sz="3200" b="1" dirty="0">
-                <a:solidFill>
-                  <a:srgbClr val="55ACEF"/>
-                </a:solidFill>
-              </a:rPr>
-              <a:t>Namaste!</a:t>
-            </a:r>
-          </a:p>
-        </p:txBody>
-      </p:sp>
+      </p:pic>
     </p:spTree>
     <p:extLst>
       <p:ext uri="{BB962C8B-B14F-4D97-AF65-F5344CB8AC3E}">
-        <p14:creationId xmlns:p14="http://schemas.microsoft.com/office/powerpoint/2010/main" val="3136956174"/>
+        <p14:creationId xmlns:p14="http://schemas.microsoft.com/office/powerpoint/2010/main" val="917091116"/>
       </p:ext>
     </p:extLst>
   </p:cSld>
@@ -3419,180 +3587,21 @@
           <a:chExt cx="0" cy="0"/>
         </a:xfrm>
       </p:grpSpPr>
-      <p:sp>
-        <p:nvSpPr>
-          <p:cNvPr id="3" name="Subtitle 2">
+      <p:pic>
+        <p:nvPicPr>
+          <p:cNvPr id="6" name="Content Placeholder 5">
             <a:extLst>
               <a:ext uri="{FF2B5EF4-FFF2-40B4-BE49-F238E27FC236}">
-                <a16:creationId xmlns:a16="http://schemas.microsoft.com/office/drawing/2014/main" id="{A498CE7F-7120-46AC-B277-58AA124EAED5}"/>
-              </a:ext>
-            </a:extLst>
-          </p:cNvPr>
-          <p:cNvSpPr>
-            <a:spLocks noGrp="1"/>
-          </p:cNvSpPr>
-          <p:nvPr>
-            <p:ph type="subTitle" idx="1"/>
-          </p:nvPr>
-        </p:nvSpPr>
-        <p:spPr>
-          <a:xfrm>
-            <a:off x="1304925" y="136525"/>
-            <a:ext cx="9144000" cy="1655762"/>
-          </a:xfrm>
-          <a:ln>
-            <a:noFill/>
-          </a:ln>
-        </p:spPr>
-        <p:txBody>
-          <a:bodyPr>
-            <a:normAutofit fontScale="25000" lnSpcReduction="20000"/>
-          </a:bodyPr>
-          <a:lstStyle/>
-          <a:p>
-            <a:r>
-              <a:rPr lang="en-US" sz="11200" b="1" dirty="0"/>
-              <a:t>Calculation Process</a:t>
-            </a:r>
-          </a:p>
-          <a:p>
-            <a:endParaRPr lang="en-US" sz="11200" b="1" dirty="0"/>
-          </a:p>
-          <a:p>
-            <a:pPr marL="1143000" indent="-1143000" algn="l">
-              <a:buFont typeface="Arial" panose="020B0604020202020204" pitchFamily="34" charset="0"/>
-              <a:buChar char="•"/>
-            </a:pPr>
-            <a:r>
-              <a:rPr lang="en-US" sz="9600" dirty="0"/>
-              <a:t>All tweets were converted to lower case </a:t>
-            </a:r>
-          </a:p>
-          <a:p>
-            <a:pPr marL="1143000" indent="-1143000" algn="l">
-              <a:buFont typeface="Arial" panose="020B0604020202020204" pitchFamily="34" charset="0"/>
-              <a:buChar char="•"/>
-            </a:pPr>
-            <a:r>
-              <a:rPr lang="en-US" sz="9600" dirty="0"/>
-              <a:t>All links and </a:t>
-            </a:r>
-            <a:r>
-              <a:rPr lang="en-US" sz="9600" dirty="0" err="1"/>
-              <a:t>urls</a:t>
-            </a:r>
-            <a:r>
-              <a:rPr lang="en-US" sz="9600" dirty="0"/>
-              <a:t> were replaced by generic word URL  All usernames were replaced by generic word USER  Words with hashtags were replaced with the same words without the hashtag </a:t>
-            </a:r>
-          </a:p>
-          <a:p>
-            <a:pPr marL="1143000" indent="-1143000" algn="l">
-              <a:buFont typeface="Arial" panose="020B0604020202020204" pitchFamily="34" charset="0"/>
-              <a:buChar char="•"/>
-            </a:pPr>
-            <a:r>
-              <a:rPr lang="en-US" sz="9600" dirty="0"/>
-              <a:t> Punctuations and additional white spaces were removed from the tweets.</a:t>
-            </a:r>
-          </a:p>
-          <a:p>
-            <a:pPr marL="1143000" indent="-1143000" algn="l">
-              <a:buFont typeface="Arial" panose="020B0604020202020204" pitchFamily="34" charset="0"/>
-              <a:buChar char="•"/>
-            </a:pPr>
-            <a:r>
-              <a:rPr lang="en-US" sz="9600" dirty="0"/>
-              <a:t>Tokenization of the sentiment texts</a:t>
-            </a:r>
-          </a:p>
-          <a:p>
-            <a:pPr marL="1143000" indent="-1143000" algn="l">
-              <a:buFont typeface="Arial" panose="020B0604020202020204" pitchFamily="34" charset="0"/>
-              <a:buChar char="•"/>
-            </a:pPr>
-            <a:r>
-              <a:rPr lang="en-US" sz="9600" dirty="0"/>
-              <a:t>Removal of Texts that are not responsible for sentiment determination but used largely such as pronouns, prepositions, etc. </a:t>
-            </a:r>
-          </a:p>
-          <a:p>
-            <a:pPr marL="1143000" indent="-1143000" algn="l">
-              <a:buFont typeface="Arial" panose="020B0604020202020204" pitchFamily="34" charset="0"/>
-              <a:buChar char="•"/>
-            </a:pPr>
-            <a:r>
-              <a:rPr lang="en-US" sz="9600" dirty="0"/>
-              <a:t>Construction of Histograms for every element</a:t>
-            </a:r>
-          </a:p>
-          <a:p>
-            <a:pPr marL="1143000" indent="-1143000" algn="l">
-              <a:buFont typeface="Arial" panose="020B0604020202020204" pitchFamily="34" charset="0"/>
-              <a:buChar char="•"/>
-            </a:pPr>
-            <a:r>
-              <a:rPr lang="en-US" sz="9600" dirty="0"/>
-              <a:t>Construction of averaged histogram for both positive and negative class</a:t>
-            </a:r>
-          </a:p>
-          <a:p>
-            <a:pPr marL="1143000" indent="-1143000" algn="l">
-              <a:buFont typeface="Arial" panose="020B0604020202020204" pitchFamily="34" charset="0"/>
-              <a:buChar char="•"/>
-            </a:pPr>
-            <a:r>
-              <a:rPr lang="en-US" sz="9600" dirty="0"/>
-              <a:t>Testing with KNN and nBayes classifiers</a:t>
-            </a:r>
-          </a:p>
-          <a:p>
-            <a:endParaRPr lang="en-US" dirty="0"/>
-          </a:p>
-        </p:txBody>
-      </p:sp>
-      <p:sp>
-        <p:nvSpPr>
-          <p:cNvPr id="4" name="Slide Number Placeholder 3">
-            <a:extLst>
-              <a:ext uri="{FF2B5EF4-FFF2-40B4-BE49-F238E27FC236}">
-                <a16:creationId xmlns:a16="http://schemas.microsoft.com/office/drawing/2014/main" id="{A084F997-9D72-43F4-98E9-BB4F05643D9D}"/>
-              </a:ext>
-            </a:extLst>
-          </p:cNvPr>
-          <p:cNvSpPr>
-            <a:spLocks noGrp="1"/>
-          </p:cNvSpPr>
-          <p:nvPr>
-            <p:ph type="sldNum" sz="quarter" idx="12"/>
-          </p:nvPr>
-        </p:nvSpPr>
-        <p:spPr/>
-        <p:txBody>
-          <a:bodyPr/>
-          <a:lstStyle/>
-          <a:p>
-            <a:fld id="{6C45EC47-6188-4C03-8813-AF382A0C43BB}" type="slidenum">
-              <a:rPr lang="en-US" smtClean="0"/>
-              <a:t>10</a:t>
-            </a:fld>
-            <a:endParaRPr lang="en-US"/>
-          </a:p>
-        </p:txBody>
-      </p:sp>
-      <p:pic>
-        <p:nvPicPr>
-          <p:cNvPr id="5" name="Picture 4">
-            <a:extLst>
-              <a:ext uri="{FF2B5EF4-FFF2-40B4-BE49-F238E27FC236}">
-                <a16:creationId xmlns:a16="http://schemas.microsoft.com/office/drawing/2014/main" id="{4C2F99AC-9B5A-4EAB-A1E9-4D8AABF3D58B}"/>
+                <a16:creationId xmlns:a16="http://schemas.microsoft.com/office/drawing/2014/main" id="{0931F252-6653-4111-8D41-EE0FFADC5263}"/>
               </a:ext>
             </a:extLst>
           </p:cNvPr>
           <p:cNvPicPr>
-            <a:picLocks noChangeAspect="1"/>
+            <a:picLocks noGrp="1" noChangeAspect="1"/>
           </p:cNvPicPr>
-          <p:nvPr/>
+          <p:nvPr>
+            <p:ph idx="1"/>
+          </p:nvPr>
         </p:nvPicPr>
         <p:blipFill>
           <a:blip r:embed="rId2">
@@ -3608,18 +3617,79 @@
         </p:blipFill>
         <p:spPr>
           <a:xfrm>
-            <a:off x="0" y="0"/>
-            <a:ext cx="1533525" cy="1533525"/>
+            <a:off x="3691162" y="856456"/>
+            <a:ext cx="4809675" cy="5783598"/>
+          </a:xfrm>
+        </p:spPr>
+      </p:pic>
+      <p:sp>
+        <p:nvSpPr>
+          <p:cNvPr id="4" name="Slide Number Placeholder 3">
+            <a:extLst>
+              <a:ext uri="{FF2B5EF4-FFF2-40B4-BE49-F238E27FC236}">
+                <a16:creationId xmlns:a16="http://schemas.microsoft.com/office/drawing/2014/main" id="{99E99C29-E574-407C-8A56-596F2AFC7C07}"/>
+              </a:ext>
+            </a:extLst>
+          </p:cNvPr>
+          <p:cNvSpPr>
+            <a:spLocks noGrp="1"/>
+          </p:cNvSpPr>
+          <p:nvPr>
+            <p:ph type="sldNum" sz="quarter" idx="12"/>
+          </p:nvPr>
+        </p:nvSpPr>
+        <p:spPr/>
+        <p:txBody>
+          <a:bodyPr/>
+          <a:lstStyle/>
+          <a:p>
+            <a:fld id="{6C45EC47-6188-4C03-8813-AF382A0C43BB}" type="slidenum">
+              <a:rPr lang="en-US" smtClean="0"/>
+              <a:t>10</a:t>
+            </a:fld>
+            <a:endParaRPr lang="en-US"/>
+          </a:p>
+        </p:txBody>
+      </p:sp>
+      <p:sp>
+        <p:nvSpPr>
+          <p:cNvPr id="7" name="TextBox 6">
+            <a:extLst>
+              <a:ext uri="{FF2B5EF4-FFF2-40B4-BE49-F238E27FC236}">
+                <a16:creationId xmlns:a16="http://schemas.microsoft.com/office/drawing/2014/main" id="{7D83EBF7-CDF1-469D-8D99-D4E5320C03C6}"/>
+              </a:ext>
+            </a:extLst>
+          </p:cNvPr>
+          <p:cNvSpPr txBox="1"/>
+          <p:nvPr/>
+        </p:nvSpPr>
+        <p:spPr>
+          <a:xfrm>
+            <a:off x="3691162" y="8396"/>
+            <a:ext cx="4809675" cy="707886"/>
           </a:xfrm>
           <a:prstGeom prst="rect">
             <a:avLst/>
           </a:prstGeom>
+          <a:noFill/>
         </p:spPr>
-      </p:pic>
+        <p:txBody>
+          <a:bodyPr wrap="square" rtlCol="0">
+            <a:spAutoFit/>
+          </a:bodyPr>
+          <a:lstStyle/>
+          <a:p>
+            <a:r>
+              <a:rPr lang="en-US" sz="4000" b="1" dirty="0"/>
+              <a:t>Use Case Diagram</a:t>
+            </a:r>
+          </a:p>
+        </p:txBody>
+      </p:sp>
     </p:spTree>
     <p:extLst>
       <p:ext uri="{BB962C8B-B14F-4D97-AF65-F5344CB8AC3E}">
-        <p14:creationId xmlns:p14="http://schemas.microsoft.com/office/powerpoint/2010/main" val="3555133401"/>
+        <p14:creationId xmlns:p14="http://schemas.microsoft.com/office/powerpoint/2010/main" val="1470151306"/>
       </p:ext>
     </p:extLst>
   </p:cSld>
@@ -3648,10 +3718,75 @@
       </p:grpSpPr>
       <p:sp>
         <p:nvSpPr>
+          <p:cNvPr id="2" name="Title 1">
+            <a:extLst>
+              <a:ext uri="{FF2B5EF4-FFF2-40B4-BE49-F238E27FC236}">
+                <a16:creationId xmlns:a16="http://schemas.microsoft.com/office/drawing/2014/main" id="{3FF7020E-4329-4569-9CEA-59608DAC715E}"/>
+              </a:ext>
+            </a:extLst>
+          </p:cNvPr>
+          <p:cNvSpPr>
+            <a:spLocks noGrp="1"/>
+          </p:cNvSpPr>
+          <p:nvPr>
+            <p:ph type="title"/>
+          </p:nvPr>
+        </p:nvSpPr>
+        <p:spPr/>
+        <p:txBody>
+          <a:bodyPr>
+            <a:normAutofit/>
+          </a:bodyPr>
+          <a:lstStyle/>
+          <a:p>
+            <a:pPr algn="ctr"/>
+            <a:r>
+              <a:rPr lang="en-US" sz="4000" b="1" dirty="0"/>
+              <a:t>Classifiers Used</a:t>
+            </a:r>
+          </a:p>
+        </p:txBody>
+      </p:sp>
+      <p:sp>
+        <p:nvSpPr>
+          <p:cNvPr id="3" name="Content Placeholder 2">
+            <a:extLst>
+              <a:ext uri="{FF2B5EF4-FFF2-40B4-BE49-F238E27FC236}">
+                <a16:creationId xmlns:a16="http://schemas.microsoft.com/office/drawing/2014/main" id="{F946A4FA-7DC2-4A97-9F02-E0681FBF941B}"/>
+              </a:ext>
+            </a:extLst>
+          </p:cNvPr>
+          <p:cNvSpPr>
+            <a:spLocks noGrp="1"/>
+          </p:cNvSpPr>
+          <p:nvPr>
+            <p:ph idx="1"/>
+          </p:nvPr>
+        </p:nvSpPr>
+        <p:spPr/>
+        <p:txBody>
+          <a:bodyPr/>
+          <a:lstStyle/>
+          <a:p>
+            <a:r>
+              <a:rPr lang="en-US" dirty="0"/>
+              <a:t>Naïve Bayes</a:t>
+            </a:r>
+          </a:p>
+          <a:p>
+            <a:r>
+              <a:rPr lang="en-US" dirty="0"/>
+              <a:t>KNN</a:t>
+            </a:r>
+          </a:p>
+        </p:txBody>
+      </p:sp>
+      <p:sp>
+        <p:nvSpPr>
           <p:cNvPr id="4" name="Slide Number Placeholder 3">
             <a:extLst>
               <a:ext uri="{FF2B5EF4-FFF2-40B4-BE49-F238E27FC236}">
-                <a16:creationId xmlns:a16="http://schemas.microsoft.com/office/drawing/2014/main" id="{4620018C-8D7E-476F-9BAF-8ADF0B78DF6C}"/>
+                <a16:creationId xmlns:a16="http://schemas.microsoft.com/office/drawing/2014/main" id="{84DE3D3C-ECBA-4C61-BF3C-7BC8175B2270}"/>
               </a:ext>
             </a:extLst>
           </p:cNvPr>
@@ -3675,1262 +3810,10 @@
           </a:p>
         </p:txBody>
       </p:sp>
-      <p:pic>
-        <p:nvPicPr>
-          <p:cNvPr id="6" name="Picture 5">
-            <a:extLst>
-              <a:ext uri="{FF2B5EF4-FFF2-40B4-BE49-F238E27FC236}">
-                <a16:creationId xmlns:a16="http://schemas.microsoft.com/office/drawing/2014/main" id="{06324CD3-D91A-4690-9BD1-B4FDDC21A318}"/>
-              </a:ext>
-            </a:extLst>
-          </p:cNvPr>
-          <p:cNvPicPr>
-            <a:picLocks noChangeAspect="1"/>
-          </p:cNvPicPr>
-          <p:nvPr/>
-        </p:nvPicPr>
-        <p:blipFill>
-          <a:blip r:embed="rId2">
-            <a:extLst>
-              <a:ext uri="{28A0092B-C50C-407E-A947-70E740481C1C}">
-                <a14:useLocalDpi xmlns:a14="http://schemas.microsoft.com/office/drawing/2010/main" val="0"/>
-              </a:ext>
-            </a:extLst>
-          </a:blip>
-          <a:stretch>
-            <a:fillRect/>
-          </a:stretch>
-        </p:blipFill>
-        <p:spPr>
-          <a:xfrm>
-            <a:off x="256680" y="326732"/>
-            <a:ext cx="5067793" cy="2322169"/>
-          </a:xfrm>
-          <a:prstGeom prst="rect">
-            <a:avLst/>
-          </a:prstGeom>
-        </p:spPr>
-      </p:pic>
-      <p:sp>
-        <p:nvSpPr>
-          <p:cNvPr id="7" name="Oval 6">
-            <a:extLst>
-              <a:ext uri="{FF2B5EF4-FFF2-40B4-BE49-F238E27FC236}">
-                <a16:creationId xmlns:a16="http://schemas.microsoft.com/office/drawing/2014/main" id="{E9F0DF76-3633-4134-A175-C2D7B49E8B90}"/>
-              </a:ext>
-            </a:extLst>
-          </p:cNvPr>
-          <p:cNvSpPr/>
-          <p:nvPr/>
-        </p:nvSpPr>
-        <p:spPr>
-          <a:xfrm>
-            <a:off x="3324225" y="866775"/>
-            <a:ext cx="1085850" cy="352425"/>
-          </a:xfrm>
-          <a:prstGeom prst="ellipse">
-            <a:avLst/>
-          </a:prstGeom>
-          <a:noFill/>
-          <a:ln w="28575">
-            <a:solidFill>
-              <a:srgbClr val="FF0000"/>
-            </a:solidFill>
-          </a:ln>
-        </p:spPr>
-        <p:style>
-          <a:lnRef idx="2">
-            <a:schemeClr val="accent1">
-              <a:shade val="50000"/>
-            </a:schemeClr>
-          </a:lnRef>
-          <a:fillRef idx="1">
-            <a:schemeClr val="accent1"/>
-          </a:fillRef>
-          <a:effectRef idx="0">
-            <a:schemeClr val="accent1"/>
-          </a:effectRef>
-          <a:fontRef idx="minor">
-            <a:schemeClr val="lt1"/>
-          </a:fontRef>
-        </p:style>
-        <p:txBody>
-          <a:bodyPr rtlCol="0" anchor="ctr"/>
-          <a:lstStyle/>
-          <a:p>
-            <a:pPr algn="ctr"/>
-            <a:endParaRPr lang="en-US"/>
-          </a:p>
-        </p:txBody>
-      </p:sp>
-      <p:sp>
-        <p:nvSpPr>
-          <p:cNvPr id="8" name="Oval 7">
-            <a:extLst>
-              <a:ext uri="{FF2B5EF4-FFF2-40B4-BE49-F238E27FC236}">
-                <a16:creationId xmlns:a16="http://schemas.microsoft.com/office/drawing/2014/main" id="{26C59A26-FB62-4DB2-B325-065B81B2751D}"/>
-              </a:ext>
-            </a:extLst>
-          </p:cNvPr>
-          <p:cNvSpPr/>
-          <p:nvPr/>
-        </p:nvSpPr>
-        <p:spPr>
-          <a:xfrm>
-            <a:off x="361950" y="1219200"/>
-            <a:ext cx="723900" cy="228600"/>
-          </a:xfrm>
-          <a:prstGeom prst="ellipse">
-            <a:avLst/>
-          </a:prstGeom>
-          <a:noFill/>
-          <a:ln w="28575">
-            <a:solidFill>
-              <a:srgbClr val="FF0000"/>
-            </a:solidFill>
-          </a:ln>
-        </p:spPr>
-        <p:style>
-          <a:lnRef idx="2">
-            <a:schemeClr val="accent1">
-              <a:shade val="50000"/>
-            </a:schemeClr>
-          </a:lnRef>
-          <a:fillRef idx="1">
-            <a:schemeClr val="accent1"/>
-          </a:fillRef>
-          <a:effectRef idx="0">
-            <a:schemeClr val="accent1"/>
-          </a:effectRef>
-          <a:fontRef idx="minor">
-            <a:schemeClr val="lt1"/>
-          </a:fontRef>
-        </p:style>
-        <p:txBody>
-          <a:bodyPr rtlCol="0" anchor="ctr"/>
-          <a:lstStyle/>
-          <a:p>
-            <a:pPr algn="ctr"/>
-            <a:endParaRPr lang="en-US"/>
-          </a:p>
-        </p:txBody>
-      </p:sp>
-      <p:sp>
-        <p:nvSpPr>
-          <p:cNvPr id="9" name="Oval 8">
-            <a:extLst>
-              <a:ext uri="{FF2B5EF4-FFF2-40B4-BE49-F238E27FC236}">
-                <a16:creationId xmlns:a16="http://schemas.microsoft.com/office/drawing/2014/main" id="{A7A6FD49-A5D5-40AA-822B-9A11D4E061BF}"/>
-              </a:ext>
-            </a:extLst>
-          </p:cNvPr>
-          <p:cNvSpPr/>
-          <p:nvPr/>
-        </p:nvSpPr>
-        <p:spPr>
-          <a:xfrm>
-            <a:off x="266207" y="1447800"/>
-            <a:ext cx="990600" cy="295275"/>
-          </a:xfrm>
-          <a:prstGeom prst="ellipse">
-            <a:avLst/>
-          </a:prstGeom>
-          <a:noFill/>
-          <a:ln w="28575">
-            <a:solidFill>
-              <a:srgbClr val="FF0000"/>
-            </a:solidFill>
-          </a:ln>
-        </p:spPr>
-        <p:style>
-          <a:lnRef idx="2">
-            <a:schemeClr val="accent1">
-              <a:shade val="50000"/>
-            </a:schemeClr>
-          </a:lnRef>
-          <a:fillRef idx="1">
-            <a:schemeClr val="accent1"/>
-          </a:fillRef>
-          <a:effectRef idx="0">
-            <a:schemeClr val="accent1"/>
-          </a:effectRef>
-          <a:fontRef idx="minor">
-            <a:schemeClr val="lt1"/>
-          </a:fontRef>
-        </p:style>
-        <p:txBody>
-          <a:bodyPr rtlCol="0" anchor="ctr"/>
-          <a:lstStyle/>
-          <a:p>
-            <a:pPr algn="ctr"/>
-            <a:endParaRPr lang="en-US"/>
-          </a:p>
-        </p:txBody>
-      </p:sp>
-      <p:sp>
-        <p:nvSpPr>
-          <p:cNvPr id="10" name="Oval 9">
-            <a:extLst>
-              <a:ext uri="{FF2B5EF4-FFF2-40B4-BE49-F238E27FC236}">
-                <a16:creationId xmlns:a16="http://schemas.microsoft.com/office/drawing/2014/main" id="{14F5C260-6225-44A9-BF99-62460F7320DB}"/>
-              </a:ext>
-            </a:extLst>
-          </p:cNvPr>
-          <p:cNvSpPr/>
-          <p:nvPr/>
-        </p:nvSpPr>
-        <p:spPr>
-          <a:xfrm>
-            <a:off x="2333624" y="1447800"/>
-            <a:ext cx="990599" cy="324076"/>
-          </a:xfrm>
-          <a:prstGeom prst="ellipse">
-            <a:avLst/>
-          </a:prstGeom>
-          <a:noFill/>
-          <a:ln w="28575">
-            <a:solidFill>
-              <a:srgbClr val="FF0000"/>
-            </a:solidFill>
-          </a:ln>
-        </p:spPr>
-        <p:style>
-          <a:lnRef idx="2">
-            <a:schemeClr val="accent1">
-              <a:shade val="50000"/>
-            </a:schemeClr>
-          </a:lnRef>
-          <a:fillRef idx="1">
-            <a:schemeClr val="accent1"/>
-          </a:fillRef>
-          <a:effectRef idx="0">
-            <a:schemeClr val="accent1"/>
-          </a:effectRef>
-          <a:fontRef idx="minor">
-            <a:schemeClr val="lt1"/>
-          </a:fontRef>
-        </p:style>
-        <p:txBody>
-          <a:bodyPr rtlCol="0" anchor="ctr"/>
-          <a:lstStyle/>
-          <a:p>
-            <a:pPr algn="ctr"/>
-            <a:endParaRPr lang="en-US"/>
-          </a:p>
-        </p:txBody>
-      </p:sp>
-      <p:sp>
-        <p:nvSpPr>
-          <p:cNvPr id="12" name="Oval 11">
-            <a:extLst>
-              <a:ext uri="{FF2B5EF4-FFF2-40B4-BE49-F238E27FC236}">
-                <a16:creationId xmlns:a16="http://schemas.microsoft.com/office/drawing/2014/main" id="{B41877CC-7E22-47D2-B177-F62D0DB33F9D}"/>
-              </a:ext>
-            </a:extLst>
-          </p:cNvPr>
-          <p:cNvSpPr/>
-          <p:nvPr/>
-        </p:nvSpPr>
-        <p:spPr>
-          <a:xfrm>
-            <a:off x="1495425" y="1743075"/>
-            <a:ext cx="704850" cy="295275"/>
-          </a:xfrm>
-          <a:prstGeom prst="ellipse">
-            <a:avLst/>
-          </a:prstGeom>
-          <a:noFill/>
-          <a:ln w="28575">
-            <a:solidFill>
-              <a:srgbClr val="FF0000"/>
-            </a:solidFill>
-          </a:ln>
-        </p:spPr>
-        <p:style>
-          <a:lnRef idx="2">
-            <a:schemeClr val="accent1">
-              <a:shade val="50000"/>
-            </a:schemeClr>
-          </a:lnRef>
-          <a:fillRef idx="1">
-            <a:schemeClr val="accent1"/>
-          </a:fillRef>
-          <a:effectRef idx="0">
-            <a:schemeClr val="accent1"/>
-          </a:effectRef>
-          <a:fontRef idx="minor">
-            <a:schemeClr val="lt1"/>
-          </a:fontRef>
-        </p:style>
-        <p:txBody>
-          <a:bodyPr rtlCol="0" anchor="ctr"/>
-          <a:lstStyle/>
-          <a:p>
-            <a:pPr algn="ctr"/>
-            <a:endParaRPr lang="en-US"/>
-          </a:p>
-        </p:txBody>
-      </p:sp>
-      <p:sp>
-        <p:nvSpPr>
-          <p:cNvPr id="13" name="Oval 12">
-            <a:extLst>
-              <a:ext uri="{FF2B5EF4-FFF2-40B4-BE49-F238E27FC236}">
-                <a16:creationId xmlns:a16="http://schemas.microsoft.com/office/drawing/2014/main" id="{C3A77FC7-DB5F-474E-B410-EDD71A591054}"/>
-              </a:ext>
-            </a:extLst>
-          </p:cNvPr>
-          <p:cNvSpPr/>
-          <p:nvPr/>
-        </p:nvSpPr>
-        <p:spPr>
-          <a:xfrm>
-            <a:off x="3762375" y="1714726"/>
-            <a:ext cx="1485900" cy="352425"/>
-          </a:xfrm>
-          <a:prstGeom prst="ellipse">
-            <a:avLst/>
-          </a:prstGeom>
-          <a:noFill/>
-          <a:ln w="28575">
-            <a:solidFill>
-              <a:srgbClr val="FF0000"/>
-            </a:solidFill>
-          </a:ln>
-        </p:spPr>
-        <p:style>
-          <a:lnRef idx="2">
-            <a:schemeClr val="accent1">
-              <a:shade val="50000"/>
-            </a:schemeClr>
-          </a:lnRef>
-          <a:fillRef idx="1">
-            <a:schemeClr val="accent1"/>
-          </a:fillRef>
-          <a:effectRef idx="0">
-            <a:schemeClr val="accent1"/>
-          </a:effectRef>
-          <a:fontRef idx="minor">
-            <a:schemeClr val="lt1"/>
-          </a:fontRef>
-        </p:style>
-        <p:txBody>
-          <a:bodyPr rtlCol="0" anchor="ctr"/>
-          <a:lstStyle/>
-          <a:p>
-            <a:pPr algn="ctr"/>
-            <a:endParaRPr lang="en-US"/>
-          </a:p>
-        </p:txBody>
-      </p:sp>
-      <p:sp>
-        <p:nvSpPr>
-          <p:cNvPr id="14" name="Oval 13">
-            <a:extLst>
-              <a:ext uri="{FF2B5EF4-FFF2-40B4-BE49-F238E27FC236}">
-                <a16:creationId xmlns:a16="http://schemas.microsoft.com/office/drawing/2014/main" id="{EB689579-4DDC-45B2-AFDB-B88455C1C685}"/>
-              </a:ext>
-            </a:extLst>
-          </p:cNvPr>
-          <p:cNvSpPr/>
-          <p:nvPr/>
-        </p:nvSpPr>
-        <p:spPr>
-          <a:xfrm>
-            <a:off x="2333624" y="1771876"/>
-            <a:ext cx="990599" cy="228600"/>
-          </a:xfrm>
-          <a:prstGeom prst="ellipse">
-            <a:avLst/>
-          </a:prstGeom>
-          <a:noFill/>
-          <a:ln w="28575">
-            <a:solidFill>
-              <a:srgbClr val="FF0000"/>
-            </a:solidFill>
-          </a:ln>
-        </p:spPr>
-        <p:style>
-          <a:lnRef idx="2">
-            <a:schemeClr val="accent1">
-              <a:shade val="50000"/>
-            </a:schemeClr>
-          </a:lnRef>
-          <a:fillRef idx="1">
-            <a:schemeClr val="accent1"/>
-          </a:fillRef>
-          <a:effectRef idx="0">
-            <a:schemeClr val="accent1"/>
-          </a:effectRef>
-          <a:fontRef idx="minor">
-            <a:schemeClr val="lt1"/>
-          </a:fontRef>
-        </p:style>
-        <p:txBody>
-          <a:bodyPr rtlCol="0" anchor="ctr"/>
-          <a:lstStyle/>
-          <a:p>
-            <a:pPr algn="ctr"/>
-            <a:endParaRPr lang="en-US"/>
-          </a:p>
-        </p:txBody>
-      </p:sp>
-      <p:sp>
-        <p:nvSpPr>
-          <p:cNvPr id="16" name="Rectangle: Rounded Corners 15">
-            <a:extLst>
-              <a:ext uri="{FF2B5EF4-FFF2-40B4-BE49-F238E27FC236}">
-                <a16:creationId xmlns:a16="http://schemas.microsoft.com/office/drawing/2014/main" id="{7167D766-6E1A-4111-BC45-EDCA6A845FBF}"/>
-              </a:ext>
-            </a:extLst>
-          </p:cNvPr>
-          <p:cNvSpPr/>
-          <p:nvPr/>
-        </p:nvSpPr>
-        <p:spPr>
-          <a:xfrm>
-            <a:off x="7501920" y="1002488"/>
-            <a:ext cx="2085975" cy="942975"/>
-          </a:xfrm>
-          <a:prstGeom prst="roundRect">
-            <a:avLst/>
-          </a:prstGeom>
-          <a:noFill/>
-        </p:spPr>
-        <p:style>
-          <a:lnRef idx="2">
-            <a:schemeClr val="accent1">
-              <a:shade val="50000"/>
-            </a:schemeClr>
-          </a:lnRef>
-          <a:fillRef idx="1">
-            <a:schemeClr val="accent1"/>
-          </a:fillRef>
-          <a:effectRef idx="0">
-            <a:schemeClr val="accent1"/>
-          </a:effectRef>
-          <a:fontRef idx="minor">
-            <a:schemeClr val="lt1"/>
-          </a:fontRef>
-        </p:style>
-        <p:txBody>
-          <a:bodyPr rtlCol="0" anchor="ctr">
-            <a:scene3d>
-              <a:camera prst="isometricLeftDown"/>
-              <a:lightRig rig="threePt" dir="t"/>
-            </a:scene3d>
-          </a:bodyPr>
-          <a:lstStyle/>
-          <a:p>
-            <a:pPr algn="ctr"/>
-            <a:r>
-              <a:rPr lang="en-US" sz="4000" dirty="0">
-                <a:effectLst>
-                  <a:glow rad="139700">
-                    <a:schemeClr val="accent5">
-                      <a:satMod val="175000"/>
-                      <a:alpha val="40000"/>
-                    </a:schemeClr>
-                  </a:glow>
-                </a:effectLst>
-              </a:rPr>
-              <a:t>KNN</a:t>
-            </a:r>
-          </a:p>
-        </p:txBody>
-      </p:sp>
-      <p:sp>
-        <p:nvSpPr>
-          <p:cNvPr id="17" name="Rectangle: Rounded Corners 16">
-            <a:extLst>
-              <a:ext uri="{FF2B5EF4-FFF2-40B4-BE49-F238E27FC236}">
-                <a16:creationId xmlns:a16="http://schemas.microsoft.com/office/drawing/2014/main" id="{AD928BA3-0A62-4495-908D-16ACA1109A49}"/>
-              </a:ext>
-            </a:extLst>
-          </p:cNvPr>
-          <p:cNvSpPr/>
-          <p:nvPr/>
-        </p:nvSpPr>
-        <p:spPr>
-          <a:xfrm>
-            <a:off x="7453312" y="3441301"/>
-            <a:ext cx="2190750" cy="1038451"/>
-          </a:xfrm>
-          <a:prstGeom prst="roundRect">
-            <a:avLst/>
-          </a:prstGeom>
-          <a:noFill/>
-        </p:spPr>
-        <p:style>
-          <a:lnRef idx="2">
-            <a:schemeClr val="accent1">
-              <a:shade val="50000"/>
-            </a:schemeClr>
-          </a:lnRef>
-          <a:fillRef idx="1">
-            <a:schemeClr val="accent1"/>
-          </a:fillRef>
-          <a:effectRef idx="0">
-            <a:schemeClr val="accent1"/>
-          </a:effectRef>
-          <a:fontRef idx="minor">
-            <a:schemeClr val="lt1"/>
-          </a:fontRef>
-        </p:style>
-        <p:txBody>
-          <a:bodyPr rtlCol="0" anchor="ctr"/>
-          <a:lstStyle/>
-          <a:p>
-            <a:pPr algn="ctr"/>
-            <a:r>
-              <a:rPr lang="en-US" dirty="0"/>
-              <a:t>NBayes</a:t>
-            </a:r>
-          </a:p>
-        </p:txBody>
-      </p:sp>
-      <p:sp>
-        <p:nvSpPr>
-          <p:cNvPr id="18" name="Oval 17">
-            <a:extLst>
-              <a:ext uri="{FF2B5EF4-FFF2-40B4-BE49-F238E27FC236}">
-                <a16:creationId xmlns:a16="http://schemas.microsoft.com/office/drawing/2014/main" id="{B48DF220-AB77-4AAE-9AD5-9FF1E0DC691D}"/>
-              </a:ext>
-            </a:extLst>
-          </p:cNvPr>
-          <p:cNvSpPr/>
-          <p:nvPr/>
-        </p:nvSpPr>
-        <p:spPr>
-          <a:xfrm>
-            <a:off x="7658100" y="5057775"/>
-            <a:ext cx="1781175" cy="971324"/>
-          </a:xfrm>
-          <a:prstGeom prst="ellipse">
-            <a:avLst/>
-          </a:prstGeom>
-          <a:noFill/>
-        </p:spPr>
-        <p:style>
-          <a:lnRef idx="2">
-            <a:schemeClr val="accent1">
-              <a:shade val="50000"/>
-            </a:schemeClr>
-          </a:lnRef>
-          <a:fillRef idx="1">
-            <a:schemeClr val="accent1"/>
-          </a:fillRef>
-          <a:effectRef idx="0">
-            <a:schemeClr val="accent1"/>
-          </a:effectRef>
-          <a:fontRef idx="minor">
-            <a:schemeClr val="lt1"/>
-          </a:fontRef>
-        </p:style>
-        <p:txBody>
-          <a:bodyPr rtlCol="0" anchor="ctr"/>
-          <a:lstStyle/>
-          <a:p>
-            <a:pPr algn="ctr"/>
-            <a:endParaRPr lang="en-US"/>
-          </a:p>
-        </p:txBody>
-      </p:sp>
-      <p:sp>
-        <p:nvSpPr>
-          <p:cNvPr id="19" name="TextBox 18">
-            <a:extLst>
-              <a:ext uri="{FF2B5EF4-FFF2-40B4-BE49-F238E27FC236}">
-                <a16:creationId xmlns:a16="http://schemas.microsoft.com/office/drawing/2014/main" id="{6006AA40-19FA-40A6-94E0-279DA420C6B7}"/>
-              </a:ext>
-            </a:extLst>
-          </p:cNvPr>
-          <p:cNvSpPr txBox="1"/>
-          <p:nvPr/>
-        </p:nvSpPr>
-        <p:spPr>
-          <a:xfrm>
-            <a:off x="8142950" y="5370183"/>
-            <a:ext cx="856325" cy="369332"/>
-          </a:xfrm>
-          <a:prstGeom prst="rect">
-            <a:avLst/>
-          </a:prstGeom>
-          <a:noFill/>
-        </p:spPr>
-        <p:txBody>
-          <a:bodyPr wrap="none" rtlCol="0">
-            <a:spAutoFit/>
-          </a:bodyPr>
-          <a:lstStyle/>
-          <a:p>
-            <a:r>
-              <a:rPr lang="en-US" dirty="0"/>
-              <a:t>Output</a:t>
-            </a:r>
-          </a:p>
-        </p:txBody>
-      </p:sp>
-      <p:graphicFrame>
-        <p:nvGraphicFramePr>
-          <p:cNvPr id="15" name="Table 14">
-            <a:extLst>
-              <a:ext uri="{FF2B5EF4-FFF2-40B4-BE49-F238E27FC236}">
-                <a16:creationId xmlns:a16="http://schemas.microsoft.com/office/drawing/2014/main" id="{B979411E-A2F3-44F2-90BB-86F9950E1909}"/>
-              </a:ext>
-            </a:extLst>
-          </p:cNvPr>
-          <p:cNvGraphicFramePr>
-            <a:graphicFrameLocks noGrp="1"/>
-          </p:cNvGraphicFramePr>
-          <p:nvPr>
-            <p:extLst>
-              <p:ext uri="{D42A27DB-BD31-4B8C-83A1-F6EECF244321}">
-                <p14:modId xmlns:p14="http://schemas.microsoft.com/office/powerpoint/2010/main" val="279146712"/>
-              </p:ext>
-            </p:extLst>
-          </p:nvPr>
-        </p:nvGraphicFramePr>
-        <p:xfrm>
-          <a:off x="266207" y="3132760"/>
-          <a:ext cx="4749800" cy="2103120"/>
-        </p:xfrm>
-        <a:graphic>
-          <a:graphicData uri="http://schemas.openxmlformats.org/drawingml/2006/table">
-            <a:tbl>
-              <a:tblPr firstRow="1" bandRow="1">
-                <a:tableStyleId>{5940675A-B579-460E-94D1-54222C63F5DA}</a:tableStyleId>
-              </a:tblPr>
-              <a:tblGrid>
-                <a:gridCol w="2374900">
-                  <a:extLst>
-                    <a:ext uri="{9D8B030D-6E8A-4147-A177-3AD203B41FA5}">
-                      <a16:colId xmlns:a16="http://schemas.microsoft.com/office/drawing/2014/main" val="2777832259"/>
-                    </a:ext>
-                  </a:extLst>
-                </a:gridCol>
-                <a:gridCol w="2374900">
-                  <a:extLst>
-                    <a:ext uri="{9D8B030D-6E8A-4147-A177-3AD203B41FA5}">
-                      <a16:colId xmlns:a16="http://schemas.microsoft.com/office/drawing/2014/main" val="3170145925"/>
-                    </a:ext>
-                  </a:extLst>
-                </a:gridCol>
-              </a:tblGrid>
-              <a:tr h="362915">
-                <a:tc>
-                  <a:txBody>
-                    <a:bodyPr/>
-                    <a:lstStyle/>
-                    <a:p>
-                      <a:pPr algn="l"/>
-                      <a:r>
-                        <a:rPr lang="en-US" dirty="0">
-                          <a:ln>
-                            <a:solidFill>
-                              <a:srgbClr val="FF0000"/>
-                            </a:solidFill>
-                          </a:ln>
-                        </a:rPr>
-                        <a:t>Positive</a:t>
-                      </a:r>
-                    </a:p>
-                  </a:txBody>
-                  <a:tcPr>
-                    <a:lnL w="12700" cmpd="sng">
-                      <a:noFill/>
-                    </a:lnL>
-                    <a:lnR w="12700" cmpd="sng">
-                      <a:noFill/>
-                    </a:lnR>
-                    <a:lnT w="12700" cmpd="sng">
-                      <a:noFill/>
-                    </a:lnT>
-                    <a:lnB w="12700" cmpd="sng">
-                      <a:noFill/>
-                    </a:lnB>
-                    <a:lnTlToBr w="12700" cmpd="sng">
-                      <a:noFill/>
-                      <a:prstDash val="solid"/>
-                    </a:lnTlToBr>
-                    <a:lnBlToTr w="12700" cmpd="sng">
-                      <a:noFill/>
-                      <a:prstDash val="solid"/>
-                    </a:lnBlToTr>
-                  </a:tcPr>
-                </a:tc>
-                <a:tc>
-                  <a:txBody>
-                    <a:bodyPr/>
-                    <a:lstStyle/>
-                    <a:p>
-                      <a:r>
-                        <a:rPr lang="en-US" dirty="0">
-                          <a:ln>
-                            <a:solidFill>
-                              <a:srgbClr val="FF0000"/>
-                            </a:solidFill>
-                          </a:ln>
-                        </a:rPr>
-                        <a:t>Negative</a:t>
-                      </a:r>
-                    </a:p>
-                  </a:txBody>
-                  <a:tcPr>
-                    <a:lnL w="12700" cmpd="sng">
-                      <a:noFill/>
-                    </a:lnL>
-                    <a:lnR w="12700" cmpd="sng">
-                      <a:noFill/>
-                    </a:lnR>
-                    <a:lnT w="12700" cmpd="sng">
-                      <a:noFill/>
-                    </a:lnT>
-                    <a:lnB w="12700" cmpd="sng">
-                      <a:noFill/>
-                    </a:lnB>
-                    <a:lnTlToBr w="12700" cmpd="sng">
-                      <a:noFill/>
-                      <a:prstDash val="solid"/>
-                    </a:lnTlToBr>
-                    <a:lnBlToTr w="12700" cmpd="sng">
-                      <a:noFill/>
-                      <a:prstDash val="solid"/>
-                    </a:lnBlToTr>
-                  </a:tcPr>
-                </a:tc>
-                <a:extLst>
-                  <a:ext uri="{0D108BD9-81ED-4DB2-BD59-A6C34878D82A}">
-                    <a16:rowId xmlns:a16="http://schemas.microsoft.com/office/drawing/2014/main" val="1863859697"/>
-                  </a:ext>
-                </a:extLst>
-              </a:tr>
-              <a:tr h="830475">
-                <a:tc>
-                  <a:txBody>
-                    <a:bodyPr/>
-                    <a:lstStyle/>
-                    <a:p>
-                      <a:r>
-                        <a:rPr lang="en-US" dirty="0">
-                          <a:ln>
-                            <a:solidFill>
-                              <a:srgbClr val="FF0000"/>
-                            </a:solidFill>
-                          </a:ln>
-                          <a:solidFill>
-                            <a:schemeClr val="bg1"/>
-                          </a:solidFill>
-                        </a:rPr>
-                        <a:t>earned</a:t>
-                      </a:r>
-                    </a:p>
-                  </a:txBody>
-                  <a:tcPr>
-                    <a:lnL w="12700" cmpd="sng">
-                      <a:noFill/>
-                    </a:lnL>
-                    <a:lnR w="12700" cmpd="sng">
-                      <a:noFill/>
-                    </a:lnR>
-                    <a:lnT w="12700" cmpd="sng">
-                      <a:noFill/>
-                    </a:lnT>
-                    <a:lnB w="12700" cmpd="sng">
-                      <a:noFill/>
-                    </a:lnB>
-                    <a:lnTlToBr w="12700" cmpd="sng">
-                      <a:noFill/>
-                      <a:prstDash val="solid"/>
-                    </a:lnTlToBr>
-                    <a:lnBlToTr w="12700" cmpd="sng">
-                      <a:noFill/>
-                      <a:prstDash val="solid"/>
-                    </a:lnBlToTr>
-                  </a:tcPr>
-                </a:tc>
-                <a:tc>
-                  <a:txBody>
-                    <a:bodyPr/>
-                    <a:lstStyle/>
-                    <a:p>
-                      <a:r>
-                        <a:rPr lang="en-US" dirty="0">
-                          <a:ln>
-                            <a:solidFill>
-                              <a:srgbClr val="FF0000"/>
-                            </a:solidFill>
-                          </a:ln>
-                          <a:solidFill>
-                            <a:schemeClr val="bg1"/>
-                          </a:solidFill>
-                        </a:rPr>
-                        <a:t>Squandered</a:t>
-                      </a:r>
-                    </a:p>
-                    <a:p>
-                      <a:r>
-                        <a:rPr lang="en-US" dirty="0">
-                          <a:ln>
-                            <a:solidFill>
-                              <a:srgbClr val="FF0000"/>
-                            </a:solidFill>
-                          </a:ln>
-                          <a:solidFill>
-                            <a:schemeClr val="bg1"/>
-                          </a:solidFill>
-                        </a:rPr>
-                        <a:t>Frustration</a:t>
-                      </a:r>
-                    </a:p>
-                    <a:p>
-                      <a:r>
-                        <a:rPr lang="en-US" dirty="0">
-                          <a:ln>
-                            <a:solidFill>
-                              <a:srgbClr val="FF0000"/>
-                            </a:solidFill>
-                          </a:ln>
-                          <a:solidFill>
-                            <a:schemeClr val="bg1"/>
-                          </a:solidFill>
-                        </a:rPr>
-                        <a:t>Annoyance</a:t>
-                      </a:r>
-                    </a:p>
-                    <a:p>
-                      <a:r>
-                        <a:rPr lang="en-US" dirty="0">
-                          <a:ln>
-                            <a:solidFill>
-                              <a:srgbClr val="FF0000"/>
-                            </a:solidFill>
-                          </a:ln>
-                          <a:solidFill>
-                            <a:schemeClr val="bg1"/>
-                          </a:solidFill>
-                        </a:rPr>
-                        <a:t>Soaked</a:t>
-                      </a:r>
-                    </a:p>
-                    <a:p>
-                      <a:r>
-                        <a:rPr lang="en-US" dirty="0">
-                          <a:ln>
-                            <a:solidFill>
-                              <a:srgbClr val="FF0000"/>
-                            </a:solidFill>
-                          </a:ln>
-                          <a:solidFill>
-                            <a:schemeClr val="bg1"/>
-                          </a:solidFill>
-                        </a:rPr>
-                        <a:t>Corruption</a:t>
-                      </a:r>
-                    </a:p>
-                    <a:p>
-                      <a:r>
-                        <a:rPr lang="en-US" dirty="0">
-                          <a:ln>
-                            <a:solidFill>
-                              <a:srgbClr val="FF0000"/>
-                            </a:solidFill>
-                          </a:ln>
-                          <a:solidFill>
-                            <a:schemeClr val="bg1"/>
-                          </a:solidFill>
-                        </a:rPr>
-                        <a:t>Non-governance</a:t>
-                      </a:r>
-                    </a:p>
-                  </a:txBody>
-                  <a:tcPr>
-                    <a:lnL w="12700" cmpd="sng">
-                      <a:noFill/>
-                    </a:lnL>
-                    <a:lnR w="12700" cmpd="sng">
-                      <a:noFill/>
-                    </a:lnR>
-                    <a:lnT w="12700" cmpd="sng">
-                      <a:noFill/>
-                    </a:lnT>
-                    <a:lnB w="12700" cmpd="sng">
-                      <a:noFill/>
-                    </a:lnB>
-                    <a:lnTlToBr w="12700" cmpd="sng">
-                      <a:noFill/>
-                      <a:prstDash val="solid"/>
-                    </a:lnTlToBr>
-                    <a:lnBlToTr w="12700" cmpd="sng">
-                      <a:noFill/>
-                      <a:prstDash val="solid"/>
-                    </a:lnBlToTr>
-                  </a:tcPr>
-                </a:tc>
-                <a:extLst>
-                  <a:ext uri="{0D108BD9-81ED-4DB2-BD59-A6C34878D82A}">
-                    <a16:rowId xmlns:a16="http://schemas.microsoft.com/office/drawing/2014/main" val="566771670"/>
-                  </a:ext>
-                </a:extLst>
-              </a:tr>
-            </a:tbl>
-          </a:graphicData>
-        </a:graphic>
-      </p:graphicFrame>
-      <p:sp>
-        <p:nvSpPr>
-          <p:cNvPr id="20" name="Rectangle 19">
-            <a:extLst>
-              <a:ext uri="{FF2B5EF4-FFF2-40B4-BE49-F238E27FC236}">
-                <a16:creationId xmlns:a16="http://schemas.microsoft.com/office/drawing/2014/main" id="{3914D6D5-4C46-4FD4-B90A-9DC485F955F3}"/>
-              </a:ext>
-            </a:extLst>
-          </p:cNvPr>
-          <p:cNvSpPr/>
-          <p:nvPr/>
-        </p:nvSpPr>
-        <p:spPr>
-          <a:xfrm>
-            <a:off x="256680" y="3132760"/>
-            <a:ext cx="4277221" cy="2237423"/>
-          </a:xfrm>
-          <a:prstGeom prst="rect">
-            <a:avLst/>
-          </a:prstGeom>
-          <a:noFill/>
-        </p:spPr>
-        <p:style>
-          <a:lnRef idx="2">
-            <a:schemeClr val="accent1">
-              <a:shade val="50000"/>
-            </a:schemeClr>
-          </a:lnRef>
-          <a:fillRef idx="1">
-            <a:schemeClr val="accent1"/>
-          </a:fillRef>
-          <a:effectRef idx="0">
-            <a:schemeClr val="accent1"/>
-          </a:effectRef>
-          <a:fontRef idx="minor">
-            <a:schemeClr val="lt1"/>
-          </a:fontRef>
-        </p:style>
-        <p:txBody>
-          <a:bodyPr rtlCol="0" anchor="ctr"/>
-          <a:lstStyle/>
-          <a:p>
-            <a:pPr algn="ctr"/>
-            <a:endParaRPr lang="en-US"/>
-          </a:p>
-        </p:txBody>
-      </p:sp>
-      <p:cxnSp>
-        <p:nvCxnSpPr>
-          <p:cNvPr id="22" name="Straight Arrow Connector 21">
-            <a:extLst>
-              <a:ext uri="{FF2B5EF4-FFF2-40B4-BE49-F238E27FC236}">
-                <a16:creationId xmlns:a16="http://schemas.microsoft.com/office/drawing/2014/main" id="{DD2C5700-9739-4028-BD08-8BB427B52094}"/>
-              </a:ext>
-            </a:extLst>
-          </p:cNvPr>
-          <p:cNvCxnSpPr>
-            <a:stCxn id="9" idx="4"/>
-          </p:cNvCxnSpPr>
-          <p:nvPr/>
-        </p:nvCxnSpPr>
-        <p:spPr>
-          <a:xfrm>
-            <a:off x="761507" y="1743075"/>
-            <a:ext cx="657718" cy="1466850"/>
-          </a:xfrm>
-          <a:prstGeom prst="straightConnector1">
-            <a:avLst/>
-          </a:prstGeom>
-          <a:ln>
-            <a:tailEnd type="triangle"/>
-          </a:ln>
-        </p:spPr>
-        <p:style>
-          <a:lnRef idx="3">
-            <a:schemeClr val="dk1"/>
-          </a:lnRef>
-          <a:fillRef idx="0">
-            <a:schemeClr val="dk1"/>
-          </a:fillRef>
-          <a:effectRef idx="2">
-            <a:schemeClr val="dk1"/>
-          </a:effectRef>
-          <a:fontRef idx="minor">
-            <a:schemeClr val="tx1"/>
-          </a:fontRef>
-        </p:style>
-      </p:cxnSp>
-      <p:cxnSp>
-        <p:nvCxnSpPr>
-          <p:cNvPr id="24" name="Straight Arrow Connector 23">
-            <a:extLst>
-              <a:ext uri="{FF2B5EF4-FFF2-40B4-BE49-F238E27FC236}">
-                <a16:creationId xmlns:a16="http://schemas.microsoft.com/office/drawing/2014/main" id="{C8F8B407-CB02-4EF4-98DC-6BCF08657A4C}"/>
-              </a:ext>
-            </a:extLst>
-          </p:cNvPr>
-          <p:cNvCxnSpPr/>
-          <p:nvPr/>
-        </p:nvCxnSpPr>
-        <p:spPr>
-          <a:xfrm flipH="1">
-            <a:off x="3409949" y="2070834"/>
-            <a:ext cx="914402" cy="1209449"/>
-          </a:xfrm>
-          <a:prstGeom prst="straightConnector1">
-            <a:avLst/>
-          </a:prstGeom>
-          <a:ln>
-            <a:tailEnd type="triangle"/>
-          </a:ln>
-        </p:spPr>
-        <p:style>
-          <a:lnRef idx="3">
-            <a:schemeClr val="dk1"/>
-          </a:lnRef>
-          <a:fillRef idx="0">
-            <a:schemeClr val="dk1"/>
-          </a:fillRef>
-          <a:effectRef idx="2">
-            <a:schemeClr val="dk1"/>
-          </a:effectRef>
-          <a:fontRef idx="minor">
-            <a:schemeClr val="tx1"/>
-          </a:fontRef>
-        </p:style>
-      </p:cxnSp>
-      <p:cxnSp>
-        <p:nvCxnSpPr>
-          <p:cNvPr id="26" name="Straight Arrow Connector 25">
-            <a:extLst>
-              <a:ext uri="{FF2B5EF4-FFF2-40B4-BE49-F238E27FC236}">
-                <a16:creationId xmlns:a16="http://schemas.microsoft.com/office/drawing/2014/main" id="{1D44A73F-6DFA-4DC2-9FDF-3FFB35666A3E}"/>
-              </a:ext>
-            </a:extLst>
-          </p:cNvPr>
-          <p:cNvCxnSpPr/>
-          <p:nvPr/>
-        </p:nvCxnSpPr>
-        <p:spPr>
-          <a:xfrm flipV="1">
-            <a:off x="4401040" y="1392690"/>
-            <a:ext cx="3152775" cy="2047762"/>
-          </a:xfrm>
-          <a:prstGeom prst="straightConnector1">
-            <a:avLst/>
-          </a:prstGeom>
-          <a:ln>
-            <a:tailEnd type="triangle"/>
-          </a:ln>
-        </p:spPr>
-        <p:style>
-          <a:lnRef idx="3">
-            <a:schemeClr val="dk1"/>
-          </a:lnRef>
-          <a:fillRef idx="0">
-            <a:schemeClr val="dk1"/>
-          </a:fillRef>
-          <a:effectRef idx="2">
-            <a:schemeClr val="dk1"/>
-          </a:effectRef>
-          <a:fontRef idx="minor">
-            <a:schemeClr val="tx1"/>
-          </a:fontRef>
-        </p:style>
-      </p:cxnSp>
-      <p:cxnSp>
-        <p:nvCxnSpPr>
-          <p:cNvPr id="28" name="Straight Arrow Connector 27">
-            <a:extLst>
-              <a:ext uri="{FF2B5EF4-FFF2-40B4-BE49-F238E27FC236}">
-                <a16:creationId xmlns:a16="http://schemas.microsoft.com/office/drawing/2014/main" id="{ADD3AD0C-81F3-4EC5-AF53-2B5B646E6DA3}"/>
-              </a:ext>
-            </a:extLst>
-          </p:cNvPr>
-          <p:cNvCxnSpPr/>
-          <p:nvPr/>
-        </p:nvCxnSpPr>
-        <p:spPr>
-          <a:xfrm>
-            <a:off x="8620125" y="1718353"/>
-            <a:ext cx="0" cy="1914412"/>
-          </a:xfrm>
-          <a:prstGeom prst="straightConnector1">
-            <a:avLst/>
-          </a:prstGeom>
-          <a:ln>
-            <a:tailEnd type="triangle"/>
-          </a:ln>
-        </p:spPr>
-        <p:style>
-          <a:lnRef idx="3">
-            <a:schemeClr val="dk1"/>
-          </a:lnRef>
-          <a:fillRef idx="0">
-            <a:schemeClr val="dk1"/>
-          </a:fillRef>
-          <a:effectRef idx="2">
-            <a:schemeClr val="dk1"/>
-          </a:effectRef>
-          <a:fontRef idx="minor">
-            <a:schemeClr val="tx1"/>
-          </a:fontRef>
-        </p:style>
-      </p:cxnSp>
-      <p:cxnSp>
-        <p:nvCxnSpPr>
-          <p:cNvPr id="30" name="Straight Arrow Connector 29">
-            <a:extLst>
-              <a:ext uri="{FF2B5EF4-FFF2-40B4-BE49-F238E27FC236}">
-                <a16:creationId xmlns:a16="http://schemas.microsoft.com/office/drawing/2014/main" id="{C98741EF-F99D-4026-9882-E38359C3D3DE}"/>
-              </a:ext>
-            </a:extLst>
-          </p:cNvPr>
-          <p:cNvCxnSpPr/>
-          <p:nvPr/>
-        </p:nvCxnSpPr>
-        <p:spPr>
-          <a:xfrm>
-            <a:off x="8610600" y="4251471"/>
-            <a:ext cx="9525" cy="984409"/>
-          </a:xfrm>
-          <a:prstGeom prst="straightConnector1">
-            <a:avLst/>
-          </a:prstGeom>
-          <a:ln>
-            <a:tailEnd type="triangle"/>
-          </a:ln>
-        </p:spPr>
-        <p:style>
-          <a:lnRef idx="3">
-            <a:schemeClr val="dk1"/>
-          </a:lnRef>
-          <a:fillRef idx="0">
-            <a:schemeClr val="dk1"/>
-          </a:fillRef>
-          <a:effectRef idx="2">
-            <a:schemeClr val="dk1"/>
-          </a:effectRef>
-          <a:fontRef idx="minor">
-            <a:schemeClr val="tx1"/>
-          </a:fontRef>
-        </p:style>
-      </p:cxnSp>
-      <p:sp>
-        <p:nvSpPr>
-          <p:cNvPr id="31" name="TextBox 30">
-            <a:extLst>
-              <a:ext uri="{FF2B5EF4-FFF2-40B4-BE49-F238E27FC236}">
-                <a16:creationId xmlns:a16="http://schemas.microsoft.com/office/drawing/2014/main" id="{EA8E3575-C73D-4A71-8B04-F68B19853DFB}"/>
-              </a:ext>
-            </a:extLst>
-          </p:cNvPr>
-          <p:cNvSpPr txBox="1"/>
-          <p:nvPr/>
-        </p:nvSpPr>
-        <p:spPr>
-          <a:xfrm>
-            <a:off x="600075" y="5562600"/>
-            <a:ext cx="1170064" cy="369332"/>
-          </a:xfrm>
-          <a:prstGeom prst="rect">
-            <a:avLst/>
-          </a:prstGeom>
-          <a:noFill/>
-        </p:spPr>
-        <p:txBody>
-          <a:bodyPr wrap="none" rtlCol="0">
-            <a:spAutoFit/>
-          </a:bodyPr>
-          <a:lstStyle/>
-          <a:p>
-            <a:r>
-              <a:rPr lang="en-US" dirty="0"/>
-              <a:t>P(Positive)</a:t>
-            </a:r>
-          </a:p>
-        </p:txBody>
-      </p:sp>
-      <p:sp>
-        <p:nvSpPr>
-          <p:cNvPr id="32" name="TextBox 31">
-            <a:extLst>
-              <a:ext uri="{FF2B5EF4-FFF2-40B4-BE49-F238E27FC236}">
-                <a16:creationId xmlns:a16="http://schemas.microsoft.com/office/drawing/2014/main" id="{F6402D52-1FD0-4637-821E-07394FBF28A0}"/>
-              </a:ext>
-            </a:extLst>
-          </p:cNvPr>
-          <p:cNvSpPr txBox="1"/>
-          <p:nvPr/>
-        </p:nvSpPr>
-        <p:spPr>
-          <a:xfrm>
-            <a:off x="2828923" y="5554849"/>
-            <a:ext cx="1269258" cy="369332"/>
-          </a:xfrm>
-          <a:prstGeom prst="rect">
-            <a:avLst/>
-          </a:prstGeom>
-          <a:noFill/>
-        </p:spPr>
-        <p:txBody>
-          <a:bodyPr wrap="none" rtlCol="0">
-            <a:spAutoFit/>
-          </a:bodyPr>
-          <a:lstStyle/>
-          <a:p>
-            <a:r>
-              <a:rPr lang="en-US" dirty="0"/>
-              <a:t>P(Negative)</a:t>
-            </a:r>
-          </a:p>
-        </p:txBody>
-      </p:sp>
-      <p:pic>
-        <p:nvPicPr>
-          <p:cNvPr id="25" name="Picture 24">
-            <a:extLst>
-              <a:ext uri="{FF2B5EF4-FFF2-40B4-BE49-F238E27FC236}">
-                <a16:creationId xmlns:a16="http://schemas.microsoft.com/office/drawing/2014/main" id="{62E92EB5-0707-4330-AB29-5E5F93F541DE}"/>
-              </a:ext>
-            </a:extLst>
-          </p:cNvPr>
-          <p:cNvPicPr>
-            <a:picLocks noChangeAspect="1"/>
-          </p:cNvPicPr>
-          <p:nvPr/>
-        </p:nvPicPr>
-        <p:blipFill>
-          <a:blip r:embed="rId3">
-            <a:extLst>
-              <a:ext uri="{28A0092B-C50C-407E-A947-70E740481C1C}">
-                <a14:useLocalDpi xmlns:a14="http://schemas.microsoft.com/office/drawing/2010/main" val="0"/>
-              </a:ext>
-            </a:extLst>
-          </a:blip>
-          <a:stretch>
-            <a:fillRect/>
-          </a:stretch>
-        </p:blipFill>
-        <p:spPr>
-          <a:xfrm>
-            <a:off x="0" y="0"/>
-            <a:ext cx="1533525" cy="1533525"/>
-          </a:xfrm>
-          <a:prstGeom prst="rect">
-            <a:avLst/>
-          </a:prstGeom>
-        </p:spPr>
-      </p:pic>
     </p:spTree>
     <p:extLst>
       <p:ext uri="{BB962C8B-B14F-4D97-AF65-F5344CB8AC3E}">
-        <p14:creationId xmlns:p14="http://schemas.microsoft.com/office/powerpoint/2010/main" val="4212483736"/>
+        <p14:creationId xmlns:p14="http://schemas.microsoft.com/office/powerpoint/2010/main" val="1057657471"/>
       </p:ext>
     </p:extLst>
   </p:cSld>
@@ -4959,10 +3842,10 @@
       </p:grpSpPr>
       <p:sp>
         <p:nvSpPr>
-          <p:cNvPr id="3" name="Content Placeholder 2">
+          <p:cNvPr id="2" name="Title 1">
             <a:extLst>
               <a:ext uri="{FF2B5EF4-FFF2-40B4-BE49-F238E27FC236}">
-                <a16:creationId xmlns:a16="http://schemas.microsoft.com/office/drawing/2014/main" id="{57BF7233-BA9C-4B84-9653-43DD18BA7004}"/>
+                <a16:creationId xmlns:a16="http://schemas.microsoft.com/office/drawing/2014/main" id="{21BA8E23-6D1F-4839-9D65-619FEEF97FC0}"/>
               </a:ext>
             </a:extLst>
           </p:cNvPr>
@@ -4970,78 +3853,21 @@
             <a:spLocks noGrp="1"/>
           </p:cNvSpPr>
           <p:nvPr>
-            <p:ph idx="1"/>
-          </p:nvPr>
-        </p:nvSpPr>
-        <p:spPr>
-          <a:xfrm>
-            <a:off x="1524000" y="1533525"/>
-            <a:ext cx="9144000" cy="4351338"/>
-          </a:xfrm>
-        </p:spPr>
-        <p:txBody>
-          <a:bodyPr/>
-          <a:lstStyle/>
-          <a:p>
-            <a:pPr marL="0" lvl="0" indent="0" algn="ctr">
-              <a:buNone/>
-            </a:pPr>
-            <a:r>
-              <a:rPr lang="en-US" b="1" dirty="0"/>
-              <a:t>Technologies to be used</a:t>
-            </a:r>
-          </a:p>
-          <a:p>
-            <a:pPr lvl="0"/>
-            <a:endParaRPr lang="en-US" sz="2400" dirty="0"/>
-          </a:p>
-          <a:p>
-            <a:pPr lvl="0"/>
-            <a:r>
-              <a:rPr lang="en-US" sz="2400" dirty="0"/>
-              <a:t>Java for Android development</a:t>
-            </a:r>
-          </a:p>
-          <a:p>
-            <a:pPr lvl="0"/>
-            <a:endParaRPr lang="en-US" sz="2400" dirty="0"/>
-          </a:p>
-          <a:p>
-            <a:pPr lvl="0"/>
-            <a:r>
-              <a:rPr lang="en-US" sz="2400" dirty="0"/>
-              <a:t>Twitter Developer API to extract twitter data</a:t>
-            </a:r>
-          </a:p>
-          <a:p>
-            <a:pPr lvl="0"/>
-            <a:endParaRPr lang="en-US" sz="2400" dirty="0"/>
-          </a:p>
-          <a:p>
-            <a:pPr lvl="0"/>
-            <a:r>
-              <a:rPr lang="en-US" sz="2400" dirty="0"/>
-              <a:t>Java for KNN and  </a:t>
-            </a:r>
-            <a:r>
-              <a:rPr lang="en-US" sz="2400" dirty="0" err="1"/>
-              <a:t>Nbayes</a:t>
-            </a:r>
-            <a:endParaRPr lang="en-US" sz="2400" dirty="0"/>
-          </a:p>
-          <a:p>
-            <a:pPr lvl="0"/>
-            <a:endParaRPr lang="en-US" sz="2400" dirty="0"/>
-          </a:p>
-          <a:p>
-            <a:pPr lvl="0"/>
-            <a:r>
-              <a:rPr lang="en-US" sz="2400" dirty="0"/>
-              <a:t>XML for Android UI</a:t>
-            </a:r>
-          </a:p>
-          <a:p>
-            <a:endParaRPr lang="en-US" dirty="0"/>
+            <p:ph type="title"/>
+          </p:nvPr>
+        </p:nvSpPr>
+        <p:spPr/>
+        <p:txBody>
+          <a:bodyPr>
+            <a:normAutofit/>
+          </a:bodyPr>
+          <a:lstStyle/>
+          <a:p>
+            <a:pPr algn="ctr"/>
+            <a:r>
+              <a:rPr lang="en-US" sz="4000" b="1" dirty="0"/>
+              <a:t>Tools Used</a:t>
+            </a:r>
           </a:p>
         </p:txBody>
       </p:sp>
@@ -5050,7 +3876,7 @@
           <p:cNvPr id="4" name="Slide Number Placeholder 3">
             <a:extLst>
               <a:ext uri="{FF2B5EF4-FFF2-40B4-BE49-F238E27FC236}">
-                <a16:creationId xmlns:a16="http://schemas.microsoft.com/office/drawing/2014/main" id="{9CE33D09-309D-4447-BD45-97E82E7E6A56}"/>
+                <a16:creationId xmlns:a16="http://schemas.microsoft.com/office/drawing/2014/main" id="{3ACC9D0D-B8BF-4BCC-B046-2A93AF30EDC5}"/>
               </a:ext>
             </a:extLst>
           </p:cNvPr>
@@ -5074,46 +3900,68 @@
           </a:p>
         </p:txBody>
       </p:sp>
-      <p:pic>
-        <p:nvPicPr>
-          <p:cNvPr id="5" name="Picture 4">
+      <p:sp>
+        <p:nvSpPr>
+          <p:cNvPr id="15" name="Content Placeholder 14">
             <a:extLst>
               <a:ext uri="{FF2B5EF4-FFF2-40B4-BE49-F238E27FC236}">
-                <a16:creationId xmlns:a16="http://schemas.microsoft.com/office/drawing/2014/main" id="{40453854-9EA3-4F48-B29C-2FFB92753E67}"/>
+                <a16:creationId xmlns:a16="http://schemas.microsoft.com/office/drawing/2014/main" id="{39E6B08E-4639-40DF-B639-F7CB8288E442}"/>
               </a:ext>
             </a:extLst>
           </p:cNvPr>
-          <p:cNvPicPr>
-            <a:picLocks noChangeAspect="1"/>
-          </p:cNvPicPr>
-          <p:nvPr/>
-        </p:nvPicPr>
-        <p:blipFill>
-          <a:blip r:embed="rId2">
-            <a:extLst>
-              <a:ext uri="{28A0092B-C50C-407E-A947-70E740481C1C}">
-                <a14:useLocalDpi xmlns:a14="http://schemas.microsoft.com/office/drawing/2010/main" val="0"/>
-              </a:ext>
-            </a:extLst>
-          </a:blip>
-          <a:stretch>
-            <a:fillRect/>
-          </a:stretch>
-        </p:blipFill>
-        <p:spPr>
-          <a:xfrm>
-            <a:off x="0" y="0"/>
-            <a:ext cx="1533525" cy="1533525"/>
-          </a:xfrm>
-          <a:prstGeom prst="rect">
-            <a:avLst/>
-          </a:prstGeom>
-        </p:spPr>
-      </p:pic>
+          <p:cNvSpPr>
+            <a:spLocks noGrp="1"/>
+          </p:cNvSpPr>
+          <p:nvPr>
+            <p:ph idx="1"/>
+          </p:nvPr>
+        </p:nvSpPr>
+        <p:spPr/>
+        <p:txBody>
+          <a:bodyPr/>
+          <a:lstStyle/>
+          <a:p>
+            <a:r>
+              <a:rPr lang="en-US" dirty="0"/>
+              <a:t>Android Emulator</a:t>
+            </a:r>
+          </a:p>
+          <a:p>
+            <a:r>
+              <a:rPr lang="en-US" dirty="0"/>
+              <a:t>Android Studio</a:t>
+            </a:r>
+          </a:p>
+          <a:p>
+            <a:r>
+              <a:rPr lang="en-US" dirty="0"/>
+              <a:t>Draw.io</a:t>
+            </a:r>
+          </a:p>
+          <a:p>
+            <a:r>
+              <a:rPr lang="en-US" dirty="0"/>
+              <a:t>Figma</a:t>
+            </a:r>
+          </a:p>
+          <a:p>
+            <a:r>
+              <a:rPr lang="en-US" dirty="0"/>
+              <a:t>GitHub</a:t>
+            </a:r>
+          </a:p>
+          <a:p>
+            <a:r>
+              <a:rPr lang="en-US" dirty="0"/>
+              <a:t>Microsoft Visio</a:t>
+            </a:r>
+          </a:p>
+        </p:txBody>
+      </p:sp>
     </p:spTree>
     <p:extLst>
       <p:ext uri="{BB962C8B-B14F-4D97-AF65-F5344CB8AC3E}">
-        <p14:creationId xmlns:p14="http://schemas.microsoft.com/office/powerpoint/2010/main" val="774004927"/>
+        <p14:creationId xmlns:p14="http://schemas.microsoft.com/office/powerpoint/2010/main" val="1997924254"/>
       </p:ext>
     </p:extLst>
   </p:cSld>
@@ -5142,10 +3990,10 @@
       </p:grpSpPr>
       <p:sp>
         <p:nvSpPr>
-          <p:cNvPr id="3" name="Subtitle 2">
+          <p:cNvPr id="2" name="Title 1">
             <a:extLst>
               <a:ext uri="{FF2B5EF4-FFF2-40B4-BE49-F238E27FC236}">
-                <a16:creationId xmlns:a16="http://schemas.microsoft.com/office/drawing/2014/main" id="{623ED6C3-BE80-4039-86AB-17AE16A980CF}"/>
+                <a16:creationId xmlns:a16="http://schemas.microsoft.com/office/drawing/2014/main" id="{9632D569-54FE-47CF-8AB7-560706D1C6F0}"/>
               </a:ext>
             </a:extLst>
           </p:cNvPr>
@@ -5153,104 +4001,20 @@
             <a:spLocks noGrp="1"/>
           </p:cNvSpPr>
           <p:nvPr>
-            <p:ph type="subTitle" idx="1"/>
-          </p:nvPr>
-        </p:nvSpPr>
-        <p:spPr>
-          <a:xfrm>
-            <a:off x="1524000" y="1533525"/>
-            <a:ext cx="9144000" cy="4176346"/>
-          </a:xfrm>
-        </p:spPr>
+            <p:ph type="title"/>
+          </p:nvPr>
+        </p:nvSpPr>
+        <p:spPr/>
         <p:txBody>
           <a:bodyPr>
             <a:normAutofit/>
           </a:bodyPr>
           <a:lstStyle/>
           <a:p>
-            <a:r>
-              <a:rPr lang="en-US" sz="2800" b="1" dirty="0"/>
-              <a:t>Tools  Used</a:t>
-            </a:r>
-          </a:p>
-          <a:p>
-            <a:pPr marL="342900" indent="-342900" algn="l">
-              <a:buFont typeface="Arial" panose="020B0604020202020204" pitchFamily="34" charset="0"/>
-              <a:buChar char="•"/>
-            </a:pPr>
-            <a:r>
-              <a:rPr lang="en-US" dirty="0"/>
-              <a:t>Figma</a:t>
-            </a:r>
-          </a:p>
-          <a:p>
-            <a:pPr marL="342900" indent="-342900" algn="l">
-              <a:buFont typeface="Arial" panose="020B0604020202020204" pitchFamily="34" charset="0"/>
-              <a:buChar char="•"/>
-            </a:pPr>
-            <a:r>
-              <a:rPr lang="en-US" dirty="0"/>
-              <a:t>Edraw</a:t>
-            </a:r>
-          </a:p>
-          <a:p>
-            <a:pPr marL="342900" indent="-342900" algn="l">
-              <a:buFont typeface="Arial" panose="020B0604020202020204" pitchFamily="34" charset="0"/>
-              <a:buChar char="•"/>
-            </a:pPr>
-            <a:r>
-              <a:rPr lang="en-US" dirty="0"/>
-              <a:t>Github</a:t>
-            </a:r>
-          </a:p>
-          <a:p>
-            <a:pPr marL="342900" indent="-342900" algn="l">
-              <a:buFont typeface="Arial" panose="020B0604020202020204" pitchFamily="34" charset="0"/>
-              <a:buChar char="•"/>
-            </a:pPr>
-            <a:r>
-              <a:rPr lang="en-US" dirty="0"/>
-              <a:t>Android Emulator</a:t>
-            </a:r>
-          </a:p>
-          <a:p>
-            <a:pPr marL="342900" indent="-342900" algn="l">
-              <a:buFont typeface="Arial" panose="020B0604020202020204" pitchFamily="34" charset="0"/>
-              <a:buChar char="•"/>
-            </a:pPr>
-            <a:r>
-              <a:rPr lang="en-US" dirty="0"/>
-              <a:t>Android Studio</a:t>
-            </a:r>
-          </a:p>
-          <a:p>
-            <a:pPr marL="342900" indent="-342900" algn="l">
-              <a:buFont typeface="Arial" panose="020B0604020202020204" pitchFamily="34" charset="0"/>
-              <a:buChar char="•"/>
-            </a:pPr>
-            <a:r>
-              <a:rPr lang="en-US" dirty="0"/>
-              <a:t>Microsoft Word</a:t>
-            </a:r>
-          </a:p>
-          <a:p>
-            <a:pPr marL="342900" indent="-342900" algn="l">
-              <a:buFont typeface="Arial" panose="020B0604020202020204" pitchFamily="34" charset="0"/>
-              <a:buChar char="•"/>
-            </a:pPr>
-            <a:r>
-              <a:rPr lang="en-US" dirty="0"/>
-              <a:t>MS Powerpoint</a:t>
-            </a:r>
-          </a:p>
-          <a:p>
-            <a:pPr marL="342900" indent="-342900" algn="l">
-              <a:buFont typeface="Arial" panose="020B0604020202020204" pitchFamily="34" charset="0"/>
-              <a:buChar char="•"/>
-            </a:pPr>
-            <a:r>
-              <a:rPr lang="en-US" dirty="0"/>
-              <a:t>Google Chrome</a:t>
+            <a:pPr algn="ctr"/>
+            <a:r>
+              <a:rPr lang="en-US" sz="4000" b="1" dirty="0"/>
+              <a:t>Technologies Used</a:t>
             </a:r>
           </a:p>
         </p:txBody>
@@ -5260,7 +4024,7 @@
           <p:cNvPr id="4" name="Slide Number Placeholder 3">
             <a:extLst>
               <a:ext uri="{FF2B5EF4-FFF2-40B4-BE49-F238E27FC236}">
-                <a16:creationId xmlns:a16="http://schemas.microsoft.com/office/drawing/2014/main" id="{B2823603-617C-4E6B-B5A9-AD953D5AADC0}"/>
+                <a16:creationId xmlns:a16="http://schemas.microsoft.com/office/drawing/2014/main" id="{BCFB167F-24CA-45FA-94E7-9C5F758F554B}"/>
               </a:ext>
             </a:extLst>
           </p:cNvPr>
@@ -5284,46 +4048,50 @@
           </a:p>
         </p:txBody>
       </p:sp>
-      <p:pic>
-        <p:nvPicPr>
-          <p:cNvPr id="5" name="Picture 4">
+      <p:sp>
+        <p:nvSpPr>
+          <p:cNvPr id="10" name="Content Placeholder 9">
             <a:extLst>
               <a:ext uri="{FF2B5EF4-FFF2-40B4-BE49-F238E27FC236}">
-                <a16:creationId xmlns:a16="http://schemas.microsoft.com/office/drawing/2014/main" id="{306AF796-9389-4D40-9F6D-FFFD1FD5B929}"/>
+                <a16:creationId xmlns:a16="http://schemas.microsoft.com/office/drawing/2014/main" id="{339A1725-FF5B-4003-9339-9171F851BB65}"/>
               </a:ext>
             </a:extLst>
           </p:cNvPr>
-          <p:cNvPicPr>
-            <a:picLocks noChangeAspect="1"/>
-          </p:cNvPicPr>
-          <p:nvPr/>
-        </p:nvPicPr>
-        <p:blipFill>
-          <a:blip r:embed="rId2">
-            <a:extLst>
-              <a:ext uri="{28A0092B-C50C-407E-A947-70E740481C1C}">
-                <a14:useLocalDpi xmlns:a14="http://schemas.microsoft.com/office/drawing/2010/main" val="0"/>
-              </a:ext>
-            </a:extLst>
-          </a:blip>
-          <a:stretch>
-            <a:fillRect/>
-          </a:stretch>
-        </p:blipFill>
-        <p:spPr>
-          <a:xfrm>
-            <a:off x="0" y="0"/>
-            <a:ext cx="1533525" cy="1533525"/>
-          </a:xfrm>
-          <a:prstGeom prst="rect">
-            <a:avLst/>
-          </a:prstGeom>
-        </p:spPr>
-      </p:pic>
+          <p:cNvSpPr>
+            <a:spLocks noGrp="1"/>
+          </p:cNvSpPr>
+          <p:nvPr>
+            <p:ph idx="1"/>
+          </p:nvPr>
+        </p:nvSpPr>
+        <p:spPr/>
+        <p:txBody>
+          <a:bodyPr/>
+          <a:lstStyle/>
+          <a:p>
+            <a:r>
+              <a:rPr lang="en-US" dirty="0"/>
+              <a:t>Java</a:t>
+            </a:r>
+          </a:p>
+          <a:p>
+            <a:r>
+              <a:rPr lang="en-US" dirty="0"/>
+              <a:t>Twitter Developer API</a:t>
+            </a:r>
+          </a:p>
+          <a:p>
+            <a:r>
+              <a:rPr lang="en-US" dirty="0"/>
+              <a:t>XML</a:t>
+            </a:r>
+          </a:p>
+        </p:txBody>
+      </p:sp>
     </p:spTree>
     <p:extLst>
       <p:ext uri="{BB962C8B-B14F-4D97-AF65-F5344CB8AC3E}">
-        <p14:creationId xmlns:p14="http://schemas.microsoft.com/office/powerpoint/2010/main" val="1912858164"/>
+        <p14:creationId xmlns:p14="http://schemas.microsoft.com/office/powerpoint/2010/main" val="1690594700"/>
       </p:ext>
     </p:extLst>
   </p:cSld>
@@ -5355,7 +4123,7 @@
           <p:cNvPr id="2" name="Title 1">
             <a:extLst>
               <a:ext uri="{FF2B5EF4-FFF2-40B4-BE49-F238E27FC236}">
-                <a16:creationId xmlns:a16="http://schemas.microsoft.com/office/drawing/2014/main" id="{499A7E7B-B40E-428D-A590-B5908B264F1D}"/>
+                <a16:creationId xmlns:a16="http://schemas.microsoft.com/office/drawing/2014/main" id="{DBE4A53C-4372-4A50-9BBF-1ED2F0F72B27}"/>
               </a:ext>
             </a:extLst>
           </p:cNvPr>
@@ -5363,24 +4131,20 @@
             <a:spLocks noGrp="1"/>
           </p:cNvSpPr>
           <p:nvPr>
-            <p:ph type="ctrTitle"/>
-          </p:nvPr>
-        </p:nvSpPr>
-        <p:spPr>
-          <a:xfrm>
-            <a:off x="1944231" y="136525"/>
-            <a:ext cx="9144000" cy="1006475"/>
-          </a:xfrm>
-        </p:spPr>
+            <p:ph type="title"/>
+          </p:nvPr>
+        </p:nvSpPr>
+        <p:spPr/>
         <p:txBody>
           <a:bodyPr>
             <a:normAutofit/>
           </a:bodyPr>
           <a:lstStyle/>
           <a:p>
-            <a:r>
-              <a:rPr lang="en-US" sz="4800" dirty="0"/>
-              <a:t>Use Case</a:t>
+            <a:pPr algn="ctr"/>
+            <a:r>
+              <a:rPr lang="en-US" sz="4000" b="1" dirty="0"/>
+              <a:t>System Implementation</a:t>
             </a:r>
           </a:p>
         </p:txBody>
@@ -5390,7 +4154,7 @@
           <p:cNvPr id="4" name="Slide Number Placeholder 3">
             <a:extLst>
               <a:ext uri="{FF2B5EF4-FFF2-40B4-BE49-F238E27FC236}">
-                <a16:creationId xmlns:a16="http://schemas.microsoft.com/office/drawing/2014/main" id="{AFAFA7C8-F647-40E5-A2B8-7E18CD9580FE}"/>
+                <a16:creationId xmlns:a16="http://schemas.microsoft.com/office/drawing/2014/main" id="{1766C8D4-C13C-4B0F-95BF-8563E552E578}"/>
               </a:ext>
             </a:extLst>
           </p:cNvPr>
@@ -5414,19 +4178,70 @@
           </a:p>
         </p:txBody>
       </p:sp>
+      <p:sp>
+        <p:nvSpPr>
+          <p:cNvPr id="8" name="Rectangle 7">
+            <a:extLst>
+              <a:ext uri="{FF2B5EF4-FFF2-40B4-BE49-F238E27FC236}">
+                <a16:creationId xmlns:a16="http://schemas.microsoft.com/office/drawing/2014/main" id="{0F1AC226-66CD-4944-BF32-062A361094BA}"/>
+              </a:ext>
+            </a:extLst>
+          </p:cNvPr>
+          <p:cNvSpPr/>
+          <p:nvPr/>
+        </p:nvSpPr>
+        <p:spPr>
+          <a:xfrm>
+            <a:off x="990600" y="1574800"/>
+            <a:ext cx="10210800" cy="4667250"/>
+          </a:xfrm>
+          <a:prstGeom prst="rect">
+            <a:avLst/>
+          </a:prstGeom>
+          <a:solidFill>
+            <a:schemeClr val="tx1"/>
+          </a:solidFill>
+        </p:spPr>
+        <p:style>
+          <a:lnRef idx="2">
+            <a:schemeClr val="accent1">
+              <a:shade val="50000"/>
+            </a:schemeClr>
+          </a:lnRef>
+          <a:fillRef idx="1">
+            <a:schemeClr val="accent1"/>
+          </a:fillRef>
+          <a:effectRef idx="0">
+            <a:schemeClr val="accent1"/>
+          </a:effectRef>
+          <a:fontRef idx="minor">
+            <a:schemeClr val="lt1"/>
+          </a:fontRef>
+        </p:style>
+        <p:txBody>
+          <a:bodyPr rtlCol="0" anchor="ctr"/>
+          <a:lstStyle/>
+          <a:p>
+            <a:pPr algn="ctr"/>
+            <a:endParaRPr lang="en-US" dirty="0"/>
+          </a:p>
+        </p:txBody>
+      </p:sp>
       <p:pic>
         <p:nvPicPr>
-          <p:cNvPr id="6" name="Picture 5">
+          <p:cNvPr id="9" name="Content Placeholder 5">
             <a:extLst>
               <a:ext uri="{FF2B5EF4-FFF2-40B4-BE49-F238E27FC236}">
-                <a16:creationId xmlns:a16="http://schemas.microsoft.com/office/drawing/2014/main" id="{DB6EE1A7-C137-427A-A885-5929B3760A6E}"/>
+                <a16:creationId xmlns:a16="http://schemas.microsoft.com/office/drawing/2014/main" id="{4559113F-C617-4255-B903-1D412A324BB0}"/>
               </a:ext>
             </a:extLst>
           </p:cNvPr>
           <p:cNvPicPr>
-            <a:picLocks noChangeAspect="1"/>
+            <a:picLocks noGrp="1" noChangeAspect="1"/>
           </p:cNvPicPr>
-          <p:nvPr/>
+          <p:nvPr>
+            <p:ph idx="1"/>
+          </p:nvPr>
         </p:nvPicPr>
         <p:blipFill>
           <a:blip r:embed="rId2">
@@ -5442,54 +4257,15 @@
         </p:blipFill>
         <p:spPr>
           <a:xfrm>
-            <a:off x="3050262" y="1296666"/>
-            <a:ext cx="6931938" cy="5424809"/>
+            <a:off x="1188335" y="2601225"/>
+            <a:ext cx="9815330" cy="2465317"/>
           </a:xfrm>
-          <a:prstGeom prst="rect">
-            <a:avLst/>
-          </a:prstGeom>
-        </p:spPr>
-      </p:pic>
-      <p:pic>
-        <p:nvPicPr>
-          <p:cNvPr id="5" name="Picture 4">
-            <a:extLst>
-              <a:ext uri="{FF2B5EF4-FFF2-40B4-BE49-F238E27FC236}">
-                <a16:creationId xmlns:a16="http://schemas.microsoft.com/office/drawing/2014/main" id="{707DB5AA-5E1C-4568-ABB7-AE51312090D0}"/>
-              </a:ext>
-            </a:extLst>
-          </p:cNvPr>
-          <p:cNvPicPr>
-            <a:picLocks noChangeAspect="1"/>
-          </p:cNvPicPr>
-          <p:nvPr/>
-        </p:nvPicPr>
-        <p:blipFill>
-          <a:blip r:embed="rId3">
-            <a:extLst>
-              <a:ext uri="{28A0092B-C50C-407E-A947-70E740481C1C}">
-                <a14:useLocalDpi xmlns:a14="http://schemas.microsoft.com/office/drawing/2010/main" val="0"/>
-              </a:ext>
-            </a:extLst>
-          </a:blip>
-          <a:stretch>
-            <a:fillRect/>
-          </a:stretch>
-        </p:blipFill>
-        <p:spPr>
-          <a:xfrm>
-            <a:off x="0" y="0"/>
-            <a:ext cx="1533525" cy="1533525"/>
-          </a:xfrm>
-          <a:prstGeom prst="rect">
-            <a:avLst/>
-          </a:prstGeom>
         </p:spPr>
       </p:pic>
     </p:spTree>
     <p:extLst>
       <p:ext uri="{BB962C8B-B14F-4D97-AF65-F5344CB8AC3E}">
-        <p14:creationId xmlns:p14="http://schemas.microsoft.com/office/powerpoint/2010/main" val="3315559514"/>
+        <p14:creationId xmlns:p14="http://schemas.microsoft.com/office/powerpoint/2010/main" val="1307574453"/>
       </p:ext>
     </p:extLst>
   </p:cSld>
@@ -5521,7 +4297,7 @@
           <p:cNvPr id="2" name="Title 1">
             <a:extLst>
               <a:ext uri="{FF2B5EF4-FFF2-40B4-BE49-F238E27FC236}">
-                <a16:creationId xmlns:a16="http://schemas.microsoft.com/office/drawing/2014/main" id="{18C903EC-80C7-47F2-A14C-B45D95FFB712}"/>
+                <a16:creationId xmlns:a16="http://schemas.microsoft.com/office/drawing/2014/main" id="{A91C1D31-9AFF-4E2E-B993-604B08F2E210}"/>
               </a:ext>
             </a:extLst>
           </p:cNvPr>
@@ -5529,25 +4305,84 @@
             <a:spLocks noGrp="1"/>
           </p:cNvSpPr>
           <p:nvPr>
-            <p:ph type="ctrTitle"/>
-          </p:nvPr>
-        </p:nvSpPr>
-        <p:spPr>
-          <a:xfrm>
-            <a:off x="1428194" y="202635"/>
-            <a:ext cx="9144000" cy="863478"/>
-          </a:xfrm>
-        </p:spPr>
+            <p:ph type="title"/>
+          </p:nvPr>
+        </p:nvSpPr>
+        <p:spPr/>
         <p:txBody>
           <a:bodyPr>
             <a:normAutofit/>
           </a:bodyPr>
           <a:lstStyle/>
           <a:p>
-            <a:r>
-              <a:rPr lang="en-US" sz="4800" dirty="0"/>
-              <a:t>Time Schedule</a:t>
-            </a:r>
+            <a:pPr algn="ctr"/>
+            <a:r>
+              <a:rPr lang="en-US" sz="4000" b="1" dirty="0"/>
+              <a:t>Calculation Process</a:t>
+            </a:r>
+          </a:p>
+        </p:txBody>
+      </p:sp>
+      <p:sp>
+        <p:nvSpPr>
+          <p:cNvPr id="3" name="Content Placeholder 2">
+            <a:extLst>
+              <a:ext uri="{FF2B5EF4-FFF2-40B4-BE49-F238E27FC236}">
+                <a16:creationId xmlns:a16="http://schemas.microsoft.com/office/drawing/2014/main" id="{D745B0AF-0B77-4385-A0D6-2DA6BFAF363B}"/>
+              </a:ext>
+            </a:extLst>
+          </p:cNvPr>
+          <p:cNvSpPr>
+            <a:spLocks noGrp="1"/>
+          </p:cNvSpPr>
+          <p:nvPr>
+            <p:ph idx="1"/>
+          </p:nvPr>
+        </p:nvSpPr>
+        <p:spPr/>
+        <p:txBody>
+          <a:bodyPr>
+            <a:normAutofit/>
+          </a:bodyPr>
+          <a:lstStyle/>
+          <a:p>
+            <a:r>
+              <a:rPr lang="en-US" dirty="0"/>
+              <a:t>Tweets are converted to lowercase</a:t>
+            </a:r>
+          </a:p>
+          <a:p>
+            <a:r>
+              <a:rPr lang="en-US" dirty="0"/>
+              <a:t>Punctuations and additional white spaces are removed</a:t>
+            </a:r>
+          </a:p>
+          <a:p>
+            <a:r>
+              <a:rPr lang="en-US" dirty="0"/>
+              <a:t>Removal of text that are not responsible</a:t>
+            </a:r>
+          </a:p>
+          <a:p>
+            <a:r>
+              <a:rPr lang="en-US" dirty="0"/>
+              <a:t>Tokenization of sentiment texts</a:t>
+            </a:r>
+          </a:p>
+          <a:p>
+            <a:r>
+              <a:rPr lang="en-US" dirty="0"/>
+              <a:t>Removal of text that are not responsible</a:t>
+            </a:r>
+          </a:p>
+          <a:p>
+            <a:r>
+              <a:rPr lang="en-US" dirty="0"/>
+              <a:t>Testing with KNN and NBayes Classifiers</a:t>
+            </a:r>
+          </a:p>
+          <a:p>
+            <a:endParaRPr lang="en-US" dirty="0"/>
           </a:p>
         </p:txBody>
       </p:sp>
@@ -5556,7 +4391,7 @@
           <p:cNvPr id="4" name="Slide Number Placeholder 3">
             <a:extLst>
               <a:ext uri="{FF2B5EF4-FFF2-40B4-BE49-F238E27FC236}">
-                <a16:creationId xmlns:a16="http://schemas.microsoft.com/office/drawing/2014/main" id="{6C34BA3E-06A0-48A5-B5B9-FAF1A5298270}"/>
+                <a16:creationId xmlns:a16="http://schemas.microsoft.com/office/drawing/2014/main" id="{CA1914A9-4F98-4D1F-91FB-DC869F4D9CD8}"/>
               </a:ext>
             </a:extLst>
           </p:cNvPr>
@@ -5580,82 +4415,10 @@
           </a:p>
         </p:txBody>
       </p:sp>
-      <p:pic>
-        <p:nvPicPr>
-          <p:cNvPr id="6" name="Picture 5">
-            <a:extLst>
-              <a:ext uri="{FF2B5EF4-FFF2-40B4-BE49-F238E27FC236}">
-                <a16:creationId xmlns:a16="http://schemas.microsoft.com/office/drawing/2014/main" id="{AFC6CC38-F342-409A-BD38-BAB5143C8216}"/>
-              </a:ext>
-            </a:extLst>
-          </p:cNvPr>
-          <p:cNvPicPr>
-            <a:picLocks noChangeAspect="1"/>
-          </p:cNvPicPr>
-          <p:nvPr/>
-        </p:nvPicPr>
-        <p:blipFill>
-          <a:blip r:embed="rId2">
-            <a:extLst>
-              <a:ext uri="{28A0092B-C50C-407E-A947-70E740481C1C}">
-                <a14:useLocalDpi xmlns:a14="http://schemas.microsoft.com/office/drawing/2010/main" val="0"/>
-              </a:ext>
-            </a:extLst>
-          </a:blip>
-          <a:stretch>
-            <a:fillRect/>
-          </a:stretch>
-        </p:blipFill>
-        <p:spPr>
-          <a:xfrm>
-            <a:off x="2018189" y="1431238"/>
-            <a:ext cx="7964011" cy="4925112"/>
-          </a:xfrm>
-          <a:prstGeom prst="rect">
-            <a:avLst/>
-          </a:prstGeom>
-        </p:spPr>
-      </p:pic>
-      <p:pic>
-        <p:nvPicPr>
-          <p:cNvPr id="5" name="Picture 4">
-            <a:extLst>
-              <a:ext uri="{FF2B5EF4-FFF2-40B4-BE49-F238E27FC236}">
-                <a16:creationId xmlns:a16="http://schemas.microsoft.com/office/drawing/2014/main" id="{528020E9-CDFF-458D-82A6-1F7A1E5AF302}"/>
-              </a:ext>
-            </a:extLst>
-          </p:cNvPr>
-          <p:cNvPicPr>
-            <a:picLocks noChangeAspect="1"/>
-          </p:cNvPicPr>
-          <p:nvPr/>
-        </p:nvPicPr>
-        <p:blipFill>
-          <a:blip r:embed="rId3">
-            <a:extLst>
-              <a:ext uri="{28A0092B-C50C-407E-A947-70E740481C1C}">
-                <a14:useLocalDpi xmlns:a14="http://schemas.microsoft.com/office/drawing/2010/main" val="0"/>
-              </a:ext>
-            </a:extLst>
-          </a:blip>
-          <a:stretch>
-            <a:fillRect/>
-          </a:stretch>
-        </p:blipFill>
-        <p:spPr>
-          <a:xfrm>
-            <a:off x="0" y="0"/>
-            <a:ext cx="1533525" cy="1533525"/>
-          </a:xfrm>
-          <a:prstGeom prst="rect">
-            <a:avLst/>
-          </a:prstGeom>
-        </p:spPr>
-      </p:pic>
     </p:spTree>
     <p:extLst>
       <p:ext uri="{BB962C8B-B14F-4D97-AF65-F5344CB8AC3E}">
-        <p14:creationId xmlns:p14="http://schemas.microsoft.com/office/powerpoint/2010/main" val="1682084232"/>
+        <p14:creationId xmlns:p14="http://schemas.microsoft.com/office/powerpoint/2010/main" val="995308012"/>
       </p:ext>
     </p:extLst>
   </p:cSld>
@@ -5684,10 +4447,41 @@
       </p:grpSpPr>
       <p:sp>
         <p:nvSpPr>
+          <p:cNvPr id="2" name="Title 1">
+            <a:extLst>
+              <a:ext uri="{FF2B5EF4-FFF2-40B4-BE49-F238E27FC236}">
+                <a16:creationId xmlns:a16="http://schemas.microsoft.com/office/drawing/2014/main" id="{1C687B4D-4329-471A-9445-FAAA661D4F3E}"/>
+              </a:ext>
+            </a:extLst>
+          </p:cNvPr>
+          <p:cNvSpPr>
+            <a:spLocks noGrp="1"/>
+          </p:cNvSpPr>
+          <p:nvPr>
+            <p:ph type="title"/>
+          </p:nvPr>
+        </p:nvSpPr>
+        <p:spPr/>
+        <p:txBody>
+          <a:bodyPr>
+            <a:normAutofit/>
+          </a:bodyPr>
+          <a:lstStyle/>
+          <a:p>
+            <a:pPr algn="ctr"/>
+            <a:r>
+              <a:rPr lang="en-US" sz="4000" b="1" dirty="0"/>
+              <a:t>Result and Discussion</a:t>
+            </a:r>
+          </a:p>
+        </p:txBody>
+      </p:sp>
+      <p:sp>
+        <p:nvSpPr>
           <p:cNvPr id="3" name="Content Placeholder 2">
             <a:extLst>
               <a:ext uri="{FF2B5EF4-FFF2-40B4-BE49-F238E27FC236}">
-                <a16:creationId xmlns:a16="http://schemas.microsoft.com/office/drawing/2014/main" id="{84E66043-1C81-432C-98A9-E84FB3F6010B}"/>
+                <a16:creationId xmlns:a16="http://schemas.microsoft.com/office/drawing/2014/main" id="{A0E04824-3802-4B54-AF5C-FFAAE226BB63}"/>
               </a:ext>
             </a:extLst>
           </p:cNvPr>
@@ -5698,85 +4492,28 @@
             <p:ph idx="1"/>
           </p:nvPr>
         </p:nvSpPr>
-        <p:spPr>
-          <a:xfrm>
-            <a:off x="1524000" y="1533525"/>
-            <a:ext cx="9144000" cy="4351338"/>
-          </a:xfrm>
-        </p:spPr>
+        <p:spPr/>
         <p:txBody>
           <a:bodyPr>
-            <a:normAutofit fontScale="92500" lnSpcReduction="20000"/>
+            <a:normAutofit/>
           </a:bodyPr>
           <a:lstStyle/>
           <a:p>
-            <a:endParaRPr lang="en-US" dirty="0"/>
-          </a:p>
-          <a:p>
-            <a:pPr marL="0" indent="0" algn="ctr">
+            <a:r>
+              <a:rPr lang="en-US" dirty="0"/>
+              <a:t>The proposed android application is developed.</a:t>
+            </a:r>
+          </a:p>
+          <a:p>
+            <a:pPr marL="0" indent="0">
               <a:buNone/>
             </a:pPr>
-            <a:r>
-              <a:rPr lang="en-US" sz="3000" b="1" dirty="0"/>
-              <a:t>Scope</a:t>
-            </a:r>
-          </a:p>
-          <a:p>
-            <a:pPr marL="0" indent="0" algn="ctr">
-              <a:buNone/>
-            </a:pPr>
-            <a:endParaRPr lang="en-US" sz="3000" b="1" dirty="0"/>
+            <a:endParaRPr lang="en-US" dirty="0"/>
           </a:p>
           <a:p>
             <a:r>
               <a:rPr lang="en-US" dirty="0"/>
-              <a:t>The information is becoming vast and can be extracted to turn into business objectives, social campaigns, marketing, and other promotional strategies. </a:t>
-            </a:r>
-          </a:p>
-          <a:p>
-            <a:r>
-              <a:rPr lang="en-US" dirty="0"/>
-              <a:t>It can be used during :</a:t>
-            </a:r>
-          </a:p>
-          <a:p>
-            <a:pPr>
-              <a:buFont typeface="Courier New" panose="02070309020205020404" pitchFamily="49" charset="0"/>
-              <a:buChar char="o"/>
-            </a:pPr>
-            <a:r>
-              <a:rPr lang="en-US" dirty="0"/>
-              <a:t>Elections</a:t>
-            </a:r>
-          </a:p>
-          <a:p>
-            <a:pPr>
-              <a:buFont typeface="Courier New" panose="02070309020205020404" pitchFamily="49" charset="0"/>
-              <a:buChar char="o"/>
-            </a:pPr>
-            <a:r>
-              <a:rPr lang="en-US" dirty="0"/>
-              <a:t>Movie Premier</a:t>
-            </a:r>
-          </a:p>
-          <a:p>
-            <a:pPr>
-              <a:buFont typeface="Courier New" panose="02070309020205020404" pitchFamily="49" charset="0"/>
-              <a:buChar char="o"/>
-            </a:pPr>
-            <a:r>
-              <a:rPr lang="en-US" dirty="0"/>
-              <a:t>Promotions</a:t>
-            </a:r>
-          </a:p>
-          <a:p>
-            <a:pPr>
-              <a:buFont typeface="Courier New" panose="02070309020205020404" pitchFamily="49" charset="0"/>
-              <a:buChar char="o"/>
-            </a:pPr>
-            <a:r>
-              <a:rPr lang="en-US" dirty="0"/>
-              <a:t>Product Analysis</a:t>
+              <a:t>Using the datasets of movie reviews from Kaggle the accuracy is calculated to be 61.8335%</a:t>
             </a:r>
           </a:p>
         </p:txBody>
@@ -5786,7 +4523,7 @@
           <p:cNvPr id="4" name="Slide Number Placeholder 3">
             <a:extLst>
               <a:ext uri="{FF2B5EF4-FFF2-40B4-BE49-F238E27FC236}">
-                <a16:creationId xmlns:a16="http://schemas.microsoft.com/office/drawing/2014/main" id="{972385BD-44E4-4D3C-8482-E21819040EC0}"/>
+                <a16:creationId xmlns:a16="http://schemas.microsoft.com/office/drawing/2014/main" id="{77C498EC-0C45-46BA-BE65-E3A1E7376F19}"/>
               </a:ext>
             </a:extLst>
           </p:cNvPr>
@@ -5810,46 +4547,10 @@
           </a:p>
         </p:txBody>
       </p:sp>
-      <p:pic>
-        <p:nvPicPr>
-          <p:cNvPr id="5" name="Picture 4">
-            <a:extLst>
-              <a:ext uri="{FF2B5EF4-FFF2-40B4-BE49-F238E27FC236}">
-                <a16:creationId xmlns:a16="http://schemas.microsoft.com/office/drawing/2014/main" id="{DB834E50-E5F0-48E3-A27D-FBDEA2125D4D}"/>
-              </a:ext>
-            </a:extLst>
-          </p:cNvPr>
-          <p:cNvPicPr>
-            <a:picLocks noChangeAspect="1"/>
-          </p:cNvPicPr>
-          <p:nvPr/>
-        </p:nvPicPr>
-        <p:blipFill>
-          <a:blip r:embed="rId2">
-            <a:extLst>
-              <a:ext uri="{28A0092B-C50C-407E-A947-70E740481C1C}">
-                <a14:useLocalDpi xmlns:a14="http://schemas.microsoft.com/office/drawing/2010/main" val="0"/>
-              </a:ext>
-            </a:extLst>
-          </a:blip>
-          <a:stretch>
-            <a:fillRect/>
-          </a:stretch>
-        </p:blipFill>
-        <p:spPr>
-          <a:xfrm>
-            <a:off x="0" y="0"/>
-            <a:ext cx="1533525" cy="1533525"/>
-          </a:xfrm>
-          <a:prstGeom prst="rect">
-            <a:avLst/>
-          </a:prstGeom>
-        </p:spPr>
-      </p:pic>
     </p:spTree>
     <p:extLst>
       <p:ext uri="{BB962C8B-B14F-4D97-AF65-F5344CB8AC3E}">
-        <p14:creationId xmlns:p14="http://schemas.microsoft.com/office/powerpoint/2010/main" val="2087088971"/>
+        <p14:creationId xmlns:p14="http://schemas.microsoft.com/office/powerpoint/2010/main" val="842064315"/>
       </p:ext>
     </p:extLst>
   </p:cSld>
@@ -5881,7 +4582,7 @@
           <p:cNvPr id="2" name="Title 1">
             <a:extLst>
               <a:ext uri="{FF2B5EF4-FFF2-40B4-BE49-F238E27FC236}">
-                <a16:creationId xmlns:a16="http://schemas.microsoft.com/office/drawing/2014/main" id="{2BB0417D-8B36-47F6-BA8B-EC72B88DD08E}"/>
+                <a16:creationId xmlns:a16="http://schemas.microsoft.com/office/drawing/2014/main" id="{77C9B6DE-E0AD-4D2C-8A17-5494F97BC052}"/>
               </a:ext>
             </a:extLst>
           </p:cNvPr>
@@ -5892,30 +4593,27 @@
             <p:ph type="title"/>
           </p:nvPr>
         </p:nvSpPr>
-        <p:spPr>
-          <a:xfrm>
-            <a:off x="839788" y="104775"/>
-            <a:ext cx="10515600" cy="1325563"/>
-          </a:xfrm>
-        </p:spPr>
-        <p:txBody>
-          <a:bodyPr/>
+        <p:spPr/>
+        <p:txBody>
+          <a:bodyPr>
+            <a:normAutofit/>
+          </a:bodyPr>
           <a:lstStyle/>
           <a:p>
             <a:pPr algn="ctr"/>
             <a:r>
-              <a:rPr lang="en-US" dirty="0"/>
-              <a:t>Challenges and Limitation</a:t>
-            </a:r>
-          </a:p>
-        </p:txBody>
-      </p:sp>
-      <p:sp>
-        <p:nvSpPr>
-          <p:cNvPr id="3" name="Text Placeholder 2">
+              <a:rPr lang="en-US" sz="4000" b="1" dirty="0"/>
+              <a:t>Conclusion and Future Work</a:t>
+            </a:r>
+          </a:p>
+        </p:txBody>
+      </p:sp>
+      <p:sp>
+        <p:nvSpPr>
+          <p:cNvPr id="3" name="Content Placeholder 2">
             <a:extLst>
               <a:ext uri="{FF2B5EF4-FFF2-40B4-BE49-F238E27FC236}">
-                <a16:creationId xmlns:a16="http://schemas.microsoft.com/office/drawing/2014/main" id="{FC1ED8E5-1B13-4C7A-A6EE-B544B5253398}"/>
+                <a16:creationId xmlns:a16="http://schemas.microsoft.com/office/drawing/2014/main" id="{6A61E848-2B73-4820-B104-8CA3FD474867}"/>
               </a:ext>
             </a:extLst>
           </p:cNvPr>
@@ -5923,7 +4621,7 @@
             <a:spLocks noGrp="1"/>
           </p:cNvSpPr>
           <p:nvPr>
-            <p:ph type="body" idx="1"/>
+            <p:ph idx="1"/>
           </p:nvPr>
         </p:nvSpPr>
         <p:spPr/>
@@ -5933,135 +4631,35 @@
           <a:p>
             <a:r>
               <a:rPr lang="en-US" dirty="0"/>
-              <a:t>Challenges</a:t>
-            </a:r>
-          </a:p>
-        </p:txBody>
-      </p:sp>
-      <p:sp>
-        <p:nvSpPr>
-          <p:cNvPr id="4" name="Content Placeholder 3">
+              <a:t>Furnished mobile application obtained</a:t>
+            </a:r>
+          </a:p>
+          <a:p>
+            <a:r>
+              <a:rPr lang="en-US" dirty="0"/>
+              <a:t>Bigrams can be analyzed in future.</a:t>
+            </a:r>
+          </a:p>
+          <a:p>
+            <a:r>
+              <a:rPr lang="en-US" dirty="0"/>
+              <a:t>Multiple languages can be analyzed.</a:t>
+            </a:r>
+          </a:p>
+          <a:p>
+            <a:r>
+              <a:rPr lang="en-US" dirty="0"/>
+              <a:t>Neutral Sentiments can be calculated.</a:t>
+            </a:r>
+          </a:p>
+        </p:txBody>
+      </p:sp>
+      <p:sp>
+        <p:nvSpPr>
+          <p:cNvPr id="4" name="Slide Number Placeholder 3">
             <a:extLst>
               <a:ext uri="{FF2B5EF4-FFF2-40B4-BE49-F238E27FC236}">
-                <a16:creationId xmlns:a16="http://schemas.microsoft.com/office/drawing/2014/main" id="{1138B057-995E-46DF-AC6D-32C522F78245}"/>
-              </a:ext>
-            </a:extLst>
-          </p:cNvPr>
-          <p:cNvSpPr>
-            <a:spLocks noGrp="1"/>
-          </p:cNvSpPr>
-          <p:nvPr>
-            <p:ph sz="half" idx="2"/>
-          </p:nvPr>
-        </p:nvSpPr>
-        <p:spPr/>
-        <p:txBody>
-          <a:bodyPr>
-            <a:normAutofit/>
-          </a:bodyPr>
-          <a:lstStyle/>
-          <a:p>
-            <a:r>
-              <a:rPr lang="en-US" sz="2400" dirty="0"/>
-              <a:t>Tokenizations of sentimental words</a:t>
-            </a:r>
-          </a:p>
-          <a:p>
-            <a:r>
-              <a:rPr lang="en-US" sz="2400" dirty="0"/>
-              <a:t>Importing Twitter data</a:t>
-            </a:r>
-          </a:p>
-          <a:p>
-            <a:endParaRPr lang="en-US" dirty="0"/>
-          </a:p>
-        </p:txBody>
-      </p:sp>
-      <p:sp>
-        <p:nvSpPr>
-          <p:cNvPr id="5" name="Text Placeholder 4">
-            <a:extLst>
-              <a:ext uri="{FF2B5EF4-FFF2-40B4-BE49-F238E27FC236}">
-                <a16:creationId xmlns:a16="http://schemas.microsoft.com/office/drawing/2014/main" id="{4E9BB2C9-D0F0-4D5C-B1C6-2DC7D1C2644A}"/>
-              </a:ext>
-            </a:extLst>
-          </p:cNvPr>
-          <p:cNvSpPr>
-            <a:spLocks noGrp="1"/>
-          </p:cNvSpPr>
-          <p:nvPr>
-            <p:ph type="body" sz="quarter" idx="3"/>
-          </p:nvPr>
-        </p:nvSpPr>
-        <p:spPr/>
-        <p:txBody>
-          <a:bodyPr/>
-          <a:lstStyle/>
-          <a:p>
-            <a:r>
-              <a:rPr lang="en-US" dirty="0"/>
-              <a:t>Limitation</a:t>
-            </a:r>
-          </a:p>
-        </p:txBody>
-      </p:sp>
-      <p:sp>
-        <p:nvSpPr>
-          <p:cNvPr id="6" name="Content Placeholder 5">
-            <a:extLst>
-              <a:ext uri="{FF2B5EF4-FFF2-40B4-BE49-F238E27FC236}">
-                <a16:creationId xmlns:a16="http://schemas.microsoft.com/office/drawing/2014/main" id="{E0164A1D-C58F-43A7-A17B-8AB2CB057961}"/>
-              </a:ext>
-            </a:extLst>
-          </p:cNvPr>
-          <p:cNvSpPr>
-            <a:spLocks noGrp="1"/>
-          </p:cNvSpPr>
-          <p:nvPr>
-            <p:ph sz="quarter" idx="4"/>
-          </p:nvPr>
-        </p:nvSpPr>
-        <p:spPr/>
-        <p:txBody>
-          <a:bodyPr>
-            <a:normAutofit/>
-          </a:bodyPr>
-          <a:lstStyle/>
-          <a:p>
-            <a:pPr lvl="0"/>
-            <a:r>
-              <a:rPr lang="en-US" sz="2400" dirty="0"/>
-              <a:t>Cannot identify humor and sarcasm, So sometime might be wrong.</a:t>
-            </a:r>
-          </a:p>
-          <a:p>
-            <a:pPr lvl="0"/>
-            <a:r>
-              <a:rPr lang="en-US" sz="2400" dirty="0"/>
-              <a:t>We cannot assure 100% accuracy but the result is closest to human thoughts.</a:t>
-            </a:r>
-          </a:p>
-          <a:p>
-            <a:pPr lvl="0"/>
-            <a:r>
-              <a:rPr lang="en-US" sz="2400" dirty="0"/>
-              <a:t>For now, this project is limited to the English language.</a:t>
-            </a:r>
-          </a:p>
-          <a:p>
-            <a:pPr marL="0" indent="0">
-              <a:buNone/>
-            </a:pPr>
-            <a:endParaRPr lang="en-US" sz="2400" dirty="0"/>
-          </a:p>
-        </p:txBody>
-      </p:sp>
-      <p:sp>
-        <p:nvSpPr>
-          <p:cNvPr id="7" name="Slide Number Placeholder 6">
-            <a:extLst>
-              <a:ext uri="{FF2B5EF4-FFF2-40B4-BE49-F238E27FC236}">
-                <a16:creationId xmlns:a16="http://schemas.microsoft.com/office/drawing/2014/main" id="{2F9ED730-91DA-437C-908C-CB4BE0A1BC71}"/>
+                <a16:creationId xmlns:a16="http://schemas.microsoft.com/office/drawing/2014/main" id="{70D4D94F-0359-43D0-8E96-9CA905422349}"/>
               </a:ext>
             </a:extLst>
           </p:cNvPr>
@@ -6085,46 +4683,10 @@
           </a:p>
         </p:txBody>
       </p:sp>
-      <p:pic>
-        <p:nvPicPr>
-          <p:cNvPr id="8" name="Picture 7">
-            <a:extLst>
-              <a:ext uri="{FF2B5EF4-FFF2-40B4-BE49-F238E27FC236}">
-                <a16:creationId xmlns:a16="http://schemas.microsoft.com/office/drawing/2014/main" id="{D2639511-51E3-4C9F-8C2B-11C8255F0AAD}"/>
-              </a:ext>
-            </a:extLst>
-          </p:cNvPr>
-          <p:cNvPicPr>
-            <a:picLocks noChangeAspect="1"/>
-          </p:cNvPicPr>
-          <p:nvPr/>
-        </p:nvPicPr>
-        <p:blipFill>
-          <a:blip r:embed="rId2">
-            <a:extLst>
-              <a:ext uri="{28A0092B-C50C-407E-A947-70E740481C1C}">
-                <a14:useLocalDpi xmlns:a14="http://schemas.microsoft.com/office/drawing/2010/main" val="0"/>
-              </a:ext>
-            </a:extLst>
-          </a:blip>
-          <a:stretch>
-            <a:fillRect/>
-          </a:stretch>
-        </p:blipFill>
-        <p:spPr>
-          <a:xfrm>
-            <a:off x="0" y="0"/>
-            <a:ext cx="1533525" cy="1533525"/>
-          </a:xfrm>
-          <a:prstGeom prst="rect">
-            <a:avLst/>
-          </a:prstGeom>
-        </p:spPr>
-      </p:pic>
     </p:spTree>
     <p:extLst>
       <p:ext uri="{BB962C8B-B14F-4D97-AF65-F5344CB8AC3E}">
-        <p14:creationId xmlns:p14="http://schemas.microsoft.com/office/powerpoint/2010/main" val="1191622333"/>
+        <p14:creationId xmlns:p14="http://schemas.microsoft.com/office/powerpoint/2010/main" val="199255820"/>
       </p:ext>
     </p:extLst>
   </p:cSld>
@@ -6156,7 +4718,7 @@
           <p:cNvPr id="2" name="Title 1">
             <a:extLst>
               <a:ext uri="{FF2B5EF4-FFF2-40B4-BE49-F238E27FC236}">
-                <a16:creationId xmlns:a16="http://schemas.microsoft.com/office/drawing/2014/main" id="{4C01A1EE-B000-4990-A603-3447059D48D7}"/>
+                <a16:creationId xmlns:a16="http://schemas.microsoft.com/office/drawing/2014/main" id="{676D2477-1CE6-4A57-B28B-C204826B77F2}"/>
               </a:ext>
             </a:extLst>
           </p:cNvPr>
@@ -6167,31 +4729,65 @@
             <p:ph type="title"/>
           </p:nvPr>
         </p:nvSpPr>
-        <p:spPr>
-          <a:xfrm>
-            <a:off x="923925" y="2382043"/>
-            <a:ext cx="10515600" cy="1325563"/>
-          </a:xfrm>
-        </p:spPr>
+        <p:spPr/>
         <p:txBody>
           <a:bodyPr>
-            <a:noAutofit/>
+            <a:normAutofit/>
           </a:bodyPr>
           <a:lstStyle/>
           <a:p>
-            <a:r>
-              <a:rPr lang="en-US" sz="2400" dirty="0"/>
-              <a:t>Neutral tweets: The current classifier does not consider neutral sentiments, even though many tweets do not exhibit a clear cut positive or negative emotion, especially the ones stating a fact or news.  Bi-grams in combination with unigrams to handle negations like “not happy”  Semantics may be employed when sentiment of a tweet depends on the perspective of the reader. For example: “India lost to Australia in the semis ” indicates negative sentiment for India, but positive for Australia.</a:t>
-            </a:r>
-          </a:p>
-        </p:txBody>
-      </p:sp>
-      <p:sp>
-        <p:nvSpPr>
-          <p:cNvPr id="7" name="Slide Number Placeholder 6">
+            <a:pPr algn="ctr"/>
+            <a:r>
+              <a:rPr lang="en-US" sz="4000" b="1" dirty="0"/>
+              <a:t>References</a:t>
+            </a:r>
+          </a:p>
+        </p:txBody>
+      </p:sp>
+      <p:sp>
+        <p:nvSpPr>
+          <p:cNvPr id="3" name="Content Placeholder 2">
             <a:extLst>
               <a:ext uri="{FF2B5EF4-FFF2-40B4-BE49-F238E27FC236}">
-                <a16:creationId xmlns:a16="http://schemas.microsoft.com/office/drawing/2014/main" id="{3004C5FC-FA37-47F4-8E2B-5C2E3A74B79E}"/>
+                <a16:creationId xmlns:a16="http://schemas.microsoft.com/office/drawing/2014/main" id="{2DBCC4FF-ED79-4A85-9D9B-CE9CE3C72718}"/>
+              </a:ext>
+            </a:extLst>
+          </p:cNvPr>
+          <p:cNvSpPr>
+            <a:spLocks noGrp="1"/>
+          </p:cNvSpPr>
+          <p:nvPr>
+            <p:ph idx="1"/>
+          </p:nvPr>
+        </p:nvSpPr>
+        <p:spPr/>
+        <p:txBody>
+          <a:bodyPr/>
+          <a:lstStyle/>
+          <a:p>
+            <a:r>
+              <a:rPr lang="en-US" dirty="0">
+                <a:hlinkClick r:id="rId2"/>
+              </a:rPr>
+              <a:t>https://www.oberlo.com/blog/twitter-statistics</a:t>
+            </a:r>
+            <a:r>
+              <a:rPr lang="en-US" dirty="0"/>
+              <a:t>  </a:t>
+            </a:r>
+            <a:r>
+              <a:rPr lang="en-US" sz="2000" dirty="0"/>
+              <a:t>[Accessed on 01/08/2020]</a:t>
+            </a:r>
+          </a:p>
+        </p:txBody>
+      </p:sp>
+      <p:sp>
+        <p:nvSpPr>
+          <p:cNvPr id="4" name="Slide Number Placeholder 3">
+            <a:extLst>
+              <a:ext uri="{FF2B5EF4-FFF2-40B4-BE49-F238E27FC236}">
+                <a16:creationId xmlns:a16="http://schemas.microsoft.com/office/drawing/2014/main" id="{24A291E7-098D-4E33-A0E3-A71F2F470979}"/>
               </a:ext>
             </a:extLst>
           </p:cNvPr>
@@ -6218,7 +4814,7 @@
     </p:spTree>
     <p:extLst>
       <p:ext uri="{BB962C8B-B14F-4D97-AF65-F5344CB8AC3E}">
-        <p14:creationId xmlns:p14="http://schemas.microsoft.com/office/powerpoint/2010/main" val="3723006520"/>
+        <p14:creationId xmlns:p14="http://schemas.microsoft.com/office/powerpoint/2010/main" val="1248424914"/>
       </p:ext>
     </p:extLst>
   </p:cSld>
@@ -6250,7 +4846,7 @@
           <p:cNvPr id="2" name="Title 1">
             <a:extLst>
               <a:ext uri="{FF2B5EF4-FFF2-40B4-BE49-F238E27FC236}">
-                <a16:creationId xmlns:a16="http://schemas.microsoft.com/office/drawing/2014/main" id="{3D60C96C-ADDD-464F-ABA8-1B30ED951E66}"/>
+                <a16:creationId xmlns:a16="http://schemas.microsoft.com/office/drawing/2014/main" id="{01BD0DF7-FAFE-49D7-B3A6-043D4BCCA8A3}"/>
               </a:ext>
             </a:extLst>
           </p:cNvPr>
@@ -6261,72 +4857,22 @@
             <p:ph type="title"/>
           </p:nvPr>
         </p:nvSpPr>
-        <p:spPr/>
-        <p:txBody>
-          <a:bodyPr/>
-          <a:lstStyle/>
-          <a:p>
-            <a:r>
-              <a:rPr lang="en-US" dirty="0"/>
-              <a:t>References</a:t>
-            </a:r>
-          </a:p>
-        </p:txBody>
-      </p:sp>
-      <p:sp>
-        <p:nvSpPr>
-          <p:cNvPr id="3" name="Content Placeholder 2">
-            <a:extLst>
-              <a:ext uri="{FF2B5EF4-FFF2-40B4-BE49-F238E27FC236}">
-                <a16:creationId xmlns:a16="http://schemas.microsoft.com/office/drawing/2014/main" id="{AC187F29-4A65-4AB1-BEE7-CDBCAF437C4E}"/>
-              </a:ext>
-            </a:extLst>
-          </p:cNvPr>
-          <p:cNvSpPr>
-            <a:spLocks noGrp="1"/>
-          </p:cNvSpPr>
-          <p:nvPr>
-            <p:ph idx="1"/>
-          </p:nvPr>
-        </p:nvSpPr>
-        <p:spPr/>
-        <p:txBody>
-          <a:bodyPr/>
-          <a:lstStyle/>
-          <a:p>
-            <a:r>
-              <a:rPr lang="en-US" dirty="0">
-                <a:hlinkClick r:id="rId2"/>
-              </a:rPr>
-              <a:t>https://www.kaggle.com/vishaldwivedi/python-nltk-sentiment-analysis  (Accessed</a:t>
-            </a:r>
-            <a:r>
-              <a:rPr lang="en-US" dirty="0"/>
-              <a:t> on 10th August 10:24 PM )</a:t>
-            </a:r>
-          </a:p>
-          <a:p>
-            <a:r>
-              <a:rPr lang="en-US" dirty="0">
-                <a:hlinkClick r:id="rId3"/>
-              </a:rPr>
-              <a:t>https://www.geeksforgeeks.org/twitter-sentiment-analysis-using-python/</a:t>
-            </a:r>
-            <a:r>
-              <a:rPr lang="en-US" dirty="0"/>
-              <a:t> (Accessed on 10</a:t>
-            </a:r>
-            <a:r>
-              <a:rPr lang="en-US" baseline="30000" dirty="0"/>
-              <a:t>th</a:t>
-            </a:r>
-            <a:r>
-              <a:rPr lang="en-US" dirty="0"/>
-              <a:t> August 10:30 PM)</a:t>
-            </a:r>
-          </a:p>
-          <a:p>
-            <a:endParaRPr lang="en-US" dirty="0"/>
+        <p:spPr>
+          <a:xfrm>
+            <a:off x="5057775" y="2686050"/>
+            <a:ext cx="2076450" cy="642938"/>
+          </a:xfrm>
+        </p:spPr>
+        <p:txBody>
+          <a:bodyPr>
+            <a:normAutofit fontScale="90000"/>
+          </a:bodyPr>
+          <a:lstStyle/>
+          <a:p>
+            <a:r>
+              <a:rPr lang="en-US" b="1" dirty="0"/>
+              <a:t>Demo</a:t>
+            </a:r>
           </a:p>
         </p:txBody>
       </p:sp>
@@ -6335,7 +4881,7 @@
           <p:cNvPr id="4" name="Slide Number Placeholder 3">
             <a:extLst>
               <a:ext uri="{FF2B5EF4-FFF2-40B4-BE49-F238E27FC236}">
-                <a16:creationId xmlns:a16="http://schemas.microsoft.com/office/drawing/2014/main" id="{CED628A7-3276-4AD6-A941-56286391DDBD}"/>
+                <a16:creationId xmlns:a16="http://schemas.microsoft.com/office/drawing/2014/main" id="{9417810F-8EF0-46A6-8B93-ACF101852591}"/>
               </a:ext>
             </a:extLst>
           </p:cNvPr>
@@ -6359,46 +4905,10 @@
           </a:p>
         </p:txBody>
       </p:sp>
-      <p:pic>
-        <p:nvPicPr>
-          <p:cNvPr id="5" name="Picture 4">
-            <a:extLst>
-              <a:ext uri="{FF2B5EF4-FFF2-40B4-BE49-F238E27FC236}">
-                <a16:creationId xmlns:a16="http://schemas.microsoft.com/office/drawing/2014/main" id="{0BF98D9F-CD3F-4321-A149-241E62183713}"/>
-              </a:ext>
-            </a:extLst>
-          </p:cNvPr>
-          <p:cNvPicPr>
-            <a:picLocks noChangeAspect="1"/>
-          </p:cNvPicPr>
-          <p:nvPr/>
-        </p:nvPicPr>
-        <p:blipFill>
-          <a:blip r:embed="rId4">
-            <a:extLst>
-              <a:ext uri="{28A0092B-C50C-407E-A947-70E740481C1C}">
-                <a14:useLocalDpi xmlns:a14="http://schemas.microsoft.com/office/drawing/2010/main" val="0"/>
-              </a:ext>
-            </a:extLst>
-          </a:blip>
-          <a:stretch>
-            <a:fillRect/>
-          </a:stretch>
-        </p:blipFill>
-        <p:spPr>
-          <a:xfrm>
-            <a:off x="0" y="0"/>
-            <a:ext cx="1533525" cy="1533525"/>
-          </a:xfrm>
-          <a:prstGeom prst="rect">
-            <a:avLst/>
-          </a:prstGeom>
-        </p:spPr>
-      </p:pic>
     </p:spTree>
     <p:extLst>
       <p:ext uri="{BB962C8B-B14F-4D97-AF65-F5344CB8AC3E}">
-        <p14:creationId xmlns:p14="http://schemas.microsoft.com/office/powerpoint/2010/main" val="3149144603"/>
+        <p14:creationId xmlns:p14="http://schemas.microsoft.com/office/powerpoint/2010/main" val="1915885888"/>
       </p:ext>
     </p:extLst>
   </p:cSld>
@@ -6427,10 +4937,210 @@
       </p:grpSpPr>
       <p:sp>
         <p:nvSpPr>
+          <p:cNvPr id="2" name="Title 1">
+            <a:extLst>
+              <a:ext uri="{FF2B5EF4-FFF2-40B4-BE49-F238E27FC236}">
+                <a16:creationId xmlns:a16="http://schemas.microsoft.com/office/drawing/2014/main" id="{F90B198D-1E9A-4B23-B998-2E039F8E67F6}"/>
+              </a:ext>
+            </a:extLst>
+          </p:cNvPr>
+          <p:cNvSpPr>
+            <a:spLocks noGrp="1"/>
+          </p:cNvSpPr>
+          <p:nvPr>
+            <p:ph type="title"/>
+          </p:nvPr>
+        </p:nvSpPr>
+        <p:spPr/>
+        <p:txBody>
+          <a:bodyPr>
+            <a:normAutofit/>
+          </a:bodyPr>
+          <a:lstStyle/>
+          <a:p>
+            <a:pPr algn="ctr"/>
+            <a:r>
+              <a:rPr lang="en-US" sz="4000" b="1" dirty="0"/>
+              <a:t>Overview</a:t>
+            </a:r>
+          </a:p>
+        </p:txBody>
+      </p:sp>
+      <p:sp>
+        <p:nvSpPr>
+          <p:cNvPr id="3" name="Content Placeholder 2">
+            <a:extLst>
+              <a:ext uri="{FF2B5EF4-FFF2-40B4-BE49-F238E27FC236}">
+                <a16:creationId xmlns:a16="http://schemas.microsoft.com/office/drawing/2014/main" id="{D2686BFD-22B3-4E97-B20E-1105B4A4F242}"/>
+              </a:ext>
+            </a:extLst>
+          </p:cNvPr>
+          <p:cNvSpPr>
+            <a:spLocks noGrp="1"/>
+          </p:cNvSpPr>
+          <p:nvPr>
+            <p:ph idx="1"/>
+          </p:nvPr>
+        </p:nvSpPr>
+        <p:spPr>
+          <a:xfrm>
+            <a:off x="485775" y="1476375"/>
+            <a:ext cx="10868025" cy="4700588"/>
+          </a:xfrm>
+        </p:spPr>
+        <p:txBody>
+          <a:bodyPr>
+            <a:noAutofit/>
+          </a:bodyPr>
+          <a:lstStyle/>
+          <a:p>
+            <a:pPr marL="514350" indent="-514350">
+              <a:buFont typeface="+mj-lt"/>
+              <a:buAutoNum type="arabicPeriod"/>
+            </a:pPr>
+            <a:r>
+              <a:rPr lang="en-US" sz="1800" b="1" dirty="0"/>
+              <a:t>Introduction</a:t>
+            </a:r>
+          </a:p>
+          <a:p>
+            <a:pPr marL="514350" indent="-514350">
+              <a:buFont typeface="+mj-lt"/>
+              <a:buAutoNum type="arabicPeriod"/>
+            </a:pPr>
+            <a:r>
+              <a:rPr lang="en-US" sz="1800" b="1" dirty="0"/>
+              <a:t>Problem Statement</a:t>
+            </a:r>
+          </a:p>
+          <a:p>
+            <a:pPr marL="514350" indent="-514350">
+              <a:buFont typeface="+mj-lt"/>
+              <a:buAutoNum type="arabicPeriod"/>
+            </a:pPr>
+            <a:r>
+              <a:rPr lang="en-US" sz="1800" b="1" dirty="0"/>
+              <a:t>Why Twitter?</a:t>
+            </a:r>
+          </a:p>
+          <a:p>
+            <a:pPr marL="514350" indent="-514350">
+              <a:buFont typeface="+mj-lt"/>
+              <a:buAutoNum type="arabicPeriod"/>
+            </a:pPr>
+            <a:r>
+              <a:rPr lang="en-US" sz="1800" b="1" dirty="0"/>
+              <a:t>Project Objective</a:t>
+            </a:r>
+          </a:p>
+          <a:p>
+            <a:pPr marL="514350" indent="-514350">
+              <a:buFont typeface="+mj-lt"/>
+              <a:buAutoNum type="arabicPeriod"/>
+            </a:pPr>
+            <a:r>
+              <a:rPr lang="en-US" sz="1800" b="1" dirty="0"/>
+              <a:t>Similar Projects</a:t>
+            </a:r>
+          </a:p>
+          <a:p>
+            <a:pPr marL="514350" indent="-514350">
+              <a:buFont typeface="+mj-lt"/>
+              <a:buAutoNum type="arabicPeriod"/>
+            </a:pPr>
+            <a:r>
+              <a:rPr lang="en-US" sz="1800" b="1" dirty="0"/>
+              <a:t>Scope and Limitation</a:t>
+            </a:r>
+          </a:p>
+          <a:p>
+            <a:pPr marL="514350" indent="-514350">
+              <a:buFont typeface="+mj-lt"/>
+              <a:buAutoNum type="arabicPeriod"/>
+            </a:pPr>
+            <a:r>
+              <a:rPr lang="en-US" sz="1800" b="1" dirty="0"/>
+              <a:t>Methodology</a:t>
+            </a:r>
+          </a:p>
+          <a:p>
+            <a:pPr marL="514350" indent="-514350">
+              <a:buFont typeface="+mj-lt"/>
+              <a:buAutoNum type="arabicPeriod"/>
+            </a:pPr>
+            <a:r>
+              <a:rPr lang="en-US" sz="1800" b="1" dirty="0"/>
+              <a:t>Classifiers Used</a:t>
+            </a:r>
+          </a:p>
+          <a:p>
+            <a:pPr marL="514350" indent="-514350">
+              <a:buFont typeface="+mj-lt"/>
+              <a:buAutoNum type="arabicPeriod"/>
+            </a:pPr>
+            <a:r>
+              <a:rPr lang="en-US" sz="1800" b="1" dirty="0"/>
+              <a:t>Tools Used</a:t>
+            </a:r>
+          </a:p>
+          <a:p>
+            <a:pPr marL="514350" indent="-514350">
+              <a:buFont typeface="+mj-lt"/>
+              <a:buAutoNum type="arabicPeriod"/>
+            </a:pPr>
+            <a:r>
+              <a:rPr lang="en-US" sz="1800" b="1" dirty="0"/>
+              <a:t>Technologies Used</a:t>
+            </a:r>
+          </a:p>
+          <a:p>
+            <a:pPr marL="514350" indent="-514350">
+              <a:buFont typeface="+mj-lt"/>
+              <a:buAutoNum type="arabicPeriod"/>
+            </a:pPr>
+            <a:r>
+              <a:rPr lang="en-US" sz="1800" b="1" dirty="0"/>
+              <a:t>System Implementation</a:t>
+            </a:r>
+          </a:p>
+          <a:p>
+            <a:pPr marL="514350" indent="-514350">
+              <a:buFont typeface="+mj-lt"/>
+              <a:buAutoNum type="arabicPeriod"/>
+            </a:pPr>
+            <a:r>
+              <a:rPr lang="en-US" sz="1800" b="1" dirty="0"/>
+              <a:t>Calculation Process</a:t>
+            </a:r>
+          </a:p>
+          <a:p>
+            <a:pPr marL="514350" indent="-514350">
+              <a:buFont typeface="+mj-lt"/>
+              <a:buAutoNum type="arabicPeriod"/>
+            </a:pPr>
+            <a:r>
+              <a:rPr lang="en-US" sz="1800" b="1" dirty="0"/>
+              <a:t>Result and Discussion</a:t>
+            </a:r>
+          </a:p>
+          <a:p>
+            <a:pPr marL="514350" indent="-514350">
+              <a:buFont typeface="+mj-lt"/>
+              <a:buAutoNum type="arabicPeriod"/>
+            </a:pPr>
+            <a:r>
+              <a:rPr lang="en-US" sz="1800" b="1" dirty="0"/>
+              <a:t>Conclusion and Future Work</a:t>
+            </a:r>
+          </a:p>
+        </p:txBody>
+      </p:sp>
+      <p:sp>
+        <p:nvSpPr>
           <p:cNvPr id="4" name="Slide Number Placeholder 3">
             <a:extLst>
               <a:ext uri="{FF2B5EF4-FFF2-40B4-BE49-F238E27FC236}">
-                <a16:creationId xmlns:a16="http://schemas.microsoft.com/office/drawing/2014/main" id="{CFE7911C-5091-42C8-BA82-682BAA46878D}"/>
+                <a16:creationId xmlns:a16="http://schemas.microsoft.com/office/drawing/2014/main" id="{9C694A99-D86E-40F6-BB1A-37321E5252D3}"/>
               </a:ext>
             </a:extLst>
           </p:cNvPr>
@@ -6450,180 +5160,14 @@
               <a:rPr lang="en-US" smtClean="0"/>
               <a:t>2</a:t>
             </a:fld>
-            <a:endParaRPr lang="en-US" dirty="0"/>
-          </a:p>
-        </p:txBody>
-      </p:sp>
-      <p:sp>
-        <p:nvSpPr>
-          <p:cNvPr id="5" name="TextBox 4">
-            <a:extLst>
-              <a:ext uri="{FF2B5EF4-FFF2-40B4-BE49-F238E27FC236}">
-                <a16:creationId xmlns:a16="http://schemas.microsoft.com/office/drawing/2014/main" id="{EBD086EF-8198-4910-ABA7-F06A3B180FB6}"/>
-              </a:ext>
-            </a:extLst>
-          </p:cNvPr>
-          <p:cNvSpPr txBox="1"/>
-          <p:nvPr/>
-        </p:nvSpPr>
-        <p:spPr>
-          <a:xfrm>
-            <a:off x="1524000" y="1657351"/>
-            <a:ext cx="9144000" cy="4247317"/>
-          </a:xfrm>
-          <a:prstGeom prst="rect">
-            <a:avLst/>
-          </a:prstGeom>
-          <a:noFill/>
-        </p:spPr>
-        <p:txBody>
-          <a:bodyPr wrap="square" rtlCol="0">
-            <a:spAutoFit/>
-          </a:bodyPr>
-          <a:lstStyle/>
-          <a:p>
-            <a:pPr marL="285750" indent="-285750">
-              <a:buFont typeface="Wingdings" panose="05000000000000000000" pitchFamily="2" charset="2"/>
-              <a:buChar char="§"/>
-            </a:pPr>
-            <a:endParaRPr lang="en-US" dirty="0"/>
-          </a:p>
-          <a:p>
-            <a:pPr marL="285750" indent="-285750">
-              <a:buFont typeface="Wingdings" panose="05000000000000000000" pitchFamily="2" charset="2"/>
-              <a:buChar char="§"/>
-            </a:pPr>
-            <a:r>
-              <a:rPr lang="en-US" dirty="0"/>
-              <a:t>Twitter has 330 million monthly active users(as of 2019 Q1). Of these, more than 40 percent that is  about 134 million people use the service on a daily basis (Twitter, 2019). </a:t>
-            </a:r>
-          </a:p>
-          <a:p>
-            <a:pPr marL="285750" indent="-285750">
-              <a:buFont typeface="Wingdings" panose="05000000000000000000" pitchFamily="2" charset="2"/>
-              <a:buChar char="§"/>
-            </a:pPr>
-            <a:endParaRPr lang="en-US" dirty="0"/>
-          </a:p>
-          <a:p>
-            <a:pPr marL="285750" indent="-285750">
-              <a:buFont typeface="Wingdings" panose="05000000000000000000" pitchFamily="2" charset="2"/>
-              <a:buChar char="§"/>
-            </a:pPr>
-            <a:endParaRPr lang="en-US" dirty="0"/>
-          </a:p>
-          <a:p>
-            <a:pPr marL="285750" indent="-285750">
-              <a:buFont typeface="Wingdings" panose="05000000000000000000" pitchFamily="2" charset="2"/>
-              <a:buChar char="§"/>
-            </a:pPr>
-            <a:r>
-              <a:rPr lang="en-US" dirty="0"/>
-              <a:t>The average time spent on Twitter clocks in at  3.39 minutes per session (Statista, 2019)</a:t>
-            </a:r>
-          </a:p>
-          <a:p>
-            <a:pPr marL="285750" indent="-285750">
-              <a:buFont typeface="Wingdings" panose="05000000000000000000" pitchFamily="2" charset="2"/>
-              <a:buChar char="§"/>
-            </a:pPr>
-            <a:endParaRPr lang="en-US" dirty="0"/>
-          </a:p>
-          <a:p>
-            <a:pPr marL="285750" indent="-285750">
-              <a:buFont typeface="Wingdings" panose="05000000000000000000" pitchFamily="2" charset="2"/>
-              <a:buChar char="§"/>
-            </a:pPr>
-            <a:endParaRPr lang="en-US" dirty="0"/>
-          </a:p>
-          <a:p>
-            <a:pPr marL="285750" indent="-285750">
-              <a:buFont typeface="Wingdings" panose="05000000000000000000" pitchFamily="2" charset="2"/>
-              <a:buChar char="§"/>
-            </a:pPr>
-            <a:r>
-              <a:rPr lang="en-US" dirty="0"/>
-              <a:t>Users tweets about various aspects of day to day life.</a:t>
-            </a:r>
-          </a:p>
-          <a:p>
-            <a:pPr marL="285750" indent="-285750">
-              <a:buFont typeface="Wingdings" panose="05000000000000000000" pitchFamily="2" charset="2"/>
-              <a:buChar char="§"/>
-            </a:pPr>
-            <a:endParaRPr lang="en-US" dirty="0"/>
-          </a:p>
-          <a:p>
-            <a:pPr marL="285750" indent="-285750">
-              <a:buFont typeface="Wingdings" panose="05000000000000000000" pitchFamily="2" charset="2"/>
-              <a:buChar char="§"/>
-            </a:pPr>
-            <a:endParaRPr lang="en-US" dirty="0"/>
-          </a:p>
-          <a:p>
-            <a:pPr marL="285750" indent="-285750">
-              <a:buFont typeface="Wingdings" panose="05000000000000000000" pitchFamily="2" charset="2"/>
-              <a:buChar char="§"/>
-            </a:pPr>
-            <a:r>
-              <a:rPr lang="en-US" dirty="0"/>
-              <a:t>That is a whole lots of data.</a:t>
-            </a:r>
-          </a:p>
-          <a:p>
-            <a:endParaRPr lang="en-US" dirty="0"/>
-          </a:p>
-          <a:p>
-            <a:endParaRPr lang="en-US" dirty="0"/>
-          </a:p>
-          <a:p>
-            <a:r>
-              <a:rPr lang="en-US" dirty="0"/>
-              <a:t>What if we say those data can be utilized for better purpose:</a:t>
-            </a:r>
-          </a:p>
-        </p:txBody>
-      </p:sp>
-      <p:pic>
-        <p:nvPicPr>
-          <p:cNvPr id="7" name="Picture 6">
-            <a:extLst>
-              <a:ext uri="{FF2B5EF4-FFF2-40B4-BE49-F238E27FC236}">
-                <a16:creationId xmlns:a16="http://schemas.microsoft.com/office/drawing/2014/main" id="{1CF36BB4-C2AE-4B9D-84BD-F412E2468A58}"/>
-              </a:ext>
-            </a:extLst>
-          </p:cNvPr>
-          <p:cNvPicPr>
-            <a:picLocks noChangeAspect="1"/>
-          </p:cNvPicPr>
-          <p:nvPr/>
-        </p:nvPicPr>
-        <p:blipFill>
-          <a:blip r:embed="rId2">
-            <a:extLst>
-              <a:ext uri="{28A0092B-C50C-407E-A947-70E740481C1C}">
-                <a14:useLocalDpi xmlns:a14="http://schemas.microsoft.com/office/drawing/2010/main" val="0"/>
-              </a:ext>
-            </a:extLst>
-          </a:blip>
-          <a:stretch>
-            <a:fillRect/>
-          </a:stretch>
-        </p:blipFill>
-        <p:spPr>
-          <a:xfrm>
-            <a:off x="1" y="1"/>
-            <a:ext cx="1657350" cy="1657350"/>
-          </a:xfrm>
-          <a:prstGeom prst="rect">
-            <a:avLst/>
-          </a:prstGeom>
-        </p:spPr>
-      </p:pic>
+            <a:endParaRPr lang="en-US"/>
+          </a:p>
+        </p:txBody>
+      </p:sp>
     </p:spTree>
     <p:extLst>
       <p:ext uri="{BB962C8B-B14F-4D97-AF65-F5344CB8AC3E}">
-        <p14:creationId xmlns:p14="http://schemas.microsoft.com/office/powerpoint/2010/main" val="701780199"/>
+        <p14:creationId xmlns:p14="http://schemas.microsoft.com/office/powerpoint/2010/main" val="223072853"/>
       </p:ext>
     </p:extLst>
   </p:cSld>
@@ -6652,10 +5196,10 @@
       </p:grpSpPr>
       <p:sp>
         <p:nvSpPr>
-          <p:cNvPr id="2" name="Title 1">
+          <p:cNvPr id="3" name="Content Placeholder 2">
             <a:extLst>
               <a:ext uri="{FF2B5EF4-FFF2-40B4-BE49-F238E27FC236}">
-                <a16:creationId xmlns:a16="http://schemas.microsoft.com/office/drawing/2014/main" id="{3C61385C-7121-42C3-AD6D-F50F4E04539C}"/>
+                <a16:creationId xmlns:a16="http://schemas.microsoft.com/office/drawing/2014/main" id="{97BC5C98-6156-45BA-A593-5CD52788CF9E}"/>
               </a:ext>
             </a:extLst>
           </p:cNvPr>
@@ -6663,13 +5207,13 @@
             <a:spLocks noGrp="1"/>
           </p:cNvSpPr>
           <p:nvPr>
-            <p:ph type="ctrTitle"/>
+            <p:ph idx="1"/>
           </p:nvPr>
         </p:nvSpPr>
         <p:spPr>
           <a:xfrm>
-            <a:off x="1524000" y="1899047"/>
-            <a:ext cx="9144000" cy="3059906"/>
+            <a:off x="838200" y="2379662"/>
+            <a:ext cx="10515600" cy="2098675"/>
           </a:xfrm>
         </p:spPr>
         <p:txBody>
@@ -6678,49 +5222,27 @@
           </a:bodyPr>
           <a:lstStyle/>
           <a:p>
-            <a:r>
-              <a:rPr lang="en-US" sz="3600" u="sng" dirty="0">
-                <a:latin typeface="+mn-lt"/>
-              </a:rPr>
-              <a:t>Thank you</a:t>
-            </a:r>
-            <a:br>
-              <a:rPr lang="en-US" sz="3600" u="sng" dirty="0">
-                <a:latin typeface="+mn-lt"/>
-              </a:rPr>
-            </a:br>
-            <a:br>
-              <a:rPr lang="en-US" dirty="0">
-                <a:latin typeface="+mn-lt"/>
-              </a:rPr>
-            </a:br>
-            <a:r>
-              <a:rPr lang="en-US" sz="2800" dirty="0">
-                <a:latin typeface="+mn-lt"/>
-              </a:rPr>
-              <a:t>Kanchan Singh</a:t>
-            </a:r>
-            <a:br>
-              <a:rPr lang="en-US" sz="2800" dirty="0">
-                <a:latin typeface="+mn-lt"/>
-              </a:rPr>
-            </a:br>
-            <a:r>
-              <a:rPr lang="en-US" sz="2800" dirty="0">
-                <a:latin typeface="+mn-lt"/>
-              </a:rPr>
-              <a:t>Poshan Pandey</a:t>
-            </a:r>
-            <a:br>
-              <a:rPr lang="en-US" sz="2800" dirty="0">
-                <a:latin typeface="+mn-lt"/>
-              </a:rPr>
-            </a:br>
-            <a:r>
-              <a:rPr lang="en-US" sz="2800" dirty="0">
-                <a:latin typeface="+mn-lt"/>
-              </a:rPr>
-              <a:t>Priska Budhathoki</a:t>
+            <a:pPr marL="0" indent="0" algn="ctr">
+              <a:buNone/>
+            </a:pPr>
+            <a:r>
+              <a:rPr lang="en-US" sz="3600" b="1" dirty="0"/>
+              <a:t>Thank you for your attention!</a:t>
+            </a:r>
+          </a:p>
+          <a:p>
+            <a:pPr marL="0" indent="0" algn="ctr">
+              <a:buNone/>
+            </a:pPr>
+            <a:endParaRPr lang="en-US" sz="3600" b="1" dirty="0"/>
+          </a:p>
+          <a:p>
+            <a:pPr marL="0" indent="0" algn="ctr">
+              <a:buNone/>
+            </a:pPr>
+            <a:r>
+              <a:rPr lang="en-US" sz="3600" b="1" dirty="0"/>
+              <a:t>Any Questions?</a:t>
             </a:r>
           </a:p>
         </p:txBody>
@@ -6730,7 +5252,7 @@
           <p:cNvPr id="4" name="Slide Number Placeholder 3">
             <a:extLst>
               <a:ext uri="{FF2B5EF4-FFF2-40B4-BE49-F238E27FC236}">
-                <a16:creationId xmlns:a16="http://schemas.microsoft.com/office/drawing/2014/main" id="{8514E103-BB08-49C1-AD5E-5A2F4E21CF2B}"/>
+                <a16:creationId xmlns:a16="http://schemas.microsoft.com/office/drawing/2014/main" id="{AD54EA53-0DA1-4718-BEAD-28C2D2A36BC1}"/>
               </a:ext>
             </a:extLst>
           </p:cNvPr>
@@ -6757,7 +5279,7 @@
     </p:spTree>
     <p:extLst>
       <p:ext uri="{BB962C8B-B14F-4D97-AF65-F5344CB8AC3E}">
-        <p14:creationId xmlns:p14="http://schemas.microsoft.com/office/powerpoint/2010/main" val="1336239401"/>
+        <p14:creationId xmlns:p14="http://schemas.microsoft.com/office/powerpoint/2010/main" val="4067572052"/>
       </p:ext>
     </p:extLst>
   </p:cSld>
@@ -6786,10 +5308,87 @@
       </p:grpSpPr>
       <p:sp>
         <p:nvSpPr>
+          <p:cNvPr id="2" name="Title 1">
+            <a:extLst>
+              <a:ext uri="{FF2B5EF4-FFF2-40B4-BE49-F238E27FC236}">
+                <a16:creationId xmlns:a16="http://schemas.microsoft.com/office/drawing/2014/main" id="{046AD057-39BA-4E72-B573-3F703EAA69E4}"/>
+              </a:ext>
+            </a:extLst>
+          </p:cNvPr>
+          <p:cNvSpPr>
+            <a:spLocks noGrp="1"/>
+          </p:cNvSpPr>
+          <p:nvPr>
+            <p:ph type="title"/>
+          </p:nvPr>
+        </p:nvSpPr>
+        <p:spPr/>
+        <p:txBody>
+          <a:bodyPr>
+            <a:normAutofit/>
+          </a:bodyPr>
+          <a:lstStyle/>
+          <a:p>
+            <a:pPr algn="ctr"/>
+            <a:r>
+              <a:rPr lang="en-US" sz="4000" b="1" dirty="0"/>
+              <a:t>Introduction</a:t>
+            </a:r>
+          </a:p>
+        </p:txBody>
+      </p:sp>
+      <p:sp>
+        <p:nvSpPr>
+          <p:cNvPr id="3" name="Content Placeholder 2">
+            <a:extLst>
+              <a:ext uri="{FF2B5EF4-FFF2-40B4-BE49-F238E27FC236}">
+                <a16:creationId xmlns:a16="http://schemas.microsoft.com/office/drawing/2014/main" id="{A6A8F5DC-81BC-4378-A13D-D158C1397865}"/>
+              </a:ext>
+            </a:extLst>
+          </p:cNvPr>
+          <p:cNvSpPr>
+            <a:spLocks noGrp="1"/>
+          </p:cNvSpPr>
+          <p:nvPr>
+            <p:ph idx="1"/>
+          </p:nvPr>
+        </p:nvSpPr>
+        <p:spPr/>
+        <p:txBody>
+          <a:bodyPr>
+            <a:normAutofit/>
+          </a:bodyPr>
+          <a:lstStyle/>
+          <a:p>
+            <a:r>
+              <a:rPr lang="en-US" dirty="0"/>
+              <a:t>Sentiment analysis is also known as “opinion mining” or “emotion Artificial Intelligence”.</a:t>
+            </a:r>
+          </a:p>
+          <a:p>
+            <a:pPr marL="0" indent="0">
+              <a:buNone/>
+            </a:pPr>
+            <a:endParaRPr lang="en-US" dirty="0"/>
+          </a:p>
+          <a:p>
+            <a:r>
+              <a:rPr lang="en-US" dirty="0"/>
+              <a:t>It alludes to the utilization of natural language processing (NLP), text mining, computational linguistics, and bio measurements to methodically recognize, extricate, evaluate, and examine emotional states and subjective information. </a:t>
+            </a:r>
+            <a:br>
+              <a:rPr lang="en-US" dirty="0"/>
+            </a:br>
+            <a:endParaRPr lang="en-US" dirty="0"/>
+          </a:p>
+        </p:txBody>
+      </p:sp>
+      <p:sp>
+        <p:nvSpPr>
           <p:cNvPr id="4" name="Slide Number Placeholder 3">
             <a:extLst>
               <a:ext uri="{FF2B5EF4-FFF2-40B4-BE49-F238E27FC236}">
-                <a16:creationId xmlns:a16="http://schemas.microsoft.com/office/drawing/2014/main" id="{7420119E-013E-433E-ABFD-814DA45B0600}"/>
+                <a16:creationId xmlns:a16="http://schemas.microsoft.com/office/drawing/2014/main" id="{D058163E-28EC-4648-9D4D-D5F096B79767}"/>
               </a:ext>
             </a:extLst>
           </p:cNvPr>
@@ -6813,193 +5412,10 @@
           </a:p>
         </p:txBody>
       </p:sp>
-      <p:sp>
-        <p:nvSpPr>
-          <p:cNvPr id="5" name="TextBox 4">
-            <a:extLst>
-              <a:ext uri="{FF2B5EF4-FFF2-40B4-BE49-F238E27FC236}">
-                <a16:creationId xmlns:a16="http://schemas.microsoft.com/office/drawing/2014/main" id="{FC8DDCC7-325C-49B1-9046-6A9F3480EE80}"/>
-              </a:ext>
-            </a:extLst>
-          </p:cNvPr>
-          <p:cNvSpPr txBox="1"/>
-          <p:nvPr/>
-        </p:nvSpPr>
-        <p:spPr>
-          <a:xfrm>
-            <a:off x="1562101" y="1562101"/>
-            <a:ext cx="9144000" cy="4794249"/>
-          </a:xfrm>
-          <a:prstGeom prst="rect">
-            <a:avLst/>
-          </a:prstGeom>
-          <a:noFill/>
-        </p:spPr>
-        <p:txBody>
-          <a:bodyPr vert="horz" lIns="91440" tIns="45720" rIns="91440" bIns="45720" rtlCol="0" anchor="ctr">
-            <a:normAutofit/>
-          </a:bodyPr>
-          <a:lstStyle/>
-          <a:p>
-            <a:pPr algn="ctr" defTabSz="914400">
-              <a:lnSpc>
-                <a:spcPct val="90000"/>
-              </a:lnSpc>
-              <a:spcBef>
-                <a:spcPct val="0"/>
-              </a:spcBef>
-              <a:spcAft>
-                <a:spcPts val="600"/>
-              </a:spcAft>
-            </a:pPr>
-            <a:endParaRPr lang="en-US" sz="4000" b="1" kern="1200" dirty="0">
-              <a:solidFill>
-                <a:srgbClr val="38A1F3"/>
-              </a:solidFill>
-              <a:latin typeface="+mj-lt"/>
-              <a:ea typeface="+mj-ea"/>
-              <a:cs typeface="+mj-cs"/>
-            </a:endParaRPr>
-          </a:p>
-          <a:p>
-            <a:pPr algn="ctr" defTabSz="914400">
-              <a:lnSpc>
-                <a:spcPct val="90000"/>
-              </a:lnSpc>
-              <a:spcBef>
-                <a:spcPct val="0"/>
-              </a:spcBef>
-              <a:spcAft>
-                <a:spcPts val="600"/>
-              </a:spcAft>
-            </a:pPr>
-            <a:endParaRPr lang="en-US" sz="4000" b="1" dirty="0">
-              <a:solidFill>
-                <a:srgbClr val="38A1F3"/>
-              </a:solidFill>
-              <a:latin typeface="+mj-lt"/>
-              <a:ea typeface="+mj-ea"/>
-              <a:cs typeface="+mj-cs"/>
-            </a:endParaRPr>
-          </a:p>
-          <a:p>
-            <a:pPr algn="ctr" defTabSz="914400">
-              <a:lnSpc>
-                <a:spcPct val="90000"/>
-              </a:lnSpc>
-              <a:spcBef>
-                <a:spcPct val="0"/>
-              </a:spcBef>
-              <a:spcAft>
-                <a:spcPts val="600"/>
-              </a:spcAft>
-            </a:pPr>
-            <a:r>
-              <a:rPr lang="en-US" sz="3600" b="1" u="sng" kern="1200" dirty="0">
-                <a:ea typeface="+mj-ea"/>
-                <a:cs typeface="+mj-cs"/>
-              </a:rPr>
-              <a:t>SentiMeter</a:t>
-            </a:r>
-          </a:p>
-          <a:p>
-            <a:pPr algn="ctr" defTabSz="914400">
-              <a:lnSpc>
-                <a:spcPct val="90000"/>
-              </a:lnSpc>
-              <a:spcBef>
-                <a:spcPct val="0"/>
-              </a:spcBef>
-              <a:spcAft>
-                <a:spcPts val="600"/>
-              </a:spcAft>
-            </a:pPr>
-            <a:r>
-              <a:rPr lang="en-US" sz="2800" b="1" kern="1200" dirty="0">
-                <a:ea typeface="+mj-ea"/>
-                <a:cs typeface="+mj-cs"/>
-              </a:rPr>
-              <a:t>An Android Application for Sentiment Analysis of Twitter Data Using KNN and NBayes Classifiers</a:t>
-            </a:r>
-          </a:p>
-        </p:txBody>
-      </p:sp>
-      <p:pic>
-        <p:nvPicPr>
-          <p:cNvPr id="7" name="Picture 6">
-            <a:extLst>
-              <a:ext uri="{FF2B5EF4-FFF2-40B4-BE49-F238E27FC236}">
-                <a16:creationId xmlns:a16="http://schemas.microsoft.com/office/drawing/2014/main" id="{70354E50-515A-4954-B31A-BFDE98669322}"/>
-              </a:ext>
-            </a:extLst>
-          </p:cNvPr>
-          <p:cNvPicPr>
-            <a:picLocks noChangeAspect="1"/>
-          </p:cNvPicPr>
-          <p:nvPr/>
-        </p:nvPicPr>
-        <p:blipFill>
-          <a:blip r:embed="rId2">
-            <a:extLst>
-              <a:ext uri="{28A0092B-C50C-407E-A947-70E740481C1C}">
-                <a14:useLocalDpi xmlns:a14="http://schemas.microsoft.com/office/drawing/2010/main" val="0"/>
-              </a:ext>
-            </a:extLst>
-          </a:blip>
-          <a:stretch>
-            <a:fillRect/>
-          </a:stretch>
-        </p:blipFill>
-        <p:spPr>
-          <a:xfrm>
-            <a:off x="4635180" y="1562101"/>
-            <a:ext cx="2921636" cy="2836951"/>
-          </a:xfrm>
-          <a:prstGeom prst="rect">
-            <a:avLst/>
-          </a:prstGeom>
-        </p:spPr>
-      </p:pic>
-      <p:pic>
-        <p:nvPicPr>
-          <p:cNvPr id="8" name="Picture 7">
-            <a:extLst>
-              <a:ext uri="{FF2B5EF4-FFF2-40B4-BE49-F238E27FC236}">
-                <a16:creationId xmlns:a16="http://schemas.microsoft.com/office/drawing/2014/main" id="{28581AA0-11F0-41FE-9BAE-E842FE8A484D}"/>
-              </a:ext>
-            </a:extLst>
-          </p:cNvPr>
-          <p:cNvPicPr>
-            <a:picLocks noChangeAspect="1"/>
-          </p:cNvPicPr>
-          <p:nvPr/>
-        </p:nvPicPr>
-        <p:blipFill>
-          <a:blip r:embed="rId3">
-            <a:extLst>
-              <a:ext uri="{28A0092B-C50C-407E-A947-70E740481C1C}">
-                <a14:useLocalDpi xmlns:a14="http://schemas.microsoft.com/office/drawing/2010/main" val="0"/>
-              </a:ext>
-            </a:extLst>
-          </a:blip>
-          <a:stretch>
-            <a:fillRect/>
-          </a:stretch>
-        </p:blipFill>
-        <p:spPr>
-          <a:xfrm>
-            <a:off x="1" y="1"/>
-            <a:ext cx="1562100" cy="1562100"/>
-          </a:xfrm>
-          <a:prstGeom prst="rect">
-            <a:avLst/>
-          </a:prstGeom>
-        </p:spPr>
-      </p:pic>
     </p:spTree>
     <p:extLst>
       <p:ext uri="{BB962C8B-B14F-4D97-AF65-F5344CB8AC3E}">
-        <p14:creationId xmlns:p14="http://schemas.microsoft.com/office/powerpoint/2010/main" val="2661113723"/>
+        <p14:creationId xmlns:p14="http://schemas.microsoft.com/office/powerpoint/2010/main" val="1679393129"/>
       </p:ext>
     </p:extLst>
   </p:cSld>
@@ -7028,10 +5444,10 @@
       </p:grpSpPr>
       <p:sp>
         <p:nvSpPr>
-          <p:cNvPr id="3" name="Subtitle 2">
+          <p:cNvPr id="2" name="Title 1">
             <a:extLst>
               <a:ext uri="{FF2B5EF4-FFF2-40B4-BE49-F238E27FC236}">
-                <a16:creationId xmlns:a16="http://schemas.microsoft.com/office/drawing/2014/main" id="{A498CE7F-7120-46AC-B277-58AA124EAED5}"/>
+                <a16:creationId xmlns:a16="http://schemas.microsoft.com/office/drawing/2014/main" id="{14912E23-998F-4493-B918-2AB7CB36271F}"/>
               </a:ext>
             </a:extLst>
           </p:cNvPr>
@@ -7039,64 +5455,79 @@
             <a:spLocks noGrp="1"/>
           </p:cNvSpPr>
           <p:nvPr>
-            <p:ph type="subTitle" idx="1"/>
-          </p:nvPr>
-        </p:nvSpPr>
-        <p:spPr>
-          <a:xfrm>
-            <a:off x="1524000" y="1533525"/>
-            <a:ext cx="9144000" cy="4389120"/>
-          </a:xfrm>
-          <a:noFill/>
-        </p:spPr>
+            <p:ph type="title"/>
+          </p:nvPr>
+        </p:nvSpPr>
+        <p:spPr/>
         <p:txBody>
           <a:bodyPr>
             <a:normAutofit/>
           </a:bodyPr>
           <a:lstStyle/>
           <a:p>
-            <a:pPr algn="l"/>
-            <a:endParaRPr lang="en-US" dirty="0"/>
-          </a:p>
-          <a:p>
-            <a:r>
-              <a:rPr lang="en-US" sz="3000" b="1" dirty="0"/>
-              <a:t>What is Sentiment Analysis?</a:t>
-            </a:r>
-          </a:p>
-          <a:p>
-            <a:pPr marL="342900" indent="-342900" algn="l">
-              <a:buFont typeface="Arial" panose="020B0604020202020204" pitchFamily="34" charset="0"/>
-              <a:buChar char="•"/>
+            <a:pPr algn="ctr"/>
+            <a:r>
+              <a:rPr lang="en-US" sz="4000" b="1" dirty="0"/>
+              <a:t>Problem Statement</a:t>
+            </a:r>
+          </a:p>
+        </p:txBody>
+      </p:sp>
+      <p:sp>
+        <p:nvSpPr>
+          <p:cNvPr id="3" name="Content Placeholder 2">
+            <a:extLst>
+              <a:ext uri="{FF2B5EF4-FFF2-40B4-BE49-F238E27FC236}">
+                <a16:creationId xmlns:a16="http://schemas.microsoft.com/office/drawing/2014/main" id="{1417EAEC-B9B5-49FB-926C-3F41C31F9F8D}"/>
+              </a:ext>
+            </a:extLst>
+          </p:cNvPr>
+          <p:cNvSpPr>
+            <a:spLocks noGrp="1"/>
+          </p:cNvSpPr>
+          <p:nvPr>
+            <p:ph idx="1"/>
+          </p:nvPr>
+        </p:nvSpPr>
+        <p:spPr/>
+        <p:txBody>
+          <a:bodyPr>
+            <a:normAutofit/>
+          </a:bodyPr>
+          <a:lstStyle/>
+          <a:p>
+            <a:r>
+              <a:rPr lang="en-US" dirty="0"/>
+              <a:t>Decent amount of related prior work has been done in this field.</a:t>
+            </a:r>
+          </a:p>
+          <a:p>
+            <a:pPr marL="0" indent="0">
+              <a:buNone/>
             </a:pPr>
             <a:endParaRPr lang="en-US" dirty="0"/>
           </a:p>
           <a:p>
-            <a:pPr marL="342900" indent="-342900" algn="l">
-              <a:buFont typeface="Arial" panose="020B0604020202020204" pitchFamily="34" charset="0"/>
-              <a:buChar char="•"/>
+            <a:r>
+              <a:rPr lang="en-US" dirty="0"/>
+              <a:t>Most of the work are based on the manual labelling which is expensive.</a:t>
+            </a:r>
+          </a:p>
+          <a:p>
+            <a:pPr marL="0" indent="0">
+              <a:buNone/>
             </a:pPr>
-            <a:r>
-              <a:rPr lang="en-US" sz="2600" dirty="0"/>
-              <a:t>The process of computationally identifying and categorizing opinions expressed in a piece of text, especially in order to determine whether the writer's attitude towards a particular topic, product, etc. is positive, negative, or neutral.</a:t>
-            </a:r>
-          </a:p>
-          <a:p>
-            <a:pPr marL="342900" indent="-342900" algn="l">
-              <a:buFont typeface="Arial" panose="020B0604020202020204" pitchFamily="34" charset="0"/>
-              <a:buChar char="•"/>
-            </a:pPr>
-            <a:endParaRPr lang="en-US" sz="2600" dirty="0"/>
-          </a:p>
-          <a:p>
-            <a:pPr marL="342900" indent="-342900" algn="l">
-              <a:buFont typeface="Arial" panose="020B0604020202020204" pitchFamily="34" charset="0"/>
-              <a:buChar char="•"/>
-            </a:pPr>
-            <a:r>
-              <a:rPr lang="en-US" sz="2600" dirty="0"/>
-              <a:t>Also referred to as opinion mining , it helps to determine whether someone’s opinion is positive negative or neutral.</a:t>
-            </a:r>
+            <a:endParaRPr lang="en-US" dirty="0"/>
+          </a:p>
+          <a:p>
+            <a:r>
+              <a:rPr lang="en-US" dirty="0"/>
+              <a:t>There is need of proper comparison between these results in order to select best features.</a:t>
+            </a:r>
+            <a:br>
+              <a:rPr lang="en-US" dirty="0"/>
+            </a:br>
+            <a:endParaRPr lang="en-US" dirty="0"/>
           </a:p>
         </p:txBody>
       </p:sp>
@@ -7105,7 +5536,7 @@
           <p:cNvPr id="4" name="Slide Number Placeholder 3">
             <a:extLst>
               <a:ext uri="{FF2B5EF4-FFF2-40B4-BE49-F238E27FC236}">
-                <a16:creationId xmlns:a16="http://schemas.microsoft.com/office/drawing/2014/main" id="{F5D4F5F9-C42F-4BFE-B342-92EED49A8B33}"/>
+                <a16:creationId xmlns:a16="http://schemas.microsoft.com/office/drawing/2014/main" id="{10DC911F-8EDD-46AE-9F20-84E009CD2C27}"/>
               </a:ext>
             </a:extLst>
           </p:cNvPr>
@@ -7129,46 +5560,10 @@
           </a:p>
         </p:txBody>
       </p:sp>
-      <p:pic>
-        <p:nvPicPr>
-          <p:cNvPr id="5" name="Picture 4">
-            <a:extLst>
-              <a:ext uri="{FF2B5EF4-FFF2-40B4-BE49-F238E27FC236}">
-                <a16:creationId xmlns:a16="http://schemas.microsoft.com/office/drawing/2014/main" id="{34F3CB9C-8A50-4718-9E2D-FA5C2B9F2485}"/>
-              </a:ext>
-            </a:extLst>
-          </p:cNvPr>
-          <p:cNvPicPr>
-            <a:picLocks noChangeAspect="1"/>
-          </p:cNvPicPr>
-          <p:nvPr/>
-        </p:nvPicPr>
-        <p:blipFill>
-          <a:blip r:embed="rId2">
-            <a:extLst>
-              <a:ext uri="{28A0092B-C50C-407E-A947-70E740481C1C}">
-                <a14:useLocalDpi xmlns:a14="http://schemas.microsoft.com/office/drawing/2010/main" val="0"/>
-              </a:ext>
-            </a:extLst>
-          </a:blip>
-          <a:stretch>
-            <a:fillRect/>
-          </a:stretch>
-        </p:blipFill>
-        <p:spPr>
-          <a:xfrm>
-            <a:off x="0" y="0"/>
-            <a:ext cx="1533525" cy="1533525"/>
-          </a:xfrm>
-          <a:prstGeom prst="rect">
-            <a:avLst/>
-          </a:prstGeom>
-        </p:spPr>
-      </p:pic>
     </p:spTree>
     <p:extLst>
       <p:ext uri="{BB962C8B-B14F-4D97-AF65-F5344CB8AC3E}">
-        <p14:creationId xmlns:p14="http://schemas.microsoft.com/office/powerpoint/2010/main" val="3820736068"/>
+        <p14:creationId xmlns:p14="http://schemas.microsoft.com/office/powerpoint/2010/main" val="582590728"/>
       </p:ext>
     </p:extLst>
   </p:cSld>
@@ -7197,10 +5592,50 @@
       </p:grpSpPr>
       <p:sp>
         <p:nvSpPr>
+          <p:cNvPr id="2" name="Title 1">
+            <a:extLst>
+              <a:ext uri="{FF2B5EF4-FFF2-40B4-BE49-F238E27FC236}">
+                <a16:creationId xmlns:a16="http://schemas.microsoft.com/office/drawing/2014/main" id="{87ACC322-3E33-469E-A740-93A5A7D345ED}"/>
+              </a:ext>
+            </a:extLst>
+          </p:cNvPr>
+          <p:cNvSpPr>
+            <a:spLocks noGrp="1"/>
+          </p:cNvSpPr>
+          <p:nvPr>
+            <p:ph type="title"/>
+          </p:nvPr>
+        </p:nvSpPr>
+        <p:spPr>
+          <a:xfrm>
+            <a:off x="838200" y="681037"/>
+            <a:ext cx="10515600" cy="1325563"/>
+          </a:xfrm>
+        </p:spPr>
+        <p:txBody>
+          <a:bodyPr>
+            <a:normAutofit/>
+          </a:bodyPr>
+          <a:lstStyle/>
+          <a:p>
+            <a:pPr algn="ctr"/>
+            <a:r>
+              <a:rPr lang="en-US" sz="4000" b="1" dirty="0"/>
+              <a:t>Why Twitter?</a:t>
+            </a:r>
+            <a:br>
+              <a:rPr lang="en-US" sz="4000" b="1" dirty="0"/>
+            </a:br>
+            <a:endParaRPr lang="en-US" sz="4000" dirty="0"/>
+          </a:p>
+        </p:txBody>
+      </p:sp>
+      <p:sp>
+        <p:nvSpPr>
           <p:cNvPr id="3" name="Content Placeholder 2">
             <a:extLst>
               <a:ext uri="{FF2B5EF4-FFF2-40B4-BE49-F238E27FC236}">
-                <a16:creationId xmlns:a16="http://schemas.microsoft.com/office/drawing/2014/main" id="{DCCB988C-E109-4843-B5BD-9B1616BDEDC7}"/>
+                <a16:creationId xmlns:a16="http://schemas.microsoft.com/office/drawing/2014/main" id="{8C72361B-AE00-4B91-AF2D-D7D76944B654}"/>
               </a:ext>
             </a:extLst>
           </p:cNvPr>
@@ -7213,107 +5648,69 @@
         </p:nvSpPr>
         <p:spPr>
           <a:xfrm>
-            <a:off x="1524000" y="1533525"/>
-            <a:ext cx="9144000" cy="4775200"/>
+            <a:off x="838200" y="1443831"/>
+            <a:ext cx="10515600" cy="4351338"/>
           </a:xfrm>
-          <a:noFill/>
         </p:spPr>
         <p:txBody>
           <a:bodyPr>
-            <a:normAutofit/>
+            <a:noAutofit/>
           </a:bodyPr>
           <a:lstStyle/>
           <a:p>
-            <a:pPr fontAlgn="base"/>
-            <a:endParaRPr lang="en-US" sz="2400" b="1" dirty="0"/>
-          </a:p>
-          <a:p>
-            <a:pPr marL="0" indent="0" algn="ctr" fontAlgn="base">
-              <a:buNone/>
-            </a:pPr>
-            <a:r>
-              <a:rPr lang="en-US" b="1" dirty="0"/>
-              <a:t>Why Sentiment Analysis is important?</a:t>
-            </a:r>
-          </a:p>
-          <a:p>
-            <a:pPr marL="0" indent="0" fontAlgn="base">
-              <a:buNone/>
-            </a:pPr>
+            <a:pPr algn="ctr"/>
             <a:endParaRPr lang="en-US" b="1" dirty="0"/>
           </a:p>
           <a:p>
             <a:r>
-              <a:rPr lang="en-US" sz="2400" i="1" dirty="0">
-                <a:cs typeface="ＭＳ Ｐゴシック" pitchFamily="-65" charset="-128"/>
-              </a:rPr>
-              <a:t>Movie</a:t>
-            </a:r>
-            <a:r>
-              <a:rPr lang="en-US" sz="2400" dirty="0">
-                <a:cs typeface="ＭＳ Ｐゴシック" pitchFamily="-65" charset="-128"/>
-              </a:rPr>
-              <a:t>:  is this review positive or negative?</a:t>
-            </a:r>
-          </a:p>
-          <a:p>
-            <a:r>
-              <a:rPr lang="en-US" sz="2400" i="1" dirty="0">
-                <a:cs typeface="ＭＳ Ｐゴシック" pitchFamily="-65" charset="-128"/>
-              </a:rPr>
-              <a:t>Products</a:t>
-            </a:r>
-            <a:r>
-              <a:rPr lang="en-US" sz="2400" dirty="0">
-                <a:cs typeface="ＭＳ Ｐゴシック" pitchFamily="-65" charset="-128"/>
-              </a:rPr>
-              <a:t>: what do people think about the new iPhone?</a:t>
-            </a:r>
-          </a:p>
-          <a:p>
-            <a:r>
-              <a:rPr lang="en-US" sz="2400" i="1" dirty="0">
-                <a:cs typeface="ＭＳ Ｐゴシック" pitchFamily="-65" charset="-128"/>
-              </a:rPr>
-              <a:t>Public sentiment</a:t>
-            </a:r>
-            <a:r>
-              <a:rPr lang="en-US" sz="2400" dirty="0">
-                <a:cs typeface="ＭＳ Ｐゴシック" pitchFamily="-65" charset="-128"/>
-              </a:rPr>
-              <a:t>: how is consumer confidence? Is despair increasing?</a:t>
-            </a:r>
-          </a:p>
-          <a:p>
-            <a:r>
-              <a:rPr lang="en-US" sz="2400" i="1" dirty="0">
-                <a:cs typeface="ＭＳ Ｐゴシック" pitchFamily="-65" charset="-128"/>
-              </a:rPr>
-              <a:t>Politics</a:t>
-            </a:r>
-            <a:r>
-              <a:rPr lang="en-US" sz="2400" dirty="0">
-                <a:cs typeface="ＭＳ Ｐゴシック" pitchFamily="-65" charset="-128"/>
-              </a:rPr>
-              <a:t>: what do people think about this candidate or issue?</a:t>
-            </a:r>
-          </a:p>
-          <a:p>
-            <a:r>
-              <a:rPr lang="en-US" sz="2400" i="1">
-                <a:cs typeface="ＭＳ Ｐゴシック" pitchFamily="-65" charset="-128"/>
-              </a:rPr>
-              <a:t>Prediction</a:t>
-            </a:r>
-            <a:r>
-              <a:rPr lang="en-US" sz="2400">
-                <a:cs typeface="ＭＳ Ｐゴシック" pitchFamily="-65" charset="-128"/>
-              </a:rPr>
-              <a:t>: predict election outcomes or market trends from sentiment</a:t>
-            </a:r>
-            <a:endParaRPr lang="en-US" sz="2400" dirty="0">
-              <a:cs typeface="ＭＳ Ｐゴシック" pitchFamily="-65" charset="-128"/>
-            </a:endParaRPr>
+              <a:rPr lang="en-US" dirty="0"/>
+              <a:t>Limited tweet size</a:t>
+            </a:r>
+          </a:p>
+          <a:p>
+            <a:endParaRPr lang="en-US" dirty="0"/>
+          </a:p>
+          <a:p>
+            <a:r>
+              <a:rPr lang="en-US" dirty="0"/>
+              <a:t>Use of hashtags, user reference and URLs.</a:t>
+            </a:r>
+          </a:p>
+          <a:p>
+            <a:endParaRPr lang="en-US" dirty="0"/>
+          </a:p>
+          <a:p>
+            <a:r>
+              <a:rPr lang="en-US" dirty="0"/>
+              <a:t>Mass users expressing their opinions.</a:t>
+            </a:r>
+          </a:p>
+          <a:p>
+            <a:pPr marL="742950" lvl="1" indent="-285750"/>
+            <a:r>
+              <a:rPr lang="en-US" sz="2800" dirty="0"/>
+              <a:t>134 million user [1] </a:t>
+            </a:r>
+          </a:p>
+          <a:p>
+            <a:pPr marL="742950" lvl="1" indent="-285750"/>
+            <a:r>
+              <a:rPr lang="en-US" sz="2800" dirty="0"/>
+              <a:t>3.39 minutes per session [1].</a:t>
+            </a:r>
+          </a:p>
+          <a:p>
+            <a:pPr marL="742950" lvl="1" indent="-285750"/>
+            <a:endParaRPr lang="en-US" sz="2800" dirty="0"/>
+          </a:p>
+          <a:p>
+            <a:r>
+              <a:rPr lang="en-US" dirty="0"/>
+              <a:t>Use of repeated words or symbols to convey an emotion.</a:t>
+            </a:r>
+          </a:p>
+          <a:p>
+            <a:endParaRPr lang="en-US" dirty="0"/>
           </a:p>
         </p:txBody>
       </p:sp>
@@ -7322,7 +5719,7 @@
           <p:cNvPr id="4" name="Slide Number Placeholder 3">
             <a:extLst>
               <a:ext uri="{FF2B5EF4-FFF2-40B4-BE49-F238E27FC236}">
-                <a16:creationId xmlns:a16="http://schemas.microsoft.com/office/drawing/2014/main" id="{F13421F8-EDB8-4ACC-AC5E-BCAF8662D88A}"/>
+                <a16:creationId xmlns:a16="http://schemas.microsoft.com/office/drawing/2014/main" id="{80DAE742-2B6F-4ED4-937A-C1CEE2E85F08}"/>
               </a:ext>
             </a:extLst>
           </p:cNvPr>
@@ -7346,46 +5743,10 @@
           </a:p>
         </p:txBody>
       </p:sp>
-      <p:pic>
-        <p:nvPicPr>
-          <p:cNvPr id="5" name="Picture 4">
-            <a:extLst>
-              <a:ext uri="{FF2B5EF4-FFF2-40B4-BE49-F238E27FC236}">
-                <a16:creationId xmlns:a16="http://schemas.microsoft.com/office/drawing/2014/main" id="{DDDAB811-FCB3-4E6B-8315-7095B75E644C}"/>
-              </a:ext>
-            </a:extLst>
-          </p:cNvPr>
-          <p:cNvPicPr>
-            <a:picLocks noChangeAspect="1"/>
-          </p:cNvPicPr>
-          <p:nvPr/>
-        </p:nvPicPr>
-        <p:blipFill>
-          <a:blip r:embed="rId2">
-            <a:extLst>
-              <a:ext uri="{28A0092B-C50C-407E-A947-70E740481C1C}">
-                <a14:useLocalDpi xmlns:a14="http://schemas.microsoft.com/office/drawing/2010/main" val="0"/>
-              </a:ext>
-            </a:extLst>
-          </a:blip>
-          <a:stretch>
-            <a:fillRect/>
-          </a:stretch>
-        </p:blipFill>
-        <p:spPr>
-          <a:xfrm>
-            <a:off x="0" y="0"/>
-            <a:ext cx="1533525" cy="1533525"/>
-          </a:xfrm>
-          <a:prstGeom prst="rect">
-            <a:avLst/>
-          </a:prstGeom>
-        </p:spPr>
-      </p:pic>
     </p:spTree>
     <p:extLst>
       <p:ext uri="{BB962C8B-B14F-4D97-AF65-F5344CB8AC3E}">
-        <p14:creationId xmlns:p14="http://schemas.microsoft.com/office/powerpoint/2010/main" val="1691414068"/>
+        <p14:creationId xmlns:p14="http://schemas.microsoft.com/office/powerpoint/2010/main" val="3110167043"/>
       </p:ext>
     </p:extLst>
   </p:cSld>
@@ -7414,10 +5775,41 @@
       </p:grpSpPr>
       <p:sp>
         <p:nvSpPr>
+          <p:cNvPr id="2" name="Title 1">
+            <a:extLst>
+              <a:ext uri="{FF2B5EF4-FFF2-40B4-BE49-F238E27FC236}">
+                <a16:creationId xmlns:a16="http://schemas.microsoft.com/office/drawing/2014/main" id="{312BC5B7-C777-438D-A7BF-6D51E030AEB8}"/>
+              </a:ext>
+            </a:extLst>
+          </p:cNvPr>
+          <p:cNvSpPr>
+            <a:spLocks noGrp="1"/>
+          </p:cNvSpPr>
+          <p:nvPr>
+            <p:ph type="title"/>
+          </p:nvPr>
+        </p:nvSpPr>
+        <p:spPr/>
+        <p:txBody>
+          <a:bodyPr>
+            <a:normAutofit/>
+          </a:bodyPr>
+          <a:lstStyle/>
+          <a:p>
+            <a:pPr algn="ctr"/>
+            <a:r>
+              <a:rPr lang="en-US" sz="4000" b="1" dirty="0"/>
+              <a:t>Similar Projects</a:t>
+            </a:r>
+          </a:p>
+        </p:txBody>
+      </p:sp>
+      <p:sp>
+        <p:nvSpPr>
           <p:cNvPr id="3" name="Content Placeholder 2">
             <a:extLst>
               <a:ext uri="{FF2B5EF4-FFF2-40B4-BE49-F238E27FC236}">
-                <a16:creationId xmlns:a16="http://schemas.microsoft.com/office/drawing/2014/main" id="{9DB8B34C-1B93-4EA0-835C-7FA5CAA53E57}"/>
+                <a16:creationId xmlns:a16="http://schemas.microsoft.com/office/drawing/2014/main" id="{B23F20A6-AD1A-4550-80A3-06FBE48D5432}"/>
               </a:ext>
             </a:extLst>
           </p:cNvPr>
@@ -7428,70 +5820,32 @@
             <p:ph idx="1"/>
           </p:nvPr>
         </p:nvSpPr>
-        <p:spPr>
-          <a:xfrm>
-            <a:off x="1524000" y="1524000"/>
-            <a:ext cx="9144000" cy="4530725"/>
-          </a:xfrm>
-          <a:noFill/>
-        </p:spPr>
-        <p:txBody>
-          <a:bodyPr>
-            <a:normAutofit lnSpcReduction="10000"/>
-          </a:bodyPr>
-          <a:lstStyle/>
-          <a:p>
-            <a:pPr marL="0" indent="0" algn="ctr">
-              <a:buNone/>
-            </a:pPr>
+        <p:spPr/>
+        <p:txBody>
+          <a:bodyPr/>
+          <a:lstStyle/>
+          <a:p>
+            <a:pPr fontAlgn="base"/>
+            <a:r>
+              <a:rPr lang="en-US" dirty="0" err="1"/>
+              <a:t>SocialMention</a:t>
+            </a:r>
+            <a:r>
+              <a:rPr lang="en-US" dirty="0"/>
+              <a:t> | Web application</a:t>
+            </a:r>
+          </a:p>
+          <a:p>
             <a:endParaRPr lang="en-US" b="1" dirty="0"/>
           </a:p>
           <a:p>
-            <a:pPr marL="0" indent="0" algn="ctr">
-              <a:buNone/>
-            </a:pPr>
-            <a:r>
-              <a:rPr lang="en-US" b="1" dirty="0"/>
-              <a:t>Why Twitter?</a:t>
-            </a:r>
-          </a:p>
-          <a:p>
-            <a:endParaRPr lang="en-US" sz="2400" dirty="0"/>
-          </a:p>
-          <a:p>
-            <a:r>
-              <a:rPr lang="en-US" sz="2400" dirty="0"/>
-              <a:t>Limited tweet size</a:t>
-            </a:r>
-          </a:p>
-          <a:p>
-            <a:endParaRPr lang="en-US" sz="2400" dirty="0"/>
-          </a:p>
-          <a:p>
-            <a:r>
-              <a:rPr lang="en-US" sz="2400" dirty="0"/>
-              <a:t>Use of hashtags, user reference and URLs.</a:t>
-            </a:r>
-          </a:p>
-          <a:p>
-            <a:endParaRPr lang="en-US" sz="2400" dirty="0"/>
-          </a:p>
-          <a:p>
-            <a:r>
-              <a:rPr lang="en-US" sz="2400" dirty="0"/>
-              <a:t>Mass users expressing their opinions.</a:t>
-            </a:r>
-          </a:p>
-          <a:p>
-            <a:endParaRPr lang="en-US" sz="2400" dirty="0"/>
-          </a:p>
-          <a:p>
-            <a:r>
-              <a:rPr lang="en-US" sz="2400" dirty="0"/>
-              <a:t>Use of repeated words or symbols to convey an emotion.</a:t>
-            </a:r>
-          </a:p>
-          <a:p>
+            <a:r>
+              <a:rPr lang="pt-BR" dirty="0"/>
+              <a:t>NCSU Tweets Visualizer | Sentiment Viz</a:t>
+            </a:r>
+            <a:br>
+              <a:rPr lang="en-US" dirty="0"/>
+            </a:br>
             <a:endParaRPr lang="en-US" dirty="0"/>
           </a:p>
         </p:txBody>
@@ -7501,7 +5855,7 @@
           <p:cNvPr id="4" name="Slide Number Placeholder 3">
             <a:extLst>
               <a:ext uri="{FF2B5EF4-FFF2-40B4-BE49-F238E27FC236}">
-                <a16:creationId xmlns:a16="http://schemas.microsoft.com/office/drawing/2014/main" id="{633604FE-FC15-4635-BB79-C7250DBF32EE}"/>
+                <a16:creationId xmlns:a16="http://schemas.microsoft.com/office/drawing/2014/main" id="{13D2A10F-8B96-4A6B-B79A-EEC3D15905D5}"/>
               </a:ext>
             </a:extLst>
           </p:cNvPr>
@@ -7525,46 +5879,10 @@
           </a:p>
         </p:txBody>
       </p:sp>
-      <p:pic>
-        <p:nvPicPr>
-          <p:cNvPr id="5" name="Picture 4">
-            <a:extLst>
-              <a:ext uri="{FF2B5EF4-FFF2-40B4-BE49-F238E27FC236}">
-                <a16:creationId xmlns:a16="http://schemas.microsoft.com/office/drawing/2014/main" id="{87A379AB-3150-4887-AF86-37C6339C09C7}"/>
-              </a:ext>
-            </a:extLst>
-          </p:cNvPr>
-          <p:cNvPicPr>
-            <a:picLocks noChangeAspect="1"/>
-          </p:cNvPicPr>
-          <p:nvPr/>
-        </p:nvPicPr>
-        <p:blipFill>
-          <a:blip r:embed="rId2">
-            <a:extLst>
-              <a:ext uri="{28A0092B-C50C-407E-A947-70E740481C1C}">
-                <a14:useLocalDpi xmlns:a14="http://schemas.microsoft.com/office/drawing/2010/main" val="0"/>
-              </a:ext>
-            </a:extLst>
-          </a:blip>
-          <a:stretch>
-            <a:fillRect/>
-          </a:stretch>
-        </p:blipFill>
-        <p:spPr>
-          <a:xfrm>
-            <a:off x="0" y="0"/>
-            <a:ext cx="1533525" cy="1533525"/>
-          </a:xfrm>
-          <a:prstGeom prst="rect">
-            <a:avLst/>
-          </a:prstGeom>
-        </p:spPr>
-      </p:pic>
     </p:spTree>
     <p:extLst>
       <p:ext uri="{BB962C8B-B14F-4D97-AF65-F5344CB8AC3E}">
-        <p14:creationId xmlns:p14="http://schemas.microsoft.com/office/powerpoint/2010/main" val="1945451244"/>
+        <p14:creationId xmlns:p14="http://schemas.microsoft.com/office/powerpoint/2010/main" val="3148752671"/>
       </p:ext>
     </p:extLst>
   </p:cSld>
@@ -7593,10 +5911,10 @@
       </p:grpSpPr>
       <p:sp>
         <p:nvSpPr>
-          <p:cNvPr id="3" name="Subtitle 2">
+          <p:cNvPr id="2" name="Title 1">
             <a:extLst>
               <a:ext uri="{FF2B5EF4-FFF2-40B4-BE49-F238E27FC236}">
-                <a16:creationId xmlns:a16="http://schemas.microsoft.com/office/drawing/2014/main" id="{A498CE7F-7120-46AC-B277-58AA124EAED5}"/>
+                <a16:creationId xmlns:a16="http://schemas.microsoft.com/office/drawing/2014/main" id="{74DF4185-DE31-4DFE-8249-49F57282CF63}"/>
               </a:ext>
             </a:extLst>
           </p:cNvPr>
@@ -7604,72 +5922,60 @@
             <a:spLocks noGrp="1"/>
           </p:cNvSpPr>
           <p:nvPr>
-            <p:ph type="subTitle" idx="1"/>
-          </p:nvPr>
-        </p:nvSpPr>
-        <p:spPr>
-          <a:xfrm>
-            <a:off x="1524000" y="1533525"/>
-            <a:ext cx="9144000" cy="3752850"/>
-          </a:xfrm>
-          <a:noFill/>
-        </p:spPr>
+            <p:ph type="title"/>
+          </p:nvPr>
+        </p:nvSpPr>
+        <p:spPr/>
         <p:txBody>
           <a:bodyPr>
-            <a:normAutofit fontScale="92500" lnSpcReduction="20000"/>
+            <a:normAutofit/>
           </a:bodyPr>
           <a:lstStyle/>
           <a:p>
-            <a:endParaRPr lang="en-US" sz="2800" b="1" dirty="0"/>
-          </a:p>
-          <a:p>
-            <a:r>
-              <a:rPr lang="en-US" sz="3000" b="1" dirty="0"/>
-              <a:t>Problem Statement</a:t>
-            </a:r>
-          </a:p>
-          <a:p>
-            <a:pPr algn="l"/>
+            <a:pPr algn="ctr"/>
+            <a:r>
+              <a:rPr lang="en-US" sz="4000" b="1" dirty="0"/>
+              <a:t>Project Objective</a:t>
+            </a:r>
+          </a:p>
+        </p:txBody>
+      </p:sp>
+      <p:sp>
+        <p:nvSpPr>
+          <p:cNvPr id="3" name="Content Placeholder 2">
+            <a:extLst>
+              <a:ext uri="{FF2B5EF4-FFF2-40B4-BE49-F238E27FC236}">
+                <a16:creationId xmlns:a16="http://schemas.microsoft.com/office/drawing/2014/main" id="{68877159-0F45-47B2-8F8E-D280F1CAE438}"/>
+              </a:ext>
+            </a:extLst>
+          </p:cNvPr>
+          <p:cNvSpPr>
+            <a:spLocks noGrp="1"/>
+          </p:cNvSpPr>
+          <p:nvPr>
+            <p:ph idx="1"/>
+          </p:nvPr>
+        </p:nvSpPr>
+        <p:spPr/>
+        <p:txBody>
+          <a:bodyPr>
+            <a:normAutofit/>
+          </a:bodyPr>
+          <a:lstStyle/>
+          <a:p>
+            <a:r>
+              <a:rPr lang="en-US" dirty="0"/>
+              <a:t>Extract tweets and preprocess them.</a:t>
+            </a:r>
+          </a:p>
+          <a:p>
             <a:endParaRPr lang="en-US" dirty="0"/>
           </a:p>
           <a:p>
-            <a:pPr algn="l"/>
-            <a:r>
-              <a:rPr lang="en-US" sz="2600" dirty="0"/>
-              <a:t>This project aims to extract the features of tweets and analyze the opinion of tweets as positive or negative. </a:t>
-            </a:r>
-          </a:p>
-          <a:p>
-            <a:pPr algn="l"/>
-            <a:endParaRPr lang="en-US" sz="2600" dirty="0"/>
-          </a:p>
-          <a:p>
-            <a:pPr algn="l"/>
-            <a:r>
-              <a:rPr lang="en-US" sz="2600" dirty="0"/>
-              <a:t>It aims to classify the tweets on certain people or objects as positive</a:t>
-            </a:r>
-            <a:br>
-              <a:rPr lang="en-US" sz="2600" dirty="0"/>
-            </a:br>
-            <a:r>
-              <a:rPr lang="en-US" sz="2600" dirty="0"/>
-              <a:t>or negative for a set of latest tweets by people around the globe. </a:t>
-            </a:r>
-            <a:br>
-              <a:rPr lang="en-US" sz="2600" dirty="0"/>
-            </a:br>
-            <a:endParaRPr lang="en-US" sz="2600" dirty="0"/>
-          </a:p>
-          <a:p>
-            <a:pPr algn="l"/>
-            <a:r>
-              <a:rPr lang="en-US" sz="2600" dirty="0"/>
-              <a:t>Using such data we are performing sentiment analysis to calculate if the majority of tweets are of positive sentiments or a negative one.</a:t>
-            </a:r>
-          </a:p>
-          <a:p>
-            <a:endParaRPr lang="en-US" dirty="0"/>
+            <a:r>
+              <a:rPr lang="en-US" dirty="0"/>
+              <a:t>Estimate the sentiment of those tweets.</a:t>
+            </a:r>
           </a:p>
         </p:txBody>
       </p:sp>
@@ -7678,7 +5984,7 @@
           <p:cNvPr id="4" name="Slide Number Placeholder 3">
             <a:extLst>
               <a:ext uri="{FF2B5EF4-FFF2-40B4-BE49-F238E27FC236}">
-                <a16:creationId xmlns:a16="http://schemas.microsoft.com/office/drawing/2014/main" id="{03DF31DC-D8BD-4874-9B04-CB97F6321455}"/>
+                <a16:creationId xmlns:a16="http://schemas.microsoft.com/office/drawing/2014/main" id="{9C509F61-8AC5-4BBB-818E-798F178BAAB5}"/>
               </a:ext>
             </a:extLst>
           </p:cNvPr>
@@ -7702,46 +6008,10 @@
           </a:p>
         </p:txBody>
       </p:sp>
-      <p:pic>
-        <p:nvPicPr>
-          <p:cNvPr id="5" name="Picture 4">
-            <a:extLst>
-              <a:ext uri="{FF2B5EF4-FFF2-40B4-BE49-F238E27FC236}">
-                <a16:creationId xmlns:a16="http://schemas.microsoft.com/office/drawing/2014/main" id="{0C4DFE92-297F-4570-9CC7-0436A4E45DB3}"/>
-              </a:ext>
-            </a:extLst>
-          </p:cNvPr>
-          <p:cNvPicPr>
-            <a:picLocks noChangeAspect="1"/>
-          </p:cNvPicPr>
-          <p:nvPr/>
-        </p:nvPicPr>
-        <p:blipFill>
-          <a:blip r:embed="rId2">
-            <a:extLst>
-              <a:ext uri="{28A0092B-C50C-407E-A947-70E740481C1C}">
-                <a14:useLocalDpi xmlns:a14="http://schemas.microsoft.com/office/drawing/2010/main" val="0"/>
-              </a:ext>
-            </a:extLst>
-          </a:blip>
-          <a:stretch>
-            <a:fillRect/>
-          </a:stretch>
-        </p:blipFill>
-        <p:spPr>
-          <a:xfrm>
-            <a:off x="0" y="0"/>
-            <a:ext cx="1533525" cy="1533525"/>
-          </a:xfrm>
-          <a:prstGeom prst="rect">
-            <a:avLst/>
-          </a:prstGeom>
-        </p:spPr>
-      </p:pic>
     </p:spTree>
     <p:extLst>
       <p:ext uri="{BB962C8B-B14F-4D97-AF65-F5344CB8AC3E}">
-        <p14:creationId xmlns:p14="http://schemas.microsoft.com/office/powerpoint/2010/main" val="2005259116"/>
+        <p14:creationId xmlns:p14="http://schemas.microsoft.com/office/powerpoint/2010/main" val="2745049092"/>
       </p:ext>
     </p:extLst>
   </p:cSld>
@@ -7770,45 +6040,10 @@
       </p:grpSpPr>
       <p:sp>
         <p:nvSpPr>
-          <p:cNvPr id="2" name="Title 1">
-            <a:extLst>
-              <a:ext uri="{FF2B5EF4-FFF2-40B4-BE49-F238E27FC236}">
-                <a16:creationId xmlns:a16="http://schemas.microsoft.com/office/drawing/2014/main" id="{1505D1DD-D4E1-46AB-B0EE-EAF60AA18639}"/>
-              </a:ext>
-            </a:extLst>
-          </p:cNvPr>
-          <p:cNvSpPr>
-            <a:spLocks noGrp="1"/>
-          </p:cNvSpPr>
-          <p:nvPr>
-            <p:ph type="ctrTitle"/>
-          </p:nvPr>
-        </p:nvSpPr>
-        <p:spPr>
-          <a:xfrm>
-            <a:off x="1524000" y="-23211"/>
-            <a:ext cx="9144000" cy="1006475"/>
-          </a:xfrm>
-        </p:spPr>
-        <p:txBody>
-          <a:bodyPr>
-            <a:normAutofit/>
-          </a:bodyPr>
-          <a:lstStyle/>
-          <a:p>
-            <a:r>
-              <a:rPr lang="en-US" sz="4800" dirty="0"/>
-              <a:t>Flow of UI process</a:t>
-            </a:r>
-          </a:p>
-        </p:txBody>
-      </p:sp>
-      <p:sp>
-        <p:nvSpPr>
           <p:cNvPr id="4" name="Slide Number Placeholder 3">
             <a:extLst>
               <a:ext uri="{FF2B5EF4-FFF2-40B4-BE49-F238E27FC236}">
-                <a16:creationId xmlns:a16="http://schemas.microsoft.com/office/drawing/2014/main" id="{31809645-467D-46BA-B5DF-420FBC86638A}"/>
+                <a16:creationId xmlns:a16="http://schemas.microsoft.com/office/drawing/2014/main" id="{3F3E3A13-19BF-4784-A3FC-A674CBC08C5D}"/>
               </a:ext>
             </a:extLst>
           </p:cNvPr>
@@ -7832,163 +6067,1020 @@
           </a:p>
         </p:txBody>
       </p:sp>
-      <p:pic>
-        <p:nvPicPr>
-          <p:cNvPr id="8" name="Picture 7">
+      <p:sp>
+        <p:nvSpPr>
+          <p:cNvPr id="15" name="Title 1">
             <a:extLst>
               <a:ext uri="{FF2B5EF4-FFF2-40B4-BE49-F238E27FC236}">
-                <a16:creationId xmlns:a16="http://schemas.microsoft.com/office/drawing/2014/main" id="{06121EE0-6404-489A-A26B-FB2A403E7DA3}"/>
+                <a16:creationId xmlns:a16="http://schemas.microsoft.com/office/drawing/2014/main" id="{C777DC42-EF59-4625-9B0B-318089C5B54C}"/>
               </a:ext>
             </a:extLst>
           </p:cNvPr>
-          <p:cNvPicPr>
-            <a:picLocks noChangeAspect="1"/>
-          </p:cNvPicPr>
-          <p:nvPr/>
-        </p:nvPicPr>
-        <p:blipFill>
-          <a:blip r:embed="rId2">
+          <p:cNvSpPr>
+            <a:spLocks noGrp="1"/>
+          </p:cNvSpPr>
+          <p:nvPr>
+            <p:ph type="title"/>
+          </p:nvPr>
+        </p:nvSpPr>
+        <p:spPr>
+          <a:xfrm>
+            <a:off x="992188" y="257175"/>
+            <a:ext cx="10515600" cy="1325563"/>
+          </a:xfrm>
+        </p:spPr>
+        <p:txBody>
+          <a:bodyPr>
+            <a:normAutofit/>
+          </a:bodyPr>
+          <a:lstStyle/>
+          <a:p>
+            <a:pPr algn="ctr"/>
+            <a:r>
+              <a:rPr lang="en-US" sz="4000" b="1" dirty="0"/>
+              <a:t>Scope and Limitation</a:t>
+            </a:r>
+          </a:p>
+        </p:txBody>
+      </p:sp>
+      <p:sp>
+        <p:nvSpPr>
+          <p:cNvPr id="16" name="Text Placeholder 2">
             <a:extLst>
-              <a:ext uri="{28A0092B-C50C-407E-A947-70E740481C1C}">
-                <a14:useLocalDpi xmlns:a14="http://schemas.microsoft.com/office/drawing/2010/main" val="0"/>
+              <a:ext uri="{FF2B5EF4-FFF2-40B4-BE49-F238E27FC236}">
+                <a16:creationId xmlns:a16="http://schemas.microsoft.com/office/drawing/2014/main" id="{98982911-FEF0-4AD9-BF77-312127D98C2F}"/>
               </a:ext>
             </a:extLst>
-          </a:blip>
-          <a:stretch>
-            <a:fillRect/>
-          </a:stretch>
-        </p:blipFill>
+          </p:cNvPr>
+          <p:cNvSpPr txBox="1">
+            <a:spLocks/>
+          </p:cNvSpPr>
+          <p:nvPr/>
+        </p:nvSpPr>
         <p:spPr>
           <a:xfrm>
-            <a:off x="1181100" y="1056910"/>
-            <a:ext cx="9144000" cy="5478153"/>
+            <a:off x="992188" y="1833563"/>
+            <a:ext cx="5157787" cy="823912"/>
           </a:xfrm>
           <a:prstGeom prst="rect">
             <a:avLst/>
           </a:prstGeom>
         </p:spPr>
-      </p:pic>
-      <p:sp>
-        <p:nvSpPr>
-          <p:cNvPr id="9" name="TextBox 8">
+        <p:txBody>
+          <a:bodyPr vert="horz" lIns="91440" tIns="45720" rIns="91440" bIns="45720" rtlCol="0">
+            <a:normAutofit/>
+          </a:bodyPr>
+          <a:lstStyle>
+            <a:lvl1pPr marL="228600" indent="-228600" algn="l" defTabSz="914400" rtl="0" eaLnBrk="1" latinLnBrk="0" hangingPunct="1">
+              <a:lnSpc>
+                <a:spcPct val="90000"/>
+              </a:lnSpc>
+              <a:spcBef>
+                <a:spcPts val="1000"/>
+              </a:spcBef>
+              <a:buFont typeface="Arial" panose="020B0604020202020204" pitchFamily="34" charset="0"/>
+              <a:buChar char="•"/>
+              <a:defRPr sz="2800" kern="1200">
+                <a:solidFill>
+                  <a:schemeClr val="tx1"/>
+                </a:solidFill>
+                <a:latin typeface="+mn-lt"/>
+                <a:ea typeface="+mn-ea"/>
+                <a:cs typeface="+mn-cs"/>
+              </a:defRPr>
+            </a:lvl1pPr>
+            <a:lvl2pPr marL="685800" indent="-228600" algn="l" defTabSz="914400" rtl="0" eaLnBrk="1" latinLnBrk="0" hangingPunct="1">
+              <a:lnSpc>
+                <a:spcPct val="90000"/>
+              </a:lnSpc>
+              <a:spcBef>
+                <a:spcPts val="500"/>
+              </a:spcBef>
+              <a:buFont typeface="Arial" panose="020B0604020202020204" pitchFamily="34" charset="0"/>
+              <a:buChar char="•"/>
+              <a:defRPr sz="2400" kern="1200">
+                <a:solidFill>
+                  <a:schemeClr val="tx1"/>
+                </a:solidFill>
+                <a:latin typeface="+mn-lt"/>
+                <a:ea typeface="+mn-ea"/>
+                <a:cs typeface="+mn-cs"/>
+              </a:defRPr>
+            </a:lvl2pPr>
+            <a:lvl3pPr marL="1143000" indent="-228600" algn="l" defTabSz="914400" rtl="0" eaLnBrk="1" latinLnBrk="0" hangingPunct="1">
+              <a:lnSpc>
+                <a:spcPct val="90000"/>
+              </a:lnSpc>
+              <a:spcBef>
+                <a:spcPts val="500"/>
+              </a:spcBef>
+              <a:buFont typeface="Arial" panose="020B0604020202020204" pitchFamily="34" charset="0"/>
+              <a:buChar char="•"/>
+              <a:defRPr sz="2000" kern="1200">
+                <a:solidFill>
+                  <a:schemeClr val="tx1"/>
+                </a:solidFill>
+                <a:latin typeface="+mn-lt"/>
+                <a:ea typeface="+mn-ea"/>
+                <a:cs typeface="+mn-cs"/>
+              </a:defRPr>
+            </a:lvl3pPr>
+            <a:lvl4pPr marL="1600200" indent="-228600" algn="l" defTabSz="914400" rtl="0" eaLnBrk="1" latinLnBrk="0" hangingPunct="1">
+              <a:lnSpc>
+                <a:spcPct val="90000"/>
+              </a:lnSpc>
+              <a:spcBef>
+                <a:spcPts val="500"/>
+              </a:spcBef>
+              <a:buFont typeface="Arial" panose="020B0604020202020204" pitchFamily="34" charset="0"/>
+              <a:buChar char="•"/>
+              <a:defRPr sz="1800" kern="1200">
+                <a:solidFill>
+                  <a:schemeClr val="tx1"/>
+                </a:solidFill>
+                <a:latin typeface="+mn-lt"/>
+                <a:ea typeface="+mn-ea"/>
+                <a:cs typeface="+mn-cs"/>
+              </a:defRPr>
+            </a:lvl4pPr>
+            <a:lvl5pPr marL="2057400" indent="-228600" algn="l" defTabSz="914400" rtl="0" eaLnBrk="1" latinLnBrk="0" hangingPunct="1">
+              <a:lnSpc>
+                <a:spcPct val="90000"/>
+              </a:lnSpc>
+              <a:spcBef>
+                <a:spcPts val="500"/>
+              </a:spcBef>
+              <a:buFont typeface="Arial" panose="020B0604020202020204" pitchFamily="34" charset="0"/>
+              <a:buChar char="•"/>
+              <a:defRPr sz="1800" kern="1200">
+                <a:solidFill>
+                  <a:schemeClr val="tx1"/>
+                </a:solidFill>
+                <a:latin typeface="+mn-lt"/>
+                <a:ea typeface="+mn-ea"/>
+                <a:cs typeface="+mn-cs"/>
+              </a:defRPr>
+            </a:lvl5pPr>
+            <a:lvl6pPr marL="2514600" indent="-228600" algn="l" defTabSz="914400" rtl="0" eaLnBrk="1" latinLnBrk="0" hangingPunct="1">
+              <a:lnSpc>
+                <a:spcPct val="90000"/>
+              </a:lnSpc>
+              <a:spcBef>
+                <a:spcPts val="500"/>
+              </a:spcBef>
+              <a:buFont typeface="Arial" panose="020B0604020202020204" pitchFamily="34" charset="0"/>
+              <a:buChar char="•"/>
+              <a:defRPr sz="1800" kern="1200">
+                <a:solidFill>
+                  <a:schemeClr val="tx1"/>
+                </a:solidFill>
+                <a:latin typeface="+mn-lt"/>
+                <a:ea typeface="+mn-ea"/>
+                <a:cs typeface="+mn-cs"/>
+              </a:defRPr>
+            </a:lvl6pPr>
+            <a:lvl7pPr marL="2971800" indent="-228600" algn="l" defTabSz="914400" rtl="0" eaLnBrk="1" latinLnBrk="0" hangingPunct="1">
+              <a:lnSpc>
+                <a:spcPct val="90000"/>
+              </a:lnSpc>
+              <a:spcBef>
+                <a:spcPts val="500"/>
+              </a:spcBef>
+              <a:buFont typeface="Arial" panose="020B0604020202020204" pitchFamily="34" charset="0"/>
+              <a:buChar char="•"/>
+              <a:defRPr sz="1800" kern="1200">
+                <a:solidFill>
+                  <a:schemeClr val="tx1"/>
+                </a:solidFill>
+                <a:latin typeface="+mn-lt"/>
+                <a:ea typeface="+mn-ea"/>
+                <a:cs typeface="+mn-cs"/>
+              </a:defRPr>
+            </a:lvl7pPr>
+            <a:lvl8pPr marL="3429000" indent="-228600" algn="l" defTabSz="914400" rtl="0" eaLnBrk="1" latinLnBrk="0" hangingPunct="1">
+              <a:lnSpc>
+                <a:spcPct val="90000"/>
+              </a:lnSpc>
+              <a:spcBef>
+                <a:spcPts val="500"/>
+              </a:spcBef>
+              <a:buFont typeface="Arial" panose="020B0604020202020204" pitchFamily="34" charset="0"/>
+              <a:buChar char="•"/>
+              <a:defRPr sz="1800" kern="1200">
+                <a:solidFill>
+                  <a:schemeClr val="tx1"/>
+                </a:solidFill>
+                <a:latin typeface="+mn-lt"/>
+                <a:ea typeface="+mn-ea"/>
+                <a:cs typeface="+mn-cs"/>
+              </a:defRPr>
+            </a:lvl8pPr>
+            <a:lvl9pPr marL="3886200" indent="-228600" algn="l" defTabSz="914400" rtl="0" eaLnBrk="1" latinLnBrk="0" hangingPunct="1">
+              <a:lnSpc>
+                <a:spcPct val="90000"/>
+              </a:lnSpc>
+              <a:spcBef>
+                <a:spcPts val="500"/>
+              </a:spcBef>
+              <a:buFont typeface="Arial" panose="020B0604020202020204" pitchFamily="34" charset="0"/>
+              <a:buChar char="•"/>
+              <a:defRPr sz="1800" kern="1200">
+                <a:solidFill>
+                  <a:schemeClr val="tx1"/>
+                </a:solidFill>
+                <a:latin typeface="+mn-lt"/>
+                <a:ea typeface="+mn-ea"/>
+                <a:cs typeface="+mn-cs"/>
+              </a:defRPr>
+            </a:lvl9pPr>
+          </a:lstStyle>
+          <a:p>
+            <a:pPr marL="0" indent="0">
+              <a:buNone/>
+            </a:pPr>
+            <a:r>
+              <a:rPr lang="en-US" sz="3200" dirty="0"/>
+              <a:t>Scope</a:t>
+            </a:r>
+          </a:p>
+        </p:txBody>
+      </p:sp>
+      <p:sp>
+        <p:nvSpPr>
+          <p:cNvPr id="17" name="Content Placeholder 3">
             <a:extLst>
               <a:ext uri="{FF2B5EF4-FFF2-40B4-BE49-F238E27FC236}">
-                <a16:creationId xmlns:a16="http://schemas.microsoft.com/office/drawing/2014/main" id="{DA6ECF81-D2E0-4BED-B0C8-17C8FCC82CB5}"/>
+                <a16:creationId xmlns:a16="http://schemas.microsoft.com/office/drawing/2014/main" id="{67D67DAB-DE69-4933-85EC-E56CD3787D1E}"/>
               </a:ext>
             </a:extLst>
           </p:cNvPr>
-          <p:cNvSpPr txBox="1"/>
+          <p:cNvSpPr txBox="1">
+            <a:spLocks/>
+          </p:cNvSpPr>
           <p:nvPr/>
         </p:nvSpPr>
         <p:spPr>
           <a:xfrm>
-            <a:off x="1934307" y="2153687"/>
-            <a:ext cx="914400" cy="276999"/>
-          </a:xfrm>
-          <a:prstGeom prst="rect">
-            <a:avLst/>
-          </a:prstGeom>
-          <a:noFill/>
-        </p:spPr>
-        <p:txBody>
-          <a:bodyPr wrap="square" rtlCol="0">
-            <a:spAutoFit/>
-          </a:bodyPr>
-          <a:lstStyle/>
-          <a:p>
-            <a:r>
-              <a:rPr lang="en-US" sz="1200" dirty="0"/>
-              <a:t>SentiMeter</a:t>
-            </a:r>
-          </a:p>
-        </p:txBody>
-      </p:sp>
-      <p:sp>
-        <p:nvSpPr>
-          <p:cNvPr id="10" name="Rectangle 9">
-            <a:extLst>
-              <a:ext uri="{FF2B5EF4-FFF2-40B4-BE49-F238E27FC236}">
-                <a16:creationId xmlns:a16="http://schemas.microsoft.com/office/drawing/2014/main" id="{4ED09A39-7583-4D11-A62C-5F897F50B806}"/>
-              </a:ext>
-            </a:extLst>
-          </p:cNvPr>
-          <p:cNvSpPr/>
-          <p:nvPr/>
-        </p:nvSpPr>
-        <p:spPr>
-          <a:xfrm>
-            <a:off x="2233246" y="2371318"/>
-            <a:ext cx="316523" cy="415558"/>
+            <a:off x="992188" y="2657475"/>
+            <a:ext cx="5157787" cy="3684588"/>
           </a:xfrm>
           <a:prstGeom prst="rect">
             <a:avLst/>
           </a:prstGeom>
         </p:spPr>
-        <p:style>
-          <a:lnRef idx="2">
-            <a:schemeClr val="dk1">
-              <a:shade val="50000"/>
-            </a:schemeClr>
-          </a:lnRef>
-          <a:fillRef idx="1">
-            <a:schemeClr val="dk1"/>
-          </a:fillRef>
-          <a:effectRef idx="0">
-            <a:schemeClr val="dk1"/>
-          </a:effectRef>
-          <a:fontRef idx="minor">
-            <a:schemeClr val="lt1"/>
-          </a:fontRef>
-        </p:style>
-        <p:txBody>
-          <a:bodyPr rtlCol="0" anchor="ctr"/>
-          <a:lstStyle/>
-          <a:p>
-            <a:pPr algn="ctr"/>
-            <a:endParaRPr lang="en-US"/>
-          </a:p>
-        </p:txBody>
-      </p:sp>
-      <p:pic>
-        <p:nvPicPr>
-          <p:cNvPr id="11" name="Picture 10">
+        <p:txBody>
+          <a:bodyPr>
+            <a:normAutofit/>
+          </a:bodyPr>
+          <a:lstStyle>
+            <a:lvl1pPr marL="228600" indent="-228600" algn="l" defTabSz="914400" rtl="0" eaLnBrk="1" latinLnBrk="0" hangingPunct="1">
+              <a:lnSpc>
+                <a:spcPct val="90000"/>
+              </a:lnSpc>
+              <a:spcBef>
+                <a:spcPts val="1000"/>
+              </a:spcBef>
+              <a:buFont typeface="Arial" panose="020B0604020202020204" pitchFamily="34" charset="0"/>
+              <a:buChar char="•"/>
+              <a:defRPr sz="2800" kern="1200">
+                <a:solidFill>
+                  <a:schemeClr val="tx1"/>
+                </a:solidFill>
+                <a:latin typeface="+mn-lt"/>
+                <a:ea typeface="+mn-ea"/>
+                <a:cs typeface="+mn-cs"/>
+              </a:defRPr>
+            </a:lvl1pPr>
+            <a:lvl2pPr marL="685800" indent="-228600" algn="l" defTabSz="914400" rtl="0" eaLnBrk="1" latinLnBrk="0" hangingPunct="1">
+              <a:lnSpc>
+                <a:spcPct val="90000"/>
+              </a:lnSpc>
+              <a:spcBef>
+                <a:spcPts val="500"/>
+              </a:spcBef>
+              <a:buFont typeface="Arial" panose="020B0604020202020204" pitchFamily="34" charset="0"/>
+              <a:buChar char="•"/>
+              <a:defRPr sz="2400" kern="1200">
+                <a:solidFill>
+                  <a:schemeClr val="tx1"/>
+                </a:solidFill>
+                <a:latin typeface="+mn-lt"/>
+                <a:ea typeface="+mn-ea"/>
+                <a:cs typeface="+mn-cs"/>
+              </a:defRPr>
+            </a:lvl2pPr>
+            <a:lvl3pPr marL="1143000" indent="-228600" algn="l" defTabSz="914400" rtl="0" eaLnBrk="1" latinLnBrk="0" hangingPunct="1">
+              <a:lnSpc>
+                <a:spcPct val="90000"/>
+              </a:lnSpc>
+              <a:spcBef>
+                <a:spcPts val="500"/>
+              </a:spcBef>
+              <a:buFont typeface="Arial" panose="020B0604020202020204" pitchFamily="34" charset="0"/>
+              <a:buChar char="•"/>
+              <a:defRPr sz="2000" kern="1200">
+                <a:solidFill>
+                  <a:schemeClr val="tx1"/>
+                </a:solidFill>
+                <a:latin typeface="+mn-lt"/>
+                <a:ea typeface="+mn-ea"/>
+                <a:cs typeface="+mn-cs"/>
+              </a:defRPr>
+            </a:lvl3pPr>
+            <a:lvl4pPr marL="1600200" indent="-228600" algn="l" defTabSz="914400" rtl="0" eaLnBrk="1" latinLnBrk="0" hangingPunct="1">
+              <a:lnSpc>
+                <a:spcPct val="90000"/>
+              </a:lnSpc>
+              <a:spcBef>
+                <a:spcPts val="500"/>
+              </a:spcBef>
+              <a:buFont typeface="Arial" panose="020B0604020202020204" pitchFamily="34" charset="0"/>
+              <a:buChar char="•"/>
+              <a:defRPr sz="1800" kern="1200">
+                <a:solidFill>
+                  <a:schemeClr val="tx1"/>
+                </a:solidFill>
+                <a:latin typeface="+mn-lt"/>
+                <a:ea typeface="+mn-ea"/>
+                <a:cs typeface="+mn-cs"/>
+              </a:defRPr>
+            </a:lvl4pPr>
+            <a:lvl5pPr marL="2057400" indent="-228600" algn="l" defTabSz="914400" rtl="0" eaLnBrk="1" latinLnBrk="0" hangingPunct="1">
+              <a:lnSpc>
+                <a:spcPct val="90000"/>
+              </a:lnSpc>
+              <a:spcBef>
+                <a:spcPts val="500"/>
+              </a:spcBef>
+              <a:buFont typeface="Arial" panose="020B0604020202020204" pitchFamily="34" charset="0"/>
+              <a:buChar char="•"/>
+              <a:defRPr sz="1800" kern="1200">
+                <a:solidFill>
+                  <a:schemeClr val="tx1"/>
+                </a:solidFill>
+                <a:latin typeface="+mn-lt"/>
+                <a:ea typeface="+mn-ea"/>
+                <a:cs typeface="+mn-cs"/>
+              </a:defRPr>
+            </a:lvl5pPr>
+            <a:lvl6pPr marL="2514600" indent="-228600" algn="l" defTabSz="914400" rtl="0" eaLnBrk="1" latinLnBrk="0" hangingPunct="1">
+              <a:lnSpc>
+                <a:spcPct val="90000"/>
+              </a:lnSpc>
+              <a:spcBef>
+                <a:spcPts val="500"/>
+              </a:spcBef>
+              <a:buFont typeface="Arial" panose="020B0604020202020204" pitchFamily="34" charset="0"/>
+              <a:buChar char="•"/>
+              <a:defRPr sz="1800" kern="1200">
+                <a:solidFill>
+                  <a:schemeClr val="tx1"/>
+                </a:solidFill>
+                <a:latin typeface="+mn-lt"/>
+                <a:ea typeface="+mn-ea"/>
+                <a:cs typeface="+mn-cs"/>
+              </a:defRPr>
+            </a:lvl6pPr>
+            <a:lvl7pPr marL="2971800" indent="-228600" algn="l" defTabSz="914400" rtl="0" eaLnBrk="1" latinLnBrk="0" hangingPunct="1">
+              <a:lnSpc>
+                <a:spcPct val="90000"/>
+              </a:lnSpc>
+              <a:spcBef>
+                <a:spcPts val="500"/>
+              </a:spcBef>
+              <a:buFont typeface="Arial" panose="020B0604020202020204" pitchFamily="34" charset="0"/>
+              <a:buChar char="•"/>
+              <a:defRPr sz="1800" kern="1200">
+                <a:solidFill>
+                  <a:schemeClr val="tx1"/>
+                </a:solidFill>
+                <a:latin typeface="+mn-lt"/>
+                <a:ea typeface="+mn-ea"/>
+                <a:cs typeface="+mn-cs"/>
+              </a:defRPr>
+            </a:lvl7pPr>
+            <a:lvl8pPr marL="3429000" indent="-228600" algn="l" defTabSz="914400" rtl="0" eaLnBrk="1" latinLnBrk="0" hangingPunct="1">
+              <a:lnSpc>
+                <a:spcPct val="90000"/>
+              </a:lnSpc>
+              <a:spcBef>
+                <a:spcPts val="500"/>
+              </a:spcBef>
+              <a:buFont typeface="Arial" panose="020B0604020202020204" pitchFamily="34" charset="0"/>
+              <a:buChar char="•"/>
+              <a:defRPr sz="1800" kern="1200">
+                <a:solidFill>
+                  <a:schemeClr val="tx1"/>
+                </a:solidFill>
+                <a:latin typeface="+mn-lt"/>
+                <a:ea typeface="+mn-ea"/>
+                <a:cs typeface="+mn-cs"/>
+              </a:defRPr>
+            </a:lvl8pPr>
+            <a:lvl9pPr marL="3886200" indent="-228600" algn="l" defTabSz="914400" rtl="0" eaLnBrk="1" latinLnBrk="0" hangingPunct="1">
+              <a:lnSpc>
+                <a:spcPct val="90000"/>
+              </a:lnSpc>
+              <a:spcBef>
+                <a:spcPts val="500"/>
+              </a:spcBef>
+              <a:buFont typeface="Arial" panose="020B0604020202020204" pitchFamily="34" charset="0"/>
+              <a:buChar char="•"/>
+              <a:defRPr sz="1800" kern="1200">
+                <a:solidFill>
+                  <a:schemeClr val="tx1"/>
+                </a:solidFill>
+                <a:latin typeface="+mn-lt"/>
+                <a:ea typeface="+mn-ea"/>
+                <a:cs typeface="+mn-cs"/>
+              </a:defRPr>
+            </a:lvl9pPr>
+          </a:lstStyle>
+          <a:p>
+            <a:r>
+              <a:rPr lang="en-US" dirty="0"/>
+              <a:t>Classifies the sentiment’s positiveness</a:t>
+            </a:r>
+          </a:p>
+          <a:p>
+            <a:r>
+              <a:rPr lang="en-US" dirty="0"/>
+              <a:t>Can be applied during </a:t>
+            </a:r>
+          </a:p>
+          <a:p>
+            <a:pPr lvl="1"/>
+            <a:r>
+              <a:rPr lang="en-US" sz="2800" dirty="0"/>
+              <a:t>Movie Premier</a:t>
+            </a:r>
+          </a:p>
+          <a:p>
+            <a:pPr lvl="1"/>
+            <a:r>
+              <a:rPr lang="en-US" sz="2800" dirty="0"/>
+              <a:t>Election</a:t>
+            </a:r>
+          </a:p>
+          <a:p>
+            <a:pPr lvl="1"/>
+            <a:r>
+              <a:rPr lang="en-US" sz="2800" dirty="0"/>
+              <a:t>Social Campaign, etc.</a:t>
+            </a:r>
+          </a:p>
+          <a:p>
+            <a:endParaRPr lang="en-US" dirty="0"/>
+          </a:p>
+        </p:txBody>
+      </p:sp>
+      <p:sp>
+        <p:nvSpPr>
+          <p:cNvPr id="18" name="Text Placeholder 4">
             <a:extLst>
               <a:ext uri="{FF2B5EF4-FFF2-40B4-BE49-F238E27FC236}">
-                <a16:creationId xmlns:a16="http://schemas.microsoft.com/office/drawing/2014/main" id="{A374458B-4CE9-4170-87E7-1E16E70B504E}"/>
+                <a16:creationId xmlns:a16="http://schemas.microsoft.com/office/drawing/2014/main" id="{E7835C99-4762-4C8A-A563-AF9C1104031A}"/>
               </a:ext>
             </a:extLst>
           </p:cNvPr>
-          <p:cNvPicPr>
-            <a:picLocks noChangeAspect="1"/>
-          </p:cNvPicPr>
+          <p:cNvSpPr txBox="1">
+            <a:spLocks/>
+          </p:cNvSpPr>
           <p:nvPr/>
-        </p:nvPicPr>
-        <p:blipFill>
-          <a:blip r:embed="rId3">
-            <a:extLst>
-              <a:ext uri="{28A0092B-C50C-407E-A947-70E740481C1C}">
-                <a14:useLocalDpi xmlns:a14="http://schemas.microsoft.com/office/drawing/2010/main" val="0"/>
-              </a:ext>
-            </a:extLst>
-          </a:blip>
-          <a:stretch>
-            <a:fillRect/>
-          </a:stretch>
-        </p:blipFill>
+        </p:nvSpPr>
         <p:spPr>
           <a:xfrm>
-            <a:off x="0" y="0"/>
-            <a:ext cx="1533525" cy="1533525"/>
+            <a:off x="6324600" y="1833563"/>
+            <a:ext cx="5183188" cy="823912"/>
           </a:xfrm>
           <a:prstGeom prst="rect">
             <a:avLst/>
           </a:prstGeom>
         </p:spPr>
-      </p:pic>
+        <p:txBody>
+          <a:bodyPr/>
+          <a:lstStyle>
+            <a:lvl1pPr marL="228600" indent="-228600" algn="l" defTabSz="914400" rtl="0" eaLnBrk="1" latinLnBrk="0" hangingPunct="1">
+              <a:lnSpc>
+                <a:spcPct val="90000"/>
+              </a:lnSpc>
+              <a:spcBef>
+                <a:spcPts val="1000"/>
+              </a:spcBef>
+              <a:buFont typeface="Arial" panose="020B0604020202020204" pitchFamily="34" charset="0"/>
+              <a:buChar char="•"/>
+              <a:defRPr sz="2800" kern="1200">
+                <a:solidFill>
+                  <a:schemeClr val="tx1"/>
+                </a:solidFill>
+                <a:latin typeface="+mn-lt"/>
+                <a:ea typeface="+mn-ea"/>
+                <a:cs typeface="+mn-cs"/>
+              </a:defRPr>
+            </a:lvl1pPr>
+            <a:lvl2pPr marL="685800" indent="-228600" algn="l" defTabSz="914400" rtl="0" eaLnBrk="1" latinLnBrk="0" hangingPunct="1">
+              <a:lnSpc>
+                <a:spcPct val="90000"/>
+              </a:lnSpc>
+              <a:spcBef>
+                <a:spcPts val="500"/>
+              </a:spcBef>
+              <a:buFont typeface="Arial" panose="020B0604020202020204" pitchFamily="34" charset="0"/>
+              <a:buChar char="•"/>
+              <a:defRPr sz="2400" kern="1200">
+                <a:solidFill>
+                  <a:schemeClr val="tx1"/>
+                </a:solidFill>
+                <a:latin typeface="+mn-lt"/>
+                <a:ea typeface="+mn-ea"/>
+                <a:cs typeface="+mn-cs"/>
+              </a:defRPr>
+            </a:lvl2pPr>
+            <a:lvl3pPr marL="1143000" indent="-228600" algn="l" defTabSz="914400" rtl="0" eaLnBrk="1" latinLnBrk="0" hangingPunct="1">
+              <a:lnSpc>
+                <a:spcPct val="90000"/>
+              </a:lnSpc>
+              <a:spcBef>
+                <a:spcPts val="500"/>
+              </a:spcBef>
+              <a:buFont typeface="Arial" panose="020B0604020202020204" pitchFamily="34" charset="0"/>
+              <a:buChar char="•"/>
+              <a:defRPr sz="2000" kern="1200">
+                <a:solidFill>
+                  <a:schemeClr val="tx1"/>
+                </a:solidFill>
+                <a:latin typeface="+mn-lt"/>
+                <a:ea typeface="+mn-ea"/>
+                <a:cs typeface="+mn-cs"/>
+              </a:defRPr>
+            </a:lvl3pPr>
+            <a:lvl4pPr marL="1600200" indent="-228600" algn="l" defTabSz="914400" rtl="0" eaLnBrk="1" latinLnBrk="0" hangingPunct="1">
+              <a:lnSpc>
+                <a:spcPct val="90000"/>
+              </a:lnSpc>
+              <a:spcBef>
+                <a:spcPts val="500"/>
+              </a:spcBef>
+              <a:buFont typeface="Arial" panose="020B0604020202020204" pitchFamily="34" charset="0"/>
+              <a:buChar char="•"/>
+              <a:defRPr sz="1800" kern="1200">
+                <a:solidFill>
+                  <a:schemeClr val="tx1"/>
+                </a:solidFill>
+                <a:latin typeface="+mn-lt"/>
+                <a:ea typeface="+mn-ea"/>
+                <a:cs typeface="+mn-cs"/>
+              </a:defRPr>
+            </a:lvl4pPr>
+            <a:lvl5pPr marL="2057400" indent="-228600" algn="l" defTabSz="914400" rtl="0" eaLnBrk="1" latinLnBrk="0" hangingPunct="1">
+              <a:lnSpc>
+                <a:spcPct val="90000"/>
+              </a:lnSpc>
+              <a:spcBef>
+                <a:spcPts val="500"/>
+              </a:spcBef>
+              <a:buFont typeface="Arial" panose="020B0604020202020204" pitchFamily="34" charset="0"/>
+              <a:buChar char="•"/>
+              <a:defRPr sz="1800" kern="1200">
+                <a:solidFill>
+                  <a:schemeClr val="tx1"/>
+                </a:solidFill>
+                <a:latin typeface="+mn-lt"/>
+                <a:ea typeface="+mn-ea"/>
+                <a:cs typeface="+mn-cs"/>
+              </a:defRPr>
+            </a:lvl5pPr>
+            <a:lvl6pPr marL="2514600" indent="-228600" algn="l" defTabSz="914400" rtl="0" eaLnBrk="1" latinLnBrk="0" hangingPunct="1">
+              <a:lnSpc>
+                <a:spcPct val="90000"/>
+              </a:lnSpc>
+              <a:spcBef>
+                <a:spcPts val="500"/>
+              </a:spcBef>
+              <a:buFont typeface="Arial" panose="020B0604020202020204" pitchFamily="34" charset="0"/>
+              <a:buChar char="•"/>
+              <a:defRPr sz="1800" kern="1200">
+                <a:solidFill>
+                  <a:schemeClr val="tx1"/>
+                </a:solidFill>
+                <a:latin typeface="+mn-lt"/>
+                <a:ea typeface="+mn-ea"/>
+                <a:cs typeface="+mn-cs"/>
+              </a:defRPr>
+            </a:lvl6pPr>
+            <a:lvl7pPr marL="2971800" indent="-228600" algn="l" defTabSz="914400" rtl="0" eaLnBrk="1" latinLnBrk="0" hangingPunct="1">
+              <a:lnSpc>
+                <a:spcPct val="90000"/>
+              </a:lnSpc>
+              <a:spcBef>
+                <a:spcPts val="500"/>
+              </a:spcBef>
+              <a:buFont typeface="Arial" panose="020B0604020202020204" pitchFamily="34" charset="0"/>
+              <a:buChar char="•"/>
+              <a:defRPr sz="1800" kern="1200">
+                <a:solidFill>
+                  <a:schemeClr val="tx1"/>
+                </a:solidFill>
+                <a:latin typeface="+mn-lt"/>
+                <a:ea typeface="+mn-ea"/>
+                <a:cs typeface="+mn-cs"/>
+              </a:defRPr>
+            </a:lvl7pPr>
+            <a:lvl8pPr marL="3429000" indent="-228600" algn="l" defTabSz="914400" rtl="0" eaLnBrk="1" latinLnBrk="0" hangingPunct="1">
+              <a:lnSpc>
+                <a:spcPct val="90000"/>
+              </a:lnSpc>
+              <a:spcBef>
+                <a:spcPts val="500"/>
+              </a:spcBef>
+              <a:buFont typeface="Arial" panose="020B0604020202020204" pitchFamily="34" charset="0"/>
+              <a:buChar char="•"/>
+              <a:defRPr sz="1800" kern="1200">
+                <a:solidFill>
+                  <a:schemeClr val="tx1"/>
+                </a:solidFill>
+                <a:latin typeface="+mn-lt"/>
+                <a:ea typeface="+mn-ea"/>
+                <a:cs typeface="+mn-cs"/>
+              </a:defRPr>
+            </a:lvl8pPr>
+            <a:lvl9pPr marL="3886200" indent="-228600" algn="l" defTabSz="914400" rtl="0" eaLnBrk="1" latinLnBrk="0" hangingPunct="1">
+              <a:lnSpc>
+                <a:spcPct val="90000"/>
+              </a:lnSpc>
+              <a:spcBef>
+                <a:spcPts val="500"/>
+              </a:spcBef>
+              <a:buFont typeface="Arial" panose="020B0604020202020204" pitchFamily="34" charset="0"/>
+              <a:buChar char="•"/>
+              <a:defRPr sz="1800" kern="1200">
+                <a:solidFill>
+                  <a:schemeClr val="tx1"/>
+                </a:solidFill>
+                <a:latin typeface="+mn-lt"/>
+                <a:ea typeface="+mn-ea"/>
+                <a:cs typeface="+mn-cs"/>
+              </a:defRPr>
+            </a:lvl9pPr>
+          </a:lstStyle>
+          <a:p>
+            <a:pPr marL="0" indent="0">
+              <a:buNone/>
+            </a:pPr>
+            <a:r>
+              <a:rPr lang="en-US" sz="3200" dirty="0"/>
+              <a:t>Limitation</a:t>
+            </a:r>
+          </a:p>
+        </p:txBody>
+      </p:sp>
+      <p:sp>
+        <p:nvSpPr>
+          <p:cNvPr id="19" name="Content Placeholder 5">
+            <a:extLst>
+              <a:ext uri="{FF2B5EF4-FFF2-40B4-BE49-F238E27FC236}">
+                <a16:creationId xmlns:a16="http://schemas.microsoft.com/office/drawing/2014/main" id="{1B8D90CD-CD78-466C-8FA3-0CE88E6933D5}"/>
+              </a:ext>
+            </a:extLst>
+          </p:cNvPr>
+          <p:cNvSpPr txBox="1">
+            <a:spLocks/>
+          </p:cNvSpPr>
+          <p:nvPr/>
+        </p:nvSpPr>
+        <p:spPr>
+          <a:xfrm>
+            <a:off x="6324600" y="2657475"/>
+            <a:ext cx="5183188" cy="3684588"/>
+          </a:xfrm>
+          <a:prstGeom prst="rect">
+            <a:avLst/>
+          </a:prstGeom>
+        </p:spPr>
+        <p:txBody>
+          <a:bodyPr>
+            <a:normAutofit/>
+          </a:bodyPr>
+          <a:lstStyle>
+            <a:lvl1pPr marL="228600" indent="-228600" algn="l" defTabSz="914400" rtl="0" eaLnBrk="1" latinLnBrk="0" hangingPunct="1">
+              <a:lnSpc>
+                <a:spcPct val="90000"/>
+              </a:lnSpc>
+              <a:spcBef>
+                <a:spcPts val="1000"/>
+              </a:spcBef>
+              <a:buFont typeface="Arial" panose="020B0604020202020204" pitchFamily="34" charset="0"/>
+              <a:buChar char="•"/>
+              <a:defRPr sz="2800" kern="1200">
+                <a:solidFill>
+                  <a:schemeClr val="tx1"/>
+                </a:solidFill>
+                <a:latin typeface="+mn-lt"/>
+                <a:ea typeface="+mn-ea"/>
+                <a:cs typeface="+mn-cs"/>
+              </a:defRPr>
+            </a:lvl1pPr>
+            <a:lvl2pPr marL="685800" indent="-228600" algn="l" defTabSz="914400" rtl="0" eaLnBrk="1" latinLnBrk="0" hangingPunct="1">
+              <a:lnSpc>
+                <a:spcPct val="90000"/>
+              </a:lnSpc>
+              <a:spcBef>
+                <a:spcPts val="500"/>
+              </a:spcBef>
+              <a:buFont typeface="Arial" panose="020B0604020202020204" pitchFamily="34" charset="0"/>
+              <a:buChar char="•"/>
+              <a:defRPr sz="2400" kern="1200">
+                <a:solidFill>
+                  <a:schemeClr val="tx1"/>
+                </a:solidFill>
+                <a:latin typeface="+mn-lt"/>
+                <a:ea typeface="+mn-ea"/>
+                <a:cs typeface="+mn-cs"/>
+              </a:defRPr>
+            </a:lvl2pPr>
+            <a:lvl3pPr marL="1143000" indent="-228600" algn="l" defTabSz="914400" rtl="0" eaLnBrk="1" latinLnBrk="0" hangingPunct="1">
+              <a:lnSpc>
+                <a:spcPct val="90000"/>
+              </a:lnSpc>
+              <a:spcBef>
+                <a:spcPts val="500"/>
+              </a:spcBef>
+              <a:buFont typeface="Arial" panose="020B0604020202020204" pitchFamily="34" charset="0"/>
+              <a:buChar char="•"/>
+              <a:defRPr sz="2000" kern="1200">
+                <a:solidFill>
+                  <a:schemeClr val="tx1"/>
+                </a:solidFill>
+                <a:latin typeface="+mn-lt"/>
+                <a:ea typeface="+mn-ea"/>
+                <a:cs typeface="+mn-cs"/>
+              </a:defRPr>
+            </a:lvl3pPr>
+            <a:lvl4pPr marL="1600200" indent="-228600" algn="l" defTabSz="914400" rtl="0" eaLnBrk="1" latinLnBrk="0" hangingPunct="1">
+              <a:lnSpc>
+                <a:spcPct val="90000"/>
+              </a:lnSpc>
+              <a:spcBef>
+                <a:spcPts val="500"/>
+              </a:spcBef>
+              <a:buFont typeface="Arial" panose="020B0604020202020204" pitchFamily="34" charset="0"/>
+              <a:buChar char="•"/>
+              <a:defRPr sz="1800" kern="1200">
+                <a:solidFill>
+                  <a:schemeClr val="tx1"/>
+                </a:solidFill>
+                <a:latin typeface="+mn-lt"/>
+                <a:ea typeface="+mn-ea"/>
+                <a:cs typeface="+mn-cs"/>
+              </a:defRPr>
+            </a:lvl4pPr>
+            <a:lvl5pPr marL="2057400" indent="-228600" algn="l" defTabSz="914400" rtl="0" eaLnBrk="1" latinLnBrk="0" hangingPunct="1">
+              <a:lnSpc>
+                <a:spcPct val="90000"/>
+              </a:lnSpc>
+              <a:spcBef>
+                <a:spcPts val="500"/>
+              </a:spcBef>
+              <a:buFont typeface="Arial" panose="020B0604020202020204" pitchFamily="34" charset="0"/>
+              <a:buChar char="•"/>
+              <a:defRPr sz="1800" kern="1200">
+                <a:solidFill>
+                  <a:schemeClr val="tx1"/>
+                </a:solidFill>
+                <a:latin typeface="+mn-lt"/>
+                <a:ea typeface="+mn-ea"/>
+                <a:cs typeface="+mn-cs"/>
+              </a:defRPr>
+            </a:lvl5pPr>
+            <a:lvl6pPr marL="2514600" indent="-228600" algn="l" defTabSz="914400" rtl="0" eaLnBrk="1" latinLnBrk="0" hangingPunct="1">
+              <a:lnSpc>
+                <a:spcPct val="90000"/>
+              </a:lnSpc>
+              <a:spcBef>
+                <a:spcPts val="500"/>
+              </a:spcBef>
+              <a:buFont typeface="Arial" panose="020B0604020202020204" pitchFamily="34" charset="0"/>
+              <a:buChar char="•"/>
+              <a:defRPr sz="1800" kern="1200">
+                <a:solidFill>
+                  <a:schemeClr val="tx1"/>
+                </a:solidFill>
+                <a:latin typeface="+mn-lt"/>
+                <a:ea typeface="+mn-ea"/>
+                <a:cs typeface="+mn-cs"/>
+              </a:defRPr>
+            </a:lvl6pPr>
+            <a:lvl7pPr marL="2971800" indent="-228600" algn="l" defTabSz="914400" rtl="0" eaLnBrk="1" latinLnBrk="0" hangingPunct="1">
+              <a:lnSpc>
+                <a:spcPct val="90000"/>
+              </a:lnSpc>
+              <a:spcBef>
+                <a:spcPts val="500"/>
+              </a:spcBef>
+              <a:buFont typeface="Arial" panose="020B0604020202020204" pitchFamily="34" charset="0"/>
+              <a:buChar char="•"/>
+              <a:defRPr sz="1800" kern="1200">
+                <a:solidFill>
+                  <a:schemeClr val="tx1"/>
+                </a:solidFill>
+                <a:latin typeface="+mn-lt"/>
+                <a:ea typeface="+mn-ea"/>
+                <a:cs typeface="+mn-cs"/>
+              </a:defRPr>
+            </a:lvl7pPr>
+            <a:lvl8pPr marL="3429000" indent="-228600" algn="l" defTabSz="914400" rtl="0" eaLnBrk="1" latinLnBrk="0" hangingPunct="1">
+              <a:lnSpc>
+                <a:spcPct val="90000"/>
+              </a:lnSpc>
+              <a:spcBef>
+                <a:spcPts val="500"/>
+              </a:spcBef>
+              <a:buFont typeface="Arial" panose="020B0604020202020204" pitchFamily="34" charset="0"/>
+              <a:buChar char="•"/>
+              <a:defRPr sz="1800" kern="1200">
+                <a:solidFill>
+                  <a:schemeClr val="tx1"/>
+                </a:solidFill>
+                <a:latin typeface="+mn-lt"/>
+                <a:ea typeface="+mn-ea"/>
+                <a:cs typeface="+mn-cs"/>
+              </a:defRPr>
+            </a:lvl8pPr>
+            <a:lvl9pPr marL="3886200" indent="-228600" algn="l" defTabSz="914400" rtl="0" eaLnBrk="1" latinLnBrk="0" hangingPunct="1">
+              <a:lnSpc>
+                <a:spcPct val="90000"/>
+              </a:lnSpc>
+              <a:spcBef>
+                <a:spcPts val="500"/>
+              </a:spcBef>
+              <a:buFont typeface="Arial" panose="020B0604020202020204" pitchFamily="34" charset="0"/>
+              <a:buChar char="•"/>
+              <a:defRPr sz="1800" kern="1200">
+                <a:solidFill>
+                  <a:schemeClr val="tx1"/>
+                </a:solidFill>
+                <a:latin typeface="+mn-lt"/>
+                <a:ea typeface="+mn-ea"/>
+                <a:cs typeface="+mn-cs"/>
+              </a:defRPr>
+            </a:lvl9pPr>
+          </a:lstStyle>
+          <a:p>
+            <a:r>
+              <a:rPr lang="en-US" dirty="0"/>
+              <a:t>Cannot identify humor and sarcasm</a:t>
+            </a:r>
+          </a:p>
+          <a:p>
+            <a:r>
+              <a:rPr lang="en-US" dirty="0"/>
+              <a:t>Does not consider the neutral sentiments.</a:t>
+            </a:r>
+          </a:p>
+          <a:p>
+            <a:r>
+              <a:rPr lang="en-US" dirty="0"/>
+              <a:t>Does not consider the context of tweets.</a:t>
+            </a:r>
+          </a:p>
+        </p:txBody>
+      </p:sp>
+      <p:sp>
+        <p:nvSpPr>
+          <p:cNvPr id="20" name="Slide Number Placeholder 6">
+            <a:extLst>
+              <a:ext uri="{FF2B5EF4-FFF2-40B4-BE49-F238E27FC236}">
+                <a16:creationId xmlns:a16="http://schemas.microsoft.com/office/drawing/2014/main" id="{1FF1E526-E4FD-4CFC-AE87-BD1F40159320}"/>
+              </a:ext>
+            </a:extLst>
+          </p:cNvPr>
+          <p:cNvSpPr txBox="1">
+            <a:spLocks/>
+          </p:cNvSpPr>
+          <p:nvPr/>
+        </p:nvSpPr>
+        <p:spPr>
+          <a:xfrm>
+            <a:off x="8763000" y="6508750"/>
+            <a:ext cx="2743200" cy="365125"/>
+          </a:xfrm>
+          <a:prstGeom prst="rect">
+            <a:avLst/>
+          </a:prstGeom>
+        </p:spPr>
+        <p:txBody>
+          <a:bodyPr vert="horz" lIns="91440" tIns="45720" rIns="91440" bIns="45720" rtlCol="0" anchor="ctr"/>
+          <a:lstStyle>
+            <a:defPPr>
+              <a:defRPr lang="en-US"/>
+            </a:defPPr>
+            <a:lvl1pPr marL="0" algn="r" defTabSz="457200" rtl="0" eaLnBrk="1" latinLnBrk="0" hangingPunct="1">
+              <a:defRPr sz="1200" kern="1200">
+                <a:solidFill>
+                  <a:schemeClr val="tx1">
+                    <a:tint val="75000"/>
+                  </a:schemeClr>
+                </a:solidFill>
+                <a:latin typeface="+mn-lt"/>
+                <a:ea typeface="+mn-ea"/>
+                <a:cs typeface="+mn-cs"/>
+              </a:defRPr>
+            </a:lvl1pPr>
+            <a:lvl2pPr marL="457200" algn="l" defTabSz="457200" rtl="0" eaLnBrk="1" latinLnBrk="0" hangingPunct="1">
+              <a:defRPr sz="1800" kern="1200">
+                <a:solidFill>
+                  <a:schemeClr val="tx1"/>
+                </a:solidFill>
+                <a:latin typeface="+mn-lt"/>
+                <a:ea typeface="+mn-ea"/>
+                <a:cs typeface="+mn-cs"/>
+              </a:defRPr>
+            </a:lvl2pPr>
+            <a:lvl3pPr marL="914400" algn="l" defTabSz="457200" rtl="0" eaLnBrk="1" latinLnBrk="0" hangingPunct="1">
+              <a:defRPr sz="1800" kern="1200">
+                <a:solidFill>
+                  <a:schemeClr val="tx1"/>
+                </a:solidFill>
+                <a:latin typeface="+mn-lt"/>
+                <a:ea typeface="+mn-ea"/>
+                <a:cs typeface="+mn-cs"/>
+              </a:defRPr>
+            </a:lvl3pPr>
+            <a:lvl4pPr marL="1371600" algn="l" defTabSz="457200" rtl="0" eaLnBrk="1" latinLnBrk="0" hangingPunct="1">
+              <a:defRPr sz="1800" kern="1200">
+                <a:solidFill>
+                  <a:schemeClr val="tx1"/>
+                </a:solidFill>
+                <a:latin typeface="+mn-lt"/>
+                <a:ea typeface="+mn-ea"/>
+                <a:cs typeface="+mn-cs"/>
+              </a:defRPr>
+            </a:lvl4pPr>
+            <a:lvl5pPr marL="1828800" algn="l" defTabSz="457200" rtl="0" eaLnBrk="1" latinLnBrk="0" hangingPunct="1">
+              <a:defRPr sz="1800" kern="1200">
+                <a:solidFill>
+                  <a:schemeClr val="tx1"/>
+                </a:solidFill>
+                <a:latin typeface="+mn-lt"/>
+                <a:ea typeface="+mn-ea"/>
+                <a:cs typeface="+mn-cs"/>
+              </a:defRPr>
+            </a:lvl5pPr>
+            <a:lvl6pPr marL="2286000" algn="l" defTabSz="457200" rtl="0" eaLnBrk="1" latinLnBrk="0" hangingPunct="1">
+              <a:defRPr sz="1800" kern="1200">
+                <a:solidFill>
+                  <a:schemeClr val="tx1"/>
+                </a:solidFill>
+                <a:latin typeface="+mn-lt"/>
+                <a:ea typeface="+mn-ea"/>
+                <a:cs typeface="+mn-cs"/>
+              </a:defRPr>
+            </a:lvl6pPr>
+            <a:lvl7pPr marL="2743200" algn="l" defTabSz="457200" rtl="0" eaLnBrk="1" latinLnBrk="0" hangingPunct="1">
+              <a:defRPr sz="1800" kern="1200">
+                <a:solidFill>
+                  <a:schemeClr val="tx1"/>
+                </a:solidFill>
+                <a:latin typeface="+mn-lt"/>
+                <a:ea typeface="+mn-ea"/>
+                <a:cs typeface="+mn-cs"/>
+              </a:defRPr>
+            </a:lvl7pPr>
+            <a:lvl8pPr marL="3200400" algn="l" defTabSz="457200" rtl="0" eaLnBrk="1" latinLnBrk="0" hangingPunct="1">
+              <a:defRPr sz="1800" kern="1200">
+                <a:solidFill>
+                  <a:schemeClr val="tx1"/>
+                </a:solidFill>
+                <a:latin typeface="+mn-lt"/>
+                <a:ea typeface="+mn-ea"/>
+                <a:cs typeface="+mn-cs"/>
+              </a:defRPr>
+            </a:lvl8pPr>
+            <a:lvl9pPr marL="3657600" algn="l" defTabSz="457200" rtl="0" eaLnBrk="1" latinLnBrk="0" hangingPunct="1">
+              <a:defRPr sz="1800" kern="1200">
+                <a:solidFill>
+                  <a:schemeClr val="tx1"/>
+                </a:solidFill>
+                <a:latin typeface="+mn-lt"/>
+                <a:ea typeface="+mn-ea"/>
+                <a:cs typeface="+mn-cs"/>
+              </a:defRPr>
+            </a:lvl9pPr>
+          </a:lstStyle>
+          <a:p>
+            <a:fld id="{6C45EC47-6188-4C03-8813-AF382A0C43BB}" type="slidenum">
+              <a:rPr lang="en-US" smtClean="0"/>
+              <a:pPr/>
+              <a:t>8</a:t>
+            </a:fld>
+            <a:endParaRPr lang="en-US"/>
+          </a:p>
+        </p:txBody>
+      </p:sp>
     </p:spTree>
     <p:extLst>
       <p:ext uri="{BB962C8B-B14F-4D97-AF65-F5344CB8AC3E}">
-        <p14:creationId xmlns:p14="http://schemas.microsoft.com/office/powerpoint/2010/main" val="1676931241"/>
+        <p14:creationId xmlns:p14="http://schemas.microsoft.com/office/powerpoint/2010/main" val="4028544614"/>
       </p:ext>
     </p:extLst>
   </p:cSld>
@@ -8020,7 +7112,7 @@
           <p:cNvPr id="2" name="Title 1">
             <a:extLst>
               <a:ext uri="{FF2B5EF4-FFF2-40B4-BE49-F238E27FC236}">
-                <a16:creationId xmlns:a16="http://schemas.microsoft.com/office/drawing/2014/main" id="{25B606BD-2679-4020-BED9-F1258866D22A}"/>
+                <a16:creationId xmlns:a16="http://schemas.microsoft.com/office/drawing/2014/main" id="{99FCFC10-2D9E-4B06-8A41-DF2F21EC81F1}"/>
               </a:ext>
             </a:extLst>
           </p:cNvPr>
@@ -8031,12 +7123,7 @@
             <p:ph type="title"/>
           </p:nvPr>
         </p:nvSpPr>
-        <p:spPr>
-          <a:xfrm>
-            <a:off x="838200" y="136525"/>
-            <a:ext cx="10515600" cy="1325563"/>
-          </a:xfrm>
-        </p:spPr>
+        <p:spPr/>
         <p:txBody>
           <a:bodyPr/>
           <a:lstStyle/>
@@ -8044,7 +7131,7 @@
             <a:pPr algn="ctr"/>
             <a:r>
               <a:rPr lang="en-US" dirty="0"/>
-              <a:t>Project Tasks</a:t>
+              <a:t>Methodology</a:t>
             </a:r>
           </a:p>
         </p:txBody>
@@ -8054,7 +7141,7 @@
           <p:cNvPr id="6" name="Content Placeholder 5">
             <a:extLst>
               <a:ext uri="{FF2B5EF4-FFF2-40B4-BE49-F238E27FC236}">
-                <a16:creationId xmlns:a16="http://schemas.microsoft.com/office/drawing/2014/main" id="{C1810338-EAB9-4AE8-BD26-D3D149FAAB0E}"/>
+                <a16:creationId xmlns:a16="http://schemas.microsoft.com/office/drawing/2014/main" id="{FDE7B5BF-E18B-4BBD-8FC7-C3B77493FC66}"/>
               </a:ext>
             </a:extLst>
           </p:cNvPr>
@@ -8079,8 +7166,8 @@
         </p:blipFill>
         <p:spPr>
           <a:xfrm>
-            <a:off x="2154912" y="1825625"/>
-            <a:ext cx="7882176" cy="4351338"/>
+            <a:off x="986644" y="1690688"/>
+            <a:ext cx="10218712" cy="4257797"/>
           </a:xfrm>
         </p:spPr>
       </p:pic>
@@ -8089,7 +7176,7 @@
           <p:cNvPr id="4" name="Slide Number Placeholder 3">
             <a:extLst>
               <a:ext uri="{FF2B5EF4-FFF2-40B4-BE49-F238E27FC236}">
-                <a16:creationId xmlns:a16="http://schemas.microsoft.com/office/drawing/2014/main" id="{907DE8D0-33A4-4E89-8C1C-12779A474A1C}"/>
+                <a16:creationId xmlns:a16="http://schemas.microsoft.com/office/drawing/2014/main" id="{F32CF8D4-82DD-4CFC-86E2-8BAE16FCDFB8}"/>
               </a:ext>
             </a:extLst>
           </p:cNvPr>
@@ -8113,46 +7200,45 @@
           </a:p>
         </p:txBody>
       </p:sp>
-      <p:pic>
-        <p:nvPicPr>
-          <p:cNvPr id="5" name="Picture 4">
+      <p:sp>
+        <p:nvSpPr>
+          <p:cNvPr id="7" name="TextBox 6">
             <a:extLst>
               <a:ext uri="{FF2B5EF4-FFF2-40B4-BE49-F238E27FC236}">
-                <a16:creationId xmlns:a16="http://schemas.microsoft.com/office/drawing/2014/main" id="{331CD2EF-9E16-42E7-8AE1-85EB3E7FC1F3}"/>
+                <a16:creationId xmlns:a16="http://schemas.microsoft.com/office/drawing/2014/main" id="{B5ACF3C5-2339-43E8-9008-F45CA9E2A302}"/>
               </a:ext>
             </a:extLst>
           </p:cNvPr>
-          <p:cNvPicPr>
-            <a:picLocks noChangeAspect="1"/>
-          </p:cNvPicPr>
+          <p:cNvSpPr txBox="1"/>
           <p:nvPr/>
-        </p:nvPicPr>
-        <p:blipFill>
-          <a:blip r:embed="rId3">
-            <a:extLst>
-              <a:ext uri="{28A0092B-C50C-407E-A947-70E740481C1C}">
-                <a14:useLocalDpi xmlns:a14="http://schemas.microsoft.com/office/drawing/2010/main" val="0"/>
-              </a:ext>
-            </a:extLst>
-          </a:blip>
-          <a:stretch>
-            <a:fillRect/>
-          </a:stretch>
-        </p:blipFill>
+        </p:nvSpPr>
         <p:spPr>
           <a:xfrm>
-            <a:off x="0" y="0"/>
-            <a:ext cx="1533525" cy="1533525"/>
+            <a:off x="4900612" y="5991686"/>
+            <a:ext cx="2390775" cy="461665"/>
           </a:xfrm>
           <a:prstGeom prst="rect">
             <a:avLst/>
           </a:prstGeom>
+          <a:noFill/>
         </p:spPr>
-      </p:pic>
+        <p:txBody>
+          <a:bodyPr wrap="square" rtlCol="0">
+            <a:spAutoFit/>
+          </a:bodyPr>
+          <a:lstStyle/>
+          <a:p>
+            <a:r>
+              <a:rPr lang="en-US" sz="2400" b="1" dirty="0"/>
+              <a:t>Waterfall Model</a:t>
+            </a:r>
+          </a:p>
+        </p:txBody>
+      </p:sp>
     </p:spTree>
     <p:extLst>
       <p:ext uri="{BB962C8B-B14F-4D97-AF65-F5344CB8AC3E}">
-        <p14:creationId xmlns:p14="http://schemas.microsoft.com/office/powerpoint/2010/main" val="693700771"/>
+        <p14:creationId xmlns:p14="http://schemas.microsoft.com/office/powerpoint/2010/main" val="3763735968"/>
       </p:ext>
     </p:extLst>
   </p:cSld>
